--- a/prez.pptx
+++ b/prez.pptx
@@ -3,45 +3,50 @@
 <p:presentation xmlns:a="http://schemas.openxmlformats.org/drawingml/2006/main" xmlns:r="http://schemas.openxmlformats.org/officeDocument/2006/relationships" xmlns:p="http://schemas.openxmlformats.org/presentationml/2006/main" saveSubsetFonts="1">
   <p:sldMasterIdLst>
     <p:sldMasterId id="2147483648" r:id="rId1"/>
+    <p:sldMasterId id="2147483660" r:id="rId2"/>
   </p:sldMasterIdLst>
   <p:sldIdLst>
-    <p:sldId id="256" r:id="rId2"/>
-    <p:sldId id="260" r:id="rId3"/>
-    <p:sldId id="261" r:id="rId4"/>
-    <p:sldId id="263" r:id="rId5"/>
-    <p:sldId id="262" r:id="rId6"/>
-    <p:sldId id="264" r:id="rId7"/>
-    <p:sldId id="265" r:id="rId8"/>
-    <p:sldId id="276" r:id="rId9"/>
-    <p:sldId id="274" r:id="rId10"/>
-    <p:sldId id="275" r:id="rId11"/>
-    <p:sldId id="273" r:id="rId12"/>
-    <p:sldId id="272" r:id="rId13"/>
-    <p:sldId id="279" r:id="rId14"/>
-    <p:sldId id="278" r:id="rId15"/>
-    <p:sldId id="277" r:id="rId16"/>
-    <p:sldId id="271" r:id="rId17"/>
-    <p:sldId id="270" r:id="rId18"/>
-    <p:sldId id="269" r:id="rId19"/>
-    <p:sldId id="268" r:id="rId20"/>
-    <p:sldId id="267" r:id="rId21"/>
-    <p:sldId id="266" r:id="rId22"/>
-    <p:sldId id="280" r:id="rId23"/>
-    <p:sldId id="281" r:id="rId24"/>
-    <p:sldId id="282" r:id="rId25"/>
-    <p:sldId id="283" r:id="rId26"/>
-    <p:sldId id="284" r:id="rId27"/>
-    <p:sldId id="292" r:id="rId28"/>
-    <p:sldId id="285" r:id="rId29"/>
-    <p:sldId id="291" r:id="rId30"/>
-    <p:sldId id="286" r:id="rId31"/>
-    <p:sldId id="287" r:id="rId32"/>
-    <p:sldId id="288" r:id="rId33"/>
-    <p:sldId id="289" r:id="rId34"/>
-    <p:sldId id="290" r:id="rId35"/>
+    <p:sldId id="256" r:id="rId3"/>
+    <p:sldId id="260" r:id="rId4"/>
+    <p:sldId id="261" r:id="rId5"/>
+    <p:sldId id="263" r:id="rId6"/>
+    <p:sldId id="262" r:id="rId7"/>
+    <p:sldId id="264" r:id="rId8"/>
+    <p:sldId id="265" r:id="rId9"/>
+    <p:sldId id="276" r:id="rId10"/>
+    <p:sldId id="274" r:id="rId11"/>
+    <p:sldId id="275" r:id="rId12"/>
+    <p:sldId id="273" r:id="rId13"/>
+    <p:sldId id="272" r:id="rId14"/>
+    <p:sldId id="279" r:id="rId15"/>
+    <p:sldId id="278" r:id="rId16"/>
+    <p:sldId id="277" r:id="rId17"/>
+    <p:sldId id="271" r:id="rId18"/>
+    <p:sldId id="270" r:id="rId19"/>
+    <p:sldId id="269" r:id="rId20"/>
+    <p:sldId id="268" r:id="rId21"/>
+    <p:sldId id="267" r:id="rId22"/>
+    <p:sldId id="266" r:id="rId23"/>
+    <p:sldId id="280" r:id="rId24"/>
+    <p:sldId id="281" r:id="rId25"/>
+    <p:sldId id="282" r:id="rId26"/>
+    <p:sldId id="283" r:id="rId27"/>
+    <p:sldId id="284" r:id="rId28"/>
+    <p:sldId id="292" r:id="rId29"/>
+    <p:sldId id="285" r:id="rId30"/>
+    <p:sldId id="291" r:id="rId31"/>
+    <p:sldId id="286" r:id="rId32"/>
+    <p:sldId id="287" r:id="rId33"/>
+    <p:sldId id="293" r:id="rId34"/>
+    <p:sldId id="288" r:id="rId35"/>
+    <p:sldId id="289" r:id="rId36"/>
+    <p:sldId id="290" r:id="rId37"/>
   </p:sldIdLst>
   <p:sldSz cx="12192000" cy="6858000"/>
   <p:notesSz cx="6858000" cy="9144000"/>
+  <p:custDataLst>
+    <p:tags r:id="rId38"/>
+  </p:custDataLst>
   <p:defaultTextStyle>
     <a:defPPr>
       <a:defRPr lang="pl-PL"/>
@@ -271,7 +276,7 @@
           <a:p>
             <a:fld id="{99954231-B631-4188-A90E-A96E2697AD61}" type="datetimeFigureOut">
               <a:rPr lang="pl-PL" smtClean="0"/>
-              <a:t>2015-04-21</a:t>
+              <a:t>2015-04-22</a:t>
             </a:fld>
             <a:endParaRPr lang="pl-PL"/>
           </a:p>
@@ -441,7 +446,7 @@
           <a:p>
             <a:fld id="{99954231-B631-4188-A90E-A96E2697AD61}" type="datetimeFigureOut">
               <a:rPr lang="pl-PL" smtClean="0"/>
-              <a:t>2015-04-21</a:t>
+              <a:t>2015-04-22</a:t>
             </a:fld>
             <a:endParaRPr lang="pl-PL"/>
           </a:p>
@@ -621,7 +626,7 @@
           <a:p>
             <a:fld id="{99954231-B631-4188-A90E-A96E2697AD61}" type="datetimeFigureOut">
               <a:rPr lang="pl-PL" smtClean="0"/>
-              <a:t>2015-04-21</a:t>
+              <a:t>2015-04-22</a:t>
             </a:fld>
             <a:endParaRPr lang="pl-PL"/>
           </a:p>
@@ -673,6 +678,1959 @@
     <p:extLst>
       <p:ext uri="{BB962C8B-B14F-4D97-AF65-F5344CB8AC3E}">
         <p14:creationId xmlns:p14="http://schemas.microsoft.com/office/powerpoint/2010/main" val="3327175334"/>
+      </p:ext>
+    </p:extLst>
+  </p:cSld>
+  <p:clrMapOvr>
+    <a:masterClrMapping/>
+  </p:clrMapOvr>
+</p:sldLayout>
+</file>
+
+<file path=ppt/slideLayouts/slideLayout12.xml><?xml version="1.0" encoding="utf-8"?>
+<p:sldLayout xmlns:a="http://schemas.openxmlformats.org/drawingml/2006/main" xmlns:r="http://schemas.openxmlformats.org/officeDocument/2006/relationships" xmlns:p="http://schemas.openxmlformats.org/presentationml/2006/main" type="title" preserve="1">
+  <p:cSld name="Title Slide">
+    <p:spTree>
+      <p:nvGrpSpPr>
+        <p:cNvPr id="1" name=""/>
+        <p:cNvGrpSpPr/>
+        <p:nvPr/>
+      </p:nvGrpSpPr>
+      <p:grpSpPr>
+        <a:xfrm>
+          <a:off x="0" y="0"/>
+          <a:ext cx="0" cy="0"/>
+          <a:chOff x="0" y="0"/>
+          <a:chExt cx="0" cy="0"/>
+        </a:xfrm>
+      </p:grpSpPr>
+      <p:sp>
+        <p:nvSpPr>
+          <p:cNvPr id="2" name="Title 1"/>
+          <p:cNvSpPr>
+            <a:spLocks noGrp="1"/>
+          </p:cNvSpPr>
+          <p:nvPr>
+            <p:ph type="ctrTitle"/>
+          </p:nvPr>
+        </p:nvSpPr>
+        <p:spPr>
+          <a:xfrm>
+            <a:off x="1524000" y="1122363"/>
+            <a:ext cx="9144000" cy="2387600"/>
+          </a:xfrm>
+        </p:spPr>
+        <p:txBody>
+          <a:bodyPr anchor="b"/>
+          <a:lstStyle>
+            <a:lvl1pPr algn="ctr">
+              <a:defRPr sz="6000"/>
+            </a:lvl1pPr>
+          </a:lstStyle>
+          <a:p>
+            <a:r>
+              <a:rPr lang="en-US" smtClean="0"/>
+              <a:t>Click to edit Master title style</a:t>
+            </a:r>
+            <a:endParaRPr lang="pl-PL"/>
+          </a:p>
+        </p:txBody>
+      </p:sp>
+      <p:sp>
+        <p:nvSpPr>
+          <p:cNvPr id="3" name="Subtitle 2"/>
+          <p:cNvSpPr>
+            <a:spLocks noGrp="1"/>
+          </p:cNvSpPr>
+          <p:nvPr>
+            <p:ph type="subTitle" idx="1"/>
+          </p:nvPr>
+        </p:nvSpPr>
+        <p:spPr>
+          <a:xfrm>
+            <a:off x="1524000" y="3602038"/>
+            <a:ext cx="9144000" cy="1655762"/>
+          </a:xfrm>
+        </p:spPr>
+        <p:txBody>
+          <a:bodyPr/>
+          <a:lstStyle>
+            <a:lvl1pPr marL="0" indent="0" algn="ctr">
+              <a:buNone/>
+              <a:defRPr sz="2400"/>
+            </a:lvl1pPr>
+            <a:lvl2pPr marL="457200" indent="0" algn="ctr">
+              <a:buNone/>
+              <a:defRPr sz="2000"/>
+            </a:lvl2pPr>
+            <a:lvl3pPr marL="914400" indent="0" algn="ctr">
+              <a:buNone/>
+              <a:defRPr sz="1800"/>
+            </a:lvl3pPr>
+            <a:lvl4pPr marL="1371600" indent="0" algn="ctr">
+              <a:buNone/>
+              <a:defRPr sz="1600"/>
+            </a:lvl4pPr>
+            <a:lvl5pPr marL="1828800" indent="0" algn="ctr">
+              <a:buNone/>
+              <a:defRPr sz="1600"/>
+            </a:lvl5pPr>
+            <a:lvl6pPr marL="2286000" indent="0" algn="ctr">
+              <a:buNone/>
+              <a:defRPr sz="1600"/>
+            </a:lvl6pPr>
+            <a:lvl7pPr marL="2743200" indent="0" algn="ctr">
+              <a:buNone/>
+              <a:defRPr sz="1600"/>
+            </a:lvl7pPr>
+            <a:lvl8pPr marL="3200400" indent="0" algn="ctr">
+              <a:buNone/>
+              <a:defRPr sz="1600"/>
+            </a:lvl8pPr>
+            <a:lvl9pPr marL="3657600" indent="0" algn="ctr">
+              <a:buNone/>
+              <a:defRPr sz="1600"/>
+            </a:lvl9pPr>
+          </a:lstStyle>
+          <a:p>
+            <a:r>
+              <a:rPr lang="en-US" smtClean="0"/>
+              <a:t>Click to edit Master subtitle style</a:t>
+            </a:r>
+            <a:endParaRPr lang="pl-PL"/>
+          </a:p>
+        </p:txBody>
+      </p:sp>
+      <p:sp>
+        <p:nvSpPr>
+          <p:cNvPr id="4" name="Date Placeholder 3"/>
+          <p:cNvSpPr>
+            <a:spLocks noGrp="1"/>
+          </p:cNvSpPr>
+          <p:nvPr>
+            <p:ph type="dt" sz="half" idx="10"/>
+          </p:nvPr>
+        </p:nvSpPr>
+        <p:spPr/>
+        <p:txBody>
+          <a:bodyPr/>
+          <a:lstStyle/>
+          <a:p>
+            <a:fld id="{99954231-B631-4188-A90E-A96E2697AD61}" type="datetimeFigureOut">
+              <a:rPr lang="pl-PL" smtClean="0">
+                <a:solidFill>
+                  <a:prstClr val="black">
+                    <a:tint val="75000"/>
+                  </a:prstClr>
+                </a:solidFill>
+              </a:rPr>
+              <a:pPr/>
+              <a:t>2015-04-22</a:t>
+            </a:fld>
+            <a:endParaRPr lang="pl-PL">
+              <a:solidFill>
+                <a:prstClr val="black">
+                  <a:tint val="75000"/>
+                </a:prstClr>
+              </a:solidFill>
+            </a:endParaRPr>
+          </a:p>
+        </p:txBody>
+      </p:sp>
+      <p:sp>
+        <p:nvSpPr>
+          <p:cNvPr id="5" name="Footer Placeholder 4"/>
+          <p:cNvSpPr>
+            <a:spLocks noGrp="1"/>
+          </p:cNvSpPr>
+          <p:nvPr>
+            <p:ph type="ftr" sz="quarter" idx="11"/>
+          </p:nvPr>
+        </p:nvSpPr>
+        <p:spPr/>
+        <p:txBody>
+          <a:bodyPr/>
+          <a:lstStyle/>
+          <a:p>
+            <a:endParaRPr lang="pl-PL">
+              <a:solidFill>
+                <a:prstClr val="black">
+                  <a:tint val="75000"/>
+                </a:prstClr>
+              </a:solidFill>
+            </a:endParaRPr>
+          </a:p>
+        </p:txBody>
+      </p:sp>
+      <p:sp>
+        <p:nvSpPr>
+          <p:cNvPr id="6" name="Slide Number Placeholder 5"/>
+          <p:cNvSpPr>
+            <a:spLocks noGrp="1"/>
+          </p:cNvSpPr>
+          <p:nvPr>
+            <p:ph type="sldNum" sz="quarter" idx="12"/>
+          </p:nvPr>
+        </p:nvSpPr>
+        <p:spPr/>
+        <p:txBody>
+          <a:bodyPr/>
+          <a:lstStyle/>
+          <a:p>
+            <a:fld id="{1E1613D0-69B6-4EBC-BA94-E20EEE7D1EB1}" type="slidenum">
+              <a:rPr lang="pl-PL" smtClean="0">
+                <a:solidFill>
+                  <a:prstClr val="black">
+                    <a:tint val="75000"/>
+                  </a:prstClr>
+                </a:solidFill>
+              </a:rPr>
+              <a:pPr/>
+              <a:t>‹#›</a:t>
+            </a:fld>
+            <a:endParaRPr lang="pl-PL">
+              <a:solidFill>
+                <a:prstClr val="black">
+                  <a:tint val="75000"/>
+                </a:prstClr>
+              </a:solidFill>
+            </a:endParaRPr>
+          </a:p>
+        </p:txBody>
+      </p:sp>
+    </p:spTree>
+    <p:extLst>
+      <p:ext uri="{BB962C8B-B14F-4D97-AF65-F5344CB8AC3E}">
+        <p14:creationId xmlns:p14="http://schemas.microsoft.com/office/powerpoint/2010/main" val="2944969642"/>
+      </p:ext>
+    </p:extLst>
+  </p:cSld>
+  <p:clrMapOvr>
+    <a:masterClrMapping/>
+  </p:clrMapOvr>
+</p:sldLayout>
+</file>
+
+<file path=ppt/slideLayouts/slideLayout13.xml><?xml version="1.0" encoding="utf-8"?>
+<p:sldLayout xmlns:a="http://schemas.openxmlformats.org/drawingml/2006/main" xmlns:r="http://schemas.openxmlformats.org/officeDocument/2006/relationships" xmlns:p="http://schemas.openxmlformats.org/presentationml/2006/main" type="obj" preserve="1">
+  <p:cSld name="Title and Content">
+    <p:spTree>
+      <p:nvGrpSpPr>
+        <p:cNvPr id="1" name=""/>
+        <p:cNvGrpSpPr/>
+        <p:nvPr/>
+      </p:nvGrpSpPr>
+      <p:grpSpPr>
+        <a:xfrm>
+          <a:off x="0" y="0"/>
+          <a:ext cx="0" cy="0"/>
+          <a:chOff x="0" y="0"/>
+          <a:chExt cx="0" cy="0"/>
+        </a:xfrm>
+      </p:grpSpPr>
+      <p:sp>
+        <p:nvSpPr>
+          <p:cNvPr id="2" name="Title 1"/>
+          <p:cNvSpPr>
+            <a:spLocks noGrp="1"/>
+          </p:cNvSpPr>
+          <p:nvPr>
+            <p:ph type="title"/>
+          </p:nvPr>
+        </p:nvSpPr>
+        <p:spPr/>
+        <p:txBody>
+          <a:bodyPr/>
+          <a:lstStyle/>
+          <a:p>
+            <a:r>
+              <a:rPr lang="en-US" smtClean="0"/>
+              <a:t>Click to edit Master title style</a:t>
+            </a:r>
+            <a:endParaRPr lang="pl-PL"/>
+          </a:p>
+        </p:txBody>
+      </p:sp>
+      <p:sp>
+        <p:nvSpPr>
+          <p:cNvPr id="3" name="Content Placeholder 2"/>
+          <p:cNvSpPr>
+            <a:spLocks noGrp="1"/>
+          </p:cNvSpPr>
+          <p:nvPr>
+            <p:ph idx="1"/>
+          </p:nvPr>
+        </p:nvSpPr>
+        <p:spPr/>
+        <p:txBody>
+          <a:bodyPr/>
+          <a:lstStyle/>
+          <a:p>
+            <a:pPr lvl="0"/>
+            <a:r>
+              <a:rPr lang="en-US" smtClean="0"/>
+              <a:t>Click to edit Master text styles</a:t>
+            </a:r>
+          </a:p>
+          <a:p>
+            <a:pPr lvl="1"/>
+            <a:r>
+              <a:rPr lang="en-US" smtClean="0"/>
+              <a:t>Second level</a:t>
+            </a:r>
+          </a:p>
+          <a:p>
+            <a:pPr lvl="2"/>
+            <a:r>
+              <a:rPr lang="en-US" smtClean="0"/>
+              <a:t>Third level</a:t>
+            </a:r>
+          </a:p>
+          <a:p>
+            <a:pPr lvl="3"/>
+            <a:r>
+              <a:rPr lang="en-US" smtClean="0"/>
+              <a:t>Fourth level</a:t>
+            </a:r>
+          </a:p>
+          <a:p>
+            <a:pPr lvl="4"/>
+            <a:r>
+              <a:rPr lang="en-US" smtClean="0"/>
+              <a:t>Fifth level</a:t>
+            </a:r>
+            <a:endParaRPr lang="pl-PL"/>
+          </a:p>
+        </p:txBody>
+      </p:sp>
+      <p:sp>
+        <p:nvSpPr>
+          <p:cNvPr id="4" name="Date Placeholder 3"/>
+          <p:cNvSpPr>
+            <a:spLocks noGrp="1"/>
+          </p:cNvSpPr>
+          <p:nvPr>
+            <p:ph type="dt" sz="half" idx="10"/>
+          </p:nvPr>
+        </p:nvSpPr>
+        <p:spPr/>
+        <p:txBody>
+          <a:bodyPr/>
+          <a:lstStyle/>
+          <a:p>
+            <a:fld id="{99954231-B631-4188-A90E-A96E2697AD61}" type="datetimeFigureOut">
+              <a:rPr lang="pl-PL" smtClean="0">
+                <a:solidFill>
+                  <a:prstClr val="black">
+                    <a:tint val="75000"/>
+                  </a:prstClr>
+                </a:solidFill>
+              </a:rPr>
+              <a:pPr/>
+              <a:t>2015-04-22</a:t>
+            </a:fld>
+            <a:endParaRPr lang="pl-PL">
+              <a:solidFill>
+                <a:prstClr val="black">
+                  <a:tint val="75000"/>
+                </a:prstClr>
+              </a:solidFill>
+            </a:endParaRPr>
+          </a:p>
+        </p:txBody>
+      </p:sp>
+      <p:sp>
+        <p:nvSpPr>
+          <p:cNvPr id="5" name="Footer Placeholder 4"/>
+          <p:cNvSpPr>
+            <a:spLocks noGrp="1"/>
+          </p:cNvSpPr>
+          <p:nvPr>
+            <p:ph type="ftr" sz="quarter" idx="11"/>
+          </p:nvPr>
+        </p:nvSpPr>
+        <p:spPr/>
+        <p:txBody>
+          <a:bodyPr/>
+          <a:lstStyle/>
+          <a:p>
+            <a:endParaRPr lang="pl-PL">
+              <a:solidFill>
+                <a:prstClr val="black">
+                  <a:tint val="75000"/>
+                </a:prstClr>
+              </a:solidFill>
+            </a:endParaRPr>
+          </a:p>
+        </p:txBody>
+      </p:sp>
+      <p:sp>
+        <p:nvSpPr>
+          <p:cNvPr id="6" name="Slide Number Placeholder 5"/>
+          <p:cNvSpPr>
+            <a:spLocks noGrp="1"/>
+          </p:cNvSpPr>
+          <p:nvPr>
+            <p:ph type="sldNum" sz="quarter" idx="12"/>
+          </p:nvPr>
+        </p:nvSpPr>
+        <p:spPr/>
+        <p:txBody>
+          <a:bodyPr/>
+          <a:lstStyle/>
+          <a:p>
+            <a:fld id="{1E1613D0-69B6-4EBC-BA94-E20EEE7D1EB1}" type="slidenum">
+              <a:rPr lang="pl-PL" smtClean="0">
+                <a:solidFill>
+                  <a:prstClr val="black">
+                    <a:tint val="75000"/>
+                  </a:prstClr>
+                </a:solidFill>
+              </a:rPr>
+              <a:pPr/>
+              <a:t>‹#›</a:t>
+            </a:fld>
+            <a:endParaRPr lang="pl-PL">
+              <a:solidFill>
+                <a:prstClr val="black">
+                  <a:tint val="75000"/>
+                </a:prstClr>
+              </a:solidFill>
+            </a:endParaRPr>
+          </a:p>
+        </p:txBody>
+      </p:sp>
+    </p:spTree>
+    <p:extLst>
+      <p:ext uri="{BB962C8B-B14F-4D97-AF65-F5344CB8AC3E}">
+        <p14:creationId xmlns:p14="http://schemas.microsoft.com/office/powerpoint/2010/main" val="3281676379"/>
+      </p:ext>
+    </p:extLst>
+  </p:cSld>
+  <p:clrMapOvr>
+    <a:masterClrMapping/>
+  </p:clrMapOvr>
+</p:sldLayout>
+</file>
+
+<file path=ppt/slideLayouts/slideLayout14.xml><?xml version="1.0" encoding="utf-8"?>
+<p:sldLayout xmlns:a="http://schemas.openxmlformats.org/drawingml/2006/main" xmlns:r="http://schemas.openxmlformats.org/officeDocument/2006/relationships" xmlns:p="http://schemas.openxmlformats.org/presentationml/2006/main" type="secHead" preserve="1">
+  <p:cSld name="Section Header">
+    <p:spTree>
+      <p:nvGrpSpPr>
+        <p:cNvPr id="1" name=""/>
+        <p:cNvGrpSpPr/>
+        <p:nvPr/>
+      </p:nvGrpSpPr>
+      <p:grpSpPr>
+        <a:xfrm>
+          <a:off x="0" y="0"/>
+          <a:ext cx="0" cy="0"/>
+          <a:chOff x="0" y="0"/>
+          <a:chExt cx="0" cy="0"/>
+        </a:xfrm>
+      </p:grpSpPr>
+      <p:sp>
+        <p:nvSpPr>
+          <p:cNvPr id="2" name="Title 1"/>
+          <p:cNvSpPr>
+            <a:spLocks noGrp="1"/>
+          </p:cNvSpPr>
+          <p:nvPr>
+            <p:ph type="title"/>
+          </p:nvPr>
+        </p:nvSpPr>
+        <p:spPr>
+          <a:xfrm>
+            <a:off x="831850" y="1709738"/>
+            <a:ext cx="10515600" cy="2852737"/>
+          </a:xfrm>
+        </p:spPr>
+        <p:txBody>
+          <a:bodyPr anchor="b"/>
+          <a:lstStyle>
+            <a:lvl1pPr>
+              <a:defRPr sz="6000"/>
+            </a:lvl1pPr>
+          </a:lstStyle>
+          <a:p>
+            <a:r>
+              <a:rPr lang="en-US" smtClean="0"/>
+              <a:t>Click to edit Master title style</a:t>
+            </a:r>
+            <a:endParaRPr lang="pl-PL"/>
+          </a:p>
+        </p:txBody>
+      </p:sp>
+      <p:sp>
+        <p:nvSpPr>
+          <p:cNvPr id="3" name="Text Placeholder 2"/>
+          <p:cNvSpPr>
+            <a:spLocks noGrp="1"/>
+          </p:cNvSpPr>
+          <p:nvPr>
+            <p:ph type="body" idx="1"/>
+          </p:nvPr>
+        </p:nvSpPr>
+        <p:spPr>
+          <a:xfrm>
+            <a:off x="831850" y="4589463"/>
+            <a:ext cx="10515600" cy="1500187"/>
+          </a:xfrm>
+        </p:spPr>
+        <p:txBody>
+          <a:bodyPr/>
+          <a:lstStyle>
+            <a:lvl1pPr marL="0" indent="0">
+              <a:buNone/>
+              <a:defRPr sz="2400">
+                <a:solidFill>
+                  <a:schemeClr val="tx1">
+                    <a:tint val="75000"/>
+                  </a:schemeClr>
+                </a:solidFill>
+              </a:defRPr>
+            </a:lvl1pPr>
+            <a:lvl2pPr marL="457200" indent="0">
+              <a:buNone/>
+              <a:defRPr sz="2000">
+                <a:solidFill>
+                  <a:schemeClr val="tx1">
+                    <a:tint val="75000"/>
+                  </a:schemeClr>
+                </a:solidFill>
+              </a:defRPr>
+            </a:lvl2pPr>
+            <a:lvl3pPr marL="914400" indent="0">
+              <a:buNone/>
+              <a:defRPr sz="1800">
+                <a:solidFill>
+                  <a:schemeClr val="tx1">
+                    <a:tint val="75000"/>
+                  </a:schemeClr>
+                </a:solidFill>
+              </a:defRPr>
+            </a:lvl3pPr>
+            <a:lvl4pPr marL="1371600" indent="0">
+              <a:buNone/>
+              <a:defRPr sz="1600">
+                <a:solidFill>
+                  <a:schemeClr val="tx1">
+                    <a:tint val="75000"/>
+                  </a:schemeClr>
+                </a:solidFill>
+              </a:defRPr>
+            </a:lvl4pPr>
+            <a:lvl5pPr marL="1828800" indent="0">
+              <a:buNone/>
+              <a:defRPr sz="1600">
+                <a:solidFill>
+                  <a:schemeClr val="tx1">
+                    <a:tint val="75000"/>
+                  </a:schemeClr>
+                </a:solidFill>
+              </a:defRPr>
+            </a:lvl5pPr>
+            <a:lvl6pPr marL="2286000" indent="0">
+              <a:buNone/>
+              <a:defRPr sz="1600">
+                <a:solidFill>
+                  <a:schemeClr val="tx1">
+                    <a:tint val="75000"/>
+                  </a:schemeClr>
+                </a:solidFill>
+              </a:defRPr>
+            </a:lvl6pPr>
+            <a:lvl7pPr marL="2743200" indent="0">
+              <a:buNone/>
+              <a:defRPr sz="1600">
+                <a:solidFill>
+                  <a:schemeClr val="tx1">
+                    <a:tint val="75000"/>
+                  </a:schemeClr>
+                </a:solidFill>
+              </a:defRPr>
+            </a:lvl7pPr>
+            <a:lvl8pPr marL="3200400" indent="0">
+              <a:buNone/>
+              <a:defRPr sz="1600">
+                <a:solidFill>
+                  <a:schemeClr val="tx1">
+                    <a:tint val="75000"/>
+                  </a:schemeClr>
+                </a:solidFill>
+              </a:defRPr>
+            </a:lvl8pPr>
+            <a:lvl9pPr marL="3657600" indent="0">
+              <a:buNone/>
+              <a:defRPr sz="1600">
+                <a:solidFill>
+                  <a:schemeClr val="tx1">
+                    <a:tint val="75000"/>
+                  </a:schemeClr>
+                </a:solidFill>
+              </a:defRPr>
+            </a:lvl9pPr>
+          </a:lstStyle>
+          <a:p>
+            <a:pPr lvl="0"/>
+            <a:r>
+              <a:rPr lang="en-US" smtClean="0"/>
+              <a:t>Click to edit Master text styles</a:t>
+            </a:r>
+          </a:p>
+        </p:txBody>
+      </p:sp>
+      <p:sp>
+        <p:nvSpPr>
+          <p:cNvPr id="4" name="Date Placeholder 3"/>
+          <p:cNvSpPr>
+            <a:spLocks noGrp="1"/>
+          </p:cNvSpPr>
+          <p:nvPr>
+            <p:ph type="dt" sz="half" idx="10"/>
+          </p:nvPr>
+        </p:nvSpPr>
+        <p:spPr/>
+        <p:txBody>
+          <a:bodyPr/>
+          <a:lstStyle/>
+          <a:p>
+            <a:fld id="{99954231-B631-4188-A90E-A96E2697AD61}" type="datetimeFigureOut">
+              <a:rPr lang="pl-PL" smtClean="0">
+                <a:solidFill>
+                  <a:prstClr val="black">
+                    <a:tint val="75000"/>
+                  </a:prstClr>
+                </a:solidFill>
+              </a:rPr>
+              <a:pPr/>
+              <a:t>2015-04-22</a:t>
+            </a:fld>
+            <a:endParaRPr lang="pl-PL">
+              <a:solidFill>
+                <a:prstClr val="black">
+                  <a:tint val="75000"/>
+                </a:prstClr>
+              </a:solidFill>
+            </a:endParaRPr>
+          </a:p>
+        </p:txBody>
+      </p:sp>
+      <p:sp>
+        <p:nvSpPr>
+          <p:cNvPr id="5" name="Footer Placeholder 4"/>
+          <p:cNvSpPr>
+            <a:spLocks noGrp="1"/>
+          </p:cNvSpPr>
+          <p:nvPr>
+            <p:ph type="ftr" sz="quarter" idx="11"/>
+          </p:nvPr>
+        </p:nvSpPr>
+        <p:spPr/>
+        <p:txBody>
+          <a:bodyPr/>
+          <a:lstStyle/>
+          <a:p>
+            <a:endParaRPr lang="pl-PL">
+              <a:solidFill>
+                <a:prstClr val="black">
+                  <a:tint val="75000"/>
+                </a:prstClr>
+              </a:solidFill>
+            </a:endParaRPr>
+          </a:p>
+        </p:txBody>
+      </p:sp>
+      <p:sp>
+        <p:nvSpPr>
+          <p:cNvPr id="6" name="Slide Number Placeholder 5"/>
+          <p:cNvSpPr>
+            <a:spLocks noGrp="1"/>
+          </p:cNvSpPr>
+          <p:nvPr>
+            <p:ph type="sldNum" sz="quarter" idx="12"/>
+          </p:nvPr>
+        </p:nvSpPr>
+        <p:spPr/>
+        <p:txBody>
+          <a:bodyPr/>
+          <a:lstStyle/>
+          <a:p>
+            <a:fld id="{1E1613D0-69B6-4EBC-BA94-E20EEE7D1EB1}" type="slidenum">
+              <a:rPr lang="pl-PL" smtClean="0">
+                <a:solidFill>
+                  <a:prstClr val="black">
+                    <a:tint val="75000"/>
+                  </a:prstClr>
+                </a:solidFill>
+              </a:rPr>
+              <a:pPr/>
+              <a:t>‹#›</a:t>
+            </a:fld>
+            <a:endParaRPr lang="pl-PL">
+              <a:solidFill>
+                <a:prstClr val="black">
+                  <a:tint val="75000"/>
+                </a:prstClr>
+              </a:solidFill>
+            </a:endParaRPr>
+          </a:p>
+        </p:txBody>
+      </p:sp>
+    </p:spTree>
+    <p:extLst>
+      <p:ext uri="{BB962C8B-B14F-4D97-AF65-F5344CB8AC3E}">
+        <p14:creationId xmlns:p14="http://schemas.microsoft.com/office/powerpoint/2010/main" val="2589793482"/>
+      </p:ext>
+    </p:extLst>
+  </p:cSld>
+  <p:clrMapOvr>
+    <a:masterClrMapping/>
+  </p:clrMapOvr>
+</p:sldLayout>
+</file>
+
+<file path=ppt/slideLayouts/slideLayout15.xml><?xml version="1.0" encoding="utf-8"?>
+<p:sldLayout xmlns:a="http://schemas.openxmlformats.org/drawingml/2006/main" xmlns:r="http://schemas.openxmlformats.org/officeDocument/2006/relationships" xmlns:p="http://schemas.openxmlformats.org/presentationml/2006/main" type="twoObj" preserve="1">
+  <p:cSld name="Two Content">
+    <p:spTree>
+      <p:nvGrpSpPr>
+        <p:cNvPr id="1" name=""/>
+        <p:cNvGrpSpPr/>
+        <p:nvPr/>
+      </p:nvGrpSpPr>
+      <p:grpSpPr>
+        <a:xfrm>
+          <a:off x="0" y="0"/>
+          <a:ext cx="0" cy="0"/>
+          <a:chOff x="0" y="0"/>
+          <a:chExt cx="0" cy="0"/>
+        </a:xfrm>
+      </p:grpSpPr>
+      <p:sp>
+        <p:nvSpPr>
+          <p:cNvPr id="2" name="Title 1"/>
+          <p:cNvSpPr>
+            <a:spLocks noGrp="1"/>
+          </p:cNvSpPr>
+          <p:nvPr>
+            <p:ph type="title"/>
+          </p:nvPr>
+        </p:nvSpPr>
+        <p:spPr/>
+        <p:txBody>
+          <a:bodyPr/>
+          <a:lstStyle/>
+          <a:p>
+            <a:r>
+              <a:rPr lang="en-US" smtClean="0"/>
+              <a:t>Click to edit Master title style</a:t>
+            </a:r>
+            <a:endParaRPr lang="pl-PL"/>
+          </a:p>
+        </p:txBody>
+      </p:sp>
+      <p:sp>
+        <p:nvSpPr>
+          <p:cNvPr id="3" name="Content Placeholder 2"/>
+          <p:cNvSpPr>
+            <a:spLocks noGrp="1"/>
+          </p:cNvSpPr>
+          <p:nvPr>
+            <p:ph sz="half" idx="1"/>
+          </p:nvPr>
+        </p:nvSpPr>
+        <p:spPr>
+          <a:xfrm>
+            <a:off x="838200" y="1825625"/>
+            <a:ext cx="5181600" cy="4351338"/>
+          </a:xfrm>
+        </p:spPr>
+        <p:txBody>
+          <a:bodyPr/>
+          <a:lstStyle/>
+          <a:p>
+            <a:pPr lvl="0"/>
+            <a:r>
+              <a:rPr lang="en-US" smtClean="0"/>
+              <a:t>Click to edit Master text styles</a:t>
+            </a:r>
+          </a:p>
+          <a:p>
+            <a:pPr lvl="1"/>
+            <a:r>
+              <a:rPr lang="en-US" smtClean="0"/>
+              <a:t>Second level</a:t>
+            </a:r>
+          </a:p>
+          <a:p>
+            <a:pPr lvl="2"/>
+            <a:r>
+              <a:rPr lang="en-US" smtClean="0"/>
+              <a:t>Third level</a:t>
+            </a:r>
+          </a:p>
+          <a:p>
+            <a:pPr lvl="3"/>
+            <a:r>
+              <a:rPr lang="en-US" smtClean="0"/>
+              <a:t>Fourth level</a:t>
+            </a:r>
+          </a:p>
+          <a:p>
+            <a:pPr lvl="4"/>
+            <a:r>
+              <a:rPr lang="en-US" smtClean="0"/>
+              <a:t>Fifth level</a:t>
+            </a:r>
+            <a:endParaRPr lang="pl-PL"/>
+          </a:p>
+        </p:txBody>
+      </p:sp>
+      <p:sp>
+        <p:nvSpPr>
+          <p:cNvPr id="4" name="Content Placeholder 3"/>
+          <p:cNvSpPr>
+            <a:spLocks noGrp="1"/>
+          </p:cNvSpPr>
+          <p:nvPr>
+            <p:ph sz="half" idx="2"/>
+          </p:nvPr>
+        </p:nvSpPr>
+        <p:spPr>
+          <a:xfrm>
+            <a:off x="6172200" y="1825625"/>
+            <a:ext cx="5181600" cy="4351338"/>
+          </a:xfrm>
+        </p:spPr>
+        <p:txBody>
+          <a:bodyPr/>
+          <a:lstStyle/>
+          <a:p>
+            <a:pPr lvl="0"/>
+            <a:r>
+              <a:rPr lang="en-US" smtClean="0"/>
+              <a:t>Click to edit Master text styles</a:t>
+            </a:r>
+          </a:p>
+          <a:p>
+            <a:pPr lvl="1"/>
+            <a:r>
+              <a:rPr lang="en-US" smtClean="0"/>
+              <a:t>Second level</a:t>
+            </a:r>
+          </a:p>
+          <a:p>
+            <a:pPr lvl="2"/>
+            <a:r>
+              <a:rPr lang="en-US" smtClean="0"/>
+              <a:t>Third level</a:t>
+            </a:r>
+          </a:p>
+          <a:p>
+            <a:pPr lvl="3"/>
+            <a:r>
+              <a:rPr lang="en-US" smtClean="0"/>
+              <a:t>Fourth level</a:t>
+            </a:r>
+          </a:p>
+          <a:p>
+            <a:pPr lvl="4"/>
+            <a:r>
+              <a:rPr lang="en-US" smtClean="0"/>
+              <a:t>Fifth level</a:t>
+            </a:r>
+            <a:endParaRPr lang="pl-PL"/>
+          </a:p>
+        </p:txBody>
+      </p:sp>
+      <p:sp>
+        <p:nvSpPr>
+          <p:cNvPr id="5" name="Date Placeholder 4"/>
+          <p:cNvSpPr>
+            <a:spLocks noGrp="1"/>
+          </p:cNvSpPr>
+          <p:nvPr>
+            <p:ph type="dt" sz="half" idx="10"/>
+          </p:nvPr>
+        </p:nvSpPr>
+        <p:spPr/>
+        <p:txBody>
+          <a:bodyPr/>
+          <a:lstStyle/>
+          <a:p>
+            <a:fld id="{99954231-B631-4188-A90E-A96E2697AD61}" type="datetimeFigureOut">
+              <a:rPr lang="pl-PL" smtClean="0">
+                <a:solidFill>
+                  <a:prstClr val="black">
+                    <a:tint val="75000"/>
+                  </a:prstClr>
+                </a:solidFill>
+              </a:rPr>
+              <a:pPr/>
+              <a:t>2015-04-22</a:t>
+            </a:fld>
+            <a:endParaRPr lang="pl-PL">
+              <a:solidFill>
+                <a:prstClr val="black">
+                  <a:tint val="75000"/>
+                </a:prstClr>
+              </a:solidFill>
+            </a:endParaRPr>
+          </a:p>
+        </p:txBody>
+      </p:sp>
+      <p:sp>
+        <p:nvSpPr>
+          <p:cNvPr id="6" name="Footer Placeholder 5"/>
+          <p:cNvSpPr>
+            <a:spLocks noGrp="1"/>
+          </p:cNvSpPr>
+          <p:nvPr>
+            <p:ph type="ftr" sz="quarter" idx="11"/>
+          </p:nvPr>
+        </p:nvSpPr>
+        <p:spPr/>
+        <p:txBody>
+          <a:bodyPr/>
+          <a:lstStyle/>
+          <a:p>
+            <a:endParaRPr lang="pl-PL">
+              <a:solidFill>
+                <a:prstClr val="black">
+                  <a:tint val="75000"/>
+                </a:prstClr>
+              </a:solidFill>
+            </a:endParaRPr>
+          </a:p>
+        </p:txBody>
+      </p:sp>
+      <p:sp>
+        <p:nvSpPr>
+          <p:cNvPr id="7" name="Slide Number Placeholder 6"/>
+          <p:cNvSpPr>
+            <a:spLocks noGrp="1"/>
+          </p:cNvSpPr>
+          <p:nvPr>
+            <p:ph type="sldNum" sz="quarter" idx="12"/>
+          </p:nvPr>
+        </p:nvSpPr>
+        <p:spPr/>
+        <p:txBody>
+          <a:bodyPr/>
+          <a:lstStyle/>
+          <a:p>
+            <a:fld id="{1E1613D0-69B6-4EBC-BA94-E20EEE7D1EB1}" type="slidenum">
+              <a:rPr lang="pl-PL" smtClean="0">
+                <a:solidFill>
+                  <a:prstClr val="black">
+                    <a:tint val="75000"/>
+                  </a:prstClr>
+                </a:solidFill>
+              </a:rPr>
+              <a:pPr/>
+              <a:t>‹#›</a:t>
+            </a:fld>
+            <a:endParaRPr lang="pl-PL">
+              <a:solidFill>
+                <a:prstClr val="black">
+                  <a:tint val="75000"/>
+                </a:prstClr>
+              </a:solidFill>
+            </a:endParaRPr>
+          </a:p>
+        </p:txBody>
+      </p:sp>
+    </p:spTree>
+    <p:extLst>
+      <p:ext uri="{BB962C8B-B14F-4D97-AF65-F5344CB8AC3E}">
+        <p14:creationId xmlns:p14="http://schemas.microsoft.com/office/powerpoint/2010/main" val="2919601501"/>
+      </p:ext>
+    </p:extLst>
+  </p:cSld>
+  <p:clrMapOvr>
+    <a:masterClrMapping/>
+  </p:clrMapOvr>
+</p:sldLayout>
+</file>
+
+<file path=ppt/slideLayouts/slideLayout16.xml><?xml version="1.0" encoding="utf-8"?>
+<p:sldLayout xmlns:a="http://schemas.openxmlformats.org/drawingml/2006/main" xmlns:r="http://schemas.openxmlformats.org/officeDocument/2006/relationships" xmlns:p="http://schemas.openxmlformats.org/presentationml/2006/main" type="twoTxTwoObj" preserve="1">
+  <p:cSld name="Comparison">
+    <p:spTree>
+      <p:nvGrpSpPr>
+        <p:cNvPr id="1" name=""/>
+        <p:cNvGrpSpPr/>
+        <p:nvPr/>
+      </p:nvGrpSpPr>
+      <p:grpSpPr>
+        <a:xfrm>
+          <a:off x="0" y="0"/>
+          <a:ext cx="0" cy="0"/>
+          <a:chOff x="0" y="0"/>
+          <a:chExt cx="0" cy="0"/>
+        </a:xfrm>
+      </p:grpSpPr>
+      <p:sp>
+        <p:nvSpPr>
+          <p:cNvPr id="2" name="Title 1"/>
+          <p:cNvSpPr>
+            <a:spLocks noGrp="1"/>
+          </p:cNvSpPr>
+          <p:nvPr>
+            <p:ph type="title"/>
+          </p:nvPr>
+        </p:nvSpPr>
+        <p:spPr>
+          <a:xfrm>
+            <a:off x="839788" y="365125"/>
+            <a:ext cx="10515600" cy="1325563"/>
+          </a:xfrm>
+        </p:spPr>
+        <p:txBody>
+          <a:bodyPr/>
+          <a:lstStyle/>
+          <a:p>
+            <a:r>
+              <a:rPr lang="en-US" smtClean="0"/>
+              <a:t>Click to edit Master title style</a:t>
+            </a:r>
+            <a:endParaRPr lang="pl-PL"/>
+          </a:p>
+        </p:txBody>
+      </p:sp>
+      <p:sp>
+        <p:nvSpPr>
+          <p:cNvPr id="3" name="Text Placeholder 2"/>
+          <p:cNvSpPr>
+            <a:spLocks noGrp="1"/>
+          </p:cNvSpPr>
+          <p:nvPr>
+            <p:ph type="body" idx="1"/>
+          </p:nvPr>
+        </p:nvSpPr>
+        <p:spPr>
+          <a:xfrm>
+            <a:off x="839788" y="1681163"/>
+            <a:ext cx="5157787" cy="823912"/>
+          </a:xfrm>
+        </p:spPr>
+        <p:txBody>
+          <a:bodyPr anchor="b"/>
+          <a:lstStyle>
+            <a:lvl1pPr marL="0" indent="0">
+              <a:buNone/>
+              <a:defRPr sz="2400" b="1"/>
+            </a:lvl1pPr>
+            <a:lvl2pPr marL="457200" indent="0">
+              <a:buNone/>
+              <a:defRPr sz="2000" b="1"/>
+            </a:lvl2pPr>
+            <a:lvl3pPr marL="914400" indent="0">
+              <a:buNone/>
+              <a:defRPr sz="1800" b="1"/>
+            </a:lvl3pPr>
+            <a:lvl4pPr marL="1371600" indent="0">
+              <a:buNone/>
+              <a:defRPr sz="1600" b="1"/>
+            </a:lvl4pPr>
+            <a:lvl5pPr marL="1828800" indent="0">
+              <a:buNone/>
+              <a:defRPr sz="1600" b="1"/>
+            </a:lvl5pPr>
+            <a:lvl6pPr marL="2286000" indent="0">
+              <a:buNone/>
+              <a:defRPr sz="1600" b="1"/>
+            </a:lvl6pPr>
+            <a:lvl7pPr marL="2743200" indent="0">
+              <a:buNone/>
+              <a:defRPr sz="1600" b="1"/>
+            </a:lvl7pPr>
+            <a:lvl8pPr marL="3200400" indent="0">
+              <a:buNone/>
+              <a:defRPr sz="1600" b="1"/>
+            </a:lvl8pPr>
+            <a:lvl9pPr marL="3657600" indent="0">
+              <a:buNone/>
+              <a:defRPr sz="1600" b="1"/>
+            </a:lvl9pPr>
+          </a:lstStyle>
+          <a:p>
+            <a:pPr lvl="0"/>
+            <a:r>
+              <a:rPr lang="en-US" smtClean="0"/>
+              <a:t>Click to edit Master text styles</a:t>
+            </a:r>
+          </a:p>
+        </p:txBody>
+      </p:sp>
+      <p:sp>
+        <p:nvSpPr>
+          <p:cNvPr id="4" name="Content Placeholder 3"/>
+          <p:cNvSpPr>
+            <a:spLocks noGrp="1"/>
+          </p:cNvSpPr>
+          <p:nvPr>
+            <p:ph sz="half" idx="2"/>
+          </p:nvPr>
+        </p:nvSpPr>
+        <p:spPr>
+          <a:xfrm>
+            <a:off x="839788" y="2505075"/>
+            <a:ext cx="5157787" cy="3684588"/>
+          </a:xfrm>
+        </p:spPr>
+        <p:txBody>
+          <a:bodyPr/>
+          <a:lstStyle/>
+          <a:p>
+            <a:pPr lvl="0"/>
+            <a:r>
+              <a:rPr lang="en-US" smtClean="0"/>
+              <a:t>Click to edit Master text styles</a:t>
+            </a:r>
+          </a:p>
+          <a:p>
+            <a:pPr lvl="1"/>
+            <a:r>
+              <a:rPr lang="en-US" smtClean="0"/>
+              <a:t>Second level</a:t>
+            </a:r>
+          </a:p>
+          <a:p>
+            <a:pPr lvl="2"/>
+            <a:r>
+              <a:rPr lang="en-US" smtClean="0"/>
+              <a:t>Third level</a:t>
+            </a:r>
+          </a:p>
+          <a:p>
+            <a:pPr lvl="3"/>
+            <a:r>
+              <a:rPr lang="en-US" smtClean="0"/>
+              <a:t>Fourth level</a:t>
+            </a:r>
+          </a:p>
+          <a:p>
+            <a:pPr lvl="4"/>
+            <a:r>
+              <a:rPr lang="en-US" smtClean="0"/>
+              <a:t>Fifth level</a:t>
+            </a:r>
+            <a:endParaRPr lang="pl-PL"/>
+          </a:p>
+        </p:txBody>
+      </p:sp>
+      <p:sp>
+        <p:nvSpPr>
+          <p:cNvPr id="5" name="Text Placeholder 4"/>
+          <p:cNvSpPr>
+            <a:spLocks noGrp="1"/>
+          </p:cNvSpPr>
+          <p:nvPr>
+            <p:ph type="body" sz="quarter" idx="3"/>
+          </p:nvPr>
+        </p:nvSpPr>
+        <p:spPr>
+          <a:xfrm>
+            <a:off x="6172200" y="1681163"/>
+            <a:ext cx="5183188" cy="823912"/>
+          </a:xfrm>
+        </p:spPr>
+        <p:txBody>
+          <a:bodyPr anchor="b"/>
+          <a:lstStyle>
+            <a:lvl1pPr marL="0" indent="0">
+              <a:buNone/>
+              <a:defRPr sz="2400" b="1"/>
+            </a:lvl1pPr>
+            <a:lvl2pPr marL="457200" indent="0">
+              <a:buNone/>
+              <a:defRPr sz="2000" b="1"/>
+            </a:lvl2pPr>
+            <a:lvl3pPr marL="914400" indent="0">
+              <a:buNone/>
+              <a:defRPr sz="1800" b="1"/>
+            </a:lvl3pPr>
+            <a:lvl4pPr marL="1371600" indent="0">
+              <a:buNone/>
+              <a:defRPr sz="1600" b="1"/>
+            </a:lvl4pPr>
+            <a:lvl5pPr marL="1828800" indent="0">
+              <a:buNone/>
+              <a:defRPr sz="1600" b="1"/>
+            </a:lvl5pPr>
+            <a:lvl6pPr marL="2286000" indent="0">
+              <a:buNone/>
+              <a:defRPr sz="1600" b="1"/>
+            </a:lvl6pPr>
+            <a:lvl7pPr marL="2743200" indent="0">
+              <a:buNone/>
+              <a:defRPr sz="1600" b="1"/>
+            </a:lvl7pPr>
+            <a:lvl8pPr marL="3200400" indent="0">
+              <a:buNone/>
+              <a:defRPr sz="1600" b="1"/>
+            </a:lvl8pPr>
+            <a:lvl9pPr marL="3657600" indent="0">
+              <a:buNone/>
+              <a:defRPr sz="1600" b="1"/>
+            </a:lvl9pPr>
+          </a:lstStyle>
+          <a:p>
+            <a:pPr lvl="0"/>
+            <a:r>
+              <a:rPr lang="en-US" smtClean="0"/>
+              <a:t>Click to edit Master text styles</a:t>
+            </a:r>
+          </a:p>
+        </p:txBody>
+      </p:sp>
+      <p:sp>
+        <p:nvSpPr>
+          <p:cNvPr id="6" name="Content Placeholder 5"/>
+          <p:cNvSpPr>
+            <a:spLocks noGrp="1"/>
+          </p:cNvSpPr>
+          <p:nvPr>
+            <p:ph sz="quarter" idx="4"/>
+          </p:nvPr>
+        </p:nvSpPr>
+        <p:spPr>
+          <a:xfrm>
+            <a:off x="6172200" y="2505075"/>
+            <a:ext cx="5183188" cy="3684588"/>
+          </a:xfrm>
+        </p:spPr>
+        <p:txBody>
+          <a:bodyPr/>
+          <a:lstStyle/>
+          <a:p>
+            <a:pPr lvl="0"/>
+            <a:r>
+              <a:rPr lang="en-US" smtClean="0"/>
+              <a:t>Click to edit Master text styles</a:t>
+            </a:r>
+          </a:p>
+          <a:p>
+            <a:pPr lvl="1"/>
+            <a:r>
+              <a:rPr lang="en-US" smtClean="0"/>
+              <a:t>Second level</a:t>
+            </a:r>
+          </a:p>
+          <a:p>
+            <a:pPr lvl="2"/>
+            <a:r>
+              <a:rPr lang="en-US" smtClean="0"/>
+              <a:t>Third level</a:t>
+            </a:r>
+          </a:p>
+          <a:p>
+            <a:pPr lvl="3"/>
+            <a:r>
+              <a:rPr lang="en-US" smtClean="0"/>
+              <a:t>Fourth level</a:t>
+            </a:r>
+          </a:p>
+          <a:p>
+            <a:pPr lvl="4"/>
+            <a:r>
+              <a:rPr lang="en-US" smtClean="0"/>
+              <a:t>Fifth level</a:t>
+            </a:r>
+            <a:endParaRPr lang="pl-PL"/>
+          </a:p>
+        </p:txBody>
+      </p:sp>
+      <p:sp>
+        <p:nvSpPr>
+          <p:cNvPr id="7" name="Date Placeholder 6"/>
+          <p:cNvSpPr>
+            <a:spLocks noGrp="1"/>
+          </p:cNvSpPr>
+          <p:nvPr>
+            <p:ph type="dt" sz="half" idx="10"/>
+          </p:nvPr>
+        </p:nvSpPr>
+        <p:spPr/>
+        <p:txBody>
+          <a:bodyPr/>
+          <a:lstStyle/>
+          <a:p>
+            <a:fld id="{99954231-B631-4188-A90E-A96E2697AD61}" type="datetimeFigureOut">
+              <a:rPr lang="pl-PL" smtClean="0">
+                <a:solidFill>
+                  <a:prstClr val="black">
+                    <a:tint val="75000"/>
+                  </a:prstClr>
+                </a:solidFill>
+              </a:rPr>
+              <a:pPr/>
+              <a:t>2015-04-22</a:t>
+            </a:fld>
+            <a:endParaRPr lang="pl-PL">
+              <a:solidFill>
+                <a:prstClr val="black">
+                  <a:tint val="75000"/>
+                </a:prstClr>
+              </a:solidFill>
+            </a:endParaRPr>
+          </a:p>
+        </p:txBody>
+      </p:sp>
+      <p:sp>
+        <p:nvSpPr>
+          <p:cNvPr id="8" name="Footer Placeholder 7"/>
+          <p:cNvSpPr>
+            <a:spLocks noGrp="1"/>
+          </p:cNvSpPr>
+          <p:nvPr>
+            <p:ph type="ftr" sz="quarter" idx="11"/>
+          </p:nvPr>
+        </p:nvSpPr>
+        <p:spPr/>
+        <p:txBody>
+          <a:bodyPr/>
+          <a:lstStyle/>
+          <a:p>
+            <a:endParaRPr lang="pl-PL">
+              <a:solidFill>
+                <a:prstClr val="black">
+                  <a:tint val="75000"/>
+                </a:prstClr>
+              </a:solidFill>
+            </a:endParaRPr>
+          </a:p>
+        </p:txBody>
+      </p:sp>
+      <p:sp>
+        <p:nvSpPr>
+          <p:cNvPr id="9" name="Slide Number Placeholder 8"/>
+          <p:cNvSpPr>
+            <a:spLocks noGrp="1"/>
+          </p:cNvSpPr>
+          <p:nvPr>
+            <p:ph type="sldNum" sz="quarter" idx="12"/>
+          </p:nvPr>
+        </p:nvSpPr>
+        <p:spPr/>
+        <p:txBody>
+          <a:bodyPr/>
+          <a:lstStyle/>
+          <a:p>
+            <a:fld id="{1E1613D0-69B6-4EBC-BA94-E20EEE7D1EB1}" type="slidenum">
+              <a:rPr lang="pl-PL" smtClean="0">
+                <a:solidFill>
+                  <a:prstClr val="black">
+                    <a:tint val="75000"/>
+                  </a:prstClr>
+                </a:solidFill>
+              </a:rPr>
+              <a:pPr/>
+              <a:t>‹#›</a:t>
+            </a:fld>
+            <a:endParaRPr lang="pl-PL">
+              <a:solidFill>
+                <a:prstClr val="black">
+                  <a:tint val="75000"/>
+                </a:prstClr>
+              </a:solidFill>
+            </a:endParaRPr>
+          </a:p>
+        </p:txBody>
+      </p:sp>
+    </p:spTree>
+    <p:extLst>
+      <p:ext uri="{BB962C8B-B14F-4D97-AF65-F5344CB8AC3E}">
+        <p14:creationId xmlns:p14="http://schemas.microsoft.com/office/powerpoint/2010/main" val="1345294155"/>
+      </p:ext>
+    </p:extLst>
+  </p:cSld>
+  <p:clrMapOvr>
+    <a:masterClrMapping/>
+  </p:clrMapOvr>
+</p:sldLayout>
+</file>
+
+<file path=ppt/slideLayouts/slideLayout17.xml><?xml version="1.0" encoding="utf-8"?>
+<p:sldLayout xmlns:a="http://schemas.openxmlformats.org/drawingml/2006/main" xmlns:r="http://schemas.openxmlformats.org/officeDocument/2006/relationships" xmlns:p="http://schemas.openxmlformats.org/presentationml/2006/main" type="titleOnly" preserve="1">
+  <p:cSld name="Title Only">
+    <p:spTree>
+      <p:nvGrpSpPr>
+        <p:cNvPr id="1" name=""/>
+        <p:cNvGrpSpPr/>
+        <p:nvPr/>
+      </p:nvGrpSpPr>
+      <p:grpSpPr>
+        <a:xfrm>
+          <a:off x="0" y="0"/>
+          <a:ext cx="0" cy="0"/>
+          <a:chOff x="0" y="0"/>
+          <a:chExt cx="0" cy="0"/>
+        </a:xfrm>
+      </p:grpSpPr>
+      <p:sp>
+        <p:nvSpPr>
+          <p:cNvPr id="2" name="Title 1"/>
+          <p:cNvSpPr>
+            <a:spLocks noGrp="1"/>
+          </p:cNvSpPr>
+          <p:nvPr>
+            <p:ph type="title"/>
+          </p:nvPr>
+        </p:nvSpPr>
+        <p:spPr/>
+        <p:txBody>
+          <a:bodyPr/>
+          <a:lstStyle/>
+          <a:p>
+            <a:r>
+              <a:rPr lang="en-US" smtClean="0"/>
+              <a:t>Click to edit Master title style</a:t>
+            </a:r>
+            <a:endParaRPr lang="pl-PL"/>
+          </a:p>
+        </p:txBody>
+      </p:sp>
+      <p:sp>
+        <p:nvSpPr>
+          <p:cNvPr id="3" name="Date Placeholder 2"/>
+          <p:cNvSpPr>
+            <a:spLocks noGrp="1"/>
+          </p:cNvSpPr>
+          <p:nvPr>
+            <p:ph type="dt" sz="half" idx="10"/>
+          </p:nvPr>
+        </p:nvSpPr>
+        <p:spPr/>
+        <p:txBody>
+          <a:bodyPr/>
+          <a:lstStyle/>
+          <a:p>
+            <a:fld id="{99954231-B631-4188-A90E-A96E2697AD61}" type="datetimeFigureOut">
+              <a:rPr lang="pl-PL" smtClean="0">
+                <a:solidFill>
+                  <a:prstClr val="black">
+                    <a:tint val="75000"/>
+                  </a:prstClr>
+                </a:solidFill>
+              </a:rPr>
+              <a:pPr/>
+              <a:t>2015-04-22</a:t>
+            </a:fld>
+            <a:endParaRPr lang="pl-PL">
+              <a:solidFill>
+                <a:prstClr val="black">
+                  <a:tint val="75000"/>
+                </a:prstClr>
+              </a:solidFill>
+            </a:endParaRPr>
+          </a:p>
+        </p:txBody>
+      </p:sp>
+      <p:sp>
+        <p:nvSpPr>
+          <p:cNvPr id="4" name="Footer Placeholder 3"/>
+          <p:cNvSpPr>
+            <a:spLocks noGrp="1"/>
+          </p:cNvSpPr>
+          <p:nvPr>
+            <p:ph type="ftr" sz="quarter" idx="11"/>
+          </p:nvPr>
+        </p:nvSpPr>
+        <p:spPr/>
+        <p:txBody>
+          <a:bodyPr/>
+          <a:lstStyle/>
+          <a:p>
+            <a:endParaRPr lang="pl-PL">
+              <a:solidFill>
+                <a:prstClr val="black">
+                  <a:tint val="75000"/>
+                </a:prstClr>
+              </a:solidFill>
+            </a:endParaRPr>
+          </a:p>
+        </p:txBody>
+      </p:sp>
+      <p:sp>
+        <p:nvSpPr>
+          <p:cNvPr id="5" name="Slide Number Placeholder 4"/>
+          <p:cNvSpPr>
+            <a:spLocks noGrp="1"/>
+          </p:cNvSpPr>
+          <p:nvPr>
+            <p:ph type="sldNum" sz="quarter" idx="12"/>
+          </p:nvPr>
+        </p:nvSpPr>
+        <p:spPr/>
+        <p:txBody>
+          <a:bodyPr/>
+          <a:lstStyle/>
+          <a:p>
+            <a:fld id="{1E1613D0-69B6-4EBC-BA94-E20EEE7D1EB1}" type="slidenum">
+              <a:rPr lang="pl-PL" smtClean="0">
+                <a:solidFill>
+                  <a:prstClr val="black">
+                    <a:tint val="75000"/>
+                  </a:prstClr>
+                </a:solidFill>
+              </a:rPr>
+              <a:pPr/>
+              <a:t>‹#›</a:t>
+            </a:fld>
+            <a:endParaRPr lang="pl-PL">
+              <a:solidFill>
+                <a:prstClr val="black">
+                  <a:tint val="75000"/>
+                </a:prstClr>
+              </a:solidFill>
+            </a:endParaRPr>
+          </a:p>
+        </p:txBody>
+      </p:sp>
+    </p:spTree>
+    <p:extLst>
+      <p:ext uri="{BB962C8B-B14F-4D97-AF65-F5344CB8AC3E}">
+        <p14:creationId xmlns:p14="http://schemas.microsoft.com/office/powerpoint/2010/main" val="3673721371"/>
+      </p:ext>
+    </p:extLst>
+  </p:cSld>
+  <p:clrMapOvr>
+    <a:masterClrMapping/>
+  </p:clrMapOvr>
+</p:sldLayout>
+</file>
+
+<file path=ppt/slideLayouts/slideLayout18.xml><?xml version="1.0" encoding="utf-8"?>
+<p:sldLayout xmlns:a="http://schemas.openxmlformats.org/drawingml/2006/main" xmlns:r="http://schemas.openxmlformats.org/officeDocument/2006/relationships" xmlns:p="http://schemas.openxmlformats.org/presentationml/2006/main" type="blank" preserve="1">
+  <p:cSld name="Blank">
+    <p:spTree>
+      <p:nvGrpSpPr>
+        <p:cNvPr id="1" name=""/>
+        <p:cNvGrpSpPr/>
+        <p:nvPr/>
+      </p:nvGrpSpPr>
+      <p:grpSpPr>
+        <a:xfrm>
+          <a:off x="0" y="0"/>
+          <a:ext cx="0" cy="0"/>
+          <a:chOff x="0" y="0"/>
+          <a:chExt cx="0" cy="0"/>
+        </a:xfrm>
+      </p:grpSpPr>
+      <p:sp>
+        <p:nvSpPr>
+          <p:cNvPr id="2" name="Date Placeholder 1"/>
+          <p:cNvSpPr>
+            <a:spLocks noGrp="1"/>
+          </p:cNvSpPr>
+          <p:nvPr>
+            <p:ph type="dt" sz="half" idx="10"/>
+          </p:nvPr>
+        </p:nvSpPr>
+        <p:spPr/>
+        <p:txBody>
+          <a:bodyPr/>
+          <a:lstStyle/>
+          <a:p>
+            <a:fld id="{99954231-B631-4188-A90E-A96E2697AD61}" type="datetimeFigureOut">
+              <a:rPr lang="pl-PL" smtClean="0">
+                <a:solidFill>
+                  <a:prstClr val="black">
+                    <a:tint val="75000"/>
+                  </a:prstClr>
+                </a:solidFill>
+              </a:rPr>
+              <a:pPr/>
+              <a:t>2015-04-22</a:t>
+            </a:fld>
+            <a:endParaRPr lang="pl-PL">
+              <a:solidFill>
+                <a:prstClr val="black">
+                  <a:tint val="75000"/>
+                </a:prstClr>
+              </a:solidFill>
+            </a:endParaRPr>
+          </a:p>
+        </p:txBody>
+      </p:sp>
+      <p:sp>
+        <p:nvSpPr>
+          <p:cNvPr id="3" name="Footer Placeholder 2"/>
+          <p:cNvSpPr>
+            <a:spLocks noGrp="1"/>
+          </p:cNvSpPr>
+          <p:nvPr>
+            <p:ph type="ftr" sz="quarter" idx="11"/>
+          </p:nvPr>
+        </p:nvSpPr>
+        <p:spPr/>
+        <p:txBody>
+          <a:bodyPr/>
+          <a:lstStyle/>
+          <a:p>
+            <a:endParaRPr lang="pl-PL">
+              <a:solidFill>
+                <a:prstClr val="black">
+                  <a:tint val="75000"/>
+                </a:prstClr>
+              </a:solidFill>
+            </a:endParaRPr>
+          </a:p>
+        </p:txBody>
+      </p:sp>
+      <p:sp>
+        <p:nvSpPr>
+          <p:cNvPr id="4" name="Slide Number Placeholder 3"/>
+          <p:cNvSpPr>
+            <a:spLocks noGrp="1"/>
+          </p:cNvSpPr>
+          <p:nvPr>
+            <p:ph type="sldNum" sz="quarter" idx="12"/>
+          </p:nvPr>
+        </p:nvSpPr>
+        <p:spPr/>
+        <p:txBody>
+          <a:bodyPr/>
+          <a:lstStyle/>
+          <a:p>
+            <a:fld id="{1E1613D0-69B6-4EBC-BA94-E20EEE7D1EB1}" type="slidenum">
+              <a:rPr lang="pl-PL" smtClean="0">
+                <a:solidFill>
+                  <a:prstClr val="black">
+                    <a:tint val="75000"/>
+                  </a:prstClr>
+                </a:solidFill>
+              </a:rPr>
+              <a:pPr/>
+              <a:t>‹#›</a:t>
+            </a:fld>
+            <a:endParaRPr lang="pl-PL">
+              <a:solidFill>
+                <a:prstClr val="black">
+                  <a:tint val="75000"/>
+                </a:prstClr>
+              </a:solidFill>
+            </a:endParaRPr>
+          </a:p>
+        </p:txBody>
+      </p:sp>
+    </p:spTree>
+    <p:extLst>
+      <p:ext uri="{BB962C8B-B14F-4D97-AF65-F5344CB8AC3E}">
+        <p14:creationId xmlns:p14="http://schemas.microsoft.com/office/powerpoint/2010/main" val="2608325242"/>
+      </p:ext>
+    </p:extLst>
+  </p:cSld>
+  <p:clrMapOvr>
+    <a:masterClrMapping/>
+  </p:clrMapOvr>
+</p:sldLayout>
+</file>
+
+<file path=ppt/slideLayouts/slideLayout19.xml><?xml version="1.0" encoding="utf-8"?>
+<p:sldLayout xmlns:a="http://schemas.openxmlformats.org/drawingml/2006/main" xmlns:r="http://schemas.openxmlformats.org/officeDocument/2006/relationships" xmlns:p="http://schemas.openxmlformats.org/presentationml/2006/main" type="objTx" preserve="1">
+  <p:cSld name="Content with Caption">
+    <p:spTree>
+      <p:nvGrpSpPr>
+        <p:cNvPr id="1" name=""/>
+        <p:cNvGrpSpPr/>
+        <p:nvPr/>
+      </p:nvGrpSpPr>
+      <p:grpSpPr>
+        <a:xfrm>
+          <a:off x="0" y="0"/>
+          <a:ext cx="0" cy="0"/>
+          <a:chOff x="0" y="0"/>
+          <a:chExt cx="0" cy="0"/>
+        </a:xfrm>
+      </p:grpSpPr>
+      <p:sp>
+        <p:nvSpPr>
+          <p:cNvPr id="2" name="Title 1"/>
+          <p:cNvSpPr>
+            <a:spLocks noGrp="1"/>
+          </p:cNvSpPr>
+          <p:nvPr>
+            <p:ph type="title"/>
+          </p:nvPr>
+        </p:nvSpPr>
+        <p:spPr>
+          <a:xfrm>
+            <a:off x="839788" y="457200"/>
+            <a:ext cx="3932237" cy="1600200"/>
+          </a:xfrm>
+        </p:spPr>
+        <p:txBody>
+          <a:bodyPr anchor="b"/>
+          <a:lstStyle>
+            <a:lvl1pPr>
+              <a:defRPr sz="3200"/>
+            </a:lvl1pPr>
+          </a:lstStyle>
+          <a:p>
+            <a:r>
+              <a:rPr lang="en-US" smtClean="0"/>
+              <a:t>Click to edit Master title style</a:t>
+            </a:r>
+            <a:endParaRPr lang="pl-PL"/>
+          </a:p>
+        </p:txBody>
+      </p:sp>
+      <p:sp>
+        <p:nvSpPr>
+          <p:cNvPr id="3" name="Content Placeholder 2"/>
+          <p:cNvSpPr>
+            <a:spLocks noGrp="1"/>
+          </p:cNvSpPr>
+          <p:nvPr>
+            <p:ph idx="1"/>
+          </p:nvPr>
+        </p:nvSpPr>
+        <p:spPr>
+          <a:xfrm>
+            <a:off x="5183188" y="987425"/>
+            <a:ext cx="6172200" cy="4873625"/>
+          </a:xfrm>
+        </p:spPr>
+        <p:txBody>
+          <a:bodyPr/>
+          <a:lstStyle>
+            <a:lvl1pPr>
+              <a:defRPr sz="3200"/>
+            </a:lvl1pPr>
+            <a:lvl2pPr>
+              <a:defRPr sz="2800"/>
+            </a:lvl2pPr>
+            <a:lvl3pPr>
+              <a:defRPr sz="2400"/>
+            </a:lvl3pPr>
+            <a:lvl4pPr>
+              <a:defRPr sz="2000"/>
+            </a:lvl4pPr>
+            <a:lvl5pPr>
+              <a:defRPr sz="2000"/>
+            </a:lvl5pPr>
+            <a:lvl6pPr>
+              <a:defRPr sz="2000"/>
+            </a:lvl6pPr>
+            <a:lvl7pPr>
+              <a:defRPr sz="2000"/>
+            </a:lvl7pPr>
+            <a:lvl8pPr>
+              <a:defRPr sz="2000"/>
+            </a:lvl8pPr>
+            <a:lvl9pPr>
+              <a:defRPr sz="2000"/>
+            </a:lvl9pPr>
+          </a:lstStyle>
+          <a:p>
+            <a:pPr lvl="0"/>
+            <a:r>
+              <a:rPr lang="en-US" smtClean="0"/>
+              <a:t>Click to edit Master text styles</a:t>
+            </a:r>
+          </a:p>
+          <a:p>
+            <a:pPr lvl="1"/>
+            <a:r>
+              <a:rPr lang="en-US" smtClean="0"/>
+              <a:t>Second level</a:t>
+            </a:r>
+          </a:p>
+          <a:p>
+            <a:pPr lvl="2"/>
+            <a:r>
+              <a:rPr lang="en-US" smtClean="0"/>
+              <a:t>Third level</a:t>
+            </a:r>
+          </a:p>
+          <a:p>
+            <a:pPr lvl="3"/>
+            <a:r>
+              <a:rPr lang="en-US" smtClean="0"/>
+              <a:t>Fourth level</a:t>
+            </a:r>
+          </a:p>
+          <a:p>
+            <a:pPr lvl="4"/>
+            <a:r>
+              <a:rPr lang="en-US" smtClean="0"/>
+              <a:t>Fifth level</a:t>
+            </a:r>
+            <a:endParaRPr lang="pl-PL"/>
+          </a:p>
+        </p:txBody>
+      </p:sp>
+      <p:sp>
+        <p:nvSpPr>
+          <p:cNvPr id="4" name="Text Placeholder 3"/>
+          <p:cNvSpPr>
+            <a:spLocks noGrp="1"/>
+          </p:cNvSpPr>
+          <p:nvPr>
+            <p:ph type="body" sz="half" idx="2"/>
+          </p:nvPr>
+        </p:nvSpPr>
+        <p:spPr>
+          <a:xfrm>
+            <a:off x="839788" y="2057400"/>
+            <a:ext cx="3932237" cy="3811588"/>
+          </a:xfrm>
+        </p:spPr>
+        <p:txBody>
+          <a:bodyPr/>
+          <a:lstStyle>
+            <a:lvl1pPr marL="0" indent="0">
+              <a:buNone/>
+              <a:defRPr sz="1600"/>
+            </a:lvl1pPr>
+            <a:lvl2pPr marL="457200" indent="0">
+              <a:buNone/>
+              <a:defRPr sz="1400"/>
+            </a:lvl2pPr>
+            <a:lvl3pPr marL="914400" indent="0">
+              <a:buNone/>
+              <a:defRPr sz="1200"/>
+            </a:lvl3pPr>
+            <a:lvl4pPr marL="1371600" indent="0">
+              <a:buNone/>
+              <a:defRPr sz="1000"/>
+            </a:lvl4pPr>
+            <a:lvl5pPr marL="1828800" indent="0">
+              <a:buNone/>
+              <a:defRPr sz="1000"/>
+            </a:lvl5pPr>
+            <a:lvl6pPr marL="2286000" indent="0">
+              <a:buNone/>
+              <a:defRPr sz="1000"/>
+            </a:lvl6pPr>
+            <a:lvl7pPr marL="2743200" indent="0">
+              <a:buNone/>
+              <a:defRPr sz="1000"/>
+            </a:lvl7pPr>
+            <a:lvl8pPr marL="3200400" indent="0">
+              <a:buNone/>
+              <a:defRPr sz="1000"/>
+            </a:lvl8pPr>
+            <a:lvl9pPr marL="3657600" indent="0">
+              <a:buNone/>
+              <a:defRPr sz="1000"/>
+            </a:lvl9pPr>
+          </a:lstStyle>
+          <a:p>
+            <a:pPr lvl="0"/>
+            <a:r>
+              <a:rPr lang="en-US" smtClean="0"/>
+              <a:t>Click to edit Master text styles</a:t>
+            </a:r>
+          </a:p>
+        </p:txBody>
+      </p:sp>
+      <p:sp>
+        <p:nvSpPr>
+          <p:cNvPr id="5" name="Date Placeholder 4"/>
+          <p:cNvSpPr>
+            <a:spLocks noGrp="1"/>
+          </p:cNvSpPr>
+          <p:nvPr>
+            <p:ph type="dt" sz="half" idx="10"/>
+          </p:nvPr>
+        </p:nvSpPr>
+        <p:spPr/>
+        <p:txBody>
+          <a:bodyPr/>
+          <a:lstStyle/>
+          <a:p>
+            <a:fld id="{99954231-B631-4188-A90E-A96E2697AD61}" type="datetimeFigureOut">
+              <a:rPr lang="pl-PL" smtClean="0">
+                <a:solidFill>
+                  <a:prstClr val="black">
+                    <a:tint val="75000"/>
+                  </a:prstClr>
+                </a:solidFill>
+              </a:rPr>
+              <a:pPr/>
+              <a:t>2015-04-22</a:t>
+            </a:fld>
+            <a:endParaRPr lang="pl-PL">
+              <a:solidFill>
+                <a:prstClr val="black">
+                  <a:tint val="75000"/>
+                </a:prstClr>
+              </a:solidFill>
+            </a:endParaRPr>
+          </a:p>
+        </p:txBody>
+      </p:sp>
+      <p:sp>
+        <p:nvSpPr>
+          <p:cNvPr id="6" name="Footer Placeholder 5"/>
+          <p:cNvSpPr>
+            <a:spLocks noGrp="1"/>
+          </p:cNvSpPr>
+          <p:nvPr>
+            <p:ph type="ftr" sz="quarter" idx="11"/>
+          </p:nvPr>
+        </p:nvSpPr>
+        <p:spPr/>
+        <p:txBody>
+          <a:bodyPr/>
+          <a:lstStyle/>
+          <a:p>
+            <a:endParaRPr lang="pl-PL">
+              <a:solidFill>
+                <a:prstClr val="black">
+                  <a:tint val="75000"/>
+                </a:prstClr>
+              </a:solidFill>
+            </a:endParaRPr>
+          </a:p>
+        </p:txBody>
+      </p:sp>
+      <p:sp>
+        <p:nvSpPr>
+          <p:cNvPr id="7" name="Slide Number Placeholder 6"/>
+          <p:cNvSpPr>
+            <a:spLocks noGrp="1"/>
+          </p:cNvSpPr>
+          <p:nvPr>
+            <p:ph type="sldNum" sz="quarter" idx="12"/>
+          </p:nvPr>
+        </p:nvSpPr>
+        <p:spPr/>
+        <p:txBody>
+          <a:bodyPr/>
+          <a:lstStyle/>
+          <a:p>
+            <a:fld id="{1E1613D0-69B6-4EBC-BA94-E20EEE7D1EB1}" type="slidenum">
+              <a:rPr lang="pl-PL" smtClean="0">
+                <a:solidFill>
+                  <a:prstClr val="black">
+                    <a:tint val="75000"/>
+                  </a:prstClr>
+                </a:solidFill>
+              </a:rPr>
+              <a:pPr/>
+              <a:t>‹#›</a:t>
+            </a:fld>
+            <a:endParaRPr lang="pl-PL">
+              <a:solidFill>
+                <a:prstClr val="black">
+                  <a:tint val="75000"/>
+                </a:prstClr>
+              </a:solidFill>
+            </a:endParaRPr>
+          </a:p>
+        </p:txBody>
+      </p:sp>
+    </p:spTree>
+    <p:extLst>
+      <p:ext uri="{BB962C8B-B14F-4D97-AF65-F5344CB8AC3E}">
+        <p14:creationId xmlns:p14="http://schemas.microsoft.com/office/powerpoint/2010/main" val="2940156681"/>
       </p:ext>
     </p:extLst>
   </p:cSld>
@@ -791,7 +2749,7 @@
           <a:p>
             <a:fld id="{99954231-B631-4188-A90E-A96E2697AD61}" type="datetimeFigureOut">
               <a:rPr lang="pl-PL" smtClean="0"/>
-              <a:t>2015-04-21</a:t>
+              <a:t>2015-04-22</a:t>
             </a:fld>
             <a:endParaRPr lang="pl-PL"/>
           </a:p>
@@ -843,6 +2801,705 @@
     <p:extLst>
       <p:ext uri="{BB962C8B-B14F-4D97-AF65-F5344CB8AC3E}">
         <p14:creationId xmlns:p14="http://schemas.microsoft.com/office/powerpoint/2010/main" val="3625183464"/>
+      </p:ext>
+    </p:extLst>
+  </p:cSld>
+  <p:clrMapOvr>
+    <a:masterClrMapping/>
+  </p:clrMapOvr>
+</p:sldLayout>
+</file>
+
+<file path=ppt/slideLayouts/slideLayout20.xml><?xml version="1.0" encoding="utf-8"?>
+<p:sldLayout xmlns:a="http://schemas.openxmlformats.org/drawingml/2006/main" xmlns:r="http://schemas.openxmlformats.org/officeDocument/2006/relationships" xmlns:p="http://schemas.openxmlformats.org/presentationml/2006/main" type="picTx" preserve="1">
+  <p:cSld name="Picture with Caption">
+    <p:spTree>
+      <p:nvGrpSpPr>
+        <p:cNvPr id="1" name=""/>
+        <p:cNvGrpSpPr/>
+        <p:nvPr/>
+      </p:nvGrpSpPr>
+      <p:grpSpPr>
+        <a:xfrm>
+          <a:off x="0" y="0"/>
+          <a:ext cx="0" cy="0"/>
+          <a:chOff x="0" y="0"/>
+          <a:chExt cx="0" cy="0"/>
+        </a:xfrm>
+      </p:grpSpPr>
+      <p:sp>
+        <p:nvSpPr>
+          <p:cNvPr id="2" name="Title 1"/>
+          <p:cNvSpPr>
+            <a:spLocks noGrp="1"/>
+          </p:cNvSpPr>
+          <p:nvPr>
+            <p:ph type="title"/>
+          </p:nvPr>
+        </p:nvSpPr>
+        <p:spPr>
+          <a:xfrm>
+            <a:off x="839788" y="457200"/>
+            <a:ext cx="3932237" cy="1600200"/>
+          </a:xfrm>
+        </p:spPr>
+        <p:txBody>
+          <a:bodyPr anchor="b"/>
+          <a:lstStyle>
+            <a:lvl1pPr>
+              <a:defRPr sz="3200"/>
+            </a:lvl1pPr>
+          </a:lstStyle>
+          <a:p>
+            <a:r>
+              <a:rPr lang="en-US" smtClean="0"/>
+              <a:t>Click to edit Master title style</a:t>
+            </a:r>
+            <a:endParaRPr lang="pl-PL"/>
+          </a:p>
+        </p:txBody>
+      </p:sp>
+      <p:sp>
+        <p:nvSpPr>
+          <p:cNvPr id="3" name="Picture Placeholder 2"/>
+          <p:cNvSpPr>
+            <a:spLocks noGrp="1"/>
+          </p:cNvSpPr>
+          <p:nvPr>
+            <p:ph type="pic" idx="1"/>
+          </p:nvPr>
+        </p:nvSpPr>
+        <p:spPr>
+          <a:xfrm>
+            <a:off x="5183188" y="987425"/>
+            <a:ext cx="6172200" cy="4873625"/>
+          </a:xfrm>
+        </p:spPr>
+        <p:txBody>
+          <a:bodyPr/>
+          <a:lstStyle>
+            <a:lvl1pPr marL="0" indent="0">
+              <a:buNone/>
+              <a:defRPr sz="3200"/>
+            </a:lvl1pPr>
+            <a:lvl2pPr marL="457200" indent="0">
+              <a:buNone/>
+              <a:defRPr sz="2800"/>
+            </a:lvl2pPr>
+            <a:lvl3pPr marL="914400" indent="0">
+              <a:buNone/>
+              <a:defRPr sz="2400"/>
+            </a:lvl3pPr>
+            <a:lvl4pPr marL="1371600" indent="0">
+              <a:buNone/>
+              <a:defRPr sz="2000"/>
+            </a:lvl4pPr>
+            <a:lvl5pPr marL="1828800" indent="0">
+              <a:buNone/>
+              <a:defRPr sz="2000"/>
+            </a:lvl5pPr>
+            <a:lvl6pPr marL="2286000" indent="0">
+              <a:buNone/>
+              <a:defRPr sz="2000"/>
+            </a:lvl6pPr>
+            <a:lvl7pPr marL="2743200" indent="0">
+              <a:buNone/>
+              <a:defRPr sz="2000"/>
+            </a:lvl7pPr>
+            <a:lvl8pPr marL="3200400" indent="0">
+              <a:buNone/>
+              <a:defRPr sz="2000"/>
+            </a:lvl8pPr>
+            <a:lvl9pPr marL="3657600" indent="0">
+              <a:buNone/>
+              <a:defRPr sz="2000"/>
+            </a:lvl9pPr>
+          </a:lstStyle>
+          <a:p>
+            <a:endParaRPr lang="pl-PL"/>
+          </a:p>
+        </p:txBody>
+      </p:sp>
+      <p:sp>
+        <p:nvSpPr>
+          <p:cNvPr id="4" name="Text Placeholder 3"/>
+          <p:cNvSpPr>
+            <a:spLocks noGrp="1"/>
+          </p:cNvSpPr>
+          <p:nvPr>
+            <p:ph type="body" sz="half" idx="2"/>
+          </p:nvPr>
+        </p:nvSpPr>
+        <p:spPr>
+          <a:xfrm>
+            <a:off x="839788" y="2057400"/>
+            <a:ext cx="3932237" cy="3811588"/>
+          </a:xfrm>
+        </p:spPr>
+        <p:txBody>
+          <a:bodyPr/>
+          <a:lstStyle>
+            <a:lvl1pPr marL="0" indent="0">
+              <a:buNone/>
+              <a:defRPr sz="1600"/>
+            </a:lvl1pPr>
+            <a:lvl2pPr marL="457200" indent="0">
+              <a:buNone/>
+              <a:defRPr sz="1400"/>
+            </a:lvl2pPr>
+            <a:lvl3pPr marL="914400" indent="0">
+              <a:buNone/>
+              <a:defRPr sz="1200"/>
+            </a:lvl3pPr>
+            <a:lvl4pPr marL="1371600" indent="0">
+              <a:buNone/>
+              <a:defRPr sz="1000"/>
+            </a:lvl4pPr>
+            <a:lvl5pPr marL="1828800" indent="0">
+              <a:buNone/>
+              <a:defRPr sz="1000"/>
+            </a:lvl5pPr>
+            <a:lvl6pPr marL="2286000" indent="0">
+              <a:buNone/>
+              <a:defRPr sz="1000"/>
+            </a:lvl6pPr>
+            <a:lvl7pPr marL="2743200" indent="0">
+              <a:buNone/>
+              <a:defRPr sz="1000"/>
+            </a:lvl7pPr>
+            <a:lvl8pPr marL="3200400" indent="0">
+              <a:buNone/>
+              <a:defRPr sz="1000"/>
+            </a:lvl8pPr>
+            <a:lvl9pPr marL="3657600" indent="0">
+              <a:buNone/>
+              <a:defRPr sz="1000"/>
+            </a:lvl9pPr>
+          </a:lstStyle>
+          <a:p>
+            <a:pPr lvl="0"/>
+            <a:r>
+              <a:rPr lang="en-US" smtClean="0"/>
+              <a:t>Click to edit Master text styles</a:t>
+            </a:r>
+          </a:p>
+        </p:txBody>
+      </p:sp>
+      <p:sp>
+        <p:nvSpPr>
+          <p:cNvPr id="5" name="Date Placeholder 4"/>
+          <p:cNvSpPr>
+            <a:spLocks noGrp="1"/>
+          </p:cNvSpPr>
+          <p:nvPr>
+            <p:ph type="dt" sz="half" idx="10"/>
+          </p:nvPr>
+        </p:nvSpPr>
+        <p:spPr/>
+        <p:txBody>
+          <a:bodyPr/>
+          <a:lstStyle/>
+          <a:p>
+            <a:fld id="{99954231-B631-4188-A90E-A96E2697AD61}" type="datetimeFigureOut">
+              <a:rPr lang="pl-PL" smtClean="0">
+                <a:solidFill>
+                  <a:prstClr val="black">
+                    <a:tint val="75000"/>
+                  </a:prstClr>
+                </a:solidFill>
+              </a:rPr>
+              <a:pPr/>
+              <a:t>2015-04-22</a:t>
+            </a:fld>
+            <a:endParaRPr lang="pl-PL">
+              <a:solidFill>
+                <a:prstClr val="black">
+                  <a:tint val="75000"/>
+                </a:prstClr>
+              </a:solidFill>
+            </a:endParaRPr>
+          </a:p>
+        </p:txBody>
+      </p:sp>
+      <p:sp>
+        <p:nvSpPr>
+          <p:cNvPr id="6" name="Footer Placeholder 5"/>
+          <p:cNvSpPr>
+            <a:spLocks noGrp="1"/>
+          </p:cNvSpPr>
+          <p:nvPr>
+            <p:ph type="ftr" sz="quarter" idx="11"/>
+          </p:nvPr>
+        </p:nvSpPr>
+        <p:spPr/>
+        <p:txBody>
+          <a:bodyPr/>
+          <a:lstStyle/>
+          <a:p>
+            <a:endParaRPr lang="pl-PL">
+              <a:solidFill>
+                <a:prstClr val="black">
+                  <a:tint val="75000"/>
+                </a:prstClr>
+              </a:solidFill>
+            </a:endParaRPr>
+          </a:p>
+        </p:txBody>
+      </p:sp>
+      <p:sp>
+        <p:nvSpPr>
+          <p:cNvPr id="7" name="Slide Number Placeholder 6"/>
+          <p:cNvSpPr>
+            <a:spLocks noGrp="1"/>
+          </p:cNvSpPr>
+          <p:nvPr>
+            <p:ph type="sldNum" sz="quarter" idx="12"/>
+          </p:nvPr>
+        </p:nvSpPr>
+        <p:spPr/>
+        <p:txBody>
+          <a:bodyPr/>
+          <a:lstStyle/>
+          <a:p>
+            <a:fld id="{1E1613D0-69B6-4EBC-BA94-E20EEE7D1EB1}" type="slidenum">
+              <a:rPr lang="pl-PL" smtClean="0">
+                <a:solidFill>
+                  <a:prstClr val="black">
+                    <a:tint val="75000"/>
+                  </a:prstClr>
+                </a:solidFill>
+              </a:rPr>
+              <a:pPr/>
+              <a:t>‹#›</a:t>
+            </a:fld>
+            <a:endParaRPr lang="pl-PL">
+              <a:solidFill>
+                <a:prstClr val="black">
+                  <a:tint val="75000"/>
+                </a:prstClr>
+              </a:solidFill>
+            </a:endParaRPr>
+          </a:p>
+        </p:txBody>
+      </p:sp>
+    </p:spTree>
+    <p:extLst>
+      <p:ext uri="{BB962C8B-B14F-4D97-AF65-F5344CB8AC3E}">
+        <p14:creationId xmlns:p14="http://schemas.microsoft.com/office/powerpoint/2010/main" val="3505069261"/>
+      </p:ext>
+    </p:extLst>
+  </p:cSld>
+  <p:clrMapOvr>
+    <a:masterClrMapping/>
+  </p:clrMapOvr>
+</p:sldLayout>
+</file>
+
+<file path=ppt/slideLayouts/slideLayout21.xml><?xml version="1.0" encoding="utf-8"?>
+<p:sldLayout xmlns:a="http://schemas.openxmlformats.org/drawingml/2006/main" xmlns:r="http://schemas.openxmlformats.org/officeDocument/2006/relationships" xmlns:p="http://schemas.openxmlformats.org/presentationml/2006/main" type="vertTx" preserve="1">
+  <p:cSld name="Title and Vertical Text">
+    <p:spTree>
+      <p:nvGrpSpPr>
+        <p:cNvPr id="1" name=""/>
+        <p:cNvGrpSpPr/>
+        <p:nvPr/>
+      </p:nvGrpSpPr>
+      <p:grpSpPr>
+        <a:xfrm>
+          <a:off x="0" y="0"/>
+          <a:ext cx="0" cy="0"/>
+          <a:chOff x="0" y="0"/>
+          <a:chExt cx="0" cy="0"/>
+        </a:xfrm>
+      </p:grpSpPr>
+      <p:sp>
+        <p:nvSpPr>
+          <p:cNvPr id="2" name="Title 1"/>
+          <p:cNvSpPr>
+            <a:spLocks noGrp="1"/>
+          </p:cNvSpPr>
+          <p:nvPr>
+            <p:ph type="title"/>
+          </p:nvPr>
+        </p:nvSpPr>
+        <p:spPr/>
+        <p:txBody>
+          <a:bodyPr/>
+          <a:lstStyle/>
+          <a:p>
+            <a:r>
+              <a:rPr lang="en-US" smtClean="0"/>
+              <a:t>Click to edit Master title style</a:t>
+            </a:r>
+            <a:endParaRPr lang="pl-PL"/>
+          </a:p>
+        </p:txBody>
+      </p:sp>
+      <p:sp>
+        <p:nvSpPr>
+          <p:cNvPr id="3" name="Vertical Text Placeholder 2"/>
+          <p:cNvSpPr>
+            <a:spLocks noGrp="1"/>
+          </p:cNvSpPr>
+          <p:nvPr>
+            <p:ph type="body" orient="vert" idx="1"/>
+          </p:nvPr>
+        </p:nvSpPr>
+        <p:spPr/>
+        <p:txBody>
+          <a:bodyPr vert="eaVert"/>
+          <a:lstStyle/>
+          <a:p>
+            <a:pPr lvl="0"/>
+            <a:r>
+              <a:rPr lang="en-US" smtClean="0"/>
+              <a:t>Click to edit Master text styles</a:t>
+            </a:r>
+          </a:p>
+          <a:p>
+            <a:pPr lvl="1"/>
+            <a:r>
+              <a:rPr lang="en-US" smtClean="0"/>
+              <a:t>Second level</a:t>
+            </a:r>
+          </a:p>
+          <a:p>
+            <a:pPr lvl="2"/>
+            <a:r>
+              <a:rPr lang="en-US" smtClean="0"/>
+              <a:t>Third level</a:t>
+            </a:r>
+          </a:p>
+          <a:p>
+            <a:pPr lvl="3"/>
+            <a:r>
+              <a:rPr lang="en-US" smtClean="0"/>
+              <a:t>Fourth level</a:t>
+            </a:r>
+          </a:p>
+          <a:p>
+            <a:pPr lvl="4"/>
+            <a:r>
+              <a:rPr lang="en-US" smtClean="0"/>
+              <a:t>Fifth level</a:t>
+            </a:r>
+            <a:endParaRPr lang="pl-PL"/>
+          </a:p>
+        </p:txBody>
+      </p:sp>
+      <p:sp>
+        <p:nvSpPr>
+          <p:cNvPr id="4" name="Date Placeholder 3"/>
+          <p:cNvSpPr>
+            <a:spLocks noGrp="1"/>
+          </p:cNvSpPr>
+          <p:nvPr>
+            <p:ph type="dt" sz="half" idx="10"/>
+          </p:nvPr>
+        </p:nvSpPr>
+        <p:spPr/>
+        <p:txBody>
+          <a:bodyPr/>
+          <a:lstStyle/>
+          <a:p>
+            <a:fld id="{99954231-B631-4188-A90E-A96E2697AD61}" type="datetimeFigureOut">
+              <a:rPr lang="pl-PL" smtClean="0">
+                <a:solidFill>
+                  <a:prstClr val="black">
+                    <a:tint val="75000"/>
+                  </a:prstClr>
+                </a:solidFill>
+              </a:rPr>
+              <a:pPr/>
+              <a:t>2015-04-22</a:t>
+            </a:fld>
+            <a:endParaRPr lang="pl-PL">
+              <a:solidFill>
+                <a:prstClr val="black">
+                  <a:tint val="75000"/>
+                </a:prstClr>
+              </a:solidFill>
+            </a:endParaRPr>
+          </a:p>
+        </p:txBody>
+      </p:sp>
+      <p:sp>
+        <p:nvSpPr>
+          <p:cNvPr id="5" name="Footer Placeholder 4"/>
+          <p:cNvSpPr>
+            <a:spLocks noGrp="1"/>
+          </p:cNvSpPr>
+          <p:nvPr>
+            <p:ph type="ftr" sz="quarter" idx="11"/>
+          </p:nvPr>
+        </p:nvSpPr>
+        <p:spPr/>
+        <p:txBody>
+          <a:bodyPr/>
+          <a:lstStyle/>
+          <a:p>
+            <a:endParaRPr lang="pl-PL">
+              <a:solidFill>
+                <a:prstClr val="black">
+                  <a:tint val="75000"/>
+                </a:prstClr>
+              </a:solidFill>
+            </a:endParaRPr>
+          </a:p>
+        </p:txBody>
+      </p:sp>
+      <p:sp>
+        <p:nvSpPr>
+          <p:cNvPr id="6" name="Slide Number Placeholder 5"/>
+          <p:cNvSpPr>
+            <a:spLocks noGrp="1"/>
+          </p:cNvSpPr>
+          <p:nvPr>
+            <p:ph type="sldNum" sz="quarter" idx="12"/>
+          </p:nvPr>
+        </p:nvSpPr>
+        <p:spPr/>
+        <p:txBody>
+          <a:bodyPr/>
+          <a:lstStyle/>
+          <a:p>
+            <a:fld id="{1E1613D0-69B6-4EBC-BA94-E20EEE7D1EB1}" type="slidenum">
+              <a:rPr lang="pl-PL" smtClean="0">
+                <a:solidFill>
+                  <a:prstClr val="black">
+                    <a:tint val="75000"/>
+                  </a:prstClr>
+                </a:solidFill>
+              </a:rPr>
+              <a:pPr/>
+              <a:t>‹#›</a:t>
+            </a:fld>
+            <a:endParaRPr lang="pl-PL">
+              <a:solidFill>
+                <a:prstClr val="black">
+                  <a:tint val="75000"/>
+                </a:prstClr>
+              </a:solidFill>
+            </a:endParaRPr>
+          </a:p>
+        </p:txBody>
+      </p:sp>
+    </p:spTree>
+    <p:extLst>
+      <p:ext uri="{BB962C8B-B14F-4D97-AF65-F5344CB8AC3E}">
+        <p14:creationId xmlns:p14="http://schemas.microsoft.com/office/powerpoint/2010/main" val="2749652247"/>
+      </p:ext>
+    </p:extLst>
+  </p:cSld>
+  <p:clrMapOvr>
+    <a:masterClrMapping/>
+  </p:clrMapOvr>
+</p:sldLayout>
+</file>
+
+<file path=ppt/slideLayouts/slideLayout22.xml><?xml version="1.0" encoding="utf-8"?>
+<p:sldLayout xmlns:a="http://schemas.openxmlformats.org/drawingml/2006/main" xmlns:r="http://schemas.openxmlformats.org/officeDocument/2006/relationships" xmlns:p="http://schemas.openxmlformats.org/presentationml/2006/main" type="vertTitleAndTx" preserve="1">
+  <p:cSld name="Vertical Title and Text">
+    <p:spTree>
+      <p:nvGrpSpPr>
+        <p:cNvPr id="1" name=""/>
+        <p:cNvGrpSpPr/>
+        <p:nvPr/>
+      </p:nvGrpSpPr>
+      <p:grpSpPr>
+        <a:xfrm>
+          <a:off x="0" y="0"/>
+          <a:ext cx="0" cy="0"/>
+          <a:chOff x="0" y="0"/>
+          <a:chExt cx="0" cy="0"/>
+        </a:xfrm>
+      </p:grpSpPr>
+      <p:sp>
+        <p:nvSpPr>
+          <p:cNvPr id="2" name="Vertical Title 1"/>
+          <p:cNvSpPr>
+            <a:spLocks noGrp="1"/>
+          </p:cNvSpPr>
+          <p:nvPr>
+            <p:ph type="title" orient="vert"/>
+          </p:nvPr>
+        </p:nvSpPr>
+        <p:spPr>
+          <a:xfrm>
+            <a:off x="8724900" y="365125"/>
+            <a:ext cx="2628900" cy="5811838"/>
+          </a:xfrm>
+        </p:spPr>
+        <p:txBody>
+          <a:bodyPr vert="eaVert"/>
+          <a:lstStyle/>
+          <a:p>
+            <a:r>
+              <a:rPr lang="en-US" smtClean="0"/>
+              <a:t>Click to edit Master title style</a:t>
+            </a:r>
+            <a:endParaRPr lang="pl-PL"/>
+          </a:p>
+        </p:txBody>
+      </p:sp>
+      <p:sp>
+        <p:nvSpPr>
+          <p:cNvPr id="3" name="Vertical Text Placeholder 2"/>
+          <p:cNvSpPr>
+            <a:spLocks noGrp="1"/>
+          </p:cNvSpPr>
+          <p:nvPr>
+            <p:ph type="body" orient="vert" idx="1"/>
+          </p:nvPr>
+        </p:nvSpPr>
+        <p:spPr>
+          <a:xfrm>
+            <a:off x="838200" y="365125"/>
+            <a:ext cx="7734300" cy="5811838"/>
+          </a:xfrm>
+        </p:spPr>
+        <p:txBody>
+          <a:bodyPr vert="eaVert"/>
+          <a:lstStyle/>
+          <a:p>
+            <a:pPr lvl="0"/>
+            <a:r>
+              <a:rPr lang="en-US" smtClean="0"/>
+              <a:t>Click to edit Master text styles</a:t>
+            </a:r>
+          </a:p>
+          <a:p>
+            <a:pPr lvl="1"/>
+            <a:r>
+              <a:rPr lang="en-US" smtClean="0"/>
+              <a:t>Second level</a:t>
+            </a:r>
+          </a:p>
+          <a:p>
+            <a:pPr lvl="2"/>
+            <a:r>
+              <a:rPr lang="en-US" smtClean="0"/>
+              <a:t>Third level</a:t>
+            </a:r>
+          </a:p>
+          <a:p>
+            <a:pPr lvl="3"/>
+            <a:r>
+              <a:rPr lang="en-US" smtClean="0"/>
+              <a:t>Fourth level</a:t>
+            </a:r>
+          </a:p>
+          <a:p>
+            <a:pPr lvl="4"/>
+            <a:r>
+              <a:rPr lang="en-US" smtClean="0"/>
+              <a:t>Fifth level</a:t>
+            </a:r>
+            <a:endParaRPr lang="pl-PL"/>
+          </a:p>
+        </p:txBody>
+      </p:sp>
+      <p:sp>
+        <p:nvSpPr>
+          <p:cNvPr id="4" name="Date Placeholder 3"/>
+          <p:cNvSpPr>
+            <a:spLocks noGrp="1"/>
+          </p:cNvSpPr>
+          <p:nvPr>
+            <p:ph type="dt" sz="half" idx="10"/>
+          </p:nvPr>
+        </p:nvSpPr>
+        <p:spPr/>
+        <p:txBody>
+          <a:bodyPr/>
+          <a:lstStyle/>
+          <a:p>
+            <a:fld id="{99954231-B631-4188-A90E-A96E2697AD61}" type="datetimeFigureOut">
+              <a:rPr lang="pl-PL" smtClean="0">
+                <a:solidFill>
+                  <a:prstClr val="black">
+                    <a:tint val="75000"/>
+                  </a:prstClr>
+                </a:solidFill>
+              </a:rPr>
+              <a:pPr/>
+              <a:t>2015-04-22</a:t>
+            </a:fld>
+            <a:endParaRPr lang="pl-PL">
+              <a:solidFill>
+                <a:prstClr val="black">
+                  <a:tint val="75000"/>
+                </a:prstClr>
+              </a:solidFill>
+            </a:endParaRPr>
+          </a:p>
+        </p:txBody>
+      </p:sp>
+      <p:sp>
+        <p:nvSpPr>
+          <p:cNvPr id="5" name="Footer Placeholder 4"/>
+          <p:cNvSpPr>
+            <a:spLocks noGrp="1"/>
+          </p:cNvSpPr>
+          <p:nvPr>
+            <p:ph type="ftr" sz="quarter" idx="11"/>
+          </p:nvPr>
+        </p:nvSpPr>
+        <p:spPr/>
+        <p:txBody>
+          <a:bodyPr/>
+          <a:lstStyle/>
+          <a:p>
+            <a:endParaRPr lang="pl-PL">
+              <a:solidFill>
+                <a:prstClr val="black">
+                  <a:tint val="75000"/>
+                </a:prstClr>
+              </a:solidFill>
+            </a:endParaRPr>
+          </a:p>
+        </p:txBody>
+      </p:sp>
+      <p:sp>
+        <p:nvSpPr>
+          <p:cNvPr id="6" name="Slide Number Placeholder 5"/>
+          <p:cNvSpPr>
+            <a:spLocks noGrp="1"/>
+          </p:cNvSpPr>
+          <p:nvPr>
+            <p:ph type="sldNum" sz="quarter" idx="12"/>
+          </p:nvPr>
+        </p:nvSpPr>
+        <p:spPr/>
+        <p:txBody>
+          <a:bodyPr/>
+          <a:lstStyle/>
+          <a:p>
+            <a:fld id="{1E1613D0-69B6-4EBC-BA94-E20EEE7D1EB1}" type="slidenum">
+              <a:rPr lang="pl-PL" smtClean="0">
+                <a:solidFill>
+                  <a:prstClr val="black">
+                    <a:tint val="75000"/>
+                  </a:prstClr>
+                </a:solidFill>
+              </a:rPr>
+              <a:pPr/>
+              <a:t>‹#›</a:t>
+            </a:fld>
+            <a:endParaRPr lang="pl-PL">
+              <a:solidFill>
+                <a:prstClr val="black">
+                  <a:tint val="75000"/>
+                </a:prstClr>
+              </a:solidFill>
+            </a:endParaRPr>
+          </a:p>
+        </p:txBody>
+      </p:sp>
+    </p:spTree>
+    <p:extLst>
+      <p:ext uri="{BB962C8B-B14F-4D97-AF65-F5344CB8AC3E}">
+        <p14:creationId xmlns:p14="http://schemas.microsoft.com/office/powerpoint/2010/main" val="2376076514"/>
       </p:ext>
     </p:extLst>
   </p:cSld>
@@ -1037,7 +3694,7 @@
           <a:p>
             <a:fld id="{99954231-B631-4188-A90E-A96E2697AD61}" type="datetimeFigureOut">
               <a:rPr lang="pl-PL" smtClean="0"/>
-              <a:t>2015-04-21</a:t>
+              <a:t>2015-04-22</a:t>
             </a:fld>
             <a:endParaRPr lang="pl-PL"/>
           </a:p>
@@ -1269,7 +3926,7 @@
           <a:p>
             <a:fld id="{99954231-B631-4188-A90E-A96E2697AD61}" type="datetimeFigureOut">
               <a:rPr lang="pl-PL" smtClean="0"/>
-              <a:t>2015-04-21</a:t>
+              <a:t>2015-04-22</a:t>
             </a:fld>
             <a:endParaRPr lang="pl-PL"/>
           </a:p>
@@ -1636,7 +4293,7 @@
           <a:p>
             <a:fld id="{99954231-B631-4188-A90E-A96E2697AD61}" type="datetimeFigureOut">
               <a:rPr lang="pl-PL" smtClean="0"/>
-              <a:t>2015-04-21</a:t>
+              <a:t>2015-04-22</a:t>
             </a:fld>
             <a:endParaRPr lang="pl-PL"/>
           </a:p>
@@ -1754,7 +4411,7 @@
           <a:p>
             <a:fld id="{99954231-B631-4188-A90E-A96E2697AD61}" type="datetimeFigureOut">
               <a:rPr lang="pl-PL" smtClean="0"/>
-              <a:t>2015-04-21</a:t>
+              <a:t>2015-04-22</a:t>
             </a:fld>
             <a:endParaRPr lang="pl-PL"/>
           </a:p>
@@ -1849,7 +4506,7 @@
           <a:p>
             <a:fld id="{99954231-B631-4188-A90E-A96E2697AD61}" type="datetimeFigureOut">
               <a:rPr lang="pl-PL" smtClean="0"/>
-              <a:t>2015-04-21</a:t>
+              <a:t>2015-04-22</a:t>
             </a:fld>
             <a:endParaRPr lang="pl-PL"/>
           </a:p>
@@ -2126,7 +4783,7 @@
           <a:p>
             <a:fld id="{99954231-B631-4188-A90E-A96E2697AD61}" type="datetimeFigureOut">
               <a:rPr lang="pl-PL" smtClean="0"/>
-              <a:t>2015-04-21</a:t>
+              <a:t>2015-04-22</a:t>
             </a:fld>
             <a:endParaRPr lang="pl-PL"/>
           </a:p>
@@ -2379,7 +5036,7 @@
           <a:p>
             <a:fld id="{99954231-B631-4188-A90E-A96E2697AD61}" type="datetimeFigureOut">
               <a:rPr lang="pl-PL" smtClean="0"/>
-              <a:t>2015-04-21</a:t>
+              <a:t>2015-04-22</a:t>
             </a:fld>
             <a:endParaRPr lang="pl-PL"/>
           </a:p>
@@ -2592,7 +5249,7 @@
           <a:p>
             <a:fld id="{99954231-B631-4188-A90E-A96E2697AD61}" type="datetimeFigureOut">
               <a:rPr lang="pl-PL" smtClean="0"/>
-              <a:t>2015-04-21</a:t>
+              <a:t>2015-04-22</a:t>
             </a:fld>
             <a:endParaRPr lang="pl-PL"/>
           </a:p>
@@ -2696,6 +5353,578 @@
     <p:sldLayoutId id="2147483657" r:id="rId9"/>
     <p:sldLayoutId id="2147483658" r:id="rId10"/>
     <p:sldLayoutId id="2147483659" r:id="rId11"/>
+  </p:sldLayoutIdLst>
+  <p:txStyles>
+    <p:titleStyle>
+      <a:lvl1pPr algn="l" defTabSz="914400" rtl="0" eaLnBrk="1" latinLnBrk="0" hangingPunct="1">
+        <a:lnSpc>
+          <a:spcPct val="90000"/>
+        </a:lnSpc>
+        <a:spcBef>
+          <a:spcPct val="0"/>
+        </a:spcBef>
+        <a:buNone/>
+        <a:defRPr sz="4400" kern="1200">
+          <a:solidFill>
+            <a:schemeClr val="tx1"/>
+          </a:solidFill>
+          <a:latin typeface="+mj-lt"/>
+          <a:ea typeface="+mj-ea"/>
+          <a:cs typeface="+mj-cs"/>
+        </a:defRPr>
+      </a:lvl1pPr>
+    </p:titleStyle>
+    <p:bodyStyle>
+      <a:lvl1pPr marL="228600" indent="-228600" algn="l" defTabSz="914400" rtl="0" eaLnBrk="1" latinLnBrk="0" hangingPunct="1">
+        <a:lnSpc>
+          <a:spcPct val="90000"/>
+        </a:lnSpc>
+        <a:spcBef>
+          <a:spcPts val="1000"/>
+        </a:spcBef>
+        <a:buFont typeface="Arial" panose="020B0604020202020204" pitchFamily="34" charset="0"/>
+        <a:buChar char="•"/>
+        <a:defRPr sz="2800" kern="1200">
+          <a:solidFill>
+            <a:schemeClr val="tx1"/>
+          </a:solidFill>
+          <a:latin typeface="+mn-lt"/>
+          <a:ea typeface="+mn-ea"/>
+          <a:cs typeface="+mn-cs"/>
+        </a:defRPr>
+      </a:lvl1pPr>
+      <a:lvl2pPr marL="685800" indent="-228600" algn="l" defTabSz="914400" rtl="0" eaLnBrk="1" latinLnBrk="0" hangingPunct="1">
+        <a:lnSpc>
+          <a:spcPct val="90000"/>
+        </a:lnSpc>
+        <a:spcBef>
+          <a:spcPts val="500"/>
+        </a:spcBef>
+        <a:buFont typeface="Arial" panose="020B0604020202020204" pitchFamily="34" charset="0"/>
+        <a:buChar char="•"/>
+        <a:defRPr sz="2400" kern="1200">
+          <a:solidFill>
+            <a:schemeClr val="tx1"/>
+          </a:solidFill>
+          <a:latin typeface="+mn-lt"/>
+          <a:ea typeface="+mn-ea"/>
+          <a:cs typeface="+mn-cs"/>
+        </a:defRPr>
+      </a:lvl2pPr>
+      <a:lvl3pPr marL="1143000" indent="-228600" algn="l" defTabSz="914400" rtl="0" eaLnBrk="1" latinLnBrk="0" hangingPunct="1">
+        <a:lnSpc>
+          <a:spcPct val="90000"/>
+        </a:lnSpc>
+        <a:spcBef>
+          <a:spcPts val="500"/>
+        </a:spcBef>
+        <a:buFont typeface="Arial" panose="020B0604020202020204" pitchFamily="34" charset="0"/>
+        <a:buChar char="•"/>
+        <a:defRPr sz="2000" kern="1200">
+          <a:solidFill>
+            <a:schemeClr val="tx1"/>
+          </a:solidFill>
+          <a:latin typeface="+mn-lt"/>
+          <a:ea typeface="+mn-ea"/>
+          <a:cs typeface="+mn-cs"/>
+        </a:defRPr>
+      </a:lvl3pPr>
+      <a:lvl4pPr marL="1600200" indent="-228600" algn="l" defTabSz="914400" rtl="0" eaLnBrk="1" latinLnBrk="0" hangingPunct="1">
+        <a:lnSpc>
+          <a:spcPct val="90000"/>
+        </a:lnSpc>
+        <a:spcBef>
+          <a:spcPts val="500"/>
+        </a:spcBef>
+        <a:buFont typeface="Arial" panose="020B0604020202020204" pitchFamily="34" charset="0"/>
+        <a:buChar char="•"/>
+        <a:defRPr sz="1800" kern="1200">
+          <a:solidFill>
+            <a:schemeClr val="tx1"/>
+          </a:solidFill>
+          <a:latin typeface="+mn-lt"/>
+          <a:ea typeface="+mn-ea"/>
+          <a:cs typeface="+mn-cs"/>
+        </a:defRPr>
+      </a:lvl4pPr>
+      <a:lvl5pPr marL="2057400" indent="-228600" algn="l" defTabSz="914400" rtl="0" eaLnBrk="1" latinLnBrk="0" hangingPunct="1">
+        <a:lnSpc>
+          <a:spcPct val="90000"/>
+        </a:lnSpc>
+        <a:spcBef>
+          <a:spcPts val="500"/>
+        </a:spcBef>
+        <a:buFont typeface="Arial" panose="020B0604020202020204" pitchFamily="34" charset="0"/>
+        <a:buChar char="•"/>
+        <a:defRPr sz="1800" kern="1200">
+          <a:solidFill>
+            <a:schemeClr val="tx1"/>
+          </a:solidFill>
+          <a:latin typeface="+mn-lt"/>
+          <a:ea typeface="+mn-ea"/>
+          <a:cs typeface="+mn-cs"/>
+        </a:defRPr>
+      </a:lvl5pPr>
+      <a:lvl6pPr marL="2514600" indent="-228600" algn="l" defTabSz="914400" rtl="0" eaLnBrk="1" latinLnBrk="0" hangingPunct="1">
+        <a:lnSpc>
+          <a:spcPct val="90000"/>
+        </a:lnSpc>
+        <a:spcBef>
+          <a:spcPts val="500"/>
+        </a:spcBef>
+        <a:buFont typeface="Arial" panose="020B0604020202020204" pitchFamily="34" charset="0"/>
+        <a:buChar char="•"/>
+        <a:defRPr sz="1800" kern="1200">
+          <a:solidFill>
+            <a:schemeClr val="tx1"/>
+          </a:solidFill>
+          <a:latin typeface="+mn-lt"/>
+          <a:ea typeface="+mn-ea"/>
+          <a:cs typeface="+mn-cs"/>
+        </a:defRPr>
+      </a:lvl6pPr>
+      <a:lvl7pPr marL="2971800" indent="-228600" algn="l" defTabSz="914400" rtl="0" eaLnBrk="1" latinLnBrk="0" hangingPunct="1">
+        <a:lnSpc>
+          <a:spcPct val="90000"/>
+        </a:lnSpc>
+        <a:spcBef>
+          <a:spcPts val="500"/>
+        </a:spcBef>
+        <a:buFont typeface="Arial" panose="020B0604020202020204" pitchFamily="34" charset="0"/>
+        <a:buChar char="•"/>
+        <a:defRPr sz="1800" kern="1200">
+          <a:solidFill>
+            <a:schemeClr val="tx1"/>
+          </a:solidFill>
+          <a:latin typeface="+mn-lt"/>
+          <a:ea typeface="+mn-ea"/>
+          <a:cs typeface="+mn-cs"/>
+        </a:defRPr>
+      </a:lvl7pPr>
+      <a:lvl8pPr marL="3429000" indent="-228600" algn="l" defTabSz="914400" rtl="0" eaLnBrk="1" latinLnBrk="0" hangingPunct="1">
+        <a:lnSpc>
+          <a:spcPct val="90000"/>
+        </a:lnSpc>
+        <a:spcBef>
+          <a:spcPts val="500"/>
+        </a:spcBef>
+        <a:buFont typeface="Arial" panose="020B0604020202020204" pitchFamily="34" charset="0"/>
+        <a:buChar char="•"/>
+        <a:defRPr sz="1800" kern="1200">
+          <a:solidFill>
+            <a:schemeClr val="tx1"/>
+          </a:solidFill>
+          <a:latin typeface="+mn-lt"/>
+          <a:ea typeface="+mn-ea"/>
+          <a:cs typeface="+mn-cs"/>
+        </a:defRPr>
+      </a:lvl8pPr>
+      <a:lvl9pPr marL="3886200" indent="-228600" algn="l" defTabSz="914400" rtl="0" eaLnBrk="1" latinLnBrk="0" hangingPunct="1">
+        <a:lnSpc>
+          <a:spcPct val="90000"/>
+        </a:lnSpc>
+        <a:spcBef>
+          <a:spcPts val="500"/>
+        </a:spcBef>
+        <a:buFont typeface="Arial" panose="020B0604020202020204" pitchFamily="34" charset="0"/>
+        <a:buChar char="•"/>
+        <a:defRPr sz="1800" kern="1200">
+          <a:solidFill>
+            <a:schemeClr val="tx1"/>
+          </a:solidFill>
+          <a:latin typeface="+mn-lt"/>
+          <a:ea typeface="+mn-ea"/>
+          <a:cs typeface="+mn-cs"/>
+        </a:defRPr>
+      </a:lvl9pPr>
+    </p:bodyStyle>
+    <p:otherStyle>
+      <a:defPPr>
+        <a:defRPr lang="pl-PL"/>
+      </a:defPPr>
+      <a:lvl1pPr marL="0" algn="l" defTabSz="914400" rtl="0" eaLnBrk="1" latinLnBrk="0" hangingPunct="1">
+        <a:defRPr sz="1800" kern="1200">
+          <a:solidFill>
+            <a:schemeClr val="tx1"/>
+          </a:solidFill>
+          <a:latin typeface="+mn-lt"/>
+          <a:ea typeface="+mn-ea"/>
+          <a:cs typeface="+mn-cs"/>
+        </a:defRPr>
+      </a:lvl1pPr>
+      <a:lvl2pPr marL="457200" algn="l" defTabSz="914400" rtl="0" eaLnBrk="1" latinLnBrk="0" hangingPunct="1">
+        <a:defRPr sz="1800" kern="1200">
+          <a:solidFill>
+            <a:schemeClr val="tx1"/>
+          </a:solidFill>
+          <a:latin typeface="+mn-lt"/>
+          <a:ea typeface="+mn-ea"/>
+          <a:cs typeface="+mn-cs"/>
+        </a:defRPr>
+      </a:lvl2pPr>
+      <a:lvl3pPr marL="914400" algn="l" defTabSz="914400" rtl="0" eaLnBrk="1" latinLnBrk="0" hangingPunct="1">
+        <a:defRPr sz="1800" kern="1200">
+          <a:solidFill>
+            <a:schemeClr val="tx1"/>
+          </a:solidFill>
+          <a:latin typeface="+mn-lt"/>
+          <a:ea typeface="+mn-ea"/>
+          <a:cs typeface="+mn-cs"/>
+        </a:defRPr>
+      </a:lvl3pPr>
+      <a:lvl4pPr marL="1371600" algn="l" defTabSz="914400" rtl="0" eaLnBrk="1" latinLnBrk="0" hangingPunct="1">
+        <a:defRPr sz="1800" kern="1200">
+          <a:solidFill>
+            <a:schemeClr val="tx1"/>
+          </a:solidFill>
+          <a:latin typeface="+mn-lt"/>
+          <a:ea typeface="+mn-ea"/>
+          <a:cs typeface="+mn-cs"/>
+        </a:defRPr>
+      </a:lvl4pPr>
+      <a:lvl5pPr marL="1828800" algn="l" defTabSz="914400" rtl="0" eaLnBrk="1" latinLnBrk="0" hangingPunct="1">
+        <a:defRPr sz="1800" kern="1200">
+          <a:solidFill>
+            <a:schemeClr val="tx1"/>
+          </a:solidFill>
+          <a:latin typeface="+mn-lt"/>
+          <a:ea typeface="+mn-ea"/>
+          <a:cs typeface="+mn-cs"/>
+        </a:defRPr>
+      </a:lvl5pPr>
+      <a:lvl6pPr marL="2286000" algn="l" defTabSz="914400" rtl="0" eaLnBrk="1" latinLnBrk="0" hangingPunct="1">
+        <a:defRPr sz="1800" kern="1200">
+          <a:solidFill>
+            <a:schemeClr val="tx1"/>
+          </a:solidFill>
+          <a:latin typeface="+mn-lt"/>
+          <a:ea typeface="+mn-ea"/>
+          <a:cs typeface="+mn-cs"/>
+        </a:defRPr>
+      </a:lvl6pPr>
+      <a:lvl7pPr marL="2743200" algn="l" defTabSz="914400" rtl="0" eaLnBrk="1" latinLnBrk="0" hangingPunct="1">
+        <a:defRPr sz="1800" kern="1200">
+          <a:solidFill>
+            <a:schemeClr val="tx1"/>
+          </a:solidFill>
+          <a:latin typeface="+mn-lt"/>
+          <a:ea typeface="+mn-ea"/>
+          <a:cs typeface="+mn-cs"/>
+        </a:defRPr>
+      </a:lvl7pPr>
+      <a:lvl8pPr marL="3200400" algn="l" defTabSz="914400" rtl="0" eaLnBrk="1" latinLnBrk="0" hangingPunct="1">
+        <a:defRPr sz="1800" kern="1200">
+          <a:solidFill>
+            <a:schemeClr val="tx1"/>
+          </a:solidFill>
+          <a:latin typeface="+mn-lt"/>
+          <a:ea typeface="+mn-ea"/>
+          <a:cs typeface="+mn-cs"/>
+        </a:defRPr>
+      </a:lvl8pPr>
+      <a:lvl9pPr marL="3657600" algn="l" defTabSz="914400" rtl="0" eaLnBrk="1" latinLnBrk="0" hangingPunct="1">
+        <a:defRPr sz="1800" kern="1200">
+          <a:solidFill>
+            <a:schemeClr val="tx1"/>
+          </a:solidFill>
+          <a:latin typeface="+mn-lt"/>
+          <a:ea typeface="+mn-ea"/>
+          <a:cs typeface="+mn-cs"/>
+        </a:defRPr>
+      </a:lvl9pPr>
+    </p:otherStyle>
+  </p:txStyles>
+</p:sldMaster>
+</file>
+
+<file path=ppt/slideMasters/slideMaster2.xml><?xml version="1.0" encoding="utf-8"?>
+<p:sldMaster xmlns:a="http://schemas.openxmlformats.org/drawingml/2006/main" xmlns:r="http://schemas.openxmlformats.org/officeDocument/2006/relationships" xmlns:p="http://schemas.openxmlformats.org/presentationml/2006/main">
+  <p:cSld>
+    <p:bg>
+      <p:bgRef idx="1001">
+        <a:schemeClr val="bg1"/>
+      </p:bgRef>
+    </p:bg>
+    <p:spTree>
+      <p:nvGrpSpPr>
+        <p:cNvPr id="1" name=""/>
+        <p:cNvGrpSpPr/>
+        <p:nvPr/>
+      </p:nvGrpSpPr>
+      <p:grpSpPr>
+        <a:xfrm>
+          <a:off x="0" y="0"/>
+          <a:ext cx="0" cy="0"/>
+          <a:chOff x="0" y="0"/>
+          <a:chExt cx="0" cy="0"/>
+        </a:xfrm>
+      </p:grpSpPr>
+      <p:sp>
+        <p:nvSpPr>
+          <p:cNvPr id="2" name="Title Placeholder 1"/>
+          <p:cNvSpPr>
+            <a:spLocks noGrp="1"/>
+          </p:cNvSpPr>
+          <p:nvPr>
+            <p:ph type="title"/>
+          </p:nvPr>
+        </p:nvSpPr>
+        <p:spPr>
+          <a:xfrm>
+            <a:off x="838200" y="365125"/>
+            <a:ext cx="10515600" cy="1325563"/>
+          </a:xfrm>
+          <a:prstGeom prst="rect">
+            <a:avLst/>
+          </a:prstGeom>
+        </p:spPr>
+        <p:txBody>
+          <a:bodyPr vert="horz" lIns="91440" tIns="45720" rIns="91440" bIns="45720" rtlCol="0" anchor="ctr">
+            <a:normAutofit/>
+          </a:bodyPr>
+          <a:lstStyle/>
+          <a:p>
+            <a:r>
+              <a:rPr lang="en-US" smtClean="0"/>
+              <a:t>Click to edit Master title style</a:t>
+            </a:r>
+            <a:endParaRPr lang="pl-PL"/>
+          </a:p>
+        </p:txBody>
+      </p:sp>
+      <p:sp>
+        <p:nvSpPr>
+          <p:cNvPr id="3" name="Text Placeholder 2"/>
+          <p:cNvSpPr>
+            <a:spLocks noGrp="1"/>
+          </p:cNvSpPr>
+          <p:nvPr>
+            <p:ph type="body" idx="1"/>
+          </p:nvPr>
+        </p:nvSpPr>
+        <p:spPr>
+          <a:xfrm>
+            <a:off x="838200" y="1825625"/>
+            <a:ext cx="10515600" cy="4351338"/>
+          </a:xfrm>
+          <a:prstGeom prst="rect">
+            <a:avLst/>
+          </a:prstGeom>
+        </p:spPr>
+        <p:txBody>
+          <a:bodyPr vert="horz" lIns="91440" tIns="45720" rIns="91440" bIns="45720" rtlCol="0">
+            <a:normAutofit/>
+          </a:bodyPr>
+          <a:lstStyle/>
+          <a:p>
+            <a:pPr lvl="0"/>
+            <a:r>
+              <a:rPr lang="en-US" smtClean="0"/>
+              <a:t>Click to edit Master text styles</a:t>
+            </a:r>
+          </a:p>
+          <a:p>
+            <a:pPr lvl="1"/>
+            <a:r>
+              <a:rPr lang="en-US" smtClean="0"/>
+              <a:t>Second level</a:t>
+            </a:r>
+          </a:p>
+          <a:p>
+            <a:pPr lvl="2"/>
+            <a:r>
+              <a:rPr lang="en-US" smtClean="0"/>
+              <a:t>Third level</a:t>
+            </a:r>
+          </a:p>
+          <a:p>
+            <a:pPr lvl="3"/>
+            <a:r>
+              <a:rPr lang="en-US" smtClean="0"/>
+              <a:t>Fourth level</a:t>
+            </a:r>
+          </a:p>
+          <a:p>
+            <a:pPr lvl="4"/>
+            <a:r>
+              <a:rPr lang="en-US" smtClean="0"/>
+              <a:t>Fifth level</a:t>
+            </a:r>
+            <a:endParaRPr lang="pl-PL"/>
+          </a:p>
+        </p:txBody>
+      </p:sp>
+      <p:sp>
+        <p:nvSpPr>
+          <p:cNvPr id="4" name="Date Placeholder 3"/>
+          <p:cNvSpPr>
+            <a:spLocks noGrp="1"/>
+          </p:cNvSpPr>
+          <p:nvPr>
+            <p:ph type="dt" sz="half" idx="2"/>
+          </p:nvPr>
+        </p:nvSpPr>
+        <p:spPr>
+          <a:xfrm>
+            <a:off x="838200" y="6356350"/>
+            <a:ext cx="2743200" cy="365125"/>
+          </a:xfrm>
+          <a:prstGeom prst="rect">
+            <a:avLst/>
+          </a:prstGeom>
+        </p:spPr>
+        <p:txBody>
+          <a:bodyPr vert="horz" lIns="91440" tIns="45720" rIns="91440" bIns="45720" rtlCol="0" anchor="ctr"/>
+          <a:lstStyle>
+            <a:lvl1pPr algn="l">
+              <a:defRPr sz="1200">
+                <a:solidFill>
+                  <a:schemeClr val="tx1">
+                    <a:tint val="75000"/>
+                  </a:schemeClr>
+                </a:solidFill>
+              </a:defRPr>
+            </a:lvl1pPr>
+          </a:lstStyle>
+          <a:p>
+            <a:fld id="{99954231-B631-4188-A90E-A96E2697AD61}" type="datetimeFigureOut">
+              <a:rPr lang="pl-PL" smtClean="0">
+                <a:solidFill>
+                  <a:prstClr val="black">
+                    <a:tint val="75000"/>
+                  </a:prstClr>
+                </a:solidFill>
+              </a:rPr>
+              <a:pPr/>
+              <a:t>2015-04-22</a:t>
+            </a:fld>
+            <a:endParaRPr lang="pl-PL">
+              <a:solidFill>
+                <a:prstClr val="black">
+                  <a:tint val="75000"/>
+                </a:prstClr>
+              </a:solidFill>
+            </a:endParaRPr>
+          </a:p>
+        </p:txBody>
+      </p:sp>
+      <p:sp>
+        <p:nvSpPr>
+          <p:cNvPr id="5" name="Footer Placeholder 4"/>
+          <p:cNvSpPr>
+            <a:spLocks noGrp="1"/>
+          </p:cNvSpPr>
+          <p:nvPr>
+            <p:ph type="ftr" sz="quarter" idx="3"/>
+          </p:nvPr>
+        </p:nvSpPr>
+        <p:spPr>
+          <a:xfrm>
+            <a:off x="4038600" y="6356350"/>
+            <a:ext cx="4114800" cy="365125"/>
+          </a:xfrm>
+          <a:prstGeom prst="rect">
+            <a:avLst/>
+          </a:prstGeom>
+        </p:spPr>
+        <p:txBody>
+          <a:bodyPr vert="horz" lIns="91440" tIns="45720" rIns="91440" bIns="45720" rtlCol="0" anchor="ctr"/>
+          <a:lstStyle>
+            <a:lvl1pPr algn="ctr">
+              <a:defRPr sz="1200">
+                <a:solidFill>
+                  <a:schemeClr val="tx1">
+                    <a:tint val="75000"/>
+                  </a:schemeClr>
+                </a:solidFill>
+              </a:defRPr>
+            </a:lvl1pPr>
+          </a:lstStyle>
+          <a:p>
+            <a:endParaRPr lang="pl-PL">
+              <a:solidFill>
+                <a:prstClr val="black">
+                  <a:tint val="75000"/>
+                </a:prstClr>
+              </a:solidFill>
+            </a:endParaRPr>
+          </a:p>
+        </p:txBody>
+      </p:sp>
+      <p:sp>
+        <p:nvSpPr>
+          <p:cNvPr id="6" name="Slide Number Placeholder 5"/>
+          <p:cNvSpPr>
+            <a:spLocks noGrp="1"/>
+          </p:cNvSpPr>
+          <p:nvPr>
+            <p:ph type="sldNum" sz="quarter" idx="4"/>
+          </p:nvPr>
+        </p:nvSpPr>
+        <p:spPr>
+          <a:xfrm>
+            <a:off x="8610600" y="6356350"/>
+            <a:ext cx="2743200" cy="365125"/>
+          </a:xfrm>
+          <a:prstGeom prst="rect">
+            <a:avLst/>
+          </a:prstGeom>
+        </p:spPr>
+        <p:txBody>
+          <a:bodyPr vert="horz" lIns="91440" tIns="45720" rIns="91440" bIns="45720" rtlCol="0" anchor="ctr"/>
+          <a:lstStyle>
+            <a:lvl1pPr algn="r">
+              <a:defRPr sz="1200">
+                <a:solidFill>
+                  <a:schemeClr val="tx1">
+                    <a:tint val="75000"/>
+                  </a:schemeClr>
+                </a:solidFill>
+              </a:defRPr>
+            </a:lvl1pPr>
+          </a:lstStyle>
+          <a:p>
+            <a:fld id="{1E1613D0-69B6-4EBC-BA94-E20EEE7D1EB1}" type="slidenum">
+              <a:rPr lang="pl-PL" smtClean="0">
+                <a:solidFill>
+                  <a:prstClr val="black">
+                    <a:tint val="75000"/>
+                  </a:prstClr>
+                </a:solidFill>
+              </a:rPr>
+              <a:pPr/>
+              <a:t>‹#›</a:t>
+            </a:fld>
+            <a:endParaRPr lang="pl-PL">
+              <a:solidFill>
+                <a:prstClr val="black">
+                  <a:tint val="75000"/>
+                </a:prstClr>
+              </a:solidFill>
+            </a:endParaRPr>
+          </a:p>
+        </p:txBody>
+      </p:sp>
+    </p:spTree>
+    <p:extLst>
+      <p:ext uri="{BB962C8B-B14F-4D97-AF65-F5344CB8AC3E}">
+        <p14:creationId xmlns:p14="http://schemas.microsoft.com/office/powerpoint/2010/main" val="1253216037"/>
+      </p:ext>
+    </p:extLst>
+  </p:cSld>
+  <p:clrMap bg1="lt1" tx1="dk1" bg2="lt2" tx2="dk2" accent1="accent1" accent2="accent2" accent3="accent3" accent4="accent4" accent5="accent5" accent6="accent6" hlink="hlink" folHlink="folHlink"/>
+  <p:sldLayoutIdLst>
+    <p:sldLayoutId id="2147483661" r:id="rId1"/>
+    <p:sldLayoutId id="2147483662" r:id="rId2"/>
+    <p:sldLayoutId id="2147483663" r:id="rId3"/>
+    <p:sldLayoutId id="2147483664" r:id="rId4"/>
+    <p:sldLayoutId id="2147483665" r:id="rId5"/>
+    <p:sldLayoutId id="2147483666" r:id="rId6"/>
+    <p:sldLayoutId id="2147483667" r:id="rId7"/>
+    <p:sldLayoutId id="2147483668" r:id="rId8"/>
+    <p:sldLayoutId id="2147483669" r:id="rId9"/>
+    <p:sldLayoutId id="2147483670" r:id="rId10"/>
+    <p:sldLayoutId id="2147483671" r:id="rId11"/>
   </p:sldLayoutIdLst>
   <p:txStyles>
     <p:titleStyle>
@@ -5136,29 +8365,80 @@
           <a:bodyPr/>
           <a:lstStyle/>
           <a:p>
+            <a:r>
+              <a:rPr lang="pl-PL" dirty="0" smtClean="0"/>
+              <a:t>10) Promises / deferred</a:t>
+            </a:r>
             <a:endParaRPr lang="pl-PL" dirty="0"/>
           </a:p>
         </p:txBody>
       </p:sp>
-      <p:sp>
-        <p:nvSpPr>
-          <p:cNvPr id="3" name="Content Placeholder 2"/>
-          <p:cNvSpPr>
-            <a:spLocks noGrp="1"/>
-          </p:cNvSpPr>
+      <p:pic>
+        <p:nvPicPr>
+          <p:cNvPr id="1026" name="Picture 2"/>
+          <p:cNvPicPr>
+            <a:picLocks noGrp="1" noChangeAspect="1" noChangeArrowheads="1"/>
+          </p:cNvPicPr>
           <p:nvPr>
             <p:ph idx="1"/>
           </p:nvPr>
-        </p:nvSpPr>
-        <p:spPr/>
-        <p:txBody>
-          <a:bodyPr/>
-          <a:lstStyle/>
-          <a:p>
-            <a:endParaRPr lang="pl-PL"/>
-          </a:p>
-        </p:txBody>
-      </p:sp>
+        </p:nvPicPr>
+        <p:blipFill>
+          <a:blip r:embed="rId2">
+            <a:extLst>
+              <a:ext uri="{28A0092B-C50C-407E-A947-70E740481C1C}">
+                <a14:useLocalDpi xmlns:a14="http://schemas.microsoft.com/office/drawing/2010/main" val="0"/>
+              </a:ext>
+            </a:extLst>
+          </a:blip>
+          <a:srcRect/>
+          <a:stretch>
+            <a:fillRect/>
+          </a:stretch>
+        </p:blipFill>
+        <p:spPr bwMode="auto">
+          <a:xfrm>
+            <a:off x="974378" y="1623605"/>
+            <a:ext cx="5830459" cy="4665951"/>
+          </a:xfrm>
+          <a:prstGeom prst="rect">
+            <a:avLst/>
+          </a:prstGeom>
+          <a:noFill/>
+          <a:ln>
+            <a:noFill/>
+          </a:ln>
+          <a:effectLst/>
+          <a:extLst>
+            <a:ext uri="{909E8E84-426E-40DD-AFC4-6F175D3DCCD1}">
+              <a14:hiddenFill xmlns:a14="http://schemas.microsoft.com/office/drawing/2010/main">
+                <a:solidFill>
+                  <a:schemeClr val="accent1"/>
+                </a:solidFill>
+              </a14:hiddenFill>
+            </a:ext>
+            <a:ext uri="{91240B29-F687-4F45-9708-019B960494DF}">
+              <a14:hiddenLine xmlns:a14="http://schemas.microsoft.com/office/drawing/2010/main" w="9525">
+                <a:solidFill>
+                  <a:schemeClr val="tx1"/>
+                </a:solidFill>
+                <a:miter lim="800000"/>
+                <a:headEnd/>
+                <a:tailEnd/>
+              </a14:hiddenLine>
+            </a:ext>
+            <a:ext uri="{AF507438-7753-43E0-B8FC-AC1667EBCBE1}">
+              <a14:hiddenEffects xmlns:a14="http://schemas.microsoft.com/office/drawing/2010/main">
+                <a:effectLst>
+                  <a:outerShdw dist="35921" dir="2700000" algn="ctr" rotWithShape="0">
+                    <a:schemeClr val="bg2"/>
+                  </a:outerShdw>
+                </a:effectLst>
+              </a14:hiddenEffects>
+            </a:ext>
+          </a:extLst>
+        </p:spPr>
+      </p:pic>
     </p:spTree>
     <p:extLst>
       <p:ext uri="{BB962C8B-B14F-4D97-AF65-F5344CB8AC3E}">
@@ -5212,29 +8492,80 @@
           <a:bodyPr/>
           <a:lstStyle/>
           <a:p>
+            <a:r>
+              <a:rPr lang="pl-PL" dirty="0" smtClean="0"/>
+              <a:t>Promises / deferred c.d.</a:t>
+            </a:r>
             <a:endParaRPr lang="pl-PL" dirty="0"/>
           </a:p>
         </p:txBody>
       </p:sp>
-      <p:sp>
-        <p:nvSpPr>
-          <p:cNvPr id="3" name="Content Placeholder 2"/>
-          <p:cNvSpPr>
-            <a:spLocks noGrp="1"/>
-          </p:cNvSpPr>
+      <p:pic>
+        <p:nvPicPr>
+          <p:cNvPr id="2050" name="Picture 2"/>
+          <p:cNvPicPr>
+            <a:picLocks noGrp="1" noChangeAspect="1" noChangeArrowheads="1"/>
+          </p:cNvPicPr>
           <p:nvPr>
             <p:ph idx="1"/>
           </p:nvPr>
-        </p:nvSpPr>
-        <p:spPr/>
-        <p:txBody>
-          <a:bodyPr/>
-          <a:lstStyle/>
-          <a:p>
-            <a:endParaRPr lang="pl-PL"/>
-          </a:p>
-        </p:txBody>
-      </p:sp>
+        </p:nvPicPr>
+        <p:blipFill>
+          <a:blip r:embed="rId2">
+            <a:extLst>
+              <a:ext uri="{28A0092B-C50C-407E-A947-70E740481C1C}">
+                <a14:useLocalDpi xmlns:a14="http://schemas.microsoft.com/office/drawing/2010/main" val="0"/>
+              </a:ext>
+            </a:extLst>
+          </a:blip>
+          <a:srcRect/>
+          <a:stretch>
+            <a:fillRect/>
+          </a:stretch>
+        </p:blipFill>
+        <p:spPr bwMode="auto">
+          <a:xfrm>
+            <a:off x="949393" y="1634237"/>
+            <a:ext cx="5079268" cy="4723349"/>
+          </a:xfrm>
+          <a:prstGeom prst="rect">
+            <a:avLst/>
+          </a:prstGeom>
+          <a:noFill/>
+          <a:ln>
+            <a:noFill/>
+          </a:ln>
+          <a:effectLst/>
+          <a:extLst>
+            <a:ext uri="{909E8E84-426E-40DD-AFC4-6F175D3DCCD1}">
+              <a14:hiddenFill xmlns:a14="http://schemas.microsoft.com/office/drawing/2010/main">
+                <a:solidFill>
+                  <a:schemeClr val="accent1"/>
+                </a:solidFill>
+              </a14:hiddenFill>
+            </a:ext>
+            <a:ext uri="{91240B29-F687-4F45-9708-019B960494DF}">
+              <a14:hiddenLine xmlns:a14="http://schemas.microsoft.com/office/drawing/2010/main" w="9525">
+                <a:solidFill>
+                  <a:schemeClr val="tx1"/>
+                </a:solidFill>
+                <a:miter lim="800000"/>
+                <a:headEnd/>
+                <a:tailEnd/>
+              </a14:hiddenLine>
+            </a:ext>
+            <a:ext uri="{AF507438-7753-43E0-B8FC-AC1667EBCBE1}">
+              <a14:hiddenEffects xmlns:a14="http://schemas.microsoft.com/office/drawing/2010/main">
+                <a:effectLst>
+                  <a:outerShdw dist="35921" dir="2700000" algn="ctr" rotWithShape="0">
+                    <a:schemeClr val="bg2"/>
+                  </a:outerShdw>
+                </a:effectLst>
+              </a14:hiddenEffects>
+            </a:ext>
+          </a:extLst>
+        </p:spPr>
+      </p:pic>
     </p:spTree>
     <p:extLst>
       <p:ext uri="{BB962C8B-B14F-4D97-AF65-F5344CB8AC3E}">
@@ -5438,26 +8769,201 @@
           <a:bodyPr/>
           <a:lstStyle/>
           <a:p>
+            <a:r>
+              <a:rPr lang="pl-PL" dirty="0" smtClean="0"/>
+              <a:t>11) Modules</a:t>
+            </a:r>
             <a:endParaRPr lang="pl-PL" dirty="0"/>
           </a:p>
         </p:txBody>
       </p:sp>
-      <p:sp>
-        <p:nvSpPr>
-          <p:cNvPr id="3" name="Content Placeholder 2"/>
-          <p:cNvSpPr>
-            <a:spLocks noGrp="1"/>
-          </p:cNvSpPr>
+      <p:pic>
+        <p:nvPicPr>
+          <p:cNvPr id="3074" name="Picture 2"/>
+          <p:cNvPicPr>
+            <a:picLocks noGrp="1" noChangeAspect="1" noChangeArrowheads="1"/>
+          </p:cNvPicPr>
           <p:nvPr>
             <p:ph idx="1"/>
           </p:nvPr>
-        </p:nvSpPr>
-        <p:spPr/>
-        <p:txBody>
-          <a:bodyPr/>
-          <a:lstStyle/>
-          <a:p>
-            <a:endParaRPr lang="pl-PL"/>
+        </p:nvPicPr>
+        <p:blipFill>
+          <a:blip r:embed="rId2">
+            <a:extLst>
+              <a:ext uri="{28A0092B-C50C-407E-A947-70E740481C1C}">
+                <a14:useLocalDpi xmlns:a14="http://schemas.microsoft.com/office/drawing/2010/main" val="0"/>
+              </a:ext>
+            </a:extLst>
+          </a:blip>
+          <a:srcRect/>
+          <a:stretch>
+            <a:fillRect/>
+          </a:stretch>
+        </p:blipFill>
+        <p:spPr bwMode="auto">
+          <a:xfrm>
+            <a:off x="770459" y="2137699"/>
+            <a:ext cx="4655086" cy="2867960"/>
+          </a:xfrm>
+          <a:prstGeom prst="rect">
+            <a:avLst/>
+          </a:prstGeom>
+          <a:noFill/>
+          <a:ln>
+            <a:noFill/>
+          </a:ln>
+          <a:effectLst/>
+          <a:extLst>
+            <a:ext uri="{909E8E84-426E-40DD-AFC4-6F175D3DCCD1}">
+              <a14:hiddenFill xmlns:a14="http://schemas.microsoft.com/office/drawing/2010/main">
+                <a:solidFill>
+                  <a:schemeClr val="accent1"/>
+                </a:solidFill>
+              </a14:hiddenFill>
+            </a:ext>
+            <a:ext uri="{91240B29-F687-4F45-9708-019B960494DF}">
+              <a14:hiddenLine xmlns:a14="http://schemas.microsoft.com/office/drawing/2010/main" w="9525">
+                <a:solidFill>
+                  <a:schemeClr val="tx1"/>
+                </a:solidFill>
+                <a:miter lim="800000"/>
+                <a:headEnd/>
+                <a:tailEnd/>
+              </a14:hiddenLine>
+            </a:ext>
+            <a:ext uri="{AF507438-7753-43E0-B8FC-AC1667EBCBE1}">
+              <a14:hiddenEffects xmlns:a14="http://schemas.microsoft.com/office/drawing/2010/main">
+                <a:effectLst>
+                  <a:outerShdw dist="35921" dir="2700000" algn="ctr" rotWithShape="0">
+                    <a:schemeClr val="bg2"/>
+                  </a:outerShdw>
+                </a:effectLst>
+              </a14:hiddenEffects>
+            </a:ext>
+          </a:extLst>
+        </p:spPr>
+      </p:pic>
+      <p:pic>
+        <p:nvPicPr>
+          <p:cNvPr id="3076" name="Picture 4"/>
+          <p:cNvPicPr>
+            <a:picLocks noChangeAspect="1" noChangeArrowheads="1"/>
+          </p:cNvPicPr>
+          <p:nvPr/>
+        </p:nvPicPr>
+        <p:blipFill>
+          <a:blip r:embed="rId3">
+            <a:extLst>
+              <a:ext uri="{28A0092B-C50C-407E-A947-70E740481C1C}">
+                <a14:useLocalDpi xmlns:a14="http://schemas.microsoft.com/office/drawing/2010/main" val="0"/>
+              </a:ext>
+            </a:extLst>
+          </a:blip>
+          <a:srcRect/>
+          <a:stretch>
+            <a:fillRect/>
+          </a:stretch>
+        </p:blipFill>
+        <p:spPr bwMode="auto">
+          <a:xfrm>
+            <a:off x="5688123" y="3147792"/>
+            <a:ext cx="5667375" cy="1838325"/>
+          </a:xfrm>
+          <a:prstGeom prst="rect">
+            <a:avLst/>
+          </a:prstGeom>
+          <a:noFill/>
+          <a:ln>
+            <a:noFill/>
+          </a:ln>
+          <a:effectLst/>
+          <a:extLst>
+            <a:ext uri="{909E8E84-426E-40DD-AFC4-6F175D3DCCD1}">
+              <a14:hiddenFill xmlns:a14="http://schemas.microsoft.com/office/drawing/2010/main">
+                <a:solidFill>
+                  <a:schemeClr val="accent1"/>
+                </a:solidFill>
+              </a14:hiddenFill>
+            </a:ext>
+            <a:ext uri="{91240B29-F687-4F45-9708-019B960494DF}">
+              <a14:hiddenLine xmlns:a14="http://schemas.microsoft.com/office/drawing/2010/main" w="9525">
+                <a:solidFill>
+                  <a:schemeClr val="tx1"/>
+                </a:solidFill>
+                <a:miter lim="800000"/>
+                <a:headEnd/>
+                <a:tailEnd/>
+              </a14:hiddenLine>
+            </a:ext>
+            <a:ext uri="{AF507438-7753-43E0-B8FC-AC1667EBCBE1}">
+              <a14:hiddenEffects xmlns:a14="http://schemas.microsoft.com/office/drawing/2010/main">
+                <a:effectLst>
+                  <a:outerShdw dist="35921" dir="2700000" algn="ctr" rotWithShape="0">
+                    <a:schemeClr val="bg2"/>
+                  </a:outerShdw>
+                </a:effectLst>
+              </a14:hiddenEffects>
+            </a:ext>
+          </a:extLst>
+        </p:spPr>
+      </p:pic>
+      <p:sp>
+        <p:nvSpPr>
+          <p:cNvPr id="4" name="TextBox 3"/>
+          <p:cNvSpPr txBox="1"/>
+          <p:nvPr/>
+        </p:nvSpPr>
+        <p:spPr>
+          <a:xfrm>
+            <a:off x="767771" y="5188941"/>
+            <a:ext cx="1141659" cy="707886"/>
+          </a:xfrm>
+          <a:prstGeom prst="rect">
+            <a:avLst/>
+          </a:prstGeom>
+          <a:noFill/>
+        </p:spPr>
+        <p:txBody>
+          <a:bodyPr wrap="none" rtlCol="0">
+            <a:spAutoFit/>
+          </a:bodyPr>
+          <a:lstStyle/>
+          <a:p>
+            <a:r>
+              <a:rPr lang="pl-PL" sz="4000" dirty="0" smtClean="0"/>
+              <a:t>lib.js</a:t>
+            </a:r>
+            <a:endParaRPr lang="en-US" sz="4000" dirty="0"/>
+          </a:p>
+        </p:txBody>
+      </p:sp>
+      <p:sp>
+        <p:nvSpPr>
+          <p:cNvPr id="8" name="TextBox 7"/>
+          <p:cNvSpPr txBox="1"/>
+          <p:nvPr/>
+        </p:nvSpPr>
+        <p:spPr>
+          <a:xfrm>
+            <a:off x="5688123" y="5188941"/>
+            <a:ext cx="1422184" cy="707886"/>
+          </a:xfrm>
+          <a:prstGeom prst="rect">
+            <a:avLst/>
+          </a:prstGeom>
+          <a:noFill/>
+        </p:spPr>
+        <p:txBody>
+          <a:bodyPr wrap="none" rtlCol="0">
+            <a:spAutoFit/>
+          </a:bodyPr>
+          <a:lstStyle/>
+          <a:p>
+            <a:r>
+              <a:rPr lang="pl-PL" sz="4000" dirty="0" smtClean="0"/>
+              <a:t>app.js</a:t>
+            </a:r>
+            <a:endParaRPr lang="en-US" sz="4000" dirty="0"/>
           </a:p>
         </p:txBody>
       </p:sp>
@@ -5514,26 +9020,201 @@
           <a:bodyPr/>
           <a:lstStyle/>
           <a:p>
+            <a:r>
+              <a:rPr lang="pl-PL" dirty="0" smtClean="0"/>
+              <a:t>Modules c.d.</a:t>
+            </a:r>
             <a:endParaRPr lang="pl-PL" dirty="0"/>
           </a:p>
         </p:txBody>
       </p:sp>
-      <p:sp>
-        <p:nvSpPr>
-          <p:cNvPr id="3" name="Content Placeholder 2"/>
-          <p:cNvSpPr>
-            <a:spLocks noGrp="1"/>
-          </p:cNvSpPr>
+      <p:pic>
+        <p:nvPicPr>
+          <p:cNvPr id="4098" name="Picture 2"/>
+          <p:cNvPicPr>
+            <a:picLocks noGrp="1" noChangeAspect="1" noChangeArrowheads="1"/>
+          </p:cNvPicPr>
           <p:nvPr>
             <p:ph idx="1"/>
           </p:nvPr>
-        </p:nvSpPr>
-        <p:spPr/>
-        <p:txBody>
-          <a:bodyPr/>
-          <a:lstStyle/>
-          <a:p>
-            <a:endParaRPr lang="pl-PL"/>
+        </p:nvPicPr>
+        <p:blipFill>
+          <a:blip r:embed="rId2">
+            <a:extLst>
+              <a:ext uri="{28A0092B-C50C-407E-A947-70E740481C1C}">
+                <a14:useLocalDpi xmlns:a14="http://schemas.microsoft.com/office/drawing/2010/main" val="0"/>
+              </a:ext>
+            </a:extLst>
+          </a:blip>
+          <a:srcRect/>
+          <a:stretch>
+            <a:fillRect/>
+          </a:stretch>
+        </p:blipFill>
+        <p:spPr bwMode="auto">
+          <a:xfrm>
+            <a:off x="952383" y="1679977"/>
+            <a:ext cx="4091995" cy="3731995"/>
+          </a:xfrm>
+          <a:prstGeom prst="rect">
+            <a:avLst/>
+          </a:prstGeom>
+          <a:noFill/>
+          <a:ln>
+            <a:noFill/>
+          </a:ln>
+          <a:effectLst/>
+          <a:extLst>
+            <a:ext uri="{909E8E84-426E-40DD-AFC4-6F175D3DCCD1}">
+              <a14:hiddenFill xmlns:a14="http://schemas.microsoft.com/office/drawing/2010/main">
+                <a:solidFill>
+                  <a:schemeClr val="accent1"/>
+                </a:solidFill>
+              </a14:hiddenFill>
+            </a:ext>
+            <a:ext uri="{91240B29-F687-4F45-9708-019B960494DF}">
+              <a14:hiddenLine xmlns:a14="http://schemas.microsoft.com/office/drawing/2010/main" w="9525">
+                <a:solidFill>
+                  <a:schemeClr val="tx1"/>
+                </a:solidFill>
+                <a:miter lim="800000"/>
+                <a:headEnd/>
+                <a:tailEnd/>
+              </a14:hiddenLine>
+            </a:ext>
+            <a:ext uri="{AF507438-7753-43E0-B8FC-AC1667EBCBE1}">
+              <a14:hiddenEffects xmlns:a14="http://schemas.microsoft.com/office/drawing/2010/main">
+                <a:effectLst>
+                  <a:outerShdw dist="35921" dir="2700000" algn="ctr" rotWithShape="0">
+                    <a:schemeClr val="bg2"/>
+                  </a:outerShdw>
+                </a:effectLst>
+              </a14:hiddenEffects>
+            </a:ext>
+          </a:extLst>
+        </p:spPr>
+      </p:pic>
+      <p:pic>
+        <p:nvPicPr>
+          <p:cNvPr id="4099" name="Picture 3"/>
+          <p:cNvPicPr>
+            <a:picLocks noChangeAspect="1" noChangeArrowheads="1"/>
+          </p:cNvPicPr>
+          <p:nvPr/>
+        </p:nvPicPr>
+        <p:blipFill>
+          <a:blip r:embed="rId3">
+            <a:extLst>
+              <a:ext uri="{28A0092B-C50C-407E-A947-70E740481C1C}">
+                <a14:useLocalDpi xmlns:a14="http://schemas.microsoft.com/office/drawing/2010/main" val="0"/>
+              </a:ext>
+            </a:extLst>
+          </a:blip>
+          <a:srcRect/>
+          <a:stretch>
+            <a:fillRect/>
+          </a:stretch>
+        </p:blipFill>
+        <p:spPr bwMode="auto">
+          <a:xfrm>
+            <a:off x="5368777" y="3858954"/>
+            <a:ext cx="5964238" cy="1543050"/>
+          </a:xfrm>
+          <a:prstGeom prst="rect">
+            <a:avLst/>
+          </a:prstGeom>
+          <a:noFill/>
+          <a:ln>
+            <a:noFill/>
+          </a:ln>
+          <a:effectLst/>
+          <a:extLst>
+            <a:ext uri="{909E8E84-426E-40DD-AFC4-6F175D3DCCD1}">
+              <a14:hiddenFill xmlns:a14="http://schemas.microsoft.com/office/drawing/2010/main">
+                <a:solidFill>
+                  <a:schemeClr val="accent1"/>
+                </a:solidFill>
+              </a14:hiddenFill>
+            </a:ext>
+            <a:ext uri="{91240B29-F687-4F45-9708-019B960494DF}">
+              <a14:hiddenLine xmlns:a14="http://schemas.microsoft.com/office/drawing/2010/main" w="9525">
+                <a:solidFill>
+                  <a:schemeClr val="tx1"/>
+                </a:solidFill>
+                <a:miter lim="800000"/>
+                <a:headEnd/>
+                <a:tailEnd/>
+              </a14:hiddenLine>
+            </a:ext>
+            <a:ext uri="{AF507438-7753-43E0-B8FC-AC1667EBCBE1}">
+              <a14:hiddenEffects xmlns:a14="http://schemas.microsoft.com/office/drawing/2010/main">
+                <a:effectLst>
+                  <a:outerShdw dist="35921" dir="2700000" algn="ctr" rotWithShape="0">
+                    <a:schemeClr val="bg2"/>
+                  </a:outerShdw>
+                </a:effectLst>
+              </a14:hiddenEffects>
+            </a:ext>
+          </a:extLst>
+        </p:spPr>
+      </p:pic>
+      <p:sp>
+        <p:nvSpPr>
+          <p:cNvPr id="6" name="TextBox 5"/>
+          <p:cNvSpPr txBox="1"/>
+          <p:nvPr/>
+        </p:nvSpPr>
+        <p:spPr>
+          <a:xfrm>
+            <a:off x="969790" y="5542884"/>
+            <a:ext cx="1141659" cy="707886"/>
+          </a:xfrm>
+          <a:prstGeom prst="rect">
+            <a:avLst/>
+          </a:prstGeom>
+          <a:noFill/>
+        </p:spPr>
+        <p:txBody>
+          <a:bodyPr wrap="none" rtlCol="0">
+            <a:spAutoFit/>
+          </a:bodyPr>
+          <a:lstStyle/>
+          <a:p>
+            <a:r>
+              <a:rPr lang="pl-PL" sz="4000" dirty="0" smtClean="0"/>
+              <a:t>lib.js</a:t>
+            </a:r>
+            <a:endParaRPr lang="en-US" sz="4000" dirty="0"/>
+          </a:p>
+        </p:txBody>
+      </p:sp>
+      <p:sp>
+        <p:nvSpPr>
+          <p:cNvPr id="7" name="TextBox 6"/>
+          <p:cNvSpPr txBox="1"/>
+          <p:nvPr/>
+        </p:nvSpPr>
+        <p:spPr>
+          <a:xfrm>
+            <a:off x="5369147" y="5532251"/>
+            <a:ext cx="1422184" cy="707886"/>
+          </a:xfrm>
+          <a:prstGeom prst="rect">
+            <a:avLst/>
+          </a:prstGeom>
+          <a:noFill/>
+        </p:spPr>
+        <p:txBody>
+          <a:bodyPr wrap="none" rtlCol="0">
+            <a:spAutoFit/>
+          </a:bodyPr>
+          <a:lstStyle/>
+          <a:p>
+            <a:r>
+              <a:rPr lang="pl-PL" sz="4000" dirty="0" smtClean="0"/>
+              <a:t>app.js</a:t>
+            </a:r>
+            <a:endParaRPr lang="en-US" sz="4000" dirty="0"/>
           </a:p>
         </p:txBody>
       </p:sp>
@@ -5590,33 +9271,224 @@
           <a:bodyPr/>
           <a:lstStyle/>
           <a:p>
+            <a:r>
+              <a:rPr lang="pl-PL" dirty="0" smtClean="0"/>
+              <a:t>Modules c.d.</a:t>
+            </a:r>
             <a:endParaRPr lang="pl-PL" dirty="0"/>
           </a:p>
         </p:txBody>
       </p:sp>
-      <p:sp>
-        <p:nvSpPr>
-          <p:cNvPr id="3" name="Content Placeholder 2"/>
-          <p:cNvSpPr>
-            <a:spLocks noGrp="1"/>
-          </p:cNvSpPr>
+      <p:pic>
+        <p:nvPicPr>
+          <p:cNvPr id="4098" name="Picture 2"/>
+          <p:cNvPicPr>
+            <a:picLocks noGrp="1" noChangeAspect="1" noChangeArrowheads="1"/>
+          </p:cNvPicPr>
           <p:nvPr>
             <p:ph idx="1"/>
           </p:nvPr>
-        </p:nvSpPr>
-        <p:spPr/>
-        <p:txBody>
-          <a:bodyPr/>
-          <a:lstStyle/>
-          <a:p>
-            <a:endParaRPr lang="pl-PL"/>
-          </a:p>
-        </p:txBody>
-      </p:sp>
+        </p:nvPicPr>
+        <p:blipFill>
+          <a:blip r:embed="rId2">
+            <a:extLst>
+              <a:ext uri="{28A0092B-C50C-407E-A947-70E740481C1C}">
+                <a14:useLocalDpi xmlns:a14="http://schemas.microsoft.com/office/drawing/2010/main" val="0"/>
+              </a:ext>
+            </a:extLst>
+          </a:blip>
+          <a:srcRect/>
+          <a:stretch>
+            <a:fillRect/>
+          </a:stretch>
+        </p:blipFill>
+        <p:spPr bwMode="auto">
+          <a:xfrm>
+            <a:off x="952383" y="1679977"/>
+            <a:ext cx="4091995" cy="3731995"/>
+          </a:xfrm>
+          <a:prstGeom prst="rect">
+            <a:avLst/>
+          </a:prstGeom>
+          <a:noFill/>
+          <a:ln>
+            <a:noFill/>
+          </a:ln>
+          <a:effectLst/>
+          <a:extLst>
+            <a:ext uri="{909E8E84-426E-40DD-AFC4-6F175D3DCCD1}">
+              <a14:hiddenFill xmlns:a14="http://schemas.microsoft.com/office/drawing/2010/main">
+                <a:solidFill>
+                  <a:schemeClr val="accent1"/>
+                </a:solidFill>
+              </a14:hiddenFill>
+            </a:ext>
+            <a:ext uri="{91240B29-F687-4F45-9708-019B960494DF}">
+              <a14:hiddenLine xmlns:a14="http://schemas.microsoft.com/office/drawing/2010/main" w="9525">
+                <a:solidFill>
+                  <a:schemeClr val="tx1"/>
+                </a:solidFill>
+                <a:miter lim="800000"/>
+                <a:headEnd/>
+                <a:tailEnd/>
+              </a14:hiddenLine>
+            </a:ext>
+            <a:ext uri="{AF507438-7753-43E0-B8FC-AC1667EBCBE1}">
+              <a14:hiddenEffects xmlns:a14="http://schemas.microsoft.com/office/drawing/2010/main">
+                <a:effectLst>
+                  <a:outerShdw dist="35921" dir="2700000" algn="ctr" rotWithShape="0">
+                    <a:schemeClr val="bg2"/>
+                  </a:outerShdw>
+                </a:effectLst>
+              </a14:hiddenEffects>
+            </a:ext>
+          </a:extLst>
+        </p:spPr>
+      </p:pic>
+      <p:sp>
+        <p:nvSpPr>
+          <p:cNvPr id="6" name="TextBox 5"/>
+          <p:cNvSpPr txBox="1"/>
+          <p:nvPr/>
+        </p:nvSpPr>
+        <p:spPr>
+          <a:xfrm>
+            <a:off x="969790" y="5542884"/>
+            <a:ext cx="1141659" cy="707886"/>
+          </a:xfrm>
+          <a:prstGeom prst="rect">
+            <a:avLst/>
+          </a:prstGeom>
+          <a:noFill/>
+        </p:spPr>
+        <p:txBody>
+          <a:bodyPr wrap="none" rtlCol="0">
+            <a:spAutoFit/>
+          </a:bodyPr>
+          <a:lstStyle/>
+          <a:p>
+            <a:r>
+              <a:rPr lang="pl-PL" sz="4000" dirty="0" smtClean="0">
+                <a:solidFill>
+                  <a:prstClr val="black"/>
+                </a:solidFill>
+              </a:rPr>
+              <a:t>lib.js</a:t>
+            </a:r>
+            <a:endParaRPr lang="en-US" sz="4000" dirty="0">
+              <a:solidFill>
+                <a:prstClr val="black"/>
+              </a:solidFill>
+            </a:endParaRPr>
+          </a:p>
+        </p:txBody>
+      </p:sp>
+      <p:sp>
+        <p:nvSpPr>
+          <p:cNvPr id="7" name="TextBox 6"/>
+          <p:cNvSpPr txBox="1"/>
+          <p:nvPr/>
+        </p:nvSpPr>
+        <p:spPr>
+          <a:xfrm>
+            <a:off x="5369147" y="5532251"/>
+            <a:ext cx="1422184" cy="707886"/>
+          </a:xfrm>
+          <a:prstGeom prst="rect">
+            <a:avLst/>
+          </a:prstGeom>
+          <a:noFill/>
+        </p:spPr>
+        <p:txBody>
+          <a:bodyPr wrap="none" rtlCol="0">
+            <a:spAutoFit/>
+          </a:bodyPr>
+          <a:lstStyle/>
+          <a:p>
+            <a:r>
+              <a:rPr lang="pl-PL" sz="4000" dirty="0" smtClean="0">
+                <a:solidFill>
+                  <a:prstClr val="black"/>
+                </a:solidFill>
+              </a:rPr>
+              <a:t>app.js</a:t>
+            </a:r>
+            <a:endParaRPr lang="en-US" sz="4000" dirty="0">
+              <a:solidFill>
+                <a:prstClr val="black"/>
+              </a:solidFill>
+            </a:endParaRPr>
+          </a:p>
+        </p:txBody>
+      </p:sp>
+      <p:pic>
+        <p:nvPicPr>
+          <p:cNvPr id="5122" name="Picture 2"/>
+          <p:cNvPicPr>
+            <a:picLocks noChangeAspect="1" noChangeArrowheads="1"/>
+          </p:cNvPicPr>
+          <p:nvPr/>
+        </p:nvPicPr>
+        <p:blipFill>
+          <a:blip r:embed="rId3">
+            <a:extLst>
+              <a:ext uri="{28A0092B-C50C-407E-A947-70E740481C1C}">
+                <a14:useLocalDpi xmlns:a14="http://schemas.microsoft.com/office/drawing/2010/main" val="0"/>
+              </a:ext>
+            </a:extLst>
+          </a:blip>
+          <a:srcRect/>
+          <a:stretch>
+            <a:fillRect/>
+          </a:stretch>
+        </p:blipFill>
+        <p:spPr bwMode="auto">
+          <a:xfrm>
+            <a:off x="5369147" y="3804352"/>
+            <a:ext cx="6450012" cy="1609725"/>
+          </a:xfrm>
+          <a:prstGeom prst="rect">
+            <a:avLst/>
+          </a:prstGeom>
+          <a:noFill/>
+          <a:ln>
+            <a:noFill/>
+          </a:ln>
+          <a:effectLst/>
+          <a:extLst>
+            <a:ext uri="{909E8E84-426E-40DD-AFC4-6F175D3DCCD1}">
+              <a14:hiddenFill xmlns:a14="http://schemas.microsoft.com/office/drawing/2010/main">
+                <a:solidFill>
+                  <a:schemeClr val="accent1"/>
+                </a:solidFill>
+              </a14:hiddenFill>
+            </a:ext>
+            <a:ext uri="{91240B29-F687-4F45-9708-019B960494DF}">
+              <a14:hiddenLine xmlns:a14="http://schemas.microsoft.com/office/drawing/2010/main" w="9525">
+                <a:solidFill>
+                  <a:schemeClr val="tx1"/>
+                </a:solidFill>
+                <a:miter lim="800000"/>
+                <a:headEnd/>
+                <a:tailEnd/>
+              </a14:hiddenLine>
+            </a:ext>
+            <a:ext uri="{AF507438-7753-43E0-B8FC-AC1667EBCBE1}">
+              <a14:hiddenEffects xmlns:a14="http://schemas.microsoft.com/office/drawing/2010/main">
+                <a:effectLst>
+                  <a:outerShdw dist="35921" dir="2700000" algn="ctr" rotWithShape="0">
+                    <a:schemeClr val="bg2"/>
+                  </a:outerShdw>
+                </a:effectLst>
+              </a14:hiddenEffects>
+            </a:ext>
+          </a:extLst>
+        </p:spPr>
+      </p:pic>
     </p:spTree>
     <p:extLst>
       <p:ext uri="{BB962C8B-B14F-4D97-AF65-F5344CB8AC3E}">
-        <p14:creationId xmlns:p14="http://schemas.microsoft.com/office/powerpoint/2010/main" val="676027748"/>
+        <p14:creationId xmlns:p14="http://schemas.microsoft.com/office/powerpoint/2010/main" val="728032788"/>
       </p:ext>
     </p:extLst>
   </p:cSld>
@@ -5666,6 +9538,10 @@
           <a:bodyPr/>
           <a:lstStyle/>
           <a:p>
+            <a:r>
+              <a:rPr lang="pl-PL" dirty="0" smtClean="0"/>
+              <a:t>Co więcej?</a:t>
+            </a:r>
             <a:endParaRPr lang="pl-PL" dirty="0"/>
           </a:p>
         </p:txBody>
@@ -5685,7 +9561,142 @@
           <a:bodyPr/>
           <a:lstStyle/>
           <a:p>
-            <a:endParaRPr lang="pl-PL"/>
+            <a:r>
+              <a:rPr lang="pl-PL" dirty="0" smtClean="0"/>
+              <a:t>Destructuring</a:t>
+            </a:r>
+          </a:p>
+          <a:p>
+            <a:r>
+              <a:rPr lang="pl-PL" dirty="0" smtClean="0"/>
+              <a:t>Generatory</a:t>
+            </a:r>
+          </a:p>
+          <a:p>
+            <a:r>
+              <a:rPr lang="pl-PL" dirty="0" smtClean="0"/>
+              <a:t>Map, set</a:t>
+            </a:r>
+          </a:p>
+          <a:p>
+            <a:r>
+              <a:rPr lang="pl-PL" dirty="0" smtClean="0"/>
+              <a:t>Proxies</a:t>
+            </a:r>
+          </a:p>
+          <a:p>
+            <a:r>
+              <a:rPr lang="pl-PL" dirty="0" smtClean="0"/>
+              <a:t>Symbols</a:t>
+            </a:r>
+            <a:endParaRPr lang="pl-PL" dirty="0"/>
+          </a:p>
+        </p:txBody>
+      </p:sp>
+    </p:spTree>
+    <p:extLst>
+      <p:ext uri="{BB962C8B-B14F-4D97-AF65-F5344CB8AC3E}">
+        <p14:creationId xmlns:p14="http://schemas.microsoft.com/office/powerpoint/2010/main" val="676027748"/>
+      </p:ext>
+    </p:extLst>
+  </p:cSld>
+  <p:clrMapOvr>
+    <a:masterClrMapping/>
+  </p:clrMapOvr>
+</p:sld>
+</file>
+
+<file path=ppt/slides/slide34.xml><?xml version="1.0" encoding="utf-8"?>
+<p:sld xmlns:a="http://schemas.openxmlformats.org/drawingml/2006/main" xmlns:r="http://schemas.openxmlformats.org/officeDocument/2006/relationships" xmlns:p="http://schemas.openxmlformats.org/presentationml/2006/main">
+  <p:cSld>
+    <p:bg>
+      <p:bgPr>
+        <a:solidFill>
+          <a:srgbClr val="FFD85D"/>
+        </a:solidFill>
+        <a:effectLst/>
+      </p:bgPr>
+    </p:bg>
+    <p:spTree>
+      <p:nvGrpSpPr>
+        <p:cNvPr id="1" name=""/>
+        <p:cNvGrpSpPr/>
+        <p:nvPr/>
+      </p:nvGrpSpPr>
+      <p:grpSpPr>
+        <a:xfrm>
+          <a:off x="0" y="0"/>
+          <a:ext cx="0" cy="0"/>
+          <a:chOff x="0" y="0"/>
+          <a:chExt cx="0" cy="0"/>
+        </a:xfrm>
+      </p:grpSpPr>
+      <p:sp>
+        <p:nvSpPr>
+          <p:cNvPr id="2" name="Title 1"/>
+          <p:cNvSpPr>
+            <a:spLocks noGrp="1"/>
+          </p:cNvSpPr>
+          <p:nvPr>
+            <p:ph type="title"/>
+          </p:nvPr>
+        </p:nvSpPr>
+        <p:spPr/>
+        <p:txBody>
+          <a:bodyPr/>
+          <a:lstStyle/>
+          <a:p>
+            <a:r>
+              <a:rPr lang="pl-PL" dirty="0" smtClean="0"/>
+              <a:t>Co więcej – ECMAScript 7</a:t>
+            </a:r>
+            <a:endParaRPr lang="pl-PL" dirty="0"/>
+          </a:p>
+        </p:txBody>
+      </p:sp>
+      <p:sp>
+        <p:nvSpPr>
+          <p:cNvPr id="3" name="Content Placeholder 2"/>
+          <p:cNvSpPr>
+            <a:spLocks noGrp="1"/>
+          </p:cNvSpPr>
+          <p:nvPr>
+            <p:ph idx="1"/>
+          </p:nvPr>
+        </p:nvSpPr>
+        <p:spPr/>
+        <p:txBody>
+          <a:bodyPr/>
+          <a:lstStyle/>
+          <a:p>
+            <a:r>
+              <a:rPr lang="pl-PL" dirty="0" smtClean="0"/>
+              <a:t>Object.observe()</a:t>
+            </a:r>
+          </a:p>
+          <a:p>
+            <a:r>
+              <a:rPr lang="pl-PL" dirty="0" smtClean="0"/>
+              <a:t>Funkcje async</a:t>
+            </a:r>
+          </a:p>
+          <a:p>
+            <a:r>
+              <a:rPr lang="pl-PL" dirty="0" smtClean="0"/>
+              <a:t>Dekoratory klas</a:t>
+            </a:r>
+          </a:p>
+          <a:p>
+            <a:r>
+              <a:rPr lang="pl-PL" dirty="0" smtClean="0"/>
+              <a:t>Obsługa SIMD (Single instruction, multiple data) – MMX, SSE</a:t>
+            </a:r>
+          </a:p>
+          <a:p>
+            <a:pPr marL="0" indent="0">
+              <a:buNone/>
+            </a:pPr>
+            <a:endParaRPr lang="pl-PL" dirty="0"/>
           </a:p>
         </p:txBody>
       </p:sp>
@@ -5702,7 +9713,7 @@
 </p:sld>
 </file>
 
-<file path=ppt/slides/slide34.xml><?xml version="1.0" encoding="utf-8"?>
+<file path=ppt/slides/slide35.xml><?xml version="1.0" encoding="utf-8"?>
 <p:sld xmlns:a="http://schemas.openxmlformats.org/drawingml/2006/main" xmlns:r="http://schemas.openxmlformats.org/officeDocument/2006/relationships" xmlns:p="http://schemas.openxmlformats.org/presentationml/2006/main">
   <p:cSld>
     <p:bg>
@@ -6526,6 +10537,16 @@
     <a:masterClrMapping/>
   </p:clrMapOvr>
 </p:sld>
+</file>
+
+<file path=ppt/tags/tag1.xml><?xml version="1.0" encoding="utf-8"?>
+<p:tagLst xmlns:a="http://schemas.openxmlformats.org/drawingml/2006/main" xmlns:r="http://schemas.openxmlformats.org/officeDocument/2006/relationships" xmlns:p="http://schemas.openxmlformats.org/presentationml/2006/main">
+  <p:tag name="VARPPTCOMPATIBLERD03" val="RXP"/>
+  <p:tag name="VARPPTTYPE" val="RXP"/>
+  <p:tag name="VARPPTLANG" val="RXPEnglish"/>
+  <p:tag name="VARPPTSLIDEFORMAT" val="RXP"/>
+  <p:tag name="VARSAVEMESSAGETIMESTAMP" val="RXP"/>
+</p:tagLst>
 </file>
 
 <file path=ppt/theme/theme1.xml><?xml version="1.0" encoding="utf-8"?>
@@ -6783,7 +10804,268 @@
   <a:extraClrSchemeLst/>
   <a:extLst>
     <a:ext uri="{05A4C25C-085E-4340-85A3-A5531E510DB2}">
-      <thm15:themeFamily xmlns:thm15="http://schemas.microsoft.com/office/thememl/2012/main" name="Office Theme" id="{62F939B6-93AF-4DB8-9C6B-D6C7DFDC589F}" vid="{4A3C46E8-61CC-4603-A589-7422A47A8E4A}"/>
+      <thm15:themeFamily xmlns:thm15="http://schemas.microsoft.com/office/thememl/2012/main" xmlns="" name="Office Theme" id="{62F939B6-93AF-4DB8-9C6B-D6C7DFDC589F}" vid="{4A3C46E8-61CC-4603-A589-7422A47A8E4A}"/>
+    </a:ext>
+  </a:extLst>
+</a:theme>
+</file>
+
+<file path=ppt/theme/theme2.xml><?xml version="1.0" encoding="utf-8"?>
+<a:theme xmlns:a="http://schemas.openxmlformats.org/drawingml/2006/main" name="1_Office Theme">
+  <a:themeElements>
+    <a:clrScheme name="Office">
+      <a:dk1>
+        <a:sysClr val="windowText" lastClr="000000"/>
+      </a:dk1>
+      <a:lt1>
+        <a:sysClr val="window" lastClr="FFFFFF"/>
+      </a:lt1>
+      <a:dk2>
+        <a:srgbClr val="44546A"/>
+      </a:dk2>
+      <a:lt2>
+        <a:srgbClr val="E7E6E6"/>
+      </a:lt2>
+      <a:accent1>
+        <a:srgbClr val="5B9BD5"/>
+      </a:accent1>
+      <a:accent2>
+        <a:srgbClr val="ED7D31"/>
+      </a:accent2>
+      <a:accent3>
+        <a:srgbClr val="A5A5A5"/>
+      </a:accent3>
+      <a:accent4>
+        <a:srgbClr val="FFC000"/>
+      </a:accent4>
+      <a:accent5>
+        <a:srgbClr val="4472C4"/>
+      </a:accent5>
+      <a:accent6>
+        <a:srgbClr val="70AD47"/>
+      </a:accent6>
+      <a:hlink>
+        <a:srgbClr val="0563C1"/>
+      </a:hlink>
+      <a:folHlink>
+        <a:srgbClr val="954F72"/>
+      </a:folHlink>
+    </a:clrScheme>
+    <a:fontScheme name="Office">
+      <a:majorFont>
+        <a:latin typeface="Calibri Light" panose="020F0302020204030204"/>
+        <a:ea typeface=""/>
+        <a:cs typeface=""/>
+        <a:font script="Jpan" typeface="ＭＳ Ｐゴシック"/>
+        <a:font script="Hang" typeface="맑은 고딕"/>
+        <a:font script="Hans" typeface="宋体"/>
+        <a:font script="Hant" typeface="新細明體"/>
+        <a:font script="Arab" typeface="Times New Roman"/>
+        <a:font script="Hebr" typeface="Times New Roman"/>
+        <a:font script="Thai" typeface="Angsana New"/>
+        <a:font script="Ethi" typeface="Nyala"/>
+        <a:font script="Beng" typeface="Vrinda"/>
+        <a:font script="Gujr" typeface="Shruti"/>
+        <a:font script="Khmr" typeface="MoolBoran"/>
+        <a:font script="Knda" typeface="Tunga"/>
+        <a:font script="Guru" typeface="Raavi"/>
+        <a:font script="Cans" typeface="Euphemia"/>
+        <a:font script="Cher" typeface="Plantagenet Cherokee"/>
+        <a:font script="Yiii" typeface="Microsoft Yi Baiti"/>
+        <a:font script="Tibt" typeface="Microsoft Himalaya"/>
+        <a:font script="Thaa" typeface="MV Boli"/>
+        <a:font script="Deva" typeface="Mangal"/>
+        <a:font script="Telu" typeface="Gautami"/>
+        <a:font script="Taml" typeface="Latha"/>
+        <a:font script="Syrc" typeface="Estrangelo Edessa"/>
+        <a:font script="Orya" typeface="Kalinga"/>
+        <a:font script="Mlym" typeface="Kartika"/>
+        <a:font script="Laoo" typeface="DokChampa"/>
+        <a:font script="Sinh" typeface="Iskoola Pota"/>
+        <a:font script="Mong" typeface="Mongolian Baiti"/>
+        <a:font script="Viet" typeface="Times New Roman"/>
+        <a:font script="Uigh" typeface="Microsoft Uighur"/>
+        <a:font script="Geor" typeface="Sylfaen"/>
+      </a:majorFont>
+      <a:minorFont>
+        <a:latin typeface="Calibri" panose="020F0502020204030204"/>
+        <a:ea typeface=""/>
+        <a:cs typeface=""/>
+        <a:font script="Jpan" typeface="ＭＳ Ｐゴシック"/>
+        <a:font script="Hang" typeface="맑은 고딕"/>
+        <a:font script="Hans" typeface="宋体"/>
+        <a:font script="Hant" typeface="新細明體"/>
+        <a:font script="Arab" typeface="Arial"/>
+        <a:font script="Hebr" typeface="Arial"/>
+        <a:font script="Thai" typeface="Cordia New"/>
+        <a:font script="Ethi" typeface="Nyala"/>
+        <a:font script="Beng" typeface="Vrinda"/>
+        <a:font script="Gujr" typeface="Shruti"/>
+        <a:font script="Khmr" typeface="DaunPenh"/>
+        <a:font script="Knda" typeface="Tunga"/>
+        <a:font script="Guru" typeface="Raavi"/>
+        <a:font script="Cans" typeface="Euphemia"/>
+        <a:font script="Cher" typeface="Plantagenet Cherokee"/>
+        <a:font script="Yiii" typeface="Microsoft Yi Baiti"/>
+        <a:font script="Tibt" typeface="Microsoft Himalaya"/>
+        <a:font script="Thaa" typeface="MV Boli"/>
+        <a:font script="Deva" typeface="Mangal"/>
+        <a:font script="Telu" typeface="Gautami"/>
+        <a:font script="Taml" typeface="Latha"/>
+        <a:font script="Syrc" typeface="Estrangelo Edessa"/>
+        <a:font script="Orya" typeface="Kalinga"/>
+        <a:font script="Mlym" typeface="Kartika"/>
+        <a:font script="Laoo" typeface="DokChampa"/>
+        <a:font script="Sinh" typeface="Iskoola Pota"/>
+        <a:font script="Mong" typeface="Mongolian Baiti"/>
+        <a:font script="Viet" typeface="Arial"/>
+        <a:font script="Uigh" typeface="Microsoft Uighur"/>
+        <a:font script="Geor" typeface="Sylfaen"/>
+      </a:minorFont>
+    </a:fontScheme>
+    <a:fmtScheme name="Office">
+      <a:fillStyleLst>
+        <a:solidFill>
+          <a:schemeClr val="phClr"/>
+        </a:solidFill>
+        <a:gradFill rotWithShape="1">
+          <a:gsLst>
+            <a:gs pos="0">
+              <a:schemeClr val="phClr">
+                <a:lumMod val="110000"/>
+                <a:satMod val="105000"/>
+                <a:tint val="67000"/>
+              </a:schemeClr>
+            </a:gs>
+            <a:gs pos="50000">
+              <a:schemeClr val="phClr">
+                <a:lumMod val="105000"/>
+                <a:satMod val="103000"/>
+                <a:tint val="73000"/>
+              </a:schemeClr>
+            </a:gs>
+            <a:gs pos="100000">
+              <a:schemeClr val="phClr">
+                <a:lumMod val="105000"/>
+                <a:satMod val="109000"/>
+                <a:tint val="81000"/>
+              </a:schemeClr>
+            </a:gs>
+          </a:gsLst>
+          <a:lin ang="5400000" scaled="0"/>
+        </a:gradFill>
+        <a:gradFill rotWithShape="1">
+          <a:gsLst>
+            <a:gs pos="0">
+              <a:schemeClr val="phClr">
+                <a:satMod val="103000"/>
+                <a:lumMod val="102000"/>
+                <a:tint val="94000"/>
+              </a:schemeClr>
+            </a:gs>
+            <a:gs pos="50000">
+              <a:schemeClr val="phClr">
+                <a:satMod val="110000"/>
+                <a:lumMod val="100000"/>
+                <a:shade val="100000"/>
+              </a:schemeClr>
+            </a:gs>
+            <a:gs pos="100000">
+              <a:schemeClr val="phClr">
+                <a:lumMod val="99000"/>
+                <a:satMod val="120000"/>
+                <a:shade val="78000"/>
+              </a:schemeClr>
+            </a:gs>
+          </a:gsLst>
+          <a:lin ang="5400000" scaled="0"/>
+        </a:gradFill>
+      </a:fillStyleLst>
+      <a:lnStyleLst>
+        <a:ln w="6350" cap="flat" cmpd="sng" algn="ctr">
+          <a:solidFill>
+            <a:schemeClr val="phClr"/>
+          </a:solidFill>
+          <a:prstDash val="solid"/>
+          <a:miter lim="800000"/>
+        </a:ln>
+        <a:ln w="12700" cap="flat" cmpd="sng" algn="ctr">
+          <a:solidFill>
+            <a:schemeClr val="phClr"/>
+          </a:solidFill>
+          <a:prstDash val="solid"/>
+          <a:miter lim="800000"/>
+        </a:ln>
+        <a:ln w="19050" cap="flat" cmpd="sng" algn="ctr">
+          <a:solidFill>
+            <a:schemeClr val="phClr"/>
+          </a:solidFill>
+          <a:prstDash val="solid"/>
+          <a:miter lim="800000"/>
+        </a:ln>
+      </a:lnStyleLst>
+      <a:effectStyleLst>
+        <a:effectStyle>
+          <a:effectLst/>
+        </a:effectStyle>
+        <a:effectStyle>
+          <a:effectLst/>
+        </a:effectStyle>
+        <a:effectStyle>
+          <a:effectLst>
+            <a:outerShdw blurRad="57150" dist="19050" dir="5400000" algn="ctr" rotWithShape="0">
+              <a:srgbClr val="000000">
+                <a:alpha val="63000"/>
+              </a:srgbClr>
+            </a:outerShdw>
+          </a:effectLst>
+        </a:effectStyle>
+      </a:effectStyleLst>
+      <a:bgFillStyleLst>
+        <a:solidFill>
+          <a:schemeClr val="phClr"/>
+        </a:solidFill>
+        <a:solidFill>
+          <a:schemeClr val="phClr">
+            <a:tint val="95000"/>
+            <a:satMod val="170000"/>
+          </a:schemeClr>
+        </a:solidFill>
+        <a:gradFill rotWithShape="1">
+          <a:gsLst>
+            <a:gs pos="0">
+              <a:schemeClr val="phClr">
+                <a:tint val="93000"/>
+                <a:satMod val="150000"/>
+                <a:shade val="98000"/>
+                <a:lumMod val="102000"/>
+              </a:schemeClr>
+            </a:gs>
+            <a:gs pos="50000">
+              <a:schemeClr val="phClr">
+                <a:tint val="98000"/>
+                <a:satMod val="130000"/>
+                <a:shade val="90000"/>
+                <a:lumMod val="103000"/>
+              </a:schemeClr>
+            </a:gs>
+            <a:gs pos="100000">
+              <a:schemeClr val="phClr">
+                <a:shade val="63000"/>
+                <a:satMod val="120000"/>
+              </a:schemeClr>
+            </a:gs>
+          </a:gsLst>
+          <a:lin ang="5400000" scaled="0"/>
+        </a:gradFill>
+      </a:bgFillStyleLst>
+    </a:fmtScheme>
+  </a:themeElements>
+  <a:objectDefaults/>
+  <a:extraClrSchemeLst/>
+  <a:extLst>
+    <a:ext uri="{05A4C25C-085E-4340-85A3-A5531E510DB2}">
+      <thm15:themeFamily xmlns:thm15="http://schemas.microsoft.com/office/thememl/2012/main" xmlns="" name="Office Theme" id="{62F939B6-93AF-4DB8-9C6B-D6C7DFDC589F}" vid="{4A3C46E8-61CC-4603-A589-7422A47A8E4A}"/>
     </a:ext>
   </a:extLst>
 </a:theme>

--- a/prez.pptx
+++ b/prez.pptx
@@ -8,54 +8,57 @@
     <p:sldMasterId id="2147483684" r:id="rId4"/>
   </p:sldMasterIdLst>
   <p:notesMasterIdLst>
-    <p:notesMasterId r:id="rId45"/>
+    <p:notesMasterId r:id="rId48"/>
   </p:notesMasterIdLst>
   <p:sldIdLst>
     <p:sldId id="256" r:id="rId5"/>
     <p:sldId id="260" r:id="rId6"/>
-    <p:sldId id="261" r:id="rId7"/>
-    <p:sldId id="263" r:id="rId8"/>
-    <p:sldId id="262" r:id="rId9"/>
-    <p:sldId id="264" r:id="rId10"/>
-    <p:sldId id="265" r:id="rId11"/>
-    <p:sldId id="276" r:id="rId12"/>
-    <p:sldId id="274" r:id="rId13"/>
-    <p:sldId id="275" r:id="rId14"/>
-    <p:sldId id="294" r:id="rId15"/>
-    <p:sldId id="273" r:id="rId16"/>
-    <p:sldId id="272" r:id="rId17"/>
-    <p:sldId id="279" r:id="rId18"/>
-    <p:sldId id="278" r:id="rId19"/>
-    <p:sldId id="277" r:id="rId20"/>
-    <p:sldId id="271" r:id="rId21"/>
-    <p:sldId id="270" r:id="rId22"/>
-    <p:sldId id="269" r:id="rId23"/>
-    <p:sldId id="268" r:id="rId24"/>
-    <p:sldId id="267" r:id="rId25"/>
-    <p:sldId id="266" r:id="rId26"/>
-    <p:sldId id="280" r:id="rId27"/>
-    <p:sldId id="281" r:id="rId28"/>
-    <p:sldId id="282" r:id="rId29"/>
-    <p:sldId id="283" r:id="rId30"/>
-    <p:sldId id="284" r:id="rId31"/>
-    <p:sldId id="292" r:id="rId32"/>
-    <p:sldId id="285" r:id="rId33"/>
-    <p:sldId id="291" r:id="rId34"/>
-    <p:sldId id="286" r:id="rId35"/>
-    <p:sldId id="287" r:id="rId36"/>
-    <p:sldId id="293" r:id="rId37"/>
-    <p:sldId id="288" r:id="rId38"/>
-    <p:sldId id="289" r:id="rId39"/>
-    <p:sldId id="290" r:id="rId40"/>
-    <p:sldId id="295" r:id="rId41"/>
-    <p:sldId id="296" r:id="rId42"/>
-    <p:sldId id="297" r:id="rId43"/>
-    <p:sldId id="298" r:id="rId44"/>
+    <p:sldId id="299" r:id="rId7"/>
+    <p:sldId id="261" r:id="rId8"/>
+    <p:sldId id="263" r:id="rId9"/>
+    <p:sldId id="262" r:id="rId10"/>
+    <p:sldId id="264" r:id="rId11"/>
+    <p:sldId id="265" r:id="rId12"/>
+    <p:sldId id="303" r:id="rId13"/>
+    <p:sldId id="276" r:id="rId14"/>
+    <p:sldId id="274" r:id="rId15"/>
+    <p:sldId id="275" r:id="rId16"/>
+    <p:sldId id="294" r:id="rId17"/>
+    <p:sldId id="273" r:id="rId18"/>
+    <p:sldId id="272" r:id="rId19"/>
+    <p:sldId id="279" r:id="rId20"/>
+    <p:sldId id="278" r:id="rId21"/>
+    <p:sldId id="277" r:id="rId22"/>
+    <p:sldId id="271" r:id="rId23"/>
+    <p:sldId id="269" r:id="rId24"/>
+    <p:sldId id="270" r:id="rId25"/>
+    <p:sldId id="268" r:id="rId26"/>
+    <p:sldId id="300" r:id="rId27"/>
+    <p:sldId id="267" r:id="rId28"/>
+    <p:sldId id="266" r:id="rId29"/>
+    <p:sldId id="301" r:id="rId30"/>
+    <p:sldId id="280" r:id="rId31"/>
+    <p:sldId id="281" r:id="rId32"/>
+    <p:sldId id="283" r:id="rId33"/>
+    <p:sldId id="284" r:id="rId34"/>
+    <p:sldId id="292" r:id="rId35"/>
+    <p:sldId id="285" r:id="rId36"/>
+    <p:sldId id="286" r:id="rId37"/>
+    <p:sldId id="287" r:id="rId38"/>
+    <p:sldId id="293" r:id="rId39"/>
+    <p:sldId id="288" r:id="rId40"/>
+    <p:sldId id="289" r:id="rId41"/>
+    <p:sldId id="290" r:id="rId42"/>
+    <p:sldId id="295" r:id="rId43"/>
+    <p:sldId id="296" r:id="rId44"/>
+    <p:sldId id="302" r:id="rId45"/>
+    <p:sldId id="297" r:id="rId46"/>
+    <p:sldId id="298" r:id="rId47"/>
   </p:sldIdLst>
   <p:sldSz cx="12192000" cy="6858000"/>
   <p:notesSz cx="6858000" cy="9144000"/>
   <p:custDataLst>
-    <p:tags r:id="rId46"/>
+    <p:tags r:id="rId49"/>
   </p:custDataLst>
   <p:defaultTextStyle>
     <a:defPPr>
@@ -237,7 +240,7 @@
           <a:p>
             <a:fld id="{9BB43210-D95F-4793-B3CF-BA1EACF416DB}" type="datetimeFigureOut">
               <a:rPr lang="en-US" smtClean="0"/>
-              <a:t>4/23/2015</a:t>
+              <a:t>4/28/2015</a:t>
             </a:fld>
             <a:endParaRPr lang="en-US"/>
           </a:p>
@@ -549,10 +552,94 @@
           <a:bodyPr/>
           <a:lstStyle/>
           <a:p>
+            <a:endParaRPr lang="en-US" dirty="0"/>
+          </a:p>
+        </p:txBody>
+      </p:sp>
+      <p:sp>
+        <p:nvSpPr>
+          <p:cNvPr id="4" name="Slide Number Placeholder 3"/>
+          <p:cNvSpPr>
+            <a:spLocks noGrp="1"/>
+          </p:cNvSpPr>
+          <p:nvPr>
+            <p:ph type="sldNum" sz="quarter" idx="10"/>
+          </p:nvPr>
+        </p:nvSpPr>
+        <p:spPr/>
+        <p:txBody>
+          <a:bodyPr/>
+          <a:lstStyle/>
+          <a:p>
+            <a:fld id="{7BD8B36A-52D4-4BDD-AF8D-91946C89B854}" type="slidenum">
+              <a:rPr lang="en-US" smtClean="0"/>
+              <a:t>3</a:t>
+            </a:fld>
             <a:endParaRPr lang="en-US"/>
           </a:p>
         </p:txBody>
       </p:sp>
+    </p:spTree>
+    <p:extLst>
+      <p:ext uri="{BB962C8B-B14F-4D97-AF65-F5344CB8AC3E}">
+        <p14:creationId xmlns:p14="http://schemas.microsoft.com/office/powerpoint/2010/main" val="995648761"/>
+      </p:ext>
+    </p:extLst>
+  </p:cSld>
+  <p:clrMapOvr>
+    <a:masterClrMapping/>
+  </p:clrMapOvr>
+</p:notes>
+</file>
+
+<file path=ppt/notesSlides/notesSlide2.xml><?xml version="1.0" encoding="utf-8"?>
+<p:notes xmlns:a="http://schemas.openxmlformats.org/drawingml/2006/main" xmlns:r="http://schemas.openxmlformats.org/officeDocument/2006/relationships" xmlns:p="http://schemas.openxmlformats.org/presentationml/2006/main">
+  <p:cSld>
+    <p:spTree>
+      <p:nvGrpSpPr>
+        <p:cNvPr id="1" name=""/>
+        <p:cNvGrpSpPr/>
+        <p:nvPr/>
+      </p:nvGrpSpPr>
+      <p:grpSpPr>
+        <a:xfrm>
+          <a:off x="0" y="0"/>
+          <a:ext cx="0" cy="0"/>
+          <a:chOff x="0" y="0"/>
+          <a:chExt cx="0" cy="0"/>
+        </a:xfrm>
+      </p:grpSpPr>
+      <p:sp>
+        <p:nvSpPr>
+          <p:cNvPr id="2" name="Slide Image Placeholder 1"/>
+          <p:cNvSpPr>
+            <a:spLocks noGrp="1" noRot="1" noChangeAspect="1"/>
+          </p:cNvSpPr>
+          <p:nvPr>
+            <p:ph type="sldImg"/>
+          </p:nvPr>
+        </p:nvSpPr>
+        <p:spPr/>
+      </p:sp>
+      <p:sp>
+        <p:nvSpPr>
+          <p:cNvPr id="3" name="Notes Placeholder 2"/>
+          <p:cNvSpPr>
+            <a:spLocks noGrp="1"/>
+          </p:cNvSpPr>
+          <p:nvPr>
+            <p:ph type="body" idx="1"/>
+          </p:nvPr>
+        </p:nvSpPr>
+        <p:spPr/>
+        <p:txBody>
+          <a:bodyPr/>
+          <a:lstStyle/>
+          <a:p>
+            <a:endParaRPr lang="en-US" dirty="0"/>
+          </a:p>
+        </p:txBody>
+      </p:sp>
       <p:sp>
         <p:nvSpPr>
           <p:cNvPr id="4" name="Slide Number Placeholder 3"/>
@@ -570,7 +657,91 @@
           <a:p>
             <a:fld id="{7BD8B36A-52D4-4BDD-AF8D-91946C89B854}" type="slidenum">
               <a:rPr lang="en-US" smtClean="0"/>
-              <a:t>37</a:t>
+              <a:t>8</a:t>
+            </a:fld>
+            <a:endParaRPr lang="en-US"/>
+          </a:p>
+        </p:txBody>
+      </p:sp>
+    </p:spTree>
+    <p:extLst>
+      <p:ext uri="{BB962C8B-B14F-4D97-AF65-F5344CB8AC3E}">
+        <p14:creationId xmlns:p14="http://schemas.microsoft.com/office/powerpoint/2010/main" val="995648761"/>
+      </p:ext>
+    </p:extLst>
+  </p:cSld>
+  <p:clrMapOvr>
+    <a:masterClrMapping/>
+  </p:clrMapOvr>
+</p:notes>
+</file>
+
+<file path=ppt/notesSlides/notesSlide3.xml><?xml version="1.0" encoding="utf-8"?>
+<p:notes xmlns:a="http://schemas.openxmlformats.org/drawingml/2006/main" xmlns:r="http://schemas.openxmlformats.org/officeDocument/2006/relationships" xmlns:p="http://schemas.openxmlformats.org/presentationml/2006/main">
+  <p:cSld>
+    <p:spTree>
+      <p:nvGrpSpPr>
+        <p:cNvPr id="1" name=""/>
+        <p:cNvGrpSpPr/>
+        <p:nvPr/>
+      </p:nvGrpSpPr>
+      <p:grpSpPr>
+        <a:xfrm>
+          <a:off x="0" y="0"/>
+          <a:ext cx="0" cy="0"/>
+          <a:chOff x="0" y="0"/>
+          <a:chExt cx="0" cy="0"/>
+        </a:xfrm>
+      </p:grpSpPr>
+      <p:sp>
+        <p:nvSpPr>
+          <p:cNvPr id="2" name="Slide Image Placeholder 1"/>
+          <p:cNvSpPr>
+            <a:spLocks noGrp="1" noRot="1" noChangeAspect="1"/>
+          </p:cNvSpPr>
+          <p:nvPr>
+            <p:ph type="sldImg"/>
+          </p:nvPr>
+        </p:nvSpPr>
+        <p:spPr/>
+      </p:sp>
+      <p:sp>
+        <p:nvSpPr>
+          <p:cNvPr id="3" name="Notes Placeholder 2"/>
+          <p:cNvSpPr>
+            <a:spLocks noGrp="1"/>
+          </p:cNvSpPr>
+          <p:nvPr>
+            <p:ph type="body" idx="1"/>
+          </p:nvPr>
+        </p:nvSpPr>
+        <p:spPr/>
+        <p:txBody>
+          <a:bodyPr/>
+          <a:lstStyle/>
+          <a:p>
+            <a:endParaRPr lang="en-US"/>
+          </a:p>
+        </p:txBody>
+      </p:sp>
+      <p:sp>
+        <p:nvSpPr>
+          <p:cNvPr id="4" name="Slide Number Placeholder 3"/>
+          <p:cNvSpPr>
+            <a:spLocks noGrp="1"/>
+          </p:cNvSpPr>
+          <p:nvPr>
+            <p:ph type="sldNum" sz="quarter" idx="10"/>
+          </p:nvPr>
+        </p:nvSpPr>
+        <p:spPr/>
+        <p:txBody>
+          <a:bodyPr/>
+          <a:lstStyle/>
+          <a:p>
+            <a:fld id="{7BD8B36A-52D4-4BDD-AF8D-91946C89B854}" type="slidenum">
+              <a:rPr lang="en-US" smtClean="0"/>
+              <a:t>39</a:t>
             </a:fld>
             <a:endParaRPr lang="en-US"/>
           </a:p>
@@ -720,7 +891,7 @@
           <a:p>
             <a:fld id="{8046718E-F515-4FBC-94E4-485FEBAEE963}" type="datetime1">
               <a:rPr lang="pl-PL" smtClean="0"/>
-              <a:t>2015-04-23</a:t>
+              <a:t>2015-04-28</a:t>
             </a:fld>
             <a:endParaRPr lang="pl-PL"/>
           </a:p>
@@ -894,7 +1065,7 @@
           <a:p>
             <a:fld id="{F83D9A45-FCE6-4EB9-A131-897F4023A643}" type="datetime1">
               <a:rPr lang="pl-PL" smtClean="0"/>
-              <a:t>2015-04-23</a:t>
+              <a:t>2015-04-28</a:t>
             </a:fld>
             <a:endParaRPr lang="pl-PL"/>
           </a:p>
@@ -1078,7 +1249,7 @@
           <a:p>
             <a:fld id="{0BF78C0A-4CFC-4862-A23C-54DA58798185}" type="datetime1">
               <a:rPr lang="pl-PL" smtClean="0"/>
-              <a:t>2015-04-23</a:t>
+              <a:t>2015-04-28</a:t>
             </a:fld>
             <a:endParaRPr lang="pl-PL"/>
           </a:p>
@@ -1280,7 +1451,7 @@
                   </a:prstClr>
                 </a:solidFill>
               </a:rPr>
-              <a:t>2015-04-23</a:t>
+              <a:t>2015-04-28</a:t>
             </a:fld>
             <a:endParaRPr lang="pl-PL">
               <a:solidFill>
@@ -1491,7 +1662,7 @@
                   </a:prstClr>
                 </a:solidFill>
               </a:rPr>
-              <a:t>2015-04-23</a:t>
+              <a:t>2015-04-28</a:t>
             </a:fld>
             <a:endParaRPr lang="pl-PL">
               <a:solidFill>
@@ -1778,7 +1949,7 @@
                   </a:prstClr>
                 </a:solidFill>
               </a:rPr>
-              <a:t>2015-04-23</a:t>
+              <a:t>2015-04-28</a:t>
             </a:fld>
             <a:endParaRPr lang="pl-PL">
               <a:solidFill>
@@ -2051,7 +2222,7 @@
                   </a:prstClr>
                 </a:solidFill>
               </a:rPr>
-              <a:t>2015-04-23</a:t>
+              <a:t>2015-04-28</a:t>
             </a:fld>
             <a:endParaRPr lang="pl-PL">
               <a:solidFill>
@@ -2459,7 +2630,7 @@
                   </a:prstClr>
                 </a:solidFill>
               </a:rPr>
-              <a:t>2015-04-23</a:t>
+              <a:t>2015-04-28</a:t>
             </a:fld>
             <a:endParaRPr lang="pl-PL">
               <a:solidFill>
@@ -2618,7 +2789,7 @@
                   </a:prstClr>
                 </a:solidFill>
               </a:rPr>
-              <a:t>2015-04-23</a:t>
+              <a:t>2015-04-28</a:t>
             </a:fld>
             <a:endParaRPr lang="pl-PL">
               <a:solidFill>
@@ -2754,7 +2925,7 @@
                   </a:prstClr>
                 </a:solidFill>
               </a:rPr>
-              <a:t>2015-04-23</a:t>
+              <a:t>2015-04-28</a:t>
             </a:fld>
             <a:endParaRPr lang="pl-PL">
               <a:solidFill>
@@ -3072,7 +3243,7 @@
                   </a:prstClr>
                 </a:solidFill>
               </a:rPr>
-              <a:t>2015-04-23</a:t>
+              <a:t>2015-04-28</a:t>
             </a:fld>
             <a:endParaRPr lang="pl-PL">
               <a:solidFill>
@@ -3277,7 +3448,7 @@
           <a:p>
             <a:fld id="{8D3849A7-848F-4B3F-9C53-9BAD165F6702}" type="datetime1">
               <a:rPr lang="pl-PL" smtClean="0"/>
-              <a:t>2015-04-23</a:t>
+              <a:t>2015-04-28</a:t>
             </a:fld>
             <a:endParaRPr lang="pl-PL"/>
           </a:p>
@@ -3540,7 +3711,7 @@
                   </a:prstClr>
                 </a:solidFill>
               </a:rPr>
-              <a:t>2015-04-23</a:t>
+              <a:t>2015-04-28</a:t>
             </a:fld>
             <a:endParaRPr lang="pl-PL">
               <a:solidFill>
@@ -3751,7 +3922,7 @@
                   </a:prstClr>
                 </a:solidFill>
               </a:rPr>
-              <a:t>2015-04-23</a:t>
+              <a:t>2015-04-28</a:t>
             </a:fld>
             <a:endParaRPr lang="pl-PL">
               <a:solidFill>
@@ -3972,7 +4143,7 @@
                   </a:prstClr>
                 </a:solidFill>
               </a:rPr>
-              <a:t>2015-04-23</a:t>
+              <a:t>2015-04-28</a:t>
             </a:fld>
             <a:endParaRPr lang="pl-PL">
               <a:solidFill>
@@ -4205,7 +4376,7 @@
                   </a:prstClr>
                 </a:solidFill>
               </a:rPr>
-              <a:t>2015-04-23</a:t>
+              <a:t>2015-04-28</a:t>
             </a:fld>
             <a:endParaRPr lang="pl-PL">
               <a:solidFill>
@@ -4416,7 +4587,7 @@
                   </a:prstClr>
                 </a:solidFill>
               </a:rPr>
-              <a:t>2015-04-23</a:t>
+              <a:t>2015-04-28</a:t>
             </a:fld>
             <a:endParaRPr lang="pl-PL">
               <a:solidFill>
@@ -4703,7 +4874,7 @@
                   </a:prstClr>
                 </a:solidFill>
               </a:rPr>
-              <a:t>2015-04-23</a:t>
+              <a:t>2015-04-28</a:t>
             </a:fld>
             <a:endParaRPr lang="pl-PL">
               <a:solidFill>
@@ -4976,7 +5147,7 @@
                   </a:prstClr>
                 </a:solidFill>
               </a:rPr>
-              <a:t>2015-04-23</a:t>
+              <a:t>2015-04-28</a:t>
             </a:fld>
             <a:endParaRPr lang="pl-PL">
               <a:solidFill>
@@ -5384,7 +5555,7 @@
                   </a:prstClr>
                 </a:solidFill>
               </a:rPr>
-              <a:t>2015-04-23</a:t>
+              <a:t>2015-04-28</a:t>
             </a:fld>
             <a:endParaRPr lang="pl-PL">
               <a:solidFill>
@@ -5543,7 +5714,7 @@
                   </a:prstClr>
                 </a:solidFill>
               </a:rPr>
-              <a:t>2015-04-23</a:t>
+              <a:t>2015-04-28</a:t>
             </a:fld>
             <a:endParaRPr lang="pl-PL">
               <a:solidFill>
@@ -5679,7 +5850,7 @@
                   </a:prstClr>
                 </a:solidFill>
               </a:rPr>
-              <a:t>2015-04-23</a:t>
+              <a:t>2015-04-28</a:t>
             </a:fld>
             <a:endParaRPr lang="pl-PL">
               <a:solidFill>
@@ -5960,7 +6131,7 @@
           <a:p>
             <a:fld id="{6A6282B5-B764-4B79-83E7-CBB22A31A4EC}" type="datetime1">
               <a:rPr lang="pl-PL" smtClean="0"/>
-              <a:t>2015-04-23</a:t>
+              <a:t>2015-04-28</a:t>
             </a:fld>
             <a:endParaRPr lang="pl-PL"/>
           </a:p>
@@ -6247,7 +6418,7 @@
                   </a:prstClr>
                 </a:solidFill>
               </a:rPr>
-              <a:t>2015-04-23</a:t>
+              <a:t>2015-04-28</a:t>
             </a:fld>
             <a:endParaRPr lang="pl-PL">
               <a:solidFill>
@@ -6541,7 +6712,7 @@
                   </a:prstClr>
                 </a:solidFill>
               </a:rPr>
-              <a:t>2015-04-23</a:t>
+              <a:t>2015-04-28</a:t>
             </a:fld>
             <a:endParaRPr lang="pl-PL">
               <a:solidFill>
@@ -6752,7 +6923,7 @@
                   </a:prstClr>
                 </a:solidFill>
               </a:rPr>
-              <a:t>2015-04-23</a:t>
+              <a:t>2015-04-28</a:t>
             </a:fld>
             <a:endParaRPr lang="pl-PL">
               <a:solidFill>
@@ -6973,7 +7144,7 @@
                   </a:prstClr>
                 </a:solidFill>
               </a:rPr>
-              <a:t>2015-04-23</a:t>
+              <a:t>2015-04-28</a:t>
             </a:fld>
             <a:endParaRPr lang="pl-PL">
               <a:solidFill>
@@ -7206,7 +7377,7 @@
                   </a:prstClr>
                 </a:solidFill>
               </a:rPr>
-              <a:t>2015-04-23</a:t>
+              <a:t>2015-04-28</a:t>
             </a:fld>
             <a:endParaRPr lang="pl-PL">
               <a:solidFill>
@@ -7417,7 +7588,7 @@
                   </a:prstClr>
                 </a:solidFill>
               </a:rPr>
-              <a:t>2015-04-23</a:t>
+              <a:t>2015-04-28</a:t>
             </a:fld>
             <a:endParaRPr lang="pl-PL">
               <a:solidFill>
@@ -7704,7 +7875,7 @@
                   </a:prstClr>
                 </a:solidFill>
               </a:rPr>
-              <a:t>2015-04-23</a:t>
+              <a:t>2015-04-28</a:t>
             </a:fld>
             <a:endParaRPr lang="pl-PL">
               <a:solidFill>
@@ -7977,7 +8148,7 @@
                   </a:prstClr>
                 </a:solidFill>
               </a:rPr>
-              <a:t>2015-04-23</a:t>
+              <a:t>2015-04-28</a:t>
             </a:fld>
             <a:endParaRPr lang="pl-PL">
               <a:solidFill>
@@ -8385,7 +8556,7 @@
                   </a:prstClr>
                 </a:solidFill>
               </a:rPr>
-              <a:t>2015-04-23</a:t>
+              <a:t>2015-04-28</a:t>
             </a:fld>
             <a:endParaRPr lang="pl-PL">
               <a:solidFill>
@@ -8544,7 +8715,7 @@
                   </a:prstClr>
                 </a:solidFill>
               </a:rPr>
-              <a:t>2015-04-23</a:t>
+              <a:t>2015-04-28</a:t>
             </a:fld>
             <a:endParaRPr lang="pl-PL">
               <a:solidFill>
@@ -8811,7 +8982,7 @@
           <a:p>
             <a:fld id="{A137C70B-6C9F-4F10-9969-6935EB51CE6B}" type="datetime1">
               <a:rPr lang="pl-PL" smtClean="0"/>
-              <a:t>2015-04-23</a:t>
+              <a:t>2015-04-28</a:t>
             </a:fld>
             <a:endParaRPr lang="pl-PL"/>
           </a:p>
@@ -8916,7 +9087,7 @@
                   </a:prstClr>
                 </a:solidFill>
               </a:rPr>
-              <a:t>2015-04-23</a:t>
+              <a:t>2015-04-28</a:t>
             </a:fld>
             <a:endParaRPr lang="pl-PL">
               <a:solidFill>
@@ -9234,7 +9405,7 @@
                   </a:prstClr>
                 </a:solidFill>
               </a:rPr>
-              <a:t>2015-04-23</a:t>
+              <a:t>2015-04-28</a:t>
             </a:fld>
             <a:endParaRPr lang="pl-PL">
               <a:solidFill>
@@ -9528,7 +9699,7 @@
                   </a:prstClr>
                 </a:solidFill>
               </a:rPr>
-              <a:t>2015-04-23</a:t>
+              <a:t>2015-04-28</a:t>
             </a:fld>
             <a:endParaRPr lang="pl-PL">
               <a:solidFill>
@@ -9739,7 +9910,7 @@
                   </a:prstClr>
                 </a:solidFill>
               </a:rPr>
-              <a:t>2015-04-23</a:t>
+              <a:t>2015-04-28</a:t>
             </a:fld>
             <a:endParaRPr lang="pl-PL">
               <a:solidFill>
@@ -9960,7 +10131,7 @@
                   </a:prstClr>
                 </a:solidFill>
               </a:rPr>
-              <a:t>2015-04-23</a:t>
+              <a:t>2015-04-28</a:t>
             </a:fld>
             <a:endParaRPr lang="pl-PL">
               <a:solidFill>
@@ -10362,7 +10533,7 @@
           <a:p>
             <a:fld id="{5A58F54B-5E95-47EB-9E84-F3EA7D227416}" type="datetime1">
               <a:rPr lang="pl-PL" smtClean="0"/>
-              <a:t>2015-04-23</a:t>
+              <a:t>2015-04-28</a:t>
             </a:fld>
             <a:endParaRPr lang="pl-PL"/>
           </a:p>
@@ -10484,7 +10655,7 @@
           <a:p>
             <a:fld id="{E6B686C6-4DE6-43B9-BB67-1C343EC10F12}" type="datetime1">
               <a:rPr lang="pl-PL" smtClean="0"/>
-              <a:t>2015-04-23</a:t>
+              <a:t>2015-04-28</a:t>
             </a:fld>
             <a:endParaRPr lang="pl-PL"/>
           </a:p>
@@ -10583,7 +10754,7 @@
           <a:p>
             <a:fld id="{BE37D143-90E5-4E50-8D35-BA5052A4F1D6}" type="datetime1">
               <a:rPr lang="pl-PL" smtClean="0"/>
-              <a:t>2015-04-23</a:t>
+              <a:t>2015-04-28</a:t>
             </a:fld>
             <a:endParaRPr lang="pl-PL"/>
           </a:p>
@@ -10864,7 +11035,7 @@
           <a:p>
             <a:fld id="{42583914-8D6A-466D-A041-CD09A7F2193B}" type="datetime1">
               <a:rPr lang="pl-PL" smtClean="0"/>
-              <a:t>2015-04-23</a:t>
+              <a:t>2015-04-28</a:t>
             </a:fld>
             <a:endParaRPr lang="pl-PL"/>
           </a:p>
@@ -11121,7 +11292,7 @@
           <a:p>
             <a:fld id="{E9746572-2AA8-45C3-8B64-7D9FDD7890CE}" type="datetime1">
               <a:rPr lang="pl-PL" smtClean="0"/>
-              <a:t>2015-04-23</a:t>
+              <a:t>2015-04-28</a:t>
             </a:fld>
             <a:endParaRPr lang="pl-PL"/>
           </a:p>
@@ -11191,21 +11362,9 @@
   <p:cSld>
     <p:bg>
       <p:bgPr>
-        <a:gradFill flip="none" rotWithShape="1">
-          <a:gsLst>
-            <a:gs pos="0">
-              <a:srgbClr val="DDEBCF"/>
-            </a:gs>
-            <a:gs pos="50000">
-              <a:srgbClr val="9CB86E"/>
-            </a:gs>
-            <a:gs pos="100000">
-              <a:srgbClr val="156B13"/>
-            </a:gs>
-          </a:gsLst>
-          <a:lin ang="5400000" scaled="0"/>
-          <a:tileRect r="-100000" b="-100000"/>
-        </a:gradFill>
+        <a:solidFill>
+          <a:srgbClr val="FFE38B"/>
+        </a:solidFill>
         <a:effectLst/>
       </p:bgPr>
     </p:bg>
@@ -11353,7 +11512,7 @@
           <a:p>
             <a:fld id="{6B3664D8-7B4D-4CE0-AE34-7E6DC2D21507}" type="datetime1">
               <a:rPr lang="pl-PL" smtClean="0"/>
-              <a:t>2015-04-23</a:t>
+              <a:t>2015-04-28</a:t>
             </a:fld>
             <a:endParaRPr lang="pl-PL"/>
           </a:p>
@@ -11751,21 +11910,9 @@
   <p:cSld>
     <p:bg>
       <p:bgPr>
-        <a:gradFill flip="none" rotWithShape="1">
-          <a:gsLst>
-            <a:gs pos="0">
-              <a:srgbClr val="DDEBCF"/>
-            </a:gs>
-            <a:gs pos="50000">
-              <a:srgbClr val="9CB86E"/>
-            </a:gs>
-            <a:gs pos="100000">
-              <a:srgbClr val="156B13"/>
-            </a:gs>
-          </a:gsLst>
-          <a:lin ang="5400000" scaled="0"/>
-          <a:tileRect r="-100000" b="-100000"/>
-        </a:gradFill>
+        <a:solidFill>
+          <a:srgbClr val="FFE38B"/>
+        </a:solidFill>
         <a:effectLst/>
       </p:bgPr>
     </p:bg>
@@ -11919,7 +12066,7 @@
                   </a:prstClr>
                 </a:solidFill>
               </a:rPr>
-              <a:t>2015-04-23</a:t>
+              <a:t>2015-04-28</a:t>
             </a:fld>
             <a:endParaRPr lang="pl-PL">
               <a:solidFill>
@@ -12348,21 +12495,9 @@
   <p:cSld>
     <p:bg>
       <p:bgPr>
-        <a:gradFill flip="none" rotWithShape="1">
-          <a:gsLst>
-            <a:gs pos="0">
-              <a:srgbClr val="DDEBCF"/>
-            </a:gs>
-            <a:gs pos="50000">
-              <a:srgbClr val="9CB86E"/>
-            </a:gs>
-            <a:gs pos="100000">
-              <a:srgbClr val="156B13"/>
-            </a:gs>
-          </a:gsLst>
-          <a:lin ang="5400000" scaled="0"/>
-          <a:tileRect r="-100000" b="-100000"/>
-        </a:gradFill>
+        <a:solidFill>
+          <a:srgbClr val="FFE38B"/>
+        </a:solidFill>
         <a:effectLst/>
       </p:bgPr>
     </p:bg>
@@ -12516,7 +12651,7 @@
                   </a:prstClr>
                 </a:solidFill>
               </a:rPr>
-              <a:t>2015-04-23</a:t>
+              <a:t>2015-04-28</a:t>
             </a:fld>
             <a:endParaRPr lang="pl-PL">
               <a:solidFill>
@@ -12945,21 +13080,9 @@
   <p:cSld>
     <p:bg>
       <p:bgPr>
-        <a:gradFill flip="none" rotWithShape="1">
-          <a:gsLst>
-            <a:gs pos="0">
-              <a:srgbClr val="DDEBCF"/>
-            </a:gs>
-            <a:gs pos="50000">
-              <a:srgbClr val="9CB86E"/>
-            </a:gs>
-            <a:gs pos="100000">
-              <a:srgbClr val="156B13"/>
-            </a:gs>
-          </a:gsLst>
-          <a:lin ang="5400000" scaled="0"/>
-          <a:tileRect r="-100000" b="-100000"/>
-        </a:gradFill>
+        <a:solidFill>
+          <a:srgbClr val="FFE38B"/>
+        </a:solidFill>
         <a:effectLst/>
       </p:bgPr>
     </p:bg>
@@ -13113,7 +13236,7 @@
                   </a:prstClr>
                 </a:solidFill>
               </a:rPr>
-              <a:t>2015-04-23</a:t>
+              <a:t>2015-04-28</a:t>
             </a:fld>
             <a:endParaRPr lang="pl-PL">
               <a:solidFill>
@@ -13571,42 +13694,42 @@
           <a:p>
             <a:r>
               <a:rPr lang="pl-PL" dirty="0" err="1" smtClean="0">
-                <a:latin typeface="Myriad Pro" panose="020B0503030403020204" pitchFamily="34" charset="0"/>
+                <a:latin typeface="Segoe UI Light" panose="020B0502040204020203" pitchFamily="34" charset="0"/>
               </a:rPr>
               <a:t>Quid</a:t>
             </a:r>
             <a:r>
               <a:rPr lang="pl-PL" dirty="0" smtClean="0">
-                <a:latin typeface="Myriad Pro" panose="020B0503030403020204" pitchFamily="34" charset="0"/>
+                <a:latin typeface="Segoe UI Light" panose="020B0502040204020203" pitchFamily="34" charset="0"/>
               </a:rPr>
               <a:t> </a:t>
             </a:r>
             <a:r>
               <a:rPr lang="pl-PL" dirty="0" err="1" smtClean="0">
-                <a:latin typeface="Myriad Pro" panose="020B0503030403020204" pitchFamily="34" charset="0"/>
+                <a:latin typeface="Segoe UI Light" panose="020B0502040204020203" pitchFamily="34" charset="0"/>
               </a:rPr>
               <a:t>novi</a:t>
             </a:r>
             <a:r>
               <a:rPr lang="pl-PL" dirty="0" smtClean="0">
-                <a:latin typeface="Myriad Pro" panose="020B0503030403020204" pitchFamily="34" charset="0"/>
+                <a:latin typeface="Segoe UI Light" panose="020B0502040204020203" pitchFamily="34" charset="0"/>
               </a:rPr>
               <a:t>? </a:t>
             </a:r>
             <a:r>
               <a:rPr lang="pl-PL" dirty="0" err="1" smtClean="0">
-                <a:latin typeface="Myriad Pro" panose="020B0503030403020204" pitchFamily="34" charset="0"/>
+                <a:latin typeface="Segoe UI Light" panose="020B0502040204020203" pitchFamily="34" charset="0"/>
               </a:rPr>
               <a:t>ECMAScript</a:t>
             </a:r>
             <a:r>
               <a:rPr lang="pl-PL" dirty="0" smtClean="0">
-                <a:latin typeface="Myriad Pro" panose="020B0503030403020204" pitchFamily="34" charset="0"/>
+                <a:latin typeface="Segoe UI Light" panose="020B0502040204020203" pitchFamily="34" charset="0"/>
               </a:rPr>
               <a:t> 6!</a:t>
             </a:r>
             <a:endParaRPr lang="pl-PL" dirty="0">
-              <a:latin typeface="Myriad Pro" panose="020B0503030403020204" pitchFamily="34" charset="0"/>
+              <a:latin typeface="Segoe UI Light" panose="020B0502040204020203" pitchFamily="34" charset="0"/>
             </a:endParaRPr>
           </a:p>
         </p:txBody>
@@ -13623,29 +13746,44 @@
         </p:nvSpPr>
         <p:spPr/>
         <p:txBody>
-          <a:bodyPr/>
-          <a:lstStyle/>
-          <a:p>
-            <a:r>
-              <a:rPr lang="pl-PL" dirty="0" smtClean="0">
-                <a:latin typeface="Myriad Pro" panose="020B0503030403020204" pitchFamily="34" charset="0"/>
+          <a:bodyPr>
+            <a:noAutofit/>
+          </a:bodyPr>
+          <a:lstStyle/>
+          <a:p>
+            <a:pPr>
+              <a:spcBef>
+                <a:spcPct val="0"/>
+              </a:spcBef>
+            </a:pPr>
+            <a:r>
+              <a:rPr lang="pl-PL" sz="3200" dirty="0">
+                <a:latin typeface="Segoe UI" panose="020B0502040204020203" pitchFamily="34" charset="0"/>
+                <a:ea typeface="Segoe UI" panose="020B0502040204020203" pitchFamily="34" charset="0"/>
+                <a:cs typeface="Segoe UI" panose="020B0502040204020203" pitchFamily="34" charset="0"/>
               </a:rPr>
               <a:t>Hubert Zub / </a:t>
             </a:r>
             <a:r>
-              <a:rPr lang="pl-PL" dirty="0" err="1" smtClean="0">
-                <a:latin typeface="Myriad Pro" panose="020B0503030403020204" pitchFamily="34" charset="0"/>
+              <a:rPr lang="pl-PL" sz="3200" dirty="0" err="1">
+                <a:latin typeface="Segoe UI" panose="020B0502040204020203" pitchFamily="34" charset="0"/>
+                <a:ea typeface="Segoe UI" panose="020B0502040204020203" pitchFamily="34" charset="0"/>
+                <a:cs typeface="Segoe UI" panose="020B0502040204020203" pitchFamily="34" charset="0"/>
               </a:rPr>
               <a:t>Transition</a:t>
             </a:r>
             <a:r>
-              <a:rPr lang="pl-PL" dirty="0" smtClean="0">
-                <a:latin typeface="Myriad Pro" panose="020B0503030403020204" pitchFamily="34" charset="0"/>
+              <a:rPr lang="pl-PL" sz="3200" dirty="0">
+                <a:latin typeface="Segoe UI" panose="020B0502040204020203" pitchFamily="34" charset="0"/>
+                <a:ea typeface="Segoe UI" panose="020B0502040204020203" pitchFamily="34" charset="0"/>
+                <a:cs typeface="Segoe UI" panose="020B0502040204020203" pitchFamily="34" charset="0"/>
               </a:rPr>
               <a:t> Technologies S.A.</a:t>
             </a:r>
-            <a:endParaRPr lang="pl-PL" dirty="0">
-              <a:latin typeface="Myriad Pro" panose="020B0503030403020204" pitchFamily="34" charset="0"/>
+            <a:endParaRPr lang="pl-PL" sz="3200" dirty="0">
+              <a:latin typeface="Segoe UI" panose="020B0502040204020203" pitchFamily="34" charset="0"/>
+              <a:ea typeface="Segoe UI" panose="020B0502040204020203" pitchFamily="34" charset="0"/>
+              <a:cs typeface="Segoe UI" panose="020B0502040204020203" pitchFamily="34" charset="0"/>
             </a:endParaRPr>
           </a:p>
         </p:txBody>
@@ -13726,16 +13864,24 @@
           <a:lstStyle/>
           <a:p>
             <a:r>
-              <a:rPr lang="pl-PL" dirty="0" smtClean="0"/>
-              <a:t>Alleluja:</a:t>
-            </a:r>
-            <a:endParaRPr lang="pl-PL" dirty="0"/>
-          </a:p>
-        </p:txBody>
-      </p:sp>
-      <p:sp>
-        <p:nvSpPr>
-          <p:cNvPr id="4" name="Content Placeholder 3"/>
+              <a:rPr lang="pl-PL" dirty="0" smtClean="0">
+                <a:latin typeface="Segoe UI" panose="020B0502040204020203" pitchFamily="34" charset="0"/>
+                <a:ea typeface="Segoe UI" panose="020B0502040204020203" pitchFamily="34" charset="0"/>
+                <a:cs typeface="Segoe UI" panose="020B0502040204020203" pitchFamily="34" charset="0"/>
+              </a:rPr>
+              <a:t>Czy jest nam potrzebne coś więcej?</a:t>
+            </a:r>
+            <a:endParaRPr lang="pl-PL" dirty="0">
+              <a:latin typeface="Segoe UI" panose="020B0502040204020203" pitchFamily="34" charset="0"/>
+              <a:ea typeface="Segoe UI" panose="020B0502040204020203" pitchFamily="34" charset="0"/>
+              <a:cs typeface="Segoe UI" panose="020B0502040204020203" pitchFamily="34" charset="0"/>
+            </a:endParaRPr>
+          </a:p>
+        </p:txBody>
+      </p:sp>
+      <p:sp>
+        <p:nvSpPr>
+          <p:cNvPr id="3" name="Content Placeholder 2"/>
           <p:cNvSpPr>
             <a:spLocks noGrp="1"/>
           </p:cNvSpPr>
@@ -13745,25 +13891,174 @@
         </p:nvSpPr>
         <p:spPr/>
         <p:txBody>
-          <a:bodyPr>
-            <a:normAutofit/>
-          </a:bodyPr>
-          <a:lstStyle/>
-          <a:p>
-            <a:pPr marL="0" indent="0">
-              <a:buNone/>
-            </a:pPr>
-            <a:r>
-              <a:rPr lang="pl-PL" sz="8800" dirty="0" smtClean="0"/>
-              <a:t>ECMAScript 6!</a:t>
-            </a:r>
-            <a:endParaRPr lang="en-US" sz="8800" dirty="0"/>
-          </a:p>
-        </p:txBody>
-      </p:sp>
-      <p:sp>
-        <p:nvSpPr>
-          <p:cNvPr id="5" name="Footer Placeholder 4"/>
+          <a:bodyPr/>
+          <a:lstStyle/>
+          <a:p>
+            <a:r>
+              <a:rPr lang="pl-PL" i="1" dirty="0" smtClean="0">
+                <a:latin typeface="Segoe UI" panose="020B0502040204020203" pitchFamily="34" charset="0"/>
+                <a:ea typeface="Segoe UI" panose="020B0502040204020203" pitchFamily="34" charset="0"/>
+                <a:cs typeface="Segoe UI" panose="020B0502040204020203" pitchFamily="34" charset="0"/>
+              </a:rPr>
+              <a:t>„No przecież </a:t>
+            </a:r>
+            <a:r>
+              <a:rPr lang="pl-PL" i="1" dirty="0" smtClean="0">
+                <a:latin typeface="Segoe UI" panose="020B0502040204020203" pitchFamily="34" charset="0"/>
+                <a:ea typeface="Segoe UI" panose="020B0502040204020203" pitchFamily="34" charset="0"/>
+                <a:cs typeface="Segoe UI" panose="020B0502040204020203" pitchFamily="34" charset="0"/>
+              </a:rPr>
+              <a:t>już mamy taki </a:t>
+            </a:r>
+            <a:r>
+              <a:rPr lang="pl-PL" i="1" dirty="0" smtClean="0">
+                <a:latin typeface="Segoe UI" panose="020B0502040204020203" pitchFamily="34" charset="0"/>
+                <a:ea typeface="Segoe UI" panose="020B0502040204020203" pitchFamily="34" charset="0"/>
+                <a:cs typeface="Segoe UI" panose="020B0502040204020203" pitchFamily="34" charset="0"/>
+              </a:rPr>
+              <a:t>fajny i kompletny język”</a:t>
+            </a:r>
+            <a:endParaRPr lang="pl-PL" i="1" dirty="0" smtClean="0">
+              <a:latin typeface="Segoe UI" panose="020B0502040204020203" pitchFamily="34" charset="0"/>
+              <a:ea typeface="Segoe UI" panose="020B0502040204020203" pitchFamily="34" charset="0"/>
+              <a:cs typeface="Segoe UI" panose="020B0502040204020203" pitchFamily="34" charset="0"/>
+            </a:endParaRPr>
+          </a:p>
+          <a:p>
+            <a:r>
+              <a:rPr lang="pl-PL" b="1" dirty="0" smtClean="0">
+                <a:latin typeface="Segoe UI" panose="020B0502040204020203" pitchFamily="34" charset="0"/>
+                <a:ea typeface="Segoe UI" panose="020B0502040204020203" pitchFamily="34" charset="0"/>
+                <a:cs typeface="Segoe UI" panose="020B0502040204020203" pitchFamily="34" charset="0"/>
+              </a:rPr>
+              <a:t>Prawda #1: </a:t>
+            </a:r>
+            <a:r>
+              <a:rPr lang="pl-PL" dirty="0" smtClean="0">
+                <a:latin typeface="Segoe UI" panose="020B0502040204020203" pitchFamily="34" charset="0"/>
+                <a:ea typeface="Segoe UI" panose="020B0502040204020203" pitchFamily="34" charset="0"/>
+                <a:cs typeface="Segoe UI" panose="020B0502040204020203" pitchFamily="34" charset="0"/>
+              </a:rPr>
+              <a:t>Inne </a:t>
+            </a:r>
+            <a:r>
+              <a:rPr lang="pl-PL" dirty="0" smtClean="0">
+                <a:latin typeface="Segoe UI" panose="020B0502040204020203" pitchFamily="34" charset="0"/>
+                <a:ea typeface="Segoe UI" panose="020B0502040204020203" pitchFamily="34" charset="0"/>
+                <a:cs typeface="Segoe UI" panose="020B0502040204020203" pitchFamily="34" charset="0"/>
+              </a:rPr>
+              <a:t>języki ewoluują – C#, Java, powstają kolejne języki i frameworki frontendowe</a:t>
+            </a:r>
+          </a:p>
+          <a:p>
+            <a:r>
+              <a:rPr lang="pl-PL" b="1" dirty="0">
+                <a:latin typeface="Segoe UI" panose="020B0502040204020203" pitchFamily="34" charset="0"/>
+                <a:ea typeface="Segoe UI" panose="020B0502040204020203" pitchFamily="34" charset="0"/>
+                <a:cs typeface="Segoe UI" panose="020B0502040204020203" pitchFamily="34" charset="0"/>
+              </a:rPr>
+              <a:t>Prawda </a:t>
+            </a:r>
+            <a:r>
+              <a:rPr lang="pl-PL" b="1" dirty="0" smtClean="0">
+                <a:latin typeface="Segoe UI" panose="020B0502040204020203" pitchFamily="34" charset="0"/>
+                <a:ea typeface="Segoe UI" panose="020B0502040204020203" pitchFamily="34" charset="0"/>
+                <a:cs typeface="Segoe UI" panose="020B0502040204020203" pitchFamily="34" charset="0"/>
+              </a:rPr>
+              <a:t>#2: </a:t>
+            </a:r>
+            <a:r>
+              <a:rPr lang="pl-PL" dirty="0">
+                <a:latin typeface="Segoe UI" panose="020B0502040204020203" pitchFamily="34" charset="0"/>
+                <a:ea typeface="Segoe UI" panose="020B0502040204020203" pitchFamily="34" charset="0"/>
+                <a:cs typeface="Segoe UI" panose="020B0502040204020203" pitchFamily="34" charset="0"/>
+              </a:rPr>
+              <a:t>Coraz </a:t>
+            </a:r>
+            <a:r>
+              <a:rPr lang="pl-PL" dirty="0" smtClean="0">
+                <a:latin typeface="Segoe UI" panose="020B0502040204020203" pitchFamily="34" charset="0"/>
+                <a:ea typeface="Segoe UI" panose="020B0502040204020203" pitchFamily="34" charset="0"/>
+                <a:cs typeface="Segoe UI" panose="020B0502040204020203" pitchFamily="34" charset="0"/>
+              </a:rPr>
+              <a:t>więcej projektów, coraz mniej czasu</a:t>
+            </a:r>
+          </a:p>
+          <a:p>
+            <a:r>
+              <a:rPr lang="pl-PL" b="1" dirty="0">
+                <a:latin typeface="Segoe UI" panose="020B0502040204020203" pitchFamily="34" charset="0"/>
+                <a:ea typeface="Segoe UI" panose="020B0502040204020203" pitchFamily="34" charset="0"/>
+                <a:cs typeface="Segoe UI" panose="020B0502040204020203" pitchFamily="34" charset="0"/>
+              </a:rPr>
+              <a:t>Prawda </a:t>
+            </a:r>
+            <a:r>
+              <a:rPr lang="pl-PL" b="1" dirty="0" smtClean="0">
+                <a:latin typeface="Segoe UI" panose="020B0502040204020203" pitchFamily="34" charset="0"/>
+                <a:ea typeface="Segoe UI" panose="020B0502040204020203" pitchFamily="34" charset="0"/>
+                <a:cs typeface="Segoe UI" panose="020B0502040204020203" pitchFamily="34" charset="0"/>
+              </a:rPr>
+              <a:t>#3: </a:t>
+            </a:r>
+            <a:r>
+              <a:rPr lang="pl-PL" dirty="0" smtClean="0">
+                <a:latin typeface="Segoe UI" panose="020B0502040204020203" pitchFamily="34" charset="0"/>
+                <a:ea typeface="Segoe UI" panose="020B0502040204020203" pitchFamily="34" charset="0"/>
+                <a:cs typeface="Segoe UI" panose="020B0502040204020203" pitchFamily="34" charset="0"/>
+              </a:rPr>
+              <a:t>Potrzeba uporządkowania </a:t>
+            </a:r>
+            <a:r>
+              <a:rPr lang="pl-PL" dirty="0" smtClean="0">
+                <a:latin typeface="Segoe UI" panose="020B0502040204020203" pitchFamily="34" charset="0"/>
+                <a:ea typeface="Segoe UI" panose="020B0502040204020203" pitchFamily="34" charset="0"/>
+                <a:cs typeface="Segoe UI" panose="020B0502040204020203" pitchFamily="34" charset="0"/>
+              </a:rPr>
+              <a:t>dotychczasowych funkcjonalności (np. </a:t>
+            </a:r>
+            <a:r>
+              <a:rPr lang="pl-PL" dirty="0" smtClean="0">
+                <a:latin typeface="Segoe UI" panose="020B0502040204020203" pitchFamily="34" charset="0"/>
+                <a:ea typeface="Segoe UI" panose="020B0502040204020203" pitchFamily="34" charset="0"/>
+                <a:cs typeface="Segoe UI" panose="020B0502040204020203" pitchFamily="34" charset="0"/>
+              </a:rPr>
+              <a:t>klasy, promise’y</a:t>
+            </a:r>
+            <a:r>
+              <a:rPr lang="pl-PL" dirty="0" smtClean="0">
+                <a:latin typeface="Segoe UI" panose="020B0502040204020203" pitchFamily="34" charset="0"/>
+                <a:ea typeface="Segoe UI" panose="020B0502040204020203" pitchFamily="34" charset="0"/>
+                <a:cs typeface="Segoe UI" panose="020B0502040204020203" pitchFamily="34" charset="0"/>
+              </a:rPr>
+              <a:t>)</a:t>
+            </a:r>
+            <a:endParaRPr lang="pl-PL" dirty="0" smtClean="0">
+              <a:latin typeface="Segoe UI" panose="020B0502040204020203" pitchFamily="34" charset="0"/>
+              <a:ea typeface="Segoe UI" panose="020B0502040204020203" pitchFamily="34" charset="0"/>
+              <a:cs typeface="Segoe UI" panose="020B0502040204020203" pitchFamily="34" charset="0"/>
+            </a:endParaRPr>
+          </a:p>
+          <a:p>
+            <a:r>
+              <a:rPr lang="pl-PL" dirty="0" smtClean="0">
+                <a:latin typeface="Segoe UI" panose="020B0502040204020203" pitchFamily="34" charset="0"/>
+                <a:ea typeface="Segoe UI" panose="020B0502040204020203" pitchFamily="34" charset="0"/>
+                <a:cs typeface="Segoe UI" panose="020B0502040204020203" pitchFamily="34" charset="0"/>
+              </a:rPr>
+              <a:t>Są przeciwnicy niektórych lub wszystkich zmian</a:t>
+            </a:r>
+            <a:endParaRPr lang="pl-PL" dirty="0">
+              <a:latin typeface="Segoe UI" panose="020B0502040204020203" pitchFamily="34" charset="0"/>
+              <a:ea typeface="Segoe UI" panose="020B0502040204020203" pitchFamily="34" charset="0"/>
+              <a:cs typeface="Segoe UI" panose="020B0502040204020203" pitchFamily="34" charset="0"/>
+            </a:endParaRPr>
+          </a:p>
+        </p:txBody>
+      </p:sp>
+      <p:sp>
+        <p:nvSpPr>
+          <p:cNvPr id="4" name="Footer Placeholder 3"/>
           <p:cNvSpPr>
             <a:spLocks noGrp="1"/>
           </p:cNvSpPr>
@@ -13777,23 +14072,38 @@
           <a:lstStyle/>
           <a:p>
             <a:r>
-              <a:rPr lang="pl-PL" smtClean="0"/>
+              <a:rPr lang="pl-PL" smtClean="0">
+                <a:latin typeface="Segoe UI" panose="020B0502040204020203" pitchFamily="34" charset="0"/>
+                <a:ea typeface="Segoe UI" panose="020B0502040204020203" pitchFamily="34" charset="0"/>
+                <a:cs typeface="Segoe UI" panose="020B0502040204020203" pitchFamily="34" charset="0"/>
+              </a:rPr>
               <a:t>Quid novi? ECMAScript 6! / Hubert Zub / hubert.zub@gmail.com</a:t>
             </a:r>
-            <a:endParaRPr lang="pl-PL"/>
+            <a:endParaRPr lang="pl-PL">
+              <a:latin typeface="Segoe UI" panose="020B0502040204020203" pitchFamily="34" charset="0"/>
+              <a:ea typeface="Segoe UI" panose="020B0502040204020203" pitchFamily="34" charset="0"/>
+              <a:cs typeface="Segoe UI" panose="020B0502040204020203" pitchFamily="34" charset="0"/>
+            </a:endParaRPr>
           </a:p>
         </p:txBody>
       </p:sp>
     </p:spTree>
     <p:extLst>
       <p:ext uri="{BB962C8B-B14F-4D97-AF65-F5344CB8AC3E}">
-        <p14:creationId xmlns:p14="http://schemas.microsoft.com/office/powerpoint/2010/main" val="245809264"/>
+        <p14:creationId xmlns:p14="http://schemas.microsoft.com/office/powerpoint/2010/main" val="1811524586"/>
       </p:ext>
     </p:extLst>
   </p:cSld>
   <p:clrMapOvr>
     <a:masterClrMapping/>
   </p:clrMapOvr>
+  <p:timing>
+    <p:tnLst>
+      <p:par>
+        <p:cTn id="1" dur="indefinite" restart="never" nodeType="tmRoot"/>
+      </p:par>
+    </p:tnLst>
+  </p:timing>
 </p:sld>
 </file>
 
@@ -13816,7 +14126,38 @@
       </p:grpSpPr>
       <p:sp>
         <p:nvSpPr>
-          <p:cNvPr id="4" name="Content Placeholder 3"/>
+          <p:cNvPr id="2" name="Title 1"/>
+          <p:cNvSpPr>
+            <a:spLocks noGrp="1"/>
+          </p:cNvSpPr>
+          <p:nvPr>
+            <p:ph type="title"/>
+          </p:nvPr>
+        </p:nvSpPr>
+        <p:spPr/>
+        <p:txBody>
+          <a:bodyPr/>
+          <a:lstStyle/>
+          <a:p>
+            <a:r>
+              <a:rPr lang="pl-PL" dirty="0" smtClean="0">
+                <a:latin typeface="Segoe UI" panose="020B0502040204020203" pitchFamily="34" charset="0"/>
+                <a:ea typeface="Segoe UI" panose="020B0502040204020203" pitchFamily="34" charset="0"/>
+                <a:cs typeface="Segoe UI" panose="020B0502040204020203" pitchFamily="34" charset="0"/>
+              </a:rPr>
+              <a:t>Rozwiązania tymczasowe/pośrednie</a:t>
+            </a:r>
+            <a:endParaRPr lang="pl-PL" dirty="0">
+              <a:latin typeface="Segoe UI" panose="020B0502040204020203" pitchFamily="34" charset="0"/>
+              <a:ea typeface="Segoe UI" panose="020B0502040204020203" pitchFamily="34" charset="0"/>
+              <a:cs typeface="Segoe UI" panose="020B0502040204020203" pitchFamily="34" charset="0"/>
+            </a:endParaRPr>
+          </a:p>
+        </p:txBody>
+      </p:sp>
+      <p:sp>
+        <p:nvSpPr>
+          <p:cNvPr id="3" name="Content Placeholder 2"/>
           <p:cNvSpPr>
             <a:spLocks noGrp="1"/>
           </p:cNvSpPr>
@@ -13824,32 +14165,250 @@
             <p:ph idx="1"/>
           </p:nvPr>
         </p:nvSpPr>
-        <p:spPr>
-          <a:xfrm>
-            <a:off x="1325526" y="2602355"/>
-            <a:ext cx="10515600" cy="4351338"/>
-          </a:xfrm>
-        </p:spPr>
-        <p:txBody>
-          <a:bodyPr>
-            <a:normAutofit/>
-          </a:bodyPr>
-          <a:lstStyle/>
-          <a:p>
-            <a:pPr marL="0" indent="0">
-              <a:buNone/>
-            </a:pPr>
-            <a:r>
-              <a:rPr lang="pl-PL" sz="6600" dirty="0" smtClean="0"/>
-              <a:t>Krótki przegląd nowości ES6</a:t>
-            </a:r>
-            <a:endParaRPr lang="en-US" sz="6600" dirty="0"/>
-          </a:p>
-        </p:txBody>
-      </p:sp>
-      <p:sp>
-        <p:nvSpPr>
-          <p:cNvPr id="5" name="Footer Placeholder 4"/>
+        <p:spPr/>
+        <p:txBody>
+          <a:bodyPr/>
+          <a:lstStyle/>
+          <a:p>
+            <a:r>
+              <a:rPr lang="pl-PL" dirty="0" err="1" smtClean="0">
+                <a:latin typeface="Segoe UI" panose="020B0502040204020203" pitchFamily="34" charset="0"/>
+                <a:ea typeface="Segoe UI" panose="020B0502040204020203" pitchFamily="34" charset="0"/>
+                <a:cs typeface="Segoe UI" panose="020B0502040204020203" pitchFamily="34" charset="0"/>
+              </a:rPr>
+              <a:t>CoffeeScript</a:t>
+            </a:r>
+            <a:endParaRPr lang="pl-PL" dirty="0">
+              <a:latin typeface="Segoe UI" panose="020B0502040204020203" pitchFamily="34" charset="0"/>
+              <a:ea typeface="Segoe UI" panose="020B0502040204020203" pitchFamily="34" charset="0"/>
+              <a:cs typeface="Segoe UI" panose="020B0502040204020203" pitchFamily="34" charset="0"/>
+            </a:endParaRPr>
+          </a:p>
+          <a:p>
+            <a:pPr lvl="1"/>
+            <a:r>
+              <a:rPr lang="pl-PL" dirty="0" smtClean="0">
+                <a:latin typeface="Segoe UI" panose="020B0502040204020203" pitchFamily="34" charset="0"/>
+                <a:ea typeface="Segoe UI" panose="020B0502040204020203" pitchFamily="34" charset="0"/>
+                <a:cs typeface="Segoe UI" panose="020B0502040204020203" pitchFamily="34" charset="0"/>
+              </a:rPr>
+              <a:t>Język </a:t>
+            </a:r>
+            <a:r>
+              <a:rPr lang="pl-PL" dirty="0" err="1" smtClean="0">
+                <a:latin typeface="Segoe UI" panose="020B0502040204020203" pitchFamily="34" charset="0"/>
+                <a:ea typeface="Segoe UI" panose="020B0502040204020203" pitchFamily="34" charset="0"/>
+                <a:cs typeface="Segoe UI" panose="020B0502040204020203" pitchFamily="34" charset="0"/>
+              </a:rPr>
+              <a:t>transpilowany</a:t>
+            </a:r>
+            <a:r>
+              <a:rPr lang="pl-PL" dirty="0" smtClean="0">
+                <a:latin typeface="Segoe UI" panose="020B0502040204020203" pitchFamily="34" charset="0"/>
+                <a:ea typeface="Segoe UI" panose="020B0502040204020203" pitchFamily="34" charset="0"/>
+                <a:cs typeface="Segoe UI" panose="020B0502040204020203" pitchFamily="34" charset="0"/>
+              </a:rPr>
+              <a:t> do </a:t>
+            </a:r>
+            <a:r>
+              <a:rPr lang="pl-PL" dirty="0" err="1" smtClean="0">
+                <a:latin typeface="Segoe UI" panose="020B0502040204020203" pitchFamily="34" charset="0"/>
+                <a:ea typeface="Segoe UI" panose="020B0502040204020203" pitchFamily="34" charset="0"/>
+                <a:cs typeface="Segoe UI" panose="020B0502040204020203" pitchFamily="34" charset="0"/>
+              </a:rPr>
+              <a:t>JavaScriptu</a:t>
+            </a:r>
+            <a:endParaRPr lang="pl-PL" dirty="0" smtClean="0">
+              <a:latin typeface="Segoe UI" panose="020B0502040204020203" pitchFamily="34" charset="0"/>
+              <a:ea typeface="Segoe UI" panose="020B0502040204020203" pitchFamily="34" charset="0"/>
+              <a:cs typeface="Segoe UI" panose="020B0502040204020203" pitchFamily="34" charset="0"/>
+            </a:endParaRPr>
+          </a:p>
+          <a:p>
+            <a:pPr lvl="1"/>
+            <a:r>
+              <a:rPr lang="pl-PL" dirty="0" smtClean="0">
+                <a:latin typeface="Segoe UI" panose="020B0502040204020203" pitchFamily="34" charset="0"/>
+                <a:ea typeface="Segoe UI" panose="020B0502040204020203" pitchFamily="34" charset="0"/>
+                <a:cs typeface="Segoe UI" panose="020B0502040204020203" pitchFamily="34" charset="0"/>
+              </a:rPr>
+              <a:t>Zmiana składni</a:t>
+            </a:r>
+          </a:p>
+          <a:p>
+            <a:pPr lvl="1"/>
+            <a:r>
+              <a:rPr lang="pl-PL" b="1" dirty="0" smtClean="0">
+                <a:latin typeface="Segoe UI" panose="020B0502040204020203" pitchFamily="34" charset="0"/>
+                <a:ea typeface="Segoe UI" panose="020B0502040204020203" pitchFamily="34" charset="0"/>
+                <a:cs typeface="Segoe UI" panose="020B0502040204020203" pitchFamily="34" charset="0"/>
+              </a:rPr>
+              <a:t>Wada: brak </a:t>
+            </a:r>
+            <a:r>
+              <a:rPr lang="pl-PL" b="1" dirty="0" smtClean="0">
+                <a:latin typeface="Segoe UI" panose="020B0502040204020203" pitchFamily="34" charset="0"/>
+                <a:ea typeface="Segoe UI" panose="020B0502040204020203" pitchFamily="34" charset="0"/>
+                <a:cs typeface="Segoe UI" panose="020B0502040204020203" pitchFamily="34" charset="0"/>
+              </a:rPr>
+              <a:t>kompatybilności</a:t>
+            </a:r>
+          </a:p>
+          <a:p>
+            <a:r>
+              <a:rPr lang="pl-PL" dirty="0" err="1" smtClean="0">
+                <a:latin typeface="Segoe UI" panose="020B0502040204020203" pitchFamily="34" charset="0"/>
+                <a:ea typeface="Segoe UI" panose="020B0502040204020203" pitchFamily="34" charset="0"/>
+                <a:cs typeface="Segoe UI" panose="020B0502040204020203" pitchFamily="34" charset="0"/>
+              </a:rPr>
+              <a:t>TypeScript</a:t>
+            </a:r>
+            <a:r>
+              <a:rPr lang="pl-PL" dirty="0" smtClean="0">
+                <a:latin typeface="Segoe UI" panose="020B0502040204020203" pitchFamily="34" charset="0"/>
+                <a:ea typeface="Segoe UI" panose="020B0502040204020203" pitchFamily="34" charset="0"/>
+                <a:cs typeface="Segoe UI" panose="020B0502040204020203" pitchFamily="34" charset="0"/>
+              </a:rPr>
+              <a:t> (wcześniej również </a:t>
+            </a:r>
+            <a:r>
+              <a:rPr lang="pl-PL" dirty="0" err="1" smtClean="0">
+                <a:latin typeface="Segoe UI" panose="020B0502040204020203" pitchFamily="34" charset="0"/>
+                <a:ea typeface="Segoe UI" panose="020B0502040204020203" pitchFamily="34" charset="0"/>
+                <a:cs typeface="Segoe UI" panose="020B0502040204020203" pitchFamily="34" charset="0"/>
+              </a:rPr>
+              <a:t>AtScript</a:t>
+            </a:r>
+            <a:r>
+              <a:rPr lang="pl-PL" dirty="0" smtClean="0">
+                <a:latin typeface="Segoe UI" panose="020B0502040204020203" pitchFamily="34" charset="0"/>
+                <a:ea typeface="Segoe UI" panose="020B0502040204020203" pitchFamily="34" charset="0"/>
+                <a:cs typeface="Segoe UI" panose="020B0502040204020203" pitchFamily="34" charset="0"/>
+              </a:rPr>
+              <a:t>)</a:t>
+            </a:r>
+          </a:p>
+          <a:p>
+            <a:pPr lvl="1"/>
+            <a:r>
+              <a:rPr lang="pl-PL" dirty="0" smtClean="0">
+                <a:latin typeface="Segoe UI" panose="020B0502040204020203" pitchFamily="34" charset="0"/>
+                <a:ea typeface="Segoe UI" panose="020B0502040204020203" pitchFamily="34" charset="0"/>
+                <a:cs typeface="Segoe UI" panose="020B0502040204020203" pitchFamily="34" charset="0"/>
+              </a:rPr>
+              <a:t>Język </a:t>
+            </a:r>
+            <a:r>
+              <a:rPr lang="pl-PL" dirty="0" err="1" smtClean="0">
+                <a:latin typeface="Segoe UI" panose="020B0502040204020203" pitchFamily="34" charset="0"/>
+                <a:ea typeface="Segoe UI" panose="020B0502040204020203" pitchFamily="34" charset="0"/>
+                <a:cs typeface="Segoe UI" panose="020B0502040204020203" pitchFamily="34" charset="0"/>
+              </a:rPr>
+              <a:t>transpilowany</a:t>
+            </a:r>
+            <a:r>
+              <a:rPr lang="pl-PL" dirty="0" smtClean="0">
+                <a:latin typeface="Segoe UI" panose="020B0502040204020203" pitchFamily="34" charset="0"/>
+                <a:ea typeface="Segoe UI" panose="020B0502040204020203" pitchFamily="34" charset="0"/>
+                <a:cs typeface="Segoe UI" panose="020B0502040204020203" pitchFamily="34" charset="0"/>
+              </a:rPr>
+              <a:t> do </a:t>
+            </a:r>
+            <a:r>
+              <a:rPr lang="pl-PL" dirty="0" err="1" smtClean="0">
+                <a:latin typeface="Segoe UI" panose="020B0502040204020203" pitchFamily="34" charset="0"/>
+                <a:ea typeface="Segoe UI" panose="020B0502040204020203" pitchFamily="34" charset="0"/>
+                <a:cs typeface="Segoe UI" panose="020B0502040204020203" pitchFamily="34" charset="0"/>
+              </a:rPr>
+              <a:t>JavaScriptu</a:t>
+            </a:r>
+            <a:endParaRPr lang="pl-PL" dirty="0" smtClean="0">
+              <a:latin typeface="Segoe UI" panose="020B0502040204020203" pitchFamily="34" charset="0"/>
+              <a:ea typeface="Segoe UI" panose="020B0502040204020203" pitchFamily="34" charset="0"/>
+              <a:cs typeface="Segoe UI" panose="020B0502040204020203" pitchFamily="34" charset="0"/>
+            </a:endParaRPr>
+          </a:p>
+          <a:p>
+            <a:pPr lvl="1"/>
+            <a:r>
+              <a:rPr lang="pl-PL" dirty="0" smtClean="0">
+                <a:latin typeface="Segoe UI" panose="020B0502040204020203" pitchFamily="34" charset="0"/>
+                <a:ea typeface="Segoe UI" panose="020B0502040204020203" pitchFamily="34" charset="0"/>
+                <a:cs typeface="Segoe UI" panose="020B0502040204020203" pitchFamily="34" charset="0"/>
+              </a:rPr>
+              <a:t>Kompatybilność </a:t>
+            </a:r>
+            <a:r>
+              <a:rPr lang="pl-PL" dirty="0" smtClean="0">
+                <a:latin typeface="Segoe UI" panose="020B0502040204020203" pitchFamily="34" charset="0"/>
+                <a:ea typeface="Segoe UI" panose="020B0502040204020203" pitchFamily="34" charset="0"/>
+                <a:cs typeface="Segoe UI" panose="020B0502040204020203" pitchFamily="34" charset="0"/>
+              </a:rPr>
+              <a:t>– kod JS jest kodem w </a:t>
+            </a:r>
+            <a:r>
+              <a:rPr lang="pl-PL" dirty="0" smtClean="0">
+                <a:latin typeface="Segoe UI" panose="020B0502040204020203" pitchFamily="34" charset="0"/>
+                <a:ea typeface="Segoe UI" panose="020B0502040204020203" pitchFamily="34" charset="0"/>
+                <a:cs typeface="Segoe UI" panose="020B0502040204020203" pitchFamily="34" charset="0"/>
+              </a:rPr>
+              <a:t>TS</a:t>
+            </a:r>
+          </a:p>
+          <a:p>
+            <a:pPr lvl="1"/>
+            <a:r>
+              <a:rPr lang="pl-PL" b="1" dirty="0" smtClean="0">
+                <a:latin typeface="Segoe UI" panose="020B0502040204020203" pitchFamily="34" charset="0"/>
+                <a:ea typeface="Segoe UI" panose="020B0502040204020203" pitchFamily="34" charset="0"/>
+                <a:cs typeface="Segoe UI" panose="020B0502040204020203" pitchFamily="34" charset="0"/>
+              </a:rPr>
+              <a:t>Wada: Microsoft </a:t>
+            </a:r>
+            <a:r>
+              <a:rPr lang="pl-PL" b="1" dirty="0" smtClean="0">
+                <a:latin typeface="Segoe UI" panose="020B0502040204020203" pitchFamily="34" charset="0"/>
+                <a:ea typeface="Segoe UI" panose="020B0502040204020203" pitchFamily="34" charset="0"/>
+                <a:cs typeface="Segoe UI" panose="020B0502040204020203" pitchFamily="34" charset="0"/>
+                <a:sym typeface="Wingdings" panose="05000000000000000000" pitchFamily="2" charset="2"/>
+              </a:rPr>
+              <a:t>:)</a:t>
+            </a:r>
+            <a:endParaRPr lang="pl-PL" b="1" dirty="0" smtClean="0">
+              <a:latin typeface="Segoe UI" panose="020B0502040204020203" pitchFamily="34" charset="0"/>
+              <a:ea typeface="Segoe UI" panose="020B0502040204020203" pitchFamily="34" charset="0"/>
+              <a:cs typeface="Segoe UI" panose="020B0502040204020203" pitchFamily="34" charset="0"/>
+            </a:endParaRPr>
+          </a:p>
+          <a:p>
+            <a:pPr lvl="1"/>
+            <a:r>
+              <a:rPr lang="pl-PL" b="1" dirty="0" smtClean="0">
+                <a:latin typeface="Segoe UI" panose="020B0502040204020203" pitchFamily="34" charset="0"/>
+                <a:ea typeface="Segoe UI" panose="020B0502040204020203" pitchFamily="34" charset="0"/>
+                <a:cs typeface="Segoe UI" panose="020B0502040204020203" pitchFamily="34" charset="0"/>
+              </a:rPr>
+              <a:t>Wada: brak </a:t>
+            </a:r>
+            <a:r>
+              <a:rPr lang="pl-PL" b="1" dirty="0" smtClean="0">
+                <a:latin typeface="Segoe UI" panose="020B0502040204020203" pitchFamily="34" charset="0"/>
+                <a:ea typeface="Segoe UI" panose="020B0502040204020203" pitchFamily="34" charset="0"/>
+                <a:cs typeface="Segoe UI" panose="020B0502040204020203" pitchFamily="34" charset="0"/>
+              </a:rPr>
+              <a:t>planowanego wsparcia przeglądarek</a:t>
+            </a:r>
+            <a:endParaRPr lang="pl-PL" b="1" dirty="0">
+              <a:latin typeface="Segoe UI" panose="020B0502040204020203" pitchFamily="34" charset="0"/>
+              <a:ea typeface="Segoe UI" panose="020B0502040204020203" pitchFamily="34" charset="0"/>
+              <a:cs typeface="Segoe UI" panose="020B0502040204020203" pitchFamily="34" charset="0"/>
+            </a:endParaRPr>
+          </a:p>
+        </p:txBody>
+      </p:sp>
+      <p:sp>
+        <p:nvSpPr>
+          <p:cNvPr id="4" name="Footer Placeholder 3"/>
           <p:cNvSpPr>
             <a:spLocks noGrp="1"/>
           </p:cNvSpPr>
@@ -13864,20 +14423,16 @@
           <a:p>
             <a:r>
               <a:rPr lang="pl-PL" smtClean="0">
-                <a:solidFill>
-                  <a:prstClr val="black">
-                    <a:tint val="75000"/>
-                  </a:prstClr>
-                </a:solidFill>
+                <a:latin typeface="Segoe UI" panose="020B0502040204020203" pitchFamily="34" charset="0"/>
+                <a:ea typeface="Segoe UI" panose="020B0502040204020203" pitchFamily="34" charset="0"/>
+                <a:cs typeface="Segoe UI" panose="020B0502040204020203" pitchFamily="34" charset="0"/>
               </a:rPr>
               <a:t>Quid novi? ECMAScript 6! / Hubert Zub / hubert.zub@gmail.com</a:t>
             </a:r>
             <a:endParaRPr lang="pl-PL">
-              <a:solidFill>
-                <a:prstClr val="black">
-                  <a:tint val="75000"/>
-                </a:prstClr>
-              </a:solidFill>
+              <a:latin typeface="Segoe UI" panose="020B0502040204020203" pitchFamily="34" charset="0"/>
+              <a:ea typeface="Segoe UI" panose="020B0502040204020203" pitchFamily="34" charset="0"/>
+              <a:cs typeface="Segoe UI" panose="020B0502040204020203" pitchFamily="34" charset="0"/>
             </a:endParaRPr>
           </a:p>
         </p:txBody>
@@ -13885,13 +14440,20 @@
     </p:spTree>
     <p:extLst>
       <p:ext uri="{BB962C8B-B14F-4D97-AF65-F5344CB8AC3E}">
-        <p14:creationId xmlns:p14="http://schemas.microsoft.com/office/powerpoint/2010/main" val="2926794256"/>
+        <p14:creationId xmlns:p14="http://schemas.microsoft.com/office/powerpoint/2010/main" val="745906270"/>
       </p:ext>
     </p:extLst>
   </p:cSld>
   <p:clrMapOvr>
     <a:masterClrMapping/>
   </p:clrMapOvr>
+  <p:timing>
+    <p:tnLst>
+      <p:par>
+        <p:cTn id="1" dur="indefinite" restart="never" nodeType="tmRoot"/>
+      </p:par>
+    </p:tnLst>
+  </p:timing>
 </p:sld>
 </file>
 
@@ -13928,42 +14490,60 @@
           <a:lstStyle/>
           <a:p>
             <a:r>
-              <a:rPr lang="pl-PL" dirty="0" smtClean="0"/>
-              <a:t>1) Klasy</a:t>
-            </a:r>
-            <a:endParaRPr lang="pl-PL" dirty="0"/>
-          </a:p>
-        </p:txBody>
-      </p:sp>
-      <p:pic>
-        <p:nvPicPr>
-          <p:cNvPr id="6" name="Content Placeholder 5"/>
-          <p:cNvPicPr>
-            <a:picLocks noGrp="1" noChangeAspect="1"/>
-          </p:cNvPicPr>
+              <a:rPr lang="pl-PL" dirty="0" smtClean="0">
+                <a:latin typeface="Segoe UI" panose="020B0502040204020203" pitchFamily="34" charset="0"/>
+                <a:ea typeface="Segoe UI" panose="020B0502040204020203" pitchFamily="34" charset="0"/>
+                <a:cs typeface="Segoe UI" panose="020B0502040204020203" pitchFamily="34" charset="0"/>
+              </a:rPr>
+              <a:t>Alleluja:</a:t>
+            </a:r>
+            <a:endParaRPr lang="pl-PL" dirty="0">
+              <a:latin typeface="Segoe UI" panose="020B0502040204020203" pitchFamily="34" charset="0"/>
+              <a:ea typeface="Segoe UI" panose="020B0502040204020203" pitchFamily="34" charset="0"/>
+              <a:cs typeface="Segoe UI" panose="020B0502040204020203" pitchFamily="34" charset="0"/>
+            </a:endParaRPr>
+          </a:p>
+        </p:txBody>
+      </p:sp>
+      <p:sp>
+        <p:nvSpPr>
+          <p:cNvPr id="4" name="Content Placeholder 3"/>
+          <p:cNvSpPr>
+            <a:spLocks noGrp="1"/>
+          </p:cNvSpPr>
           <p:nvPr>
             <p:ph idx="1"/>
           </p:nvPr>
-        </p:nvPicPr>
-        <p:blipFill>
-          <a:blip r:embed="rId2"/>
-          <a:stretch>
-            <a:fillRect/>
-          </a:stretch>
-        </p:blipFill>
-        <p:spPr>
-          <a:xfrm>
-            <a:off x="838200" y="1690688"/>
-            <a:ext cx="9007549" cy="4781405"/>
-          </a:xfrm>
-          <a:prstGeom prst="rect">
-            <a:avLst/>
-          </a:prstGeom>
-        </p:spPr>
-      </p:pic>
-      <p:sp>
-        <p:nvSpPr>
-          <p:cNvPr id="3" name="Footer Placeholder 2"/>
+        </p:nvSpPr>
+        <p:spPr/>
+        <p:txBody>
+          <a:bodyPr>
+            <a:normAutofit/>
+          </a:bodyPr>
+          <a:lstStyle/>
+          <a:p>
+            <a:pPr marL="0" indent="0">
+              <a:buNone/>
+            </a:pPr>
+            <a:r>
+              <a:rPr lang="pl-PL" sz="8800" dirty="0" smtClean="0">
+                <a:latin typeface="Segoe UI" panose="020B0502040204020203" pitchFamily="34" charset="0"/>
+                <a:ea typeface="Segoe UI" panose="020B0502040204020203" pitchFamily="34" charset="0"/>
+                <a:cs typeface="Segoe UI" panose="020B0502040204020203" pitchFamily="34" charset="0"/>
+              </a:rPr>
+              <a:t>ECMAScript 6!</a:t>
+            </a:r>
+            <a:endParaRPr lang="en-US" sz="8800" dirty="0">
+              <a:latin typeface="Segoe UI" panose="020B0502040204020203" pitchFamily="34" charset="0"/>
+              <a:ea typeface="Segoe UI" panose="020B0502040204020203" pitchFamily="34" charset="0"/>
+              <a:cs typeface="Segoe UI" panose="020B0502040204020203" pitchFamily="34" charset="0"/>
+            </a:endParaRPr>
+          </a:p>
+        </p:txBody>
+      </p:sp>
+      <p:sp>
+        <p:nvSpPr>
+          <p:cNvPr id="5" name="Footer Placeholder 4"/>
           <p:cNvSpPr>
             <a:spLocks noGrp="1"/>
           </p:cNvSpPr>
@@ -13977,23 +14557,38 @@
           <a:lstStyle/>
           <a:p>
             <a:r>
-              <a:rPr lang="pl-PL" smtClean="0"/>
+              <a:rPr lang="pl-PL" smtClean="0">
+                <a:latin typeface="Segoe UI" panose="020B0502040204020203" pitchFamily="34" charset="0"/>
+                <a:ea typeface="Segoe UI" panose="020B0502040204020203" pitchFamily="34" charset="0"/>
+                <a:cs typeface="Segoe UI" panose="020B0502040204020203" pitchFamily="34" charset="0"/>
+              </a:rPr>
               <a:t>Quid novi? ECMAScript 6! / Hubert Zub / hubert.zub@gmail.com</a:t>
             </a:r>
-            <a:endParaRPr lang="pl-PL"/>
+            <a:endParaRPr lang="pl-PL">
+              <a:latin typeface="Segoe UI" panose="020B0502040204020203" pitchFamily="34" charset="0"/>
+              <a:ea typeface="Segoe UI" panose="020B0502040204020203" pitchFamily="34" charset="0"/>
+              <a:cs typeface="Segoe UI" panose="020B0502040204020203" pitchFamily="34" charset="0"/>
+            </a:endParaRPr>
           </a:p>
         </p:txBody>
       </p:sp>
     </p:spTree>
     <p:extLst>
       <p:ext uri="{BB962C8B-B14F-4D97-AF65-F5344CB8AC3E}">
-        <p14:creationId xmlns:p14="http://schemas.microsoft.com/office/powerpoint/2010/main" val="3643363340"/>
+        <p14:creationId xmlns:p14="http://schemas.microsoft.com/office/powerpoint/2010/main" val="245809264"/>
       </p:ext>
     </p:extLst>
   </p:cSld>
   <p:clrMapOvr>
     <a:masterClrMapping/>
   </p:clrMapOvr>
+  <p:timing>
+    <p:tnLst>
+      <p:par>
+        <p:cTn id="1" dur="indefinite" restart="never" nodeType="tmRoot"/>
+      </p:par>
+    </p:tnLst>
+  </p:timing>
 </p:sld>
 </file>
 
@@ -14016,56 +14611,40 @@
       </p:grpSpPr>
       <p:sp>
         <p:nvSpPr>
-          <p:cNvPr id="2" name="Title 1"/>
-          <p:cNvSpPr>
-            <a:spLocks noGrp="1"/>
-          </p:cNvSpPr>
-          <p:nvPr>
-            <p:ph type="title"/>
-          </p:nvPr>
-        </p:nvSpPr>
-        <p:spPr/>
-        <p:txBody>
-          <a:bodyPr/>
-          <a:lstStyle/>
-          <a:p>
-            <a:r>
-              <a:rPr lang="pl-PL" dirty="0" smtClean="0"/>
-              <a:t>Klasy c.d.</a:t>
-            </a:r>
-            <a:endParaRPr lang="pl-PL" dirty="0"/>
-          </a:p>
-        </p:txBody>
-      </p:sp>
-      <p:pic>
-        <p:nvPicPr>
-          <p:cNvPr id="6" name="Content Placeholder 5"/>
-          <p:cNvPicPr>
-            <a:picLocks noGrp="1" noChangeAspect="1"/>
-          </p:cNvPicPr>
+          <p:cNvPr id="4" name="Content Placeholder 3"/>
+          <p:cNvSpPr>
+            <a:spLocks noGrp="1"/>
+          </p:cNvSpPr>
           <p:nvPr>
             <p:ph idx="1"/>
           </p:nvPr>
-        </p:nvPicPr>
-        <p:blipFill>
-          <a:blip r:embed="rId2"/>
-          <a:stretch>
-            <a:fillRect/>
-          </a:stretch>
-        </p:blipFill>
+        </p:nvSpPr>
         <p:spPr>
           <a:xfrm>
-            <a:off x="931813" y="1521285"/>
-            <a:ext cx="8871405" cy="4994355"/>
+            <a:off x="1325526" y="2602355"/>
+            <a:ext cx="10515600" cy="4351338"/>
           </a:xfrm>
-          <a:prstGeom prst="rect">
-            <a:avLst/>
-          </a:prstGeom>
         </p:spPr>
-      </p:pic>
-      <p:sp>
-        <p:nvSpPr>
-          <p:cNvPr id="3" name="Footer Placeholder 2"/>
+        <p:txBody>
+          <a:bodyPr>
+            <a:normAutofit/>
+          </a:bodyPr>
+          <a:lstStyle/>
+          <a:p>
+            <a:pPr marL="0" indent="0">
+              <a:buNone/>
+            </a:pPr>
+            <a:r>
+              <a:rPr lang="pl-PL" sz="6600" dirty="0" smtClean="0"/>
+              <a:t>Krótki przegląd nowości ES6</a:t>
+            </a:r>
+            <a:endParaRPr lang="en-US" sz="6600" dirty="0"/>
+          </a:p>
+        </p:txBody>
+      </p:sp>
+      <p:sp>
+        <p:nvSpPr>
+          <p:cNvPr id="5" name="Footer Placeholder 4"/>
           <p:cNvSpPr>
             <a:spLocks noGrp="1"/>
           </p:cNvSpPr>
@@ -14079,23 +14658,42 @@
           <a:lstStyle/>
           <a:p>
             <a:r>
-              <a:rPr lang="pl-PL" smtClean="0"/>
+              <a:rPr lang="pl-PL" smtClean="0">
+                <a:solidFill>
+                  <a:prstClr val="black">
+                    <a:tint val="75000"/>
+                  </a:prstClr>
+                </a:solidFill>
+              </a:rPr>
               <a:t>Quid novi? ECMAScript 6! / Hubert Zub / hubert.zub@gmail.com</a:t>
             </a:r>
-            <a:endParaRPr lang="pl-PL"/>
+            <a:endParaRPr lang="pl-PL">
+              <a:solidFill>
+                <a:prstClr val="black">
+                  <a:tint val="75000"/>
+                </a:prstClr>
+              </a:solidFill>
+            </a:endParaRPr>
           </a:p>
         </p:txBody>
       </p:sp>
     </p:spTree>
     <p:extLst>
       <p:ext uri="{BB962C8B-B14F-4D97-AF65-F5344CB8AC3E}">
-        <p14:creationId xmlns:p14="http://schemas.microsoft.com/office/powerpoint/2010/main" val="3239386426"/>
+        <p14:creationId xmlns:p14="http://schemas.microsoft.com/office/powerpoint/2010/main" val="2926794256"/>
       </p:ext>
     </p:extLst>
   </p:cSld>
   <p:clrMapOvr>
     <a:masterClrMapping/>
   </p:clrMapOvr>
+  <p:timing>
+    <p:tnLst>
+      <p:par>
+        <p:cTn id="1" dur="indefinite" restart="never" nodeType="tmRoot"/>
+      </p:par>
+    </p:tnLst>
+  </p:timing>
 </p:sld>
 </file>
 
@@ -14132,16 +14730,32 @@
           <a:lstStyle/>
           <a:p>
             <a:r>
-              <a:rPr lang="pl-PL" dirty="0" smtClean="0"/>
-              <a:t>Klasy c.d.</a:t>
-            </a:r>
-            <a:endParaRPr lang="pl-PL" dirty="0"/>
+              <a:rPr lang="pl-PL" dirty="0" smtClean="0">
+                <a:latin typeface="Segoe UI" panose="020B0502040204020203" pitchFamily="34" charset="0"/>
+                <a:ea typeface="Segoe UI" panose="020B0502040204020203" pitchFamily="34" charset="0"/>
+                <a:cs typeface="Segoe UI" panose="020B0502040204020203" pitchFamily="34" charset="0"/>
+              </a:rPr>
+              <a:t>1) </a:t>
+            </a:r>
+            <a:r>
+              <a:rPr lang="pl-PL" dirty="0" smtClean="0">
+                <a:latin typeface="Segoe UI" panose="020B0502040204020203" pitchFamily="34" charset="0"/>
+                <a:ea typeface="Segoe UI" panose="020B0502040204020203" pitchFamily="34" charset="0"/>
+                <a:cs typeface="Segoe UI" panose="020B0502040204020203" pitchFamily="34" charset="0"/>
+              </a:rPr>
+              <a:t>Klasy</a:t>
+            </a:r>
+            <a:endParaRPr lang="pl-PL" dirty="0">
+              <a:latin typeface="Segoe UI" panose="020B0502040204020203" pitchFamily="34" charset="0"/>
+              <a:ea typeface="Segoe UI" panose="020B0502040204020203" pitchFamily="34" charset="0"/>
+              <a:cs typeface="Segoe UI" panose="020B0502040204020203" pitchFamily="34" charset="0"/>
+            </a:endParaRPr>
           </a:p>
         </p:txBody>
       </p:sp>
       <p:pic>
         <p:nvPicPr>
-          <p:cNvPr id="4" name="Content Placeholder 3"/>
+          <p:cNvPr id="6" name="Content Placeholder 5"/>
           <p:cNvPicPr>
             <a:picLocks noGrp="1" noChangeAspect="1"/>
           </p:cNvPicPr>
@@ -14157,8 +14771,8 @@
         </p:blipFill>
         <p:spPr>
           <a:xfrm>
-            <a:off x="838200" y="1866847"/>
-            <a:ext cx="7295180" cy="4129916"/>
+            <a:off x="950765" y="1541721"/>
+            <a:ext cx="8767393" cy="4653925"/>
           </a:xfrm>
           <a:prstGeom prst="rect">
             <a:avLst/>
@@ -14188,16 +14802,53 @@
           </a:p>
         </p:txBody>
       </p:sp>
+      <p:sp>
+        <p:nvSpPr>
+          <p:cNvPr id="4" name="TextBox 3"/>
+          <p:cNvSpPr txBox="1"/>
+          <p:nvPr/>
+        </p:nvSpPr>
+        <p:spPr>
+          <a:xfrm>
+            <a:off x="2870788" y="895913"/>
+            <a:ext cx="3317703" cy="400110"/>
+          </a:xfrm>
+          <a:prstGeom prst="rect">
+            <a:avLst/>
+          </a:prstGeom>
+          <a:noFill/>
+        </p:spPr>
+        <p:txBody>
+          <a:bodyPr wrap="none" rtlCol="0">
+            <a:spAutoFit/>
+          </a:bodyPr>
+          <a:lstStyle/>
+          <a:p>
+            <a:r>
+              <a:rPr lang="pl-PL" sz="2000" dirty="0" smtClean="0"/>
+              <a:t>prosty przykład / konstruktory</a:t>
+            </a:r>
+            <a:endParaRPr lang="en-US" sz="2000" dirty="0"/>
+          </a:p>
+        </p:txBody>
+      </p:sp>
     </p:spTree>
     <p:extLst>
       <p:ext uri="{BB962C8B-B14F-4D97-AF65-F5344CB8AC3E}">
-        <p14:creationId xmlns:p14="http://schemas.microsoft.com/office/powerpoint/2010/main" val="2162842217"/>
+        <p14:creationId xmlns:p14="http://schemas.microsoft.com/office/powerpoint/2010/main" val="3643363340"/>
       </p:ext>
     </p:extLst>
   </p:cSld>
   <p:clrMapOvr>
     <a:masterClrMapping/>
   </p:clrMapOvr>
+  <p:timing>
+    <p:tnLst>
+      <p:par>
+        <p:cTn id="1" dur="indefinite" restart="never" nodeType="tmRoot"/>
+      </p:par>
+    </p:tnLst>
+  </p:timing>
 </p:sld>
 </file>
 
@@ -14234,59 +14885,50 @@
           <a:lstStyle/>
           <a:p>
             <a:r>
-              <a:rPr lang="pl-PL" dirty="0" smtClean="0"/>
-              <a:t>Klasy – aktualne braki, do uzupełnienia za pomocą ES7</a:t>
-            </a:r>
-            <a:endParaRPr lang="pl-PL" dirty="0"/>
-          </a:p>
-        </p:txBody>
-      </p:sp>
-      <p:sp>
-        <p:nvSpPr>
-          <p:cNvPr id="3" name="Content Placeholder 2"/>
-          <p:cNvSpPr>
-            <a:spLocks noGrp="1"/>
-          </p:cNvSpPr>
+              <a:rPr lang="pl-PL" dirty="0" smtClean="0">
+                <a:latin typeface="Segoe UI" panose="020B0502040204020203" pitchFamily="34" charset="0"/>
+                <a:ea typeface="Segoe UI" panose="020B0502040204020203" pitchFamily="34" charset="0"/>
+                <a:cs typeface="Segoe UI" panose="020B0502040204020203" pitchFamily="34" charset="0"/>
+              </a:rPr>
+              <a:t>Klasy c.d.</a:t>
+            </a:r>
+            <a:endParaRPr lang="pl-PL" dirty="0">
+              <a:latin typeface="Segoe UI" panose="020B0502040204020203" pitchFamily="34" charset="0"/>
+              <a:ea typeface="Segoe UI" panose="020B0502040204020203" pitchFamily="34" charset="0"/>
+              <a:cs typeface="Segoe UI" panose="020B0502040204020203" pitchFamily="34" charset="0"/>
+            </a:endParaRPr>
+          </a:p>
+        </p:txBody>
+      </p:sp>
+      <p:pic>
+        <p:nvPicPr>
+          <p:cNvPr id="6" name="Content Placeholder 5"/>
+          <p:cNvPicPr>
+            <a:picLocks noGrp="1" noChangeAspect="1"/>
+          </p:cNvPicPr>
           <p:nvPr>
             <p:ph idx="1"/>
           </p:nvPr>
-        </p:nvSpPr>
+        </p:nvPicPr>
+        <p:blipFill>
+          <a:blip r:embed="rId2"/>
+          <a:stretch>
+            <a:fillRect/>
+          </a:stretch>
+        </p:blipFill>
         <p:spPr>
           <a:xfrm>
-            <a:off x="838200" y="2261560"/>
-            <a:ext cx="10515600" cy="4351338"/>
+            <a:off x="942446" y="1553186"/>
+            <a:ext cx="8307880" cy="4677106"/>
           </a:xfrm>
+          <a:prstGeom prst="rect">
+            <a:avLst/>
+          </a:prstGeom>
         </p:spPr>
-        <p:txBody>
-          <a:bodyPr/>
-          <a:lstStyle/>
-          <a:p>
-            <a:r>
-              <a:rPr lang="pl-PL" dirty="0" smtClean="0"/>
-              <a:t>Enkapsulacja</a:t>
-            </a:r>
-          </a:p>
-          <a:p>
-            <a:r>
-              <a:rPr lang="pl-PL" dirty="0" smtClean="0"/>
-              <a:t>Adnotacje</a:t>
-            </a:r>
-          </a:p>
-          <a:p>
-            <a:r>
-              <a:rPr lang="pl-PL" dirty="0" err="1" smtClean="0"/>
-              <a:t>Dekoratory</a:t>
-            </a:r>
-            <a:endParaRPr lang="pl-PL" dirty="0" smtClean="0"/>
-          </a:p>
-          <a:p>
-            <a:endParaRPr lang="pl-PL" dirty="0"/>
-          </a:p>
-        </p:txBody>
-      </p:sp>
-      <p:sp>
-        <p:nvSpPr>
-          <p:cNvPr id="4" name="Footer Placeholder 3"/>
+      </p:pic>
+      <p:sp>
+        <p:nvSpPr>
+          <p:cNvPr id="3" name="Footer Placeholder 2"/>
           <p:cNvSpPr>
             <a:spLocks noGrp="1"/>
           </p:cNvSpPr>
@@ -14300,23 +14942,68 @@
           <a:lstStyle/>
           <a:p>
             <a:r>
-              <a:rPr lang="pl-PL" smtClean="0"/>
+              <a:rPr lang="pl-PL" smtClean="0">
+                <a:latin typeface="Segoe UI" panose="020B0502040204020203" pitchFamily="34" charset="0"/>
+                <a:ea typeface="Segoe UI" panose="020B0502040204020203" pitchFamily="34" charset="0"/>
+                <a:cs typeface="Segoe UI" panose="020B0502040204020203" pitchFamily="34" charset="0"/>
+              </a:rPr>
               <a:t>Quid novi? ECMAScript 6! / Hubert Zub / hubert.zub@gmail.com</a:t>
             </a:r>
-            <a:endParaRPr lang="pl-PL"/>
+            <a:endParaRPr lang="pl-PL">
+              <a:latin typeface="Segoe UI" panose="020B0502040204020203" pitchFamily="34" charset="0"/>
+              <a:ea typeface="Segoe UI" panose="020B0502040204020203" pitchFamily="34" charset="0"/>
+              <a:cs typeface="Segoe UI" panose="020B0502040204020203" pitchFamily="34" charset="0"/>
+            </a:endParaRPr>
+          </a:p>
+        </p:txBody>
+      </p:sp>
+      <p:sp>
+        <p:nvSpPr>
+          <p:cNvPr id="5" name="TextBox 4"/>
+          <p:cNvSpPr txBox="1"/>
+          <p:nvPr/>
+        </p:nvSpPr>
+        <p:spPr>
+          <a:xfrm>
+            <a:off x="3232296" y="906546"/>
+            <a:ext cx="1557478" cy="400110"/>
+          </a:xfrm>
+          <a:prstGeom prst="rect">
+            <a:avLst/>
+          </a:prstGeom>
+          <a:noFill/>
+        </p:spPr>
+        <p:txBody>
+          <a:bodyPr wrap="none" rtlCol="0">
+            <a:spAutoFit/>
+          </a:bodyPr>
+          <a:lstStyle/>
+          <a:p>
+            <a:r>
+              <a:rPr lang="pl-PL" sz="2000" dirty="0" smtClean="0"/>
+              <a:t>dziedziczenie</a:t>
+            </a:r>
+            <a:endParaRPr lang="en-US" sz="2000" dirty="0"/>
           </a:p>
         </p:txBody>
       </p:sp>
     </p:spTree>
     <p:extLst>
       <p:ext uri="{BB962C8B-B14F-4D97-AF65-F5344CB8AC3E}">
-        <p14:creationId xmlns:p14="http://schemas.microsoft.com/office/powerpoint/2010/main" val="51716172"/>
+        <p14:creationId xmlns:p14="http://schemas.microsoft.com/office/powerpoint/2010/main" val="3239386426"/>
       </p:ext>
     </p:extLst>
   </p:cSld>
   <p:clrMapOvr>
     <a:masterClrMapping/>
   </p:clrMapOvr>
+  <p:timing>
+    <p:tnLst>
+      <p:par>
+        <p:cTn id="1" dur="indefinite" restart="never" nodeType="tmRoot"/>
+      </p:par>
+    </p:tnLst>
+  </p:timing>
 </p:sld>
 </file>
 
@@ -14353,24 +15040,30 @@
           <a:lstStyle/>
           <a:p>
             <a:r>
-              <a:rPr lang="pl-PL" dirty="0" smtClean="0"/>
-              <a:t>2) Arrow </a:t>
-            </a:r>
-            <a:r>
-              <a:rPr lang="pl-PL" dirty="0" err="1" smtClean="0"/>
-              <a:t>functions</a:t>
-            </a:r>
-            <a:endParaRPr lang="pl-PL" dirty="0"/>
+              <a:rPr lang="pl-PL" dirty="0" smtClean="0">
+                <a:latin typeface="Segoe UI" panose="020B0502040204020203" pitchFamily="34" charset="0"/>
+                <a:ea typeface="Segoe UI" panose="020B0502040204020203" pitchFamily="34" charset="0"/>
+                <a:cs typeface="Segoe UI" panose="020B0502040204020203" pitchFamily="34" charset="0"/>
+              </a:rPr>
+              <a:t>Klasy c.d.</a:t>
+            </a:r>
+            <a:endParaRPr lang="pl-PL" dirty="0">
+              <a:latin typeface="Segoe UI" panose="020B0502040204020203" pitchFamily="34" charset="0"/>
+              <a:ea typeface="Segoe UI" panose="020B0502040204020203" pitchFamily="34" charset="0"/>
+              <a:cs typeface="Segoe UI" panose="020B0502040204020203" pitchFamily="34" charset="0"/>
+            </a:endParaRPr>
           </a:p>
         </p:txBody>
       </p:sp>
       <p:pic>
         <p:nvPicPr>
-          <p:cNvPr id="6" name="Picture 5"/>
+          <p:cNvPr id="4" name="Content Placeholder 3"/>
           <p:cNvPicPr>
-            <a:picLocks noChangeAspect="1"/>
+            <a:picLocks noGrp="1" noChangeAspect="1"/>
           </p:cNvPicPr>
-          <p:nvPr/>
+          <p:nvPr>
+            <p:ph idx="1"/>
+          </p:nvPr>
         </p:nvPicPr>
         <p:blipFill>
           <a:blip r:embed="rId2"/>
@@ -14380,8 +15073,8 @@
         </p:blipFill>
         <p:spPr>
           <a:xfrm>
-            <a:off x="838200" y="1871441"/>
-            <a:ext cx="7152442" cy="3540531"/>
+            <a:off x="944527" y="1558505"/>
+            <a:ext cx="7295180" cy="4129916"/>
           </a:xfrm>
           <a:prstGeom prst="rect">
             <a:avLst/>
@@ -14404,23 +15097,76 @@
           <a:lstStyle/>
           <a:p>
             <a:r>
-              <a:rPr lang="pl-PL" smtClean="0"/>
+              <a:rPr lang="pl-PL" smtClean="0">
+                <a:latin typeface="Segoe UI" panose="020B0502040204020203" pitchFamily="34" charset="0"/>
+                <a:ea typeface="Segoe UI" panose="020B0502040204020203" pitchFamily="34" charset="0"/>
+                <a:cs typeface="Segoe UI" panose="020B0502040204020203" pitchFamily="34" charset="0"/>
+              </a:rPr>
               <a:t>Quid novi? ECMAScript 6! / Hubert Zub / hubert.zub@gmail.com</a:t>
             </a:r>
-            <a:endParaRPr lang="pl-PL"/>
+            <a:endParaRPr lang="pl-PL">
+              <a:latin typeface="Segoe UI" panose="020B0502040204020203" pitchFamily="34" charset="0"/>
+              <a:ea typeface="Segoe UI" panose="020B0502040204020203" pitchFamily="34" charset="0"/>
+              <a:cs typeface="Segoe UI" panose="020B0502040204020203" pitchFamily="34" charset="0"/>
+            </a:endParaRPr>
+          </a:p>
+        </p:txBody>
+      </p:sp>
+      <p:sp>
+        <p:nvSpPr>
+          <p:cNvPr id="5" name="TextBox 4"/>
+          <p:cNvSpPr txBox="1"/>
+          <p:nvPr/>
+        </p:nvSpPr>
+        <p:spPr>
+          <a:xfrm>
+            <a:off x="3274825" y="906546"/>
+            <a:ext cx="4239302" cy="400110"/>
+          </a:xfrm>
+          <a:prstGeom prst="rect">
+            <a:avLst/>
+          </a:prstGeom>
+          <a:noFill/>
+        </p:spPr>
+        <p:txBody>
+          <a:bodyPr wrap="none" rtlCol="0">
+            <a:spAutoFit/>
+          </a:bodyPr>
+          <a:lstStyle/>
+          <a:p>
+            <a:r>
+              <a:rPr lang="pl-PL" sz="2000" dirty="0" smtClean="0">
+                <a:latin typeface="Segoe UI" panose="020B0502040204020203" pitchFamily="34" charset="0"/>
+                <a:ea typeface="Segoe UI" panose="020B0502040204020203" pitchFamily="34" charset="0"/>
+                <a:cs typeface="Segoe UI" panose="020B0502040204020203" pitchFamily="34" charset="0"/>
+              </a:rPr>
+              <a:t>blokada bezpośredniego wywołania</a:t>
+            </a:r>
+            <a:endParaRPr lang="en-US" sz="2000" dirty="0">
+              <a:latin typeface="Segoe UI" panose="020B0502040204020203" pitchFamily="34" charset="0"/>
+              <a:ea typeface="Segoe UI" panose="020B0502040204020203" pitchFamily="34" charset="0"/>
+              <a:cs typeface="Segoe UI" panose="020B0502040204020203" pitchFamily="34" charset="0"/>
+            </a:endParaRPr>
           </a:p>
         </p:txBody>
       </p:sp>
     </p:spTree>
     <p:extLst>
       <p:ext uri="{BB962C8B-B14F-4D97-AF65-F5344CB8AC3E}">
-        <p14:creationId xmlns:p14="http://schemas.microsoft.com/office/powerpoint/2010/main" val="1542831362"/>
+        <p14:creationId xmlns:p14="http://schemas.microsoft.com/office/powerpoint/2010/main" val="2162842217"/>
       </p:ext>
     </p:extLst>
   </p:cSld>
   <p:clrMapOvr>
     <a:masterClrMapping/>
   </p:clrMapOvr>
+  <p:timing>
+    <p:tnLst>
+      <p:par>
+        <p:cTn id="1" dur="indefinite" restart="never" nodeType="tmRoot"/>
+      </p:par>
+    </p:tnLst>
+  </p:timing>
 </p:sld>
 </file>
 
@@ -14457,80 +15203,175 @@
           <a:lstStyle/>
           <a:p>
             <a:r>
-              <a:rPr lang="pl-PL" dirty="0" smtClean="0"/>
-              <a:t>Arrow </a:t>
-            </a:r>
-            <a:r>
-              <a:rPr lang="pl-PL" dirty="0" err="1" smtClean="0"/>
-              <a:t>functions</a:t>
-            </a:r>
-            <a:r>
-              <a:rPr lang="pl-PL" dirty="0" smtClean="0"/>
-              <a:t> c.d.</a:t>
-            </a:r>
-            <a:endParaRPr lang="pl-PL" dirty="0"/>
-          </a:p>
-        </p:txBody>
-      </p:sp>
-      <p:pic>
-        <p:nvPicPr>
-          <p:cNvPr id="6" name="Content Placeholder 5"/>
-          <p:cNvPicPr>
-            <a:picLocks noGrp="1" noChangeAspect="1"/>
-          </p:cNvPicPr>
+              <a:rPr lang="pl-PL" dirty="0" smtClean="0">
+                <a:latin typeface="Segoe UI" panose="020B0502040204020203" pitchFamily="34" charset="0"/>
+                <a:ea typeface="Segoe UI" panose="020B0502040204020203" pitchFamily="34" charset="0"/>
+                <a:cs typeface="Segoe UI" panose="020B0502040204020203" pitchFamily="34" charset="0"/>
+              </a:rPr>
+              <a:t>Klasy c.d.</a:t>
+            </a:r>
+            <a:endParaRPr lang="pl-PL" dirty="0">
+              <a:latin typeface="Segoe UI" panose="020B0502040204020203" pitchFamily="34" charset="0"/>
+              <a:ea typeface="Segoe UI" panose="020B0502040204020203" pitchFamily="34" charset="0"/>
+              <a:cs typeface="Segoe UI" panose="020B0502040204020203" pitchFamily="34" charset="0"/>
+            </a:endParaRPr>
+          </a:p>
+        </p:txBody>
+      </p:sp>
+      <p:sp>
+        <p:nvSpPr>
+          <p:cNvPr id="3" name="Content Placeholder 2"/>
+          <p:cNvSpPr>
+            <a:spLocks noGrp="1"/>
+          </p:cNvSpPr>
           <p:nvPr>
             <p:ph idx="1"/>
           </p:nvPr>
-        </p:nvPicPr>
-        <p:blipFill>
-          <a:blip r:embed="rId2"/>
-          <a:stretch>
-            <a:fillRect/>
-          </a:stretch>
-        </p:blipFill>
+        </p:nvSpPr>
         <p:spPr>
           <a:xfrm>
-            <a:off x="838199" y="1690688"/>
-            <a:ext cx="6588249" cy="3370410"/>
+            <a:off x="838200" y="2261560"/>
+            <a:ext cx="10515600" cy="4351338"/>
+          </a:xfrm>
+        </p:spPr>
+        <p:txBody>
+          <a:bodyPr/>
+          <a:lstStyle/>
+          <a:p>
+            <a:r>
+              <a:rPr lang="pl-PL" dirty="0" smtClean="0">
+                <a:latin typeface="Segoe UI" panose="020B0502040204020203" pitchFamily="34" charset="0"/>
+                <a:ea typeface="Segoe UI" panose="020B0502040204020203" pitchFamily="34" charset="0"/>
+                <a:cs typeface="Segoe UI" panose="020B0502040204020203" pitchFamily="34" charset="0"/>
+              </a:rPr>
+              <a:t>Enkapsulacja</a:t>
+            </a:r>
+          </a:p>
+          <a:p>
+            <a:r>
+              <a:rPr lang="pl-PL" dirty="0" smtClean="0">
+                <a:latin typeface="Segoe UI" panose="020B0502040204020203" pitchFamily="34" charset="0"/>
+                <a:ea typeface="Segoe UI" panose="020B0502040204020203" pitchFamily="34" charset="0"/>
+                <a:cs typeface="Segoe UI" panose="020B0502040204020203" pitchFamily="34" charset="0"/>
+              </a:rPr>
+              <a:t>Adnotacje i dekoratory</a:t>
+            </a:r>
+            <a:endParaRPr lang="pl-PL" dirty="0" smtClean="0">
+              <a:latin typeface="Segoe UI" panose="020B0502040204020203" pitchFamily="34" charset="0"/>
+              <a:ea typeface="Segoe UI" panose="020B0502040204020203" pitchFamily="34" charset="0"/>
+              <a:cs typeface="Segoe UI" panose="020B0502040204020203" pitchFamily="34" charset="0"/>
+            </a:endParaRPr>
+          </a:p>
+          <a:p>
+            <a:endParaRPr lang="pl-PL" dirty="0">
+              <a:latin typeface="Segoe UI" panose="020B0502040204020203" pitchFamily="34" charset="0"/>
+              <a:ea typeface="Segoe UI" panose="020B0502040204020203" pitchFamily="34" charset="0"/>
+              <a:cs typeface="Segoe UI" panose="020B0502040204020203" pitchFamily="34" charset="0"/>
+            </a:endParaRPr>
+          </a:p>
+        </p:txBody>
+      </p:sp>
+      <p:sp>
+        <p:nvSpPr>
+          <p:cNvPr id="4" name="Footer Placeholder 3"/>
+          <p:cNvSpPr>
+            <a:spLocks noGrp="1"/>
+          </p:cNvSpPr>
+          <p:nvPr>
+            <p:ph type="ftr" sz="quarter" idx="11"/>
+          </p:nvPr>
+        </p:nvSpPr>
+        <p:spPr/>
+        <p:txBody>
+          <a:bodyPr/>
+          <a:lstStyle/>
+          <a:p>
+            <a:r>
+              <a:rPr lang="pl-PL" smtClean="0">
+                <a:latin typeface="Segoe UI" panose="020B0502040204020203" pitchFamily="34" charset="0"/>
+                <a:ea typeface="Segoe UI" panose="020B0502040204020203" pitchFamily="34" charset="0"/>
+                <a:cs typeface="Segoe UI" panose="020B0502040204020203" pitchFamily="34" charset="0"/>
+              </a:rPr>
+              <a:t>Quid novi? ECMAScript 6! / Hubert Zub / hubert.zub@gmail.com</a:t>
+            </a:r>
+            <a:endParaRPr lang="pl-PL">
+              <a:latin typeface="Segoe UI" panose="020B0502040204020203" pitchFamily="34" charset="0"/>
+              <a:ea typeface="Segoe UI" panose="020B0502040204020203" pitchFamily="34" charset="0"/>
+              <a:cs typeface="Segoe UI" panose="020B0502040204020203" pitchFamily="34" charset="0"/>
+            </a:endParaRPr>
+          </a:p>
+        </p:txBody>
+      </p:sp>
+      <p:sp>
+        <p:nvSpPr>
+          <p:cNvPr id="5" name="Rectangle 4"/>
+          <p:cNvSpPr/>
+          <p:nvPr/>
+        </p:nvSpPr>
+        <p:spPr>
+          <a:xfrm>
+            <a:off x="859011" y="1366856"/>
+            <a:ext cx="9824164" cy="461665"/>
           </a:xfrm>
           <a:prstGeom prst="rect">
             <a:avLst/>
           </a:prstGeom>
         </p:spPr>
-      </p:pic>
-      <p:sp>
-        <p:nvSpPr>
-          <p:cNvPr id="3" name="Footer Placeholder 2"/>
-          <p:cNvSpPr>
-            <a:spLocks noGrp="1"/>
-          </p:cNvSpPr>
-          <p:nvPr>
-            <p:ph type="ftr" sz="quarter" idx="11"/>
-          </p:nvPr>
-        </p:nvSpPr>
-        <p:spPr/>
-        <p:txBody>
-          <a:bodyPr/>
-          <a:lstStyle/>
-          <a:p>
-            <a:r>
-              <a:rPr lang="pl-PL" smtClean="0"/>
-              <a:t>Quid novi? ECMAScript 6! / Hubert Zub / hubert.zub@gmail.com</a:t>
-            </a:r>
-            <a:endParaRPr lang="pl-PL"/>
+        <p:txBody>
+          <a:bodyPr wrap="none">
+            <a:spAutoFit/>
+          </a:bodyPr>
+          <a:lstStyle/>
+          <a:p>
+            <a:r>
+              <a:rPr lang="pl-PL" sz="2400" dirty="0" smtClean="0">
+                <a:latin typeface="Segoe UI" panose="020B0502040204020203" pitchFamily="34" charset="0"/>
+                <a:ea typeface="Segoe UI" panose="020B0502040204020203" pitchFamily="34" charset="0"/>
+                <a:cs typeface="Segoe UI" panose="020B0502040204020203" pitchFamily="34" charset="0"/>
+              </a:rPr>
+              <a:t>wciąż niedoskonałe - aktualne </a:t>
+            </a:r>
+            <a:r>
+              <a:rPr lang="pl-PL" sz="2400" dirty="0">
+                <a:latin typeface="Segoe UI" panose="020B0502040204020203" pitchFamily="34" charset="0"/>
+                <a:ea typeface="Segoe UI" panose="020B0502040204020203" pitchFamily="34" charset="0"/>
+                <a:cs typeface="Segoe UI" panose="020B0502040204020203" pitchFamily="34" charset="0"/>
+              </a:rPr>
+              <a:t>braki, do uzupełnienia </a:t>
+            </a:r>
+            <a:r>
+              <a:rPr lang="pl-PL" sz="2400" dirty="0" smtClean="0">
+                <a:latin typeface="Segoe UI" panose="020B0502040204020203" pitchFamily="34" charset="0"/>
+                <a:ea typeface="Segoe UI" panose="020B0502040204020203" pitchFamily="34" charset="0"/>
+                <a:cs typeface="Segoe UI" panose="020B0502040204020203" pitchFamily="34" charset="0"/>
+              </a:rPr>
+              <a:t>w specyfikacji ES7</a:t>
+            </a:r>
+            <a:endParaRPr lang="en-US" sz="2400" dirty="0">
+              <a:latin typeface="Segoe UI" panose="020B0502040204020203" pitchFamily="34" charset="0"/>
+              <a:ea typeface="Segoe UI" panose="020B0502040204020203" pitchFamily="34" charset="0"/>
+              <a:cs typeface="Segoe UI" panose="020B0502040204020203" pitchFamily="34" charset="0"/>
+            </a:endParaRPr>
           </a:p>
         </p:txBody>
       </p:sp>
     </p:spTree>
     <p:extLst>
       <p:ext uri="{BB962C8B-B14F-4D97-AF65-F5344CB8AC3E}">
-        <p14:creationId xmlns:p14="http://schemas.microsoft.com/office/powerpoint/2010/main" val="3262108358"/>
+        <p14:creationId xmlns:p14="http://schemas.microsoft.com/office/powerpoint/2010/main" val="51716172"/>
       </p:ext>
     </p:extLst>
   </p:cSld>
   <p:clrMapOvr>
     <a:masterClrMapping/>
   </p:clrMapOvr>
+  <p:timing>
+    <p:tnLst>
+      <p:par>
+        <p:cTn id="1" dur="indefinite" restart="never" nodeType="tmRoot"/>
+      </p:par>
+    </p:tnLst>
+  </p:timing>
 </p:sld>
 </file>
 
@@ -14567,24 +15408,63 @@
           <a:lstStyle/>
           <a:p>
             <a:r>
-              <a:rPr lang="pl-PL" dirty="0" smtClean="0"/>
-              <a:t>Arrow </a:t>
-            </a:r>
-            <a:r>
-              <a:rPr lang="pl-PL" dirty="0" err="1" smtClean="0"/>
+              <a:rPr lang="pl-PL" dirty="0" smtClean="0">
+                <a:latin typeface="Segoe UI" panose="020B0502040204020203" pitchFamily="34" charset="0"/>
+                <a:ea typeface="Segoe UI" panose="020B0502040204020203" pitchFamily="34" charset="0"/>
+                <a:cs typeface="Segoe UI" panose="020B0502040204020203" pitchFamily="34" charset="0"/>
+              </a:rPr>
+              <a:t>2) Arrow </a:t>
+            </a:r>
+            <a:r>
+              <a:rPr lang="pl-PL" dirty="0" err="1" smtClean="0">
+                <a:latin typeface="Segoe UI" panose="020B0502040204020203" pitchFamily="34" charset="0"/>
+                <a:ea typeface="Segoe UI" panose="020B0502040204020203" pitchFamily="34" charset="0"/>
+                <a:cs typeface="Segoe UI" panose="020B0502040204020203" pitchFamily="34" charset="0"/>
+              </a:rPr>
               <a:t>functions</a:t>
             </a:r>
-            <a:r>
-              <a:rPr lang="pl-PL" dirty="0" smtClean="0"/>
-              <a:t> c.d.</a:t>
-            </a:r>
-            <a:endParaRPr lang="pl-PL" dirty="0"/>
+            <a:endParaRPr lang="pl-PL" dirty="0">
+              <a:latin typeface="Segoe UI" panose="020B0502040204020203" pitchFamily="34" charset="0"/>
+              <a:ea typeface="Segoe UI" panose="020B0502040204020203" pitchFamily="34" charset="0"/>
+              <a:cs typeface="Segoe UI" panose="020B0502040204020203" pitchFamily="34" charset="0"/>
+            </a:endParaRPr>
+          </a:p>
+        </p:txBody>
+      </p:sp>
+      <p:sp>
+        <p:nvSpPr>
+          <p:cNvPr id="3" name="Footer Placeholder 2"/>
+          <p:cNvSpPr>
+            <a:spLocks noGrp="1"/>
+          </p:cNvSpPr>
+          <p:nvPr>
+            <p:ph type="ftr" sz="quarter" idx="11"/>
+          </p:nvPr>
+        </p:nvSpPr>
+        <p:spPr/>
+        <p:txBody>
+          <a:bodyPr/>
+          <a:lstStyle/>
+          <a:p>
+            <a:r>
+              <a:rPr lang="pl-PL" smtClean="0">
+                <a:latin typeface="Segoe UI" panose="020B0502040204020203" pitchFamily="34" charset="0"/>
+                <a:ea typeface="Segoe UI" panose="020B0502040204020203" pitchFamily="34" charset="0"/>
+                <a:cs typeface="Segoe UI" panose="020B0502040204020203" pitchFamily="34" charset="0"/>
+              </a:rPr>
+              <a:t>Quid novi? ECMAScript 6! / Hubert Zub / hubert.zub@gmail.com</a:t>
+            </a:r>
+            <a:endParaRPr lang="pl-PL">
+              <a:latin typeface="Segoe UI" panose="020B0502040204020203" pitchFamily="34" charset="0"/>
+              <a:ea typeface="Segoe UI" panose="020B0502040204020203" pitchFamily="34" charset="0"/>
+              <a:cs typeface="Segoe UI" panose="020B0502040204020203" pitchFamily="34" charset="0"/>
+            </a:endParaRPr>
           </a:p>
         </p:txBody>
       </p:sp>
       <p:pic>
         <p:nvPicPr>
-          <p:cNvPr id="4" name="Content Placeholder 3"/>
+          <p:cNvPr id="5" name="Content Placeholder 5"/>
           <p:cNvPicPr>
             <a:picLocks noGrp="1" noChangeAspect="1"/>
           </p:cNvPicPr>
@@ -14600,41 +15480,18 @@
         </p:blipFill>
         <p:spPr>
           <a:xfrm>
-            <a:off x="723442" y="1690688"/>
-            <a:ext cx="7509980" cy="2498540"/>
+            <a:off x="944528" y="1563094"/>
+            <a:ext cx="6588249" cy="3370410"/>
           </a:xfrm>
           <a:prstGeom prst="rect">
             <a:avLst/>
           </a:prstGeom>
         </p:spPr>
       </p:pic>
-      <p:sp>
-        <p:nvSpPr>
-          <p:cNvPr id="3" name="Footer Placeholder 2"/>
-          <p:cNvSpPr>
-            <a:spLocks noGrp="1"/>
-          </p:cNvSpPr>
-          <p:nvPr>
-            <p:ph type="ftr" sz="quarter" idx="11"/>
-          </p:nvPr>
-        </p:nvSpPr>
-        <p:spPr/>
-        <p:txBody>
-          <a:bodyPr/>
-          <a:lstStyle/>
-          <a:p>
-            <a:r>
-              <a:rPr lang="pl-PL" smtClean="0"/>
-              <a:t>Quid novi? ECMAScript 6! / Hubert Zub / hubert.zub@gmail.com</a:t>
-            </a:r>
-            <a:endParaRPr lang="pl-PL"/>
-          </a:p>
-        </p:txBody>
-      </p:sp>
     </p:spTree>
     <p:extLst>
       <p:ext uri="{BB962C8B-B14F-4D97-AF65-F5344CB8AC3E}">
-        <p14:creationId xmlns:p14="http://schemas.microsoft.com/office/powerpoint/2010/main" val="763616199"/>
+        <p14:creationId xmlns:p14="http://schemas.microsoft.com/office/powerpoint/2010/main" val="1542831362"/>
       </p:ext>
     </p:extLst>
   </p:cSld>
@@ -14684,24 +15541,71 @@
           <a:lstStyle/>
           <a:p>
             <a:r>
-              <a:rPr lang="pl-PL" dirty="0" smtClean="0"/>
+              <a:rPr lang="pl-PL" dirty="0" smtClean="0">
+                <a:latin typeface="Segoe UI" panose="020B0502040204020203" pitchFamily="34" charset="0"/>
+                <a:ea typeface="Segoe UI" panose="020B0502040204020203" pitchFamily="34" charset="0"/>
+                <a:cs typeface="Segoe UI" panose="020B0502040204020203" pitchFamily="34" charset="0"/>
+              </a:rPr>
               <a:t>Arrow </a:t>
             </a:r>
             <a:r>
-              <a:rPr lang="pl-PL" dirty="0" err="1" smtClean="0"/>
+              <a:rPr lang="pl-PL" dirty="0" err="1" smtClean="0">
+                <a:latin typeface="Segoe UI" panose="020B0502040204020203" pitchFamily="34" charset="0"/>
+                <a:ea typeface="Segoe UI" panose="020B0502040204020203" pitchFamily="34" charset="0"/>
+                <a:cs typeface="Segoe UI" panose="020B0502040204020203" pitchFamily="34" charset="0"/>
+              </a:rPr>
               <a:t>functions</a:t>
             </a:r>
             <a:r>
-              <a:rPr lang="pl-PL" dirty="0" smtClean="0"/>
+              <a:rPr lang="pl-PL" dirty="0" smtClean="0">
+                <a:latin typeface="Segoe UI" panose="020B0502040204020203" pitchFamily="34" charset="0"/>
+                <a:ea typeface="Segoe UI" panose="020B0502040204020203" pitchFamily="34" charset="0"/>
+                <a:cs typeface="Segoe UI" panose="020B0502040204020203" pitchFamily="34" charset="0"/>
+              </a:rPr>
               <a:t> c.d.</a:t>
             </a:r>
-            <a:endParaRPr lang="pl-PL" dirty="0"/>
+            <a:endParaRPr lang="pl-PL" dirty="0">
+              <a:latin typeface="Segoe UI" panose="020B0502040204020203" pitchFamily="34" charset="0"/>
+              <a:ea typeface="Segoe UI" panose="020B0502040204020203" pitchFamily="34" charset="0"/>
+              <a:cs typeface="Segoe UI" panose="020B0502040204020203" pitchFamily="34" charset="0"/>
+            </a:endParaRPr>
+          </a:p>
+        </p:txBody>
+      </p:sp>
+      <p:sp>
+        <p:nvSpPr>
+          <p:cNvPr id="3" name="Footer Placeholder 2"/>
+          <p:cNvSpPr>
+            <a:spLocks noGrp="1"/>
+          </p:cNvSpPr>
+          <p:nvPr>
+            <p:ph type="ftr" sz="quarter" idx="11"/>
+          </p:nvPr>
+        </p:nvSpPr>
+        <p:spPr/>
+        <p:txBody>
+          <a:bodyPr/>
+          <a:lstStyle/>
+          <a:p>
+            <a:r>
+              <a:rPr lang="pl-PL" smtClean="0">
+                <a:latin typeface="Segoe UI" panose="020B0502040204020203" pitchFamily="34" charset="0"/>
+                <a:ea typeface="Segoe UI" panose="020B0502040204020203" pitchFamily="34" charset="0"/>
+                <a:cs typeface="Segoe UI" panose="020B0502040204020203" pitchFamily="34" charset="0"/>
+              </a:rPr>
+              <a:t>Quid novi? ECMAScript 6! / Hubert Zub / hubert.zub@gmail.com</a:t>
+            </a:r>
+            <a:endParaRPr lang="pl-PL">
+              <a:latin typeface="Segoe UI" panose="020B0502040204020203" pitchFamily="34" charset="0"/>
+              <a:ea typeface="Segoe UI" panose="020B0502040204020203" pitchFamily="34" charset="0"/>
+              <a:cs typeface="Segoe UI" panose="020B0502040204020203" pitchFamily="34" charset="0"/>
+            </a:endParaRPr>
           </a:p>
         </p:txBody>
       </p:sp>
       <p:pic>
         <p:nvPicPr>
-          <p:cNvPr id="4" name="Content Placeholder 3"/>
+          <p:cNvPr id="8" name="Content Placeholder 7"/>
           <p:cNvPicPr>
             <a:picLocks noGrp="1" noChangeAspect="1"/>
           </p:cNvPicPr>
@@ -14717,41 +15621,18 @@
         </p:blipFill>
         <p:spPr>
           <a:xfrm>
-            <a:off x="838200" y="1690688"/>
-            <a:ext cx="6391940" cy="4442553"/>
+            <a:off x="913291" y="1565384"/>
+            <a:ext cx="7405571" cy="3665832"/>
           </a:xfrm>
           <a:prstGeom prst="rect">
             <a:avLst/>
           </a:prstGeom>
         </p:spPr>
       </p:pic>
-      <p:sp>
-        <p:nvSpPr>
-          <p:cNvPr id="3" name="Footer Placeholder 2"/>
-          <p:cNvSpPr>
-            <a:spLocks noGrp="1"/>
-          </p:cNvSpPr>
-          <p:nvPr>
-            <p:ph type="ftr" sz="quarter" idx="11"/>
-          </p:nvPr>
-        </p:nvSpPr>
-        <p:spPr/>
-        <p:txBody>
-          <a:bodyPr/>
-          <a:lstStyle/>
-          <a:p>
-            <a:r>
-              <a:rPr lang="pl-PL" smtClean="0"/>
-              <a:t>Quid novi? ECMAScript 6! / Hubert Zub / hubert.zub@gmail.com</a:t>
-            </a:r>
-            <a:endParaRPr lang="pl-PL"/>
-          </a:p>
-        </p:txBody>
-      </p:sp>
     </p:spTree>
     <p:extLst>
       <p:ext uri="{BB962C8B-B14F-4D97-AF65-F5344CB8AC3E}">
-        <p14:creationId xmlns:p14="http://schemas.microsoft.com/office/powerpoint/2010/main" val="4072242309"/>
+        <p14:creationId xmlns:p14="http://schemas.microsoft.com/office/powerpoint/2010/main" val="3262108358"/>
       </p:ext>
     </p:extLst>
   </p:cSld>
@@ -14801,26 +15682,66 @@
           <a:lstStyle/>
           <a:p>
             <a:r>
-              <a:rPr lang="pl-PL" dirty="0" smtClean="0"/>
-              <a:t>O co chodzi?</a:t>
+              <a:rPr lang="pl-PL" dirty="0" smtClean="0">
+                <a:latin typeface="Segoe UI" panose="020B0502040204020203" pitchFamily="34" charset="0"/>
+                <a:ea typeface="Segoe UI" panose="020B0502040204020203" pitchFamily="34" charset="0"/>
+                <a:cs typeface="Segoe UI" panose="020B0502040204020203" pitchFamily="34" charset="0"/>
+              </a:rPr>
+              <a:t>O </a:t>
+            </a:r>
+            <a:r>
+              <a:rPr lang="pl-PL" dirty="0" smtClean="0">
+                <a:latin typeface="Segoe UI" panose="020B0502040204020203" pitchFamily="34" charset="0"/>
+                <a:ea typeface="Segoe UI" panose="020B0502040204020203" pitchFamily="34" charset="0"/>
+                <a:cs typeface="Segoe UI" panose="020B0502040204020203" pitchFamily="34" charset="0"/>
+              </a:rPr>
+              <a:t>co chodzi?</a:t>
             </a:r>
             <a:br>
-              <a:rPr lang="pl-PL" dirty="0" smtClean="0"/>
+              <a:rPr lang="pl-PL" dirty="0" smtClean="0">
+                <a:latin typeface="Segoe UI" panose="020B0502040204020203" pitchFamily="34" charset="0"/>
+                <a:ea typeface="Segoe UI" panose="020B0502040204020203" pitchFamily="34" charset="0"/>
+                <a:cs typeface="Segoe UI" panose="020B0502040204020203" pitchFamily="34" charset="0"/>
+              </a:rPr>
             </a:br>
             <a:r>
-              <a:rPr lang="pl-PL" dirty="0" smtClean="0"/>
-              <a:t>Przecież piszemy w </a:t>
-            </a:r>
-            <a:r>
-              <a:rPr lang="pl-PL" b="1" dirty="0" err="1" smtClean="0"/>
+              <a:rPr lang="pl-PL" dirty="0" smtClean="0">
+                <a:latin typeface="Segoe UI" panose="020B0502040204020203" pitchFamily="34" charset="0"/>
+                <a:ea typeface="Segoe UI" panose="020B0502040204020203" pitchFamily="34" charset="0"/>
+                <a:cs typeface="Segoe UI" panose="020B0502040204020203" pitchFamily="34" charset="0"/>
+              </a:rPr>
+              <a:t>Przecież piszemy </a:t>
+            </a:r>
+            <a:r>
+              <a:rPr lang="pl-PL" dirty="0" smtClean="0">
+                <a:latin typeface="Segoe UI" panose="020B0502040204020203" pitchFamily="34" charset="0"/>
+                <a:ea typeface="Segoe UI" panose="020B0502040204020203" pitchFamily="34" charset="0"/>
+                <a:cs typeface="Segoe UI" panose="020B0502040204020203" pitchFamily="34" charset="0"/>
+              </a:rPr>
+              <a:t>w </a:t>
+            </a:r>
+            <a:r>
+              <a:rPr lang="pl-PL" b="1" dirty="0" smtClean="0">
+                <a:latin typeface="Segoe UI" panose="020B0502040204020203" pitchFamily="34" charset="0"/>
+                <a:ea typeface="Segoe UI" panose="020B0502040204020203" pitchFamily="34" charset="0"/>
+                <a:cs typeface="Segoe UI" panose="020B0502040204020203" pitchFamily="34" charset="0"/>
+              </a:rPr>
               <a:t>Java</a:t>
             </a:r>
             <a:r>
-              <a:rPr lang="pl-PL" dirty="0" err="1" smtClean="0"/>
+              <a:rPr lang="pl-PL" dirty="0" smtClean="0">
+                <a:latin typeface="Segoe UI" panose="020B0502040204020203" pitchFamily="34" charset="0"/>
+                <a:ea typeface="Segoe UI" panose="020B0502040204020203" pitchFamily="34" charset="0"/>
+                <a:cs typeface="Segoe UI" panose="020B0502040204020203" pitchFamily="34" charset="0"/>
+              </a:rPr>
               <a:t>Scripcie</a:t>
             </a:r>
             <a:r>
-              <a:rPr lang="pl-PL" dirty="0"/>
+              <a:rPr lang="pl-PL" dirty="0">
+                <a:latin typeface="Segoe UI" panose="020B0502040204020203" pitchFamily="34" charset="0"/>
+                <a:ea typeface="Segoe UI" panose="020B0502040204020203" pitchFamily="34" charset="0"/>
+                <a:cs typeface="Segoe UI" panose="020B0502040204020203" pitchFamily="34" charset="0"/>
+              </a:rPr>
               <a:t>.</a:t>
             </a:r>
           </a:p>
@@ -14842,173 +15763,161 @@
           <a:lstStyle/>
           <a:p>
             <a:r>
-              <a:rPr lang="pl-PL" dirty="0" smtClean="0"/>
+              <a:rPr lang="pl-PL" dirty="0" smtClean="0">
+                <a:latin typeface="Segoe UI" panose="020B0502040204020203" pitchFamily="34" charset="0"/>
+                <a:ea typeface="Segoe UI" panose="020B0502040204020203" pitchFamily="34" charset="0"/>
+                <a:cs typeface="Segoe UI" panose="020B0502040204020203" pitchFamily="34" charset="0"/>
+              </a:rPr>
               <a:t>Skąd nazwa </a:t>
             </a:r>
             <a:r>
-              <a:rPr lang="pl-PL" dirty="0" err="1" smtClean="0"/>
+              <a:rPr lang="pl-PL" dirty="0" err="1" smtClean="0">
+                <a:latin typeface="Segoe UI" panose="020B0502040204020203" pitchFamily="34" charset="0"/>
+                <a:ea typeface="Segoe UI" panose="020B0502040204020203" pitchFamily="34" charset="0"/>
+                <a:cs typeface="Segoe UI" panose="020B0502040204020203" pitchFamily="34" charset="0"/>
+              </a:rPr>
               <a:t>JavaScript</a:t>
             </a:r>
             <a:r>
-              <a:rPr lang="pl-PL" dirty="0" smtClean="0"/>
+              <a:rPr lang="pl-PL" dirty="0" smtClean="0">
+                <a:latin typeface="Segoe UI" panose="020B0502040204020203" pitchFamily="34" charset="0"/>
+                <a:ea typeface="Segoe UI" panose="020B0502040204020203" pitchFamily="34" charset="0"/>
+                <a:cs typeface="Segoe UI" panose="020B0502040204020203" pitchFamily="34" charset="0"/>
+              </a:rPr>
               <a:t>?</a:t>
             </a:r>
           </a:p>
           <a:p>
             <a:r>
-              <a:rPr lang="pl-PL" i="1" dirty="0" smtClean="0"/>
-              <a:t>Java </a:t>
-            </a:r>
-            <a:r>
-              <a:rPr lang="pl-PL" i="1" dirty="0" err="1" smtClean="0"/>
-              <a:t>is</a:t>
-            </a:r>
-            <a:r>
-              <a:rPr lang="pl-PL" i="1" dirty="0" smtClean="0"/>
-              <a:t> to </a:t>
-            </a:r>
-            <a:r>
-              <a:rPr lang="pl-PL" i="1" dirty="0" err="1" smtClean="0"/>
+              <a:rPr lang="pl-PL" i="1" dirty="0" smtClean="0">
+                <a:latin typeface="Segoe UI" panose="020B0502040204020203" pitchFamily="34" charset="0"/>
+                <a:ea typeface="Segoe UI" panose="020B0502040204020203" pitchFamily="34" charset="0"/>
+                <a:cs typeface="Segoe UI" panose="020B0502040204020203" pitchFamily="34" charset="0"/>
+              </a:rPr>
+              <a:t>Java is to JavaScript like ham is to hamster, cat is to caterpillar and butt is to </a:t>
+            </a:r>
+            <a:r>
+              <a:rPr lang="pl-PL" i="1" dirty="0" smtClean="0">
+                <a:latin typeface="Segoe UI" panose="020B0502040204020203" pitchFamily="34" charset="0"/>
+                <a:ea typeface="Segoe UI" panose="020B0502040204020203" pitchFamily="34" charset="0"/>
+                <a:cs typeface="Segoe UI" panose="020B0502040204020203" pitchFamily="34" charset="0"/>
+              </a:rPr>
+              <a:t>butter.</a:t>
+            </a:r>
+            <a:endParaRPr lang="pl-PL" i="1" dirty="0" smtClean="0">
+              <a:latin typeface="Segoe UI" panose="020B0502040204020203" pitchFamily="34" charset="0"/>
+              <a:ea typeface="Segoe UI" panose="020B0502040204020203" pitchFamily="34" charset="0"/>
+              <a:cs typeface="Segoe UI" panose="020B0502040204020203" pitchFamily="34" charset="0"/>
+            </a:endParaRPr>
+          </a:p>
+          <a:p>
+            <a:r>
+              <a:rPr lang="pl-PL" dirty="0" smtClean="0">
+                <a:latin typeface="Segoe UI" panose="020B0502040204020203" pitchFamily="34" charset="0"/>
+                <a:ea typeface="Segoe UI" panose="020B0502040204020203" pitchFamily="34" charset="0"/>
+                <a:cs typeface="Segoe UI" panose="020B0502040204020203" pitchFamily="34" charset="0"/>
+              </a:rPr>
+              <a:t>Zbieżność </a:t>
+            </a:r>
+            <a:r>
+              <a:rPr lang="pl-PL" dirty="0" err="1" smtClean="0">
+                <a:latin typeface="Segoe UI" panose="020B0502040204020203" pitchFamily="34" charset="0"/>
+                <a:ea typeface="Segoe UI" panose="020B0502040204020203" pitchFamily="34" charset="0"/>
+                <a:cs typeface="Segoe UI" panose="020B0502040204020203" pitchFamily="34" charset="0"/>
+              </a:rPr>
+              <a:t>releasów</a:t>
+            </a:r>
+            <a:r>
+              <a:rPr lang="pl-PL" dirty="0" smtClean="0">
+                <a:latin typeface="Segoe UI" panose="020B0502040204020203" pitchFamily="34" charset="0"/>
+                <a:ea typeface="Segoe UI" panose="020B0502040204020203" pitchFamily="34" charset="0"/>
+                <a:cs typeface="Segoe UI" panose="020B0502040204020203" pitchFamily="34" charset="0"/>
+              </a:rPr>
+              <a:t> w Netscape </a:t>
+            </a:r>
+            <a:r>
+              <a:rPr lang="pl-PL" dirty="0" err="1" smtClean="0">
+                <a:latin typeface="Segoe UI" panose="020B0502040204020203" pitchFamily="34" charset="0"/>
+                <a:ea typeface="Segoe UI" panose="020B0502040204020203" pitchFamily="34" charset="0"/>
+                <a:cs typeface="Segoe UI" panose="020B0502040204020203" pitchFamily="34" charset="0"/>
+              </a:rPr>
+              <a:t>Browserze</a:t>
+            </a:r>
+            <a:r>
+              <a:rPr lang="pl-PL" dirty="0" smtClean="0">
+                <a:latin typeface="Segoe UI" panose="020B0502040204020203" pitchFamily="34" charset="0"/>
+                <a:ea typeface="Segoe UI" panose="020B0502040204020203" pitchFamily="34" charset="0"/>
+                <a:cs typeface="Segoe UI" panose="020B0502040204020203" pitchFamily="34" charset="0"/>
+              </a:rPr>
+              <a:t> – </a:t>
+            </a:r>
+            <a:r>
+              <a:rPr lang="pl-PL" dirty="0" err="1" smtClean="0">
+                <a:latin typeface="Segoe UI" panose="020B0502040204020203" pitchFamily="34" charset="0"/>
+                <a:ea typeface="Segoe UI" panose="020B0502040204020203" pitchFamily="34" charset="0"/>
+                <a:cs typeface="Segoe UI" panose="020B0502040204020203" pitchFamily="34" charset="0"/>
+              </a:rPr>
               <a:t>JavaScript</a:t>
             </a:r>
             <a:r>
-              <a:rPr lang="pl-PL" i="1" dirty="0" smtClean="0"/>
-              <a:t> </a:t>
-            </a:r>
-            <a:r>
-              <a:rPr lang="pl-PL" i="1" dirty="0" err="1" smtClean="0"/>
-              <a:t>like</a:t>
-            </a:r>
-            <a:r>
-              <a:rPr lang="pl-PL" i="1" dirty="0" smtClean="0"/>
-              <a:t> </a:t>
-            </a:r>
-            <a:r>
-              <a:rPr lang="pl-PL" i="1" dirty="0" err="1" smtClean="0"/>
-              <a:t>ham</a:t>
-            </a:r>
-            <a:r>
-              <a:rPr lang="pl-PL" i="1" dirty="0" smtClean="0"/>
-              <a:t> </a:t>
-            </a:r>
-            <a:r>
-              <a:rPr lang="pl-PL" i="1" dirty="0" err="1" smtClean="0"/>
-              <a:t>is</a:t>
-            </a:r>
-            <a:r>
-              <a:rPr lang="pl-PL" i="1" dirty="0" smtClean="0"/>
-              <a:t> to </a:t>
-            </a:r>
-            <a:r>
-              <a:rPr lang="pl-PL" i="1" dirty="0" err="1" smtClean="0"/>
-              <a:t>hamster</a:t>
-            </a:r>
-            <a:r>
-              <a:rPr lang="pl-PL" i="1" dirty="0" smtClean="0"/>
-              <a:t>, </a:t>
-            </a:r>
-            <a:r>
-              <a:rPr lang="pl-PL" i="1" dirty="0" err="1" smtClean="0"/>
-              <a:t>cat</a:t>
-            </a:r>
-            <a:r>
-              <a:rPr lang="pl-PL" i="1" dirty="0" smtClean="0"/>
-              <a:t> </a:t>
-            </a:r>
-            <a:r>
-              <a:rPr lang="pl-PL" i="1" dirty="0" err="1" smtClean="0"/>
-              <a:t>is</a:t>
-            </a:r>
-            <a:r>
-              <a:rPr lang="pl-PL" i="1" dirty="0" smtClean="0"/>
-              <a:t> to </a:t>
-            </a:r>
-            <a:r>
-              <a:rPr lang="pl-PL" i="1" dirty="0" err="1" smtClean="0"/>
-              <a:t>caterpillar</a:t>
-            </a:r>
-            <a:r>
-              <a:rPr lang="pl-PL" i="1" dirty="0" smtClean="0"/>
-              <a:t> and </a:t>
-            </a:r>
-            <a:r>
-              <a:rPr lang="pl-PL" i="1" dirty="0" err="1" smtClean="0"/>
-              <a:t>butt</a:t>
-            </a:r>
-            <a:r>
-              <a:rPr lang="pl-PL" i="1" dirty="0" smtClean="0"/>
-              <a:t> </a:t>
-            </a:r>
-            <a:r>
-              <a:rPr lang="pl-PL" i="1" dirty="0" err="1" smtClean="0"/>
-              <a:t>is</a:t>
-            </a:r>
-            <a:r>
-              <a:rPr lang="pl-PL" i="1" dirty="0" smtClean="0"/>
-              <a:t> to </a:t>
-            </a:r>
-            <a:r>
-              <a:rPr lang="pl-PL" i="1" dirty="0" err="1" smtClean="0"/>
-              <a:t>butter</a:t>
-            </a:r>
-            <a:endParaRPr lang="pl-PL" i="1" dirty="0" smtClean="0"/>
-          </a:p>
-          <a:p>
-            <a:r>
-              <a:rPr lang="pl-PL" dirty="0" smtClean="0"/>
-              <a:t>Zbieżność </a:t>
-            </a:r>
-            <a:r>
-              <a:rPr lang="pl-PL" dirty="0" err="1" smtClean="0"/>
-              <a:t>releasów</a:t>
-            </a:r>
-            <a:r>
-              <a:rPr lang="pl-PL" dirty="0" smtClean="0"/>
-              <a:t> w Netscape </a:t>
-            </a:r>
-            <a:r>
-              <a:rPr lang="pl-PL" dirty="0" err="1" smtClean="0"/>
-              <a:t>Browserze</a:t>
-            </a:r>
-            <a:r>
-              <a:rPr lang="pl-PL" dirty="0" smtClean="0"/>
-              <a:t> – </a:t>
-            </a:r>
-            <a:r>
-              <a:rPr lang="pl-PL" dirty="0" err="1" smtClean="0"/>
+              <a:rPr lang="pl-PL" dirty="0" smtClean="0">
+                <a:latin typeface="Segoe UI" panose="020B0502040204020203" pitchFamily="34" charset="0"/>
+                <a:ea typeface="Segoe UI" panose="020B0502040204020203" pitchFamily="34" charset="0"/>
+                <a:cs typeface="Segoe UI" panose="020B0502040204020203" pitchFamily="34" charset="0"/>
+              </a:rPr>
+              <a:t> (pierwotnie </a:t>
+            </a:r>
+            <a:r>
+              <a:rPr lang="pl-PL" dirty="0" err="1" smtClean="0">
+                <a:latin typeface="Segoe UI" panose="020B0502040204020203" pitchFamily="34" charset="0"/>
+                <a:ea typeface="Segoe UI" panose="020B0502040204020203" pitchFamily="34" charset="0"/>
+                <a:cs typeface="Segoe UI" panose="020B0502040204020203" pitchFamily="34" charset="0"/>
+              </a:rPr>
+              <a:t>LiveScript</a:t>
+            </a:r>
+            <a:r>
+              <a:rPr lang="pl-PL" dirty="0" smtClean="0">
+                <a:latin typeface="Segoe UI" panose="020B0502040204020203" pitchFamily="34" charset="0"/>
+                <a:ea typeface="Segoe UI" panose="020B0502040204020203" pitchFamily="34" charset="0"/>
+                <a:cs typeface="Segoe UI" panose="020B0502040204020203" pitchFamily="34" charset="0"/>
+              </a:rPr>
+              <a:t>) i aplety Javy</a:t>
+            </a:r>
+          </a:p>
+          <a:p>
+            <a:r>
+              <a:rPr lang="pl-PL" dirty="0" smtClean="0">
+                <a:latin typeface="Segoe UI" panose="020B0502040204020203" pitchFamily="34" charset="0"/>
+                <a:ea typeface="Segoe UI" panose="020B0502040204020203" pitchFamily="34" charset="0"/>
+                <a:cs typeface="Segoe UI" panose="020B0502040204020203" pitchFamily="34" charset="0"/>
+              </a:rPr>
+              <a:t>ECMA jako instytucja standaryzująca, TC39 i rozróżnienie nazw</a:t>
+            </a:r>
+          </a:p>
+          <a:p>
+            <a:r>
+              <a:rPr lang="pl-PL" dirty="0" err="1" smtClean="0">
+                <a:latin typeface="Segoe UI" panose="020B0502040204020203" pitchFamily="34" charset="0"/>
+                <a:ea typeface="Segoe UI" panose="020B0502040204020203" pitchFamily="34" charset="0"/>
+                <a:cs typeface="Segoe UI" panose="020B0502040204020203" pitchFamily="34" charset="0"/>
+              </a:rPr>
               <a:t>JavaScript</a:t>
             </a:r>
             <a:r>
-              <a:rPr lang="pl-PL" dirty="0" smtClean="0"/>
-              <a:t> (pierwotnie </a:t>
-            </a:r>
-            <a:r>
-              <a:rPr lang="pl-PL" dirty="0" err="1" smtClean="0"/>
-              <a:t>LiveScript</a:t>
-            </a:r>
-            <a:r>
-              <a:rPr lang="pl-PL" dirty="0" smtClean="0"/>
-              <a:t>) i aplety Javy</a:t>
-            </a:r>
-          </a:p>
-          <a:p>
-            <a:r>
-              <a:rPr lang="pl-PL" dirty="0" smtClean="0"/>
-              <a:t>ECMA jako instytucja standaryzująca, TC39 i rozróżnienie nazw</a:t>
-            </a:r>
-          </a:p>
-          <a:p>
-            <a:r>
-              <a:rPr lang="pl-PL" dirty="0" err="1" smtClean="0"/>
-              <a:t>JavaScript</a:t>
-            </a:r>
-            <a:r>
-              <a:rPr lang="pl-PL" dirty="0" smtClean="0"/>
+              <a:rPr lang="pl-PL" dirty="0" smtClean="0">
+                <a:latin typeface="Segoe UI" panose="020B0502040204020203" pitchFamily="34" charset="0"/>
+                <a:ea typeface="Segoe UI" panose="020B0502040204020203" pitchFamily="34" charset="0"/>
+                <a:cs typeface="Segoe UI" panose="020B0502040204020203" pitchFamily="34" charset="0"/>
+              </a:rPr>
               <a:t> – dialekt, implementacja</a:t>
             </a:r>
           </a:p>
           <a:p>
-            <a:endParaRPr lang="pl-PL" dirty="0"/>
+            <a:endParaRPr lang="pl-PL" dirty="0">
+              <a:latin typeface="Segoe UI" panose="020B0502040204020203" pitchFamily="34" charset="0"/>
+              <a:ea typeface="Segoe UI" panose="020B0502040204020203" pitchFamily="34" charset="0"/>
+              <a:cs typeface="Segoe UI" panose="020B0502040204020203" pitchFamily="34" charset="0"/>
+            </a:endParaRPr>
           </a:p>
         </p:txBody>
       </p:sp>
@@ -15028,10 +15937,18 @@
           <a:lstStyle/>
           <a:p>
             <a:r>
-              <a:rPr lang="pl-PL" smtClean="0"/>
+              <a:rPr lang="pl-PL" smtClean="0">
+                <a:latin typeface="Segoe UI" panose="020B0502040204020203" pitchFamily="34" charset="0"/>
+                <a:ea typeface="Segoe UI" panose="020B0502040204020203" pitchFamily="34" charset="0"/>
+                <a:cs typeface="Segoe UI" panose="020B0502040204020203" pitchFamily="34" charset="0"/>
+              </a:rPr>
               <a:t>Quid novi? ECMAScript 6! / Hubert Zub / hubert.zub@gmail.com</a:t>
             </a:r>
-            <a:endParaRPr lang="pl-PL"/>
+            <a:endParaRPr lang="pl-PL">
+              <a:latin typeface="Segoe UI" panose="020B0502040204020203" pitchFamily="34" charset="0"/>
+              <a:ea typeface="Segoe UI" panose="020B0502040204020203" pitchFamily="34" charset="0"/>
+              <a:cs typeface="Segoe UI" panose="020B0502040204020203" pitchFamily="34" charset="0"/>
+            </a:endParaRPr>
           </a:p>
         </p:txBody>
       </p:sp>
@@ -15088,26 +16005,34 @@
           <a:lstStyle/>
           <a:p>
             <a:r>
-              <a:rPr lang="pl-PL" dirty="0" smtClean="0"/>
-              <a:t>3) „</a:t>
-            </a:r>
-            <a:r>
-              <a:rPr lang="pl-PL" dirty="0" err="1" smtClean="0"/>
-              <a:t>Enhanced</a:t>
-            </a:r>
-            <a:r>
-              <a:rPr lang="pl-PL" dirty="0" smtClean="0"/>
-              <a:t> Object </a:t>
-            </a:r>
-            <a:r>
-              <a:rPr lang="pl-PL" dirty="0" err="1" smtClean="0"/>
-              <a:t>Literals</a:t>
-            </a:r>
-            <a:r>
-              <a:rPr lang="pl-PL" dirty="0" smtClean="0"/>
-              <a:t>” – skróty!</a:t>
-            </a:r>
-            <a:endParaRPr lang="pl-PL" dirty="0"/>
+              <a:rPr lang="pl-PL" dirty="0" smtClean="0">
+                <a:latin typeface="Segoe UI" panose="020B0502040204020203" pitchFamily="34" charset="0"/>
+                <a:ea typeface="Segoe UI" panose="020B0502040204020203" pitchFamily="34" charset="0"/>
+                <a:cs typeface="Segoe UI" panose="020B0502040204020203" pitchFamily="34" charset="0"/>
+              </a:rPr>
+              <a:t>Arrow </a:t>
+            </a:r>
+            <a:r>
+              <a:rPr lang="pl-PL" dirty="0" err="1" smtClean="0">
+                <a:latin typeface="Segoe UI" panose="020B0502040204020203" pitchFamily="34" charset="0"/>
+                <a:ea typeface="Segoe UI" panose="020B0502040204020203" pitchFamily="34" charset="0"/>
+                <a:cs typeface="Segoe UI" panose="020B0502040204020203" pitchFamily="34" charset="0"/>
+              </a:rPr>
+              <a:t>functions</a:t>
+            </a:r>
+            <a:r>
+              <a:rPr lang="pl-PL" dirty="0" smtClean="0">
+                <a:latin typeface="Segoe UI" panose="020B0502040204020203" pitchFamily="34" charset="0"/>
+                <a:ea typeface="Segoe UI" panose="020B0502040204020203" pitchFamily="34" charset="0"/>
+                <a:cs typeface="Segoe UI" panose="020B0502040204020203" pitchFamily="34" charset="0"/>
+              </a:rPr>
+              <a:t> c.d.</a:t>
+            </a:r>
+            <a:endParaRPr lang="pl-PL" dirty="0">
+              <a:latin typeface="Segoe UI" panose="020B0502040204020203" pitchFamily="34" charset="0"/>
+              <a:ea typeface="Segoe UI" panose="020B0502040204020203" pitchFamily="34" charset="0"/>
+              <a:cs typeface="Segoe UI" panose="020B0502040204020203" pitchFamily="34" charset="0"/>
+            </a:endParaRPr>
           </a:p>
         </p:txBody>
       </p:sp>
@@ -15129,8 +16054,8 @@
         </p:blipFill>
         <p:spPr>
           <a:xfrm>
-            <a:off x="838200" y="1690688"/>
-            <a:ext cx="5923799" cy="4878424"/>
+            <a:off x="923260" y="1541832"/>
+            <a:ext cx="6391940" cy="4442553"/>
           </a:xfrm>
           <a:prstGeom prst="rect">
             <a:avLst/>
@@ -15153,23 +16078,38 @@
           <a:lstStyle/>
           <a:p>
             <a:r>
-              <a:rPr lang="pl-PL" smtClean="0"/>
+              <a:rPr lang="pl-PL" smtClean="0">
+                <a:latin typeface="Segoe UI" panose="020B0502040204020203" pitchFamily="34" charset="0"/>
+                <a:ea typeface="Segoe UI" panose="020B0502040204020203" pitchFamily="34" charset="0"/>
+                <a:cs typeface="Segoe UI" panose="020B0502040204020203" pitchFamily="34" charset="0"/>
+              </a:rPr>
               <a:t>Quid novi? ECMAScript 6! / Hubert Zub / hubert.zub@gmail.com</a:t>
             </a:r>
-            <a:endParaRPr lang="pl-PL"/>
+            <a:endParaRPr lang="pl-PL">
+              <a:latin typeface="Segoe UI" panose="020B0502040204020203" pitchFamily="34" charset="0"/>
+              <a:ea typeface="Segoe UI" panose="020B0502040204020203" pitchFamily="34" charset="0"/>
+              <a:cs typeface="Segoe UI" panose="020B0502040204020203" pitchFamily="34" charset="0"/>
+            </a:endParaRPr>
           </a:p>
         </p:txBody>
       </p:sp>
     </p:spTree>
     <p:extLst>
       <p:ext uri="{BB962C8B-B14F-4D97-AF65-F5344CB8AC3E}">
-        <p14:creationId xmlns:p14="http://schemas.microsoft.com/office/powerpoint/2010/main" val="3761559845"/>
+        <p14:creationId xmlns:p14="http://schemas.microsoft.com/office/powerpoint/2010/main" val="4072242309"/>
       </p:ext>
     </p:extLst>
   </p:cSld>
   <p:clrMapOvr>
     <a:masterClrMapping/>
   </p:clrMapOvr>
+  <p:timing>
+    <p:tnLst>
+      <p:par>
+        <p:cTn id="1" dur="indefinite" restart="never" nodeType="tmRoot"/>
+      </p:par>
+    </p:tnLst>
+  </p:timing>
 </p:sld>
 </file>
 
@@ -15206,44 +16146,40 @@
           <a:lstStyle/>
           <a:p>
             <a:r>
-              <a:rPr lang="pl-PL" dirty="0" smtClean="0"/>
-              <a:t>4) </a:t>
-            </a:r>
-            <a:r>
-              <a:rPr lang="pl-PL" dirty="0" err="1" smtClean="0"/>
-              <a:t>Template</a:t>
-            </a:r>
-            <a:r>
-              <a:rPr lang="pl-PL" dirty="0" smtClean="0"/>
-              <a:t> </a:t>
-            </a:r>
-            <a:r>
-              <a:rPr lang="pl-PL" dirty="0" err="1" smtClean="0"/>
-              <a:t>strings</a:t>
-            </a:r>
-            <a:r>
-              <a:rPr lang="pl-PL" dirty="0" smtClean="0"/>
-              <a:t> &amp; </a:t>
-            </a:r>
-            <a:r>
-              <a:rPr lang="pl-PL" dirty="0" err="1" smtClean="0"/>
-              <a:t>multiline</a:t>
-            </a:r>
-            <a:r>
-              <a:rPr lang="pl-PL" dirty="0" smtClean="0"/>
-              <a:t> </a:t>
-            </a:r>
-            <a:r>
-              <a:rPr lang="pl-PL" dirty="0" err="1" smtClean="0"/>
-              <a:t>strings</a:t>
-            </a:r>
-            <a:endParaRPr lang="pl-PL" dirty="0"/>
+              <a:rPr lang="pl-PL" dirty="0" smtClean="0">
+                <a:latin typeface="Segoe UI" panose="020B0502040204020203" pitchFamily="34" charset="0"/>
+                <a:ea typeface="Segoe UI" panose="020B0502040204020203" pitchFamily="34" charset="0"/>
+                <a:cs typeface="Segoe UI" panose="020B0502040204020203" pitchFamily="34" charset="0"/>
+              </a:rPr>
+              <a:t>Arrow </a:t>
+            </a:r>
+            <a:r>
+              <a:rPr lang="pl-PL" dirty="0" err="1" smtClean="0">
+                <a:latin typeface="Segoe UI" panose="020B0502040204020203" pitchFamily="34" charset="0"/>
+                <a:ea typeface="Segoe UI" panose="020B0502040204020203" pitchFamily="34" charset="0"/>
+                <a:cs typeface="Segoe UI" panose="020B0502040204020203" pitchFamily="34" charset="0"/>
+              </a:rPr>
+              <a:t>functions</a:t>
+            </a:r>
+            <a:r>
+              <a:rPr lang="pl-PL" dirty="0" smtClean="0">
+                <a:latin typeface="Segoe UI" panose="020B0502040204020203" pitchFamily="34" charset="0"/>
+                <a:ea typeface="Segoe UI" panose="020B0502040204020203" pitchFamily="34" charset="0"/>
+                <a:cs typeface="Segoe UI" panose="020B0502040204020203" pitchFamily="34" charset="0"/>
+              </a:rPr>
+              <a:t> c.d.</a:t>
+            </a:r>
+            <a:endParaRPr lang="pl-PL" dirty="0">
+              <a:latin typeface="Segoe UI" panose="020B0502040204020203" pitchFamily="34" charset="0"/>
+              <a:ea typeface="Segoe UI" panose="020B0502040204020203" pitchFamily="34" charset="0"/>
+              <a:cs typeface="Segoe UI" panose="020B0502040204020203" pitchFamily="34" charset="0"/>
+            </a:endParaRPr>
           </a:p>
         </p:txBody>
       </p:sp>
       <p:pic>
         <p:nvPicPr>
-          <p:cNvPr id="6" name="Content Placeholder 5"/>
+          <p:cNvPr id="4" name="Content Placeholder 3"/>
           <p:cNvPicPr>
             <a:picLocks noGrp="1" noChangeAspect="1"/>
           </p:cNvPicPr>
@@ -15259,8 +16195,8 @@
         </p:blipFill>
         <p:spPr>
           <a:xfrm>
-            <a:off x="838199" y="1822104"/>
-            <a:ext cx="7816265" cy="4004538"/>
+            <a:off x="914826" y="1573728"/>
+            <a:ext cx="7509980" cy="2498540"/>
           </a:xfrm>
           <a:prstGeom prst="rect">
             <a:avLst/>
@@ -15283,23 +16219,38 @@
           <a:lstStyle/>
           <a:p>
             <a:r>
-              <a:rPr lang="pl-PL" smtClean="0"/>
+              <a:rPr lang="pl-PL" smtClean="0">
+                <a:latin typeface="Segoe UI" panose="020B0502040204020203" pitchFamily="34" charset="0"/>
+                <a:ea typeface="Segoe UI" panose="020B0502040204020203" pitchFamily="34" charset="0"/>
+                <a:cs typeface="Segoe UI" panose="020B0502040204020203" pitchFamily="34" charset="0"/>
+              </a:rPr>
               <a:t>Quid novi? ECMAScript 6! / Hubert Zub / hubert.zub@gmail.com</a:t>
             </a:r>
-            <a:endParaRPr lang="pl-PL"/>
+            <a:endParaRPr lang="pl-PL">
+              <a:latin typeface="Segoe UI" panose="020B0502040204020203" pitchFamily="34" charset="0"/>
+              <a:ea typeface="Segoe UI" panose="020B0502040204020203" pitchFamily="34" charset="0"/>
+              <a:cs typeface="Segoe UI" panose="020B0502040204020203" pitchFamily="34" charset="0"/>
+            </a:endParaRPr>
           </a:p>
         </p:txBody>
       </p:sp>
     </p:spTree>
     <p:extLst>
       <p:ext uri="{BB962C8B-B14F-4D97-AF65-F5344CB8AC3E}">
-        <p14:creationId xmlns:p14="http://schemas.microsoft.com/office/powerpoint/2010/main" val="3129431087"/>
+        <p14:creationId xmlns:p14="http://schemas.microsoft.com/office/powerpoint/2010/main" val="763616199"/>
       </p:ext>
     </p:extLst>
   </p:cSld>
   <p:clrMapOvr>
     <a:masterClrMapping/>
   </p:clrMapOvr>
+  <p:timing>
+    <p:tnLst>
+      <p:par>
+        <p:cTn id="1" dur="indefinite" restart="never" nodeType="tmRoot"/>
+      </p:par>
+    </p:tnLst>
+  </p:timing>
 </p:sld>
 </file>
 
@@ -15336,14 +16287,50 @@
           <a:lstStyle/>
           <a:p>
             <a:r>
-              <a:rPr lang="pl-PL" dirty="0" smtClean="0"/>
-              <a:t>5) </a:t>
-            </a:r>
-            <a:r>
-              <a:rPr lang="pl-PL" dirty="0" err="1" smtClean="0"/>
-              <a:t>Let</a:t>
-            </a:r>
-            <a:endParaRPr lang="pl-PL" dirty="0"/>
+              <a:rPr lang="pl-PL" dirty="0" smtClean="0">
+                <a:latin typeface="Segoe UI" panose="020B0502040204020203" pitchFamily="34" charset="0"/>
+                <a:ea typeface="Segoe UI" panose="020B0502040204020203" pitchFamily="34" charset="0"/>
+                <a:cs typeface="Segoe UI" panose="020B0502040204020203" pitchFamily="34" charset="0"/>
+              </a:rPr>
+              <a:t>3) „</a:t>
+            </a:r>
+            <a:r>
+              <a:rPr lang="pl-PL" dirty="0" err="1" smtClean="0">
+                <a:latin typeface="Segoe UI" panose="020B0502040204020203" pitchFamily="34" charset="0"/>
+                <a:ea typeface="Segoe UI" panose="020B0502040204020203" pitchFamily="34" charset="0"/>
+                <a:cs typeface="Segoe UI" panose="020B0502040204020203" pitchFamily="34" charset="0"/>
+              </a:rPr>
+              <a:t>Enhanced</a:t>
+            </a:r>
+            <a:r>
+              <a:rPr lang="pl-PL" dirty="0" smtClean="0">
+                <a:latin typeface="Segoe UI" panose="020B0502040204020203" pitchFamily="34" charset="0"/>
+                <a:ea typeface="Segoe UI" panose="020B0502040204020203" pitchFamily="34" charset="0"/>
+                <a:cs typeface="Segoe UI" panose="020B0502040204020203" pitchFamily="34" charset="0"/>
+              </a:rPr>
+              <a:t> Object </a:t>
+            </a:r>
+            <a:r>
+              <a:rPr lang="pl-PL" dirty="0" err="1" smtClean="0">
+                <a:latin typeface="Segoe UI" panose="020B0502040204020203" pitchFamily="34" charset="0"/>
+                <a:ea typeface="Segoe UI" panose="020B0502040204020203" pitchFamily="34" charset="0"/>
+                <a:cs typeface="Segoe UI" panose="020B0502040204020203" pitchFamily="34" charset="0"/>
+              </a:rPr>
+              <a:t>Literals</a:t>
+            </a:r>
+            <a:r>
+              <a:rPr lang="pl-PL" dirty="0" smtClean="0">
+                <a:latin typeface="Segoe UI" panose="020B0502040204020203" pitchFamily="34" charset="0"/>
+                <a:ea typeface="Segoe UI" panose="020B0502040204020203" pitchFamily="34" charset="0"/>
+                <a:cs typeface="Segoe UI" panose="020B0502040204020203" pitchFamily="34" charset="0"/>
+              </a:rPr>
+              <a:t>” – skróty!</a:t>
+            </a:r>
+            <a:endParaRPr lang="pl-PL" dirty="0">
+              <a:latin typeface="Segoe UI" panose="020B0502040204020203" pitchFamily="34" charset="0"/>
+              <a:ea typeface="Segoe UI" panose="020B0502040204020203" pitchFamily="34" charset="0"/>
+              <a:cs typeface="Segoe UI" panose="020B0502040204020203" pitchFamily="34" charset="0"/>
+            </a:endParaRPr>
           </a:p>
         </p:txBody>
       </p:sp>
@@ -15365,8 +16352,8 @@
         </p:blipFill>
         <p:spPr>
           <a:xfrm>
-            <a:off x="838199" y="1860668"/>
-            <a:ext cx="7667847" cy="4555932"/>
+            <a:off x="944530" y="1534692"/>
+            <a:ext cx="5403112" cy="4449623"/>
           </a:xfrm>
           <a:prstGeom prst="rect">
             <a:avLst/>
@@ -15389,23 +16376,38 @@
           <a:lstStyle/>
           <a:p>
             <a:r>
-              <a:rPr lang="pl-PL" smtClean="0"/>
+              <a:rPr lang="pl-PL" smtClean="0">
+                <a:latin typeface="Segoe UI" panose="020B0502040204020203" pitchFamily="34" charset="0"/>
+                <a:ea typeface="Segoe UI" panose="020B0502040204020203" pitchFamily="34" charset="0"/>
+                <a:cs typeface="Segoe UI" panose="020B0502040204020203" pitchFamily="34" charset="0"/>
+              </a:rPr>
               <a:t>Quid novi? ECMAScript 6! / Hubert Zub / hubert.zub@gmail.com</a:t>
             </a:r>
-            <a:endParaRPr lang="pl-PL"/>
+            <a:endParaRPr lang="pl-PL">
+              <a:latin typeface="Segoe UI" panose="020B0502040204020203" pitchFamily="34" charset="0"/>
+              <a:ea typeface="Segoe UI" panose="020B0502040204020203" pitchFamily="34" charset="0"/>
+              <a:cs typeface="Segoe UI" panose="020B0502040204020203" pitchFamily="34" charset="0"/>
+            </a:endParaRPr>
           </a:p>
         </p:txBody>
       </p:sp>
     </p:spTree>
     <p:extLst>
       <p:ext uri="{BB962C8B-B14F-4D97-AF65-F5344CB8AC3E}">
-        <p14:creationId xmlns:p14="http://schemas.microsoft.com/office/powerpoint/2010/main" val="343889763"/>
+        <p14:creationId xmlns:p14="http://schemas.microsoft.com/office/powerpoint/2010/main" val="3761559845"/>
       </p:ext>
     </p:extLst>
   </p:cSld>
   <p:clrMapOvr>
     <a:masterClrMapping/>
   </p:clrMapOvr>
+  <p:timing>
+    <p:tnLst>
+      <p:par>
+        <p:cTn id="1" dur="indefinite" restart="never" nodeType="tmRoot"/>
+      </p:par>
+    </p:tnLst>
+  </p:timing>
 </p:sld>
 </file>
 
@@ -15442,43 +16444,37 @@
           <a:lstStyle/>
           <a:p>
             <a:r>
-              <a:rPr lang="pl-PL" dirty="0" smtClean="0"/>
-              <a:t>6) </a:t>
-            </a:r>
-            <a:r>
-              <a:rPr lang="pl-PL" dirty="0" err="1" smtClean="0"/>
-              <a:t>Const</a:t>
-            </a:r>
-            <a:endParaRPr lang="pl-PL" dirty="0"/>
-          </a:p>
-        </p:txBody>
-      </p:sp>
-      <p:pic>
-        <p:nvPicPr>
-          <p:cNvPr id="5" name="Content Placeholder 4"/>
-          <p:cNvPicPr>
-            <a:picLocks noGrp="1" noChangeAspect="1"/>
-          </p:cNvPicPr>
-          <p:nvPr>
-            <p:ph idx="1"/>
-          </p:nvPr>
-        </p:nvPicPr>
-        <p:blipFill>
-          <a:blip r:embed="rId2"/>
-          <a:stretch>
-            <a:fillRect/>
-          </a:stretch>
-        </p:blipFill>
-        <p:spPr>
-          <a:xfrm>
-            <a:off x="838199" y="1690688"/>
-            <a:ext cx="9783349" cy="1679833"/>
-          </a:xfrm>
-          <a:prstGeom prst="rect">
-            <a:avLst/>
-          </a:prstGeom>
-        </p:spPr>
-      </p:pic>
+              <a:rPr lang="pl-PL" dirty="0" smtClean="0">
+                <a:latin typeface="Segoe UI" panose="020B0502040204020203" pitchFamily="34" charset="0"/>
+                <a:ea typeface="Segoe UI" panose="020B0502040204020203" pitchFamily="34" charset="0"/>
+                <a:cs typeface="Segoe UI" panose="020B0502040204020203" pitchFamily="34" charset="0"/>
+              </a:rPr>
+              <a:t>Enhanced </a:t>
+            </a:r>
+            <a:r>
+              <a:rPr lang="pl-PL" dirty="0" smtClean="0">
+                <a:latin typeface="Segoe UI" panose="020B0502040204020203" pitchFamily="34" charset="0"/>
+                <a:ea typeface="Segoe UI" panose="020B0502040204020203" pitchFamily="34" charset="0"/>
+                <a:cs typeface="Segoe UI" panose="020B0502040204020203" pitchFamily="34" charset="0"/>
+              </a:rPr>
+              <a:t>Object </a:t>
+            </a:r>
+            <a:r>
+              <a:rPr lang="pl-PL" dirty="0" smtClean="0">
+                <a:latin typeface="Segoe UI" panose="020B0502040204020203" pitchFamily="34" charset="0"/>
+                <a:ea typeface="Segoe UI" panose="020B0502040204020203" pitchFamily="34" charset="0"/>
+                <a:cs typeface="Segoe UI" panose="020B0502040204020203" pitchFamily="34" charset="0"/>
+              </a:rPr>
+              <a:t>Literals c.d.</a:t>
+            </a:r>
+            <a:endParaRPr lang="pl-PL" dirty="0">
+              <a:latin typeface="Segoe UI" panose="020B0502040204020203" pitchFamily="34" charset="0"/>
+              <a:ea typeface="Segoe UI" panose="020B0502040204020203" pitchFamily="34" charset="0"/>
+              <a:cs typeface="Segoe UI" panose="020B0502040204020203" pitchFamily="34" charset="0"/>
+            </a:endParaRPr>
+          </a:p>
+        </p:txBody>
+      </p:sp>
       <p:sp>
         <p:nvSpPr>
           <p:cNvPr id="3" name="Footer Placeholder 2"/>
@@ -15495,611 +16491,18 @@
           <a:lstStyle/>
           <a:p>
             <a:r>
-              <a:rPr lang="pl-PL" smtClean="0"/>
+              <a:rPr lang="pl-PL" smtClean="0">
+                <a:latin typeface="Segoe UI" panose="020B0502040204020203" pitchFamily="34" charset="0"/>
+                <a:ea typeface="Segoe UI" panose="020B0502040204020203" pitchFamily="34" charset="0"/>
+                <a:cs typeface="Segoe UI" panose="020B0502040204020203" pitchFamily="34" charset="0"/>
+              </a:rPr>
               <a:t>Quid novi? ECMAScript 6! / Hubert Zub / hubert.zub@gmail.com</a:t>
             </a:r>
-            <a:endParaRPr lang="pl-PL"/>
-          </a:p>
-        </p:txBody>
-      </p:sp>
-    </p:spTree>
-    <p:extLst>
-      <p:ext uri="{BB962C8B-B14F-4D97-AF65-F5344CB8AC3E}">
-        <p14:creationId xmlns:p14="http://schemas.microsoft.com/office/powerpoint/2010/main" val="3041940068"/>
-      </p:ext>
-    </p:extLst>
-  </p:cSld>
-  <p:clrMapOvr>
-    <a:masterClrMapping/>
-  </p:clrMapOvr>
-</p:sld>
-</file>
-
-<file path=ppt/slides/slide24.xml><?xml version="1.0" encoding="utf-8"?>
-<p:sld xmlns:a="http://schemas.openxmlformats.org/drawingml/2006/main" xmlns:r="http://schemas.openxmlformats.org/officeDocument/2006/relationships" xmlns:p="http://schemas.openxmlformats.org/presentationml/2006/main">
-  <p:cSld>
-    <p:spTree>
-      <p:nvGrpSpPr>
-        <p:cNvPr id="1" name=""/>
-        <p:cNvGrpSpPr/>
-        <p:nvPr/>
-      </p:nvGrpSpPr>
-      <p:grpSpPr>
-        <a:xfrm>
-          <a:off x="0" y="0"/>
-          <a:ext cx="0" cy="0"/>
-          <a:chOff x="0" y="0"/>
-          <a:chExt cx="0" cy="0"/>
-        </a:xfrm>
-      </p:grpSpPr>
-      <p:sp>
-        <p:nvSpPr>
-          <p:cNvPr id="2" name="Title 1"/>
-          <p:cNvSpPr>
-            <a:spLocks noGrp="1"/>
-          </p:cNvSpPr>
-          <p:nvPr>
-            <p:ph type="title"/>
-          </p:nvPr>
-        </p:nvSpPr>
-        <p:spPr/>
-        <p:txBody>
-          <a:bodyPr/>
-          <a:lstStyle/>
-          <a:p>
-            <a:r>
-              <a:rPr lang="pl-PL" dirty="0" smtClean="0"/>
-              <a:t>7) </a:t>
-            </a:r>
-            <a:r>
-              <a:rPr lang="pl-PL" dirty="0" err="1" smtClean="0"/>
-              <a:t>Iteratory</a:t>
-            </a:r>
-            <a:endParaRPr lang="pl-PL" dirty="0"/>
-          </a:p>
-        </p:txBody>
-      </p:sp>
-      <p:pic>
-        <p:nvPicPr>
-          <p:cNvPr id="7" name="Content Placeholder 6"/>
-          <p:cNvPicPr>
-            <a:picLocks noGrp="1" noChangeAspect="1"/>
-          </p:cNvPicPr>
-          <p:nvPr>
-            <p:ph idx="1"/>
-          </p:nvPr>
-        </p:nvPicPr>
-        <p:blipFill>
-          <a:blip r:embed="rId2"/>
-          <a:stretch>
-            <a:fillRect/>
-          </a:stretch>
-        </p:blipFill>
-        <p:spPr>
-          <a:xfrm>
-            <a:off x="838200" y="1977766"/>
-            <a:ext cx="10423699" cy="3008903"/>
-          </a:xfrm>
-          <a:prstGeom prst="rect">
-            <a:avLst/>
-          </a:prstGeom>
-        </p:spPr>
-      </p:pic>
-      <p:sp>
-        <p:nvSpPr>
-          <p:cNvPr id="3" name="Footer Placeholder 2"/>
-          <p:cNvSpPr>
-            <a:spLocks noGrp="1"/>
-          </p:cNvSpPr>
-          <p:nvPr>
-            <p:ph type="ftr" sz="quarter" idx="11"/>
-          </p:nvPr>
-        </p:nvSpPr>
-        <p:spPr/>
-        <p:txBody>
-          <a:bodyPr/>
-          <a:lstStyle/>
-          <a:p>
-            <a:r>
-              <a:rPr lang="pl-PL" smtClean="0"/>
-              <a:t>Quid novi? ECMAScript 6! / Hubert Zub / hubert.zub@gmail.com</a:t>
-            </a:r>
-            <a:endParaRPr lang="pl-PL"/>
-          </a:p>
-        </p:txBody>
-      </p:sp>
-    </p:spTree>
-    <p:extLst>
-      <p:ext uri="{BB962C8B-B14F-4D97-AF65-F5344CB8AC3E}">
-        <p14:creationId xmlns:p14="http://schemas.microsoft.com/office/powerpoint/2010/main" val="2543268949"/>
-      </p:ext>
-    </p:extLst>
-  </p:cSld>
-  <p:clrMapOvr>
-    <a:masterClrMapping/>
-  </p:clrMapOvr>
-  <p:timing>
-    <p:tnLst>
-      <p:par>
-        <p:cTn id="1" dur="indefinite" restart="never" nodeType="tmRoot"/>
-      </p:par>
-    </p:tnLst>
-  </p:timing>
-</p:sld>
-</file>
-
-<file path=ppt/slides/slide25.xml><?xml version="1.0" encoding="utf-8"?>
-<p:sld xmlns:a="http://schemas.openxmlformats.org/drawingml/2006/main" xmlns:r="http://schemas.openxmlformats.org/officeDocument/2006/relationships" xmlns:p="http://schemas.openxmlformats.org/presentationml/2006/main">
-  <p:cSld>
-    <p:spTree>
-      <p:nvGrpSpPr>
-        <p:cNvPr id="1" name=""/>
-        <p:cNvGrpSpPr/>
-        <p:nvPr/>
-      </p:nvGrpSpPr>
-      <p:grpSpPr>
-        <a:xfrm>
-          <a:off x="0" y="0"/>
-          <a:ext cx="0" cy="0"/>
-          <a:chOff x="0" y="0"/>
-          <a:chExt cx="0" cy="0"/>
-        </a:xfrm>
-      </p:grpSpPr>
-      <p:sp>
-        <p:nvSpPr>
-          <p:cNvPr id="2" name="Title 1"/>
-          <p:cNvSpPr>
-            <a:spLocks noGrp="1"/>
-          </p:cNvSpPr>
-          <p:nvPr>
-            <p:ph type="title"/>
-          </p:nvPr>
-        </p:nvSpPr>
-        <p:spPr/>
-        <p:txBody>
-          <a:bodyPr/>
-          <a:lstStyle/>
-          <a:p>
-            <a:r>
-              <a:rPr lang="pl-PL" dirty="0" err="1" smtClean="0"/>
-              <a:t>Iteratory</a:t>
-            </a:r>
-            <a:r>
-              <a:rPr lang="pl-PL" dirty="0" smtClean="0"/>
-              <a:t> c.d.</a:t>
-            </a:r>
-            <a:endParaRPr lang="pl-PL" dirty="0"/>
-          </a:p>
-        </p:txBody>
-      </p:sp>
-      <p:pic>
-        <p:nvPicPr>
-          <p:cNvPr id="4" name="Content Placeholder 3"/>
-          <p:cNvPicPr>
-            <a:picLocks noGrp="1" noChangeAspect="1"/>
-          </p:cNvPicPr>
-          <p:nvPr>
-            <p:ph idx="1"/>
-          </p:nvPr>
-        </p:nvPicPr>
-        <p:blipFill>
-          <a:blip r:embed="rId2"/>
-          <a:stretch>
-            <a:fillRect/>
-          </a:stretch>
-        </p:blipFill>
-        <p:spPr>
-          <a:xfrm>
-            <a:off x="838200" y="1690687"/>
-            <a:ext cx="8263270" cy="4777203"/>
-          </a:xfrm>
-          <a:prstGeom prst="rect">
-            <a:avLst/>
-          </a:prstGeom>
-        </p:spPr>
-      </p:pic>
-      <p:sp>
-        <p:nvSpPr>
-          <p:cNvPr id="3" name="Footer Placeholder 2"/>
-          <p:cNvSpPr>
-            <a:spLocks noGrp="1"/>
-          </p:cNvSpPr>
-          <p:nvPr>
-            <p:ph type="ftr" sz="quarter" idx="11"/>
-          </p:nvPr>
-        </p:nvSpPr>
-        <p:spPr/>
-        <p:txBody>
-          <a:bodyPr/>
-          <a:lstStyle/>
-          <a:p>
-            <a:r>
-              <a:rPr lang="pl-PL" smtClean="0"/>
-              <a:t>Quid novi? ECMAScript 6! / Hubert Zub / hubert.zub@gmail.com</a:t>
-            </a:r>
-            <a:endParaRPr lang="pl-PL"/>
-          </a:p>
-        </p:txBody>
-      </p:sp>
-    </p:spTree>
-    <p:extLst>
-      <p:ext uri="{BB962C8B-B14F-4D97-AF65-F5344CB8AC3E}">
-        <p14:creationId xmlns:p14="http://schemas.microsoft.com/office/powerpoint/2010/main" val="1693362297"/>
-      </p:ext>
-    </p:extLst>
-  </p:cSld>
-  <p:clrMapOvr>
-    <a:masterClrMapping/>
-  </p:clrMapOvr>
-</p:sld>
-</file>
-
-<file path=ppt/slides/slide26.xml><?xml version="1.0" encoding="utf-8"?>
-<p:sld xmlns:a="http://schemas.openxmlformats.org/drawingml/2006/main" xmlns:r="http://schemas.openxmlformats.org/officeDocument/2006/relationships" xmlns:p="http://schemas.openxmlformats.org/presentationml/2006/main">
-  <p:cSld>
-    <p:spTree>
-      <p:nvGrpSpPr>
-        <p:cNvPr id="1" name=""/>
-        <p:cNvGrpSpPr/>
-        <p:nvPr/>
-      </p:nvGrpSpPr>
-      <p:grpSpPr>
-        <a:xfrm>
-          <a:off x="0" y="0"/>
-          <a:ext cx="0" cy="0"/>
-          <a:chOff x="0" y="0"/>
-          <a:chExt cx="0" cy="0"/>
-        </a:xfrm>
-      </p:grpSpPr>
-      <p:sp>
-        <p:nvSpPr>
-          <p:cNvPr id="2" name="Title 1"/>
-          <p:cNvSpPr>
-            <a:spLocks noGrp="1"/>
-          </p:cNvSpPr>
-          <p:nvPr>
-            <p:ph type="title"/>
-          </p:nvPr>
-        </p:nvSpPr>
-        <p:spPr/>
-        <p:txBody>
-          <a:bodyPr/>
-          <a:lstStyle/>
-          <a:p>
-            <a:r>
-              <a:rPr lang="pl-PL" dirty="0" err="1" smtClean="0"/>
-              <a:t>Iteratory</a:t>
-            </a:r>
-            <a:r>
-              <a:rPr lang="pl-PL" dirty="0" smtClean="0"/>
-              <a:t> c.d. (</a:t>
-            </a:r>
-            <a:r>
-              <a:rPr lang="pl-PL" dirty="0" err="1" smtClean="0"/>
-              <a:t>iterable</a:t>
-            </a:r>
-            <a:r>
-              <a:rPr lang="pl-PL" dirty="0" smtClean="0"/>
-              <a:t>)</a:t>
-            </a:r>
-            <a:endParaRPr lang="pl-PL" dirty="0"/>
-          </a:p>
-        </p:txBody>
-      </p:sp>
-      <p:pic>
-        <p:nvPicPr>
-          <p:cNvPr id="4" name="Content Placeholder 3"/>
-          <p:cNvPicPr>
-            <a:picLocks noGrp="1" noChangeAspect="1"/>
-          </p:cNvPicPr>
-          <p:nvPr>
-            <p:ph idx="1"/>
-          </p:nvPr>
-        </p:nvPicPr>
-        <p:blipFill>
-          <a:blip r:embed="rId2"/>
-          <a:stretch>
-            <a:fillRect/>
-          </a:stretch>
-        </p:blipFill>
-        <p:spPr>
-          <a:xfrm>
-            <a:off x="838200" y="1690687"/>
-            <a:ext cx="6402572" cy="4745053"/>
-          </a:xfrm>
-          <a:prstGeom prst="rect">
-            <a:avLst/>
-          </a:prstGeom>
-        </p:spPr>
-      </p:pic>
-      <p:sp>
-        <p:nvSpPr>
-          <p:cNvPr id="3" name="Footer Placeholder 2"/>
-          <p:cNvSpPr>
-            <a:spLocks noGrp="1"/>
-          </p:cNvSpPr>
-          <p:nvPr>
-            <p:ph type="ftr" sz="quarter" idx="11"/>
-          </p:nvPr>
-        </p:nvSpPr>
-        <p:spPr/>
-        <p:txBody>
-          <a:bodyPr/>
-          <a:lstStyle/>
-          <a:p>
-            <a:r>
-              <a:rPr lang="pl-PL" smtClean="0"/>
-              <a:t>Quid novi? ECMAScript 6! / Hubert Zub / hubert.zub@gmail.com</a:t>
-            </a:r>
-            <a:endParaRPr lang="pl-PL"/>
-          </a:p>
-        </p:txBody>
-      </p:sp>
-    </p:spTree>
-    <p:extLst>
-      <p:ext uri="{BB962C8B-B14F-4D97-AF65-F5344CB8AC3E}">
-        <p14:creationId xmlns:p14="http://schemas.microsoft.com/office/powerpoint/2010/main" val="1819487161"/>
-      </p:ext>
-    </p:extLst>
-  </p:cSld>
-  <p:clrMapOvr>
-    <a:masterClrMapping/>
-  </p:clrMapOvr>
-</p:sld>
-</file>
-
-<file path=ppt/slides/slide27.xml><?xml version="1.0" encoding="utf-8"?>
-<p:sld xmlns:a="http://schemas.openxmlformats.org/drawingml/2006/main" xmlns:r="http://schemas.openxmlformats.org/officeDocument/2006/relationships" xmlns:p="http://schemas.openxmlformats.org/presentationml/2006/main">
-  <p:cSld>
-    <p:spTree>
-      <p:nvGrpSpPr>
-        <p:cNvPr id="1" name=""/>
-        <p:cNvGrpSpPr/>
-        <p:nvPr/>
-      </p:nvGrpSpPr>
-      <p:grpSpPr>
-        <a:xfrm>
-          <a:off x="0" y="0"/>
-          <a:ext cx="0" cy="0"/>
-          <a:chOff x="0" y="0"/>
-          <a:chExt cx="0" cy="0"/>
-        </a:xfrm>
-      </p:grpSpPr>
-      <p:sp>
-        <p:nvSpPr>
-          <p:cNvPr id="2" name="Title 1"/>
-          <p:cNvSpPr>
-            <a:spLocks noGrp="1"/>
-          </p:cNvSpPr>
-          <p:nvPr>
-            <p:ph type="title"/>
-          </p:nvPr>
-        </p:nvSpPr>
-        <p:spPr/>
-        <p:txBody>
-          <a:bodyPr/>
-          <a:lstStyle/>
-          <a:p>
-            <a:r>
-              <a:rPr lang="pl-PL" dirty="0" smtClean="0"/>
-              <a:t>8) Domyślne parametry</a:t>
-            </a:r>
-            <a:endParaRPr lang="pl-PL" dirty="0"/>
-          </a:p>
-        </p:txBody>
-      </p:sp>
-      <p:pic>
-        <p:nvPicPr>
-          <p:cNvPr id="4" name="Content Placeholder 3"/>
-          <p:cNvPicPr>
-            <a:picLocks noGrp="1" noChangeAspect="1"/>
-          </p:cNvPicPr>
-          <p:nvPr>
-            <p:ph idx="1"/>
-          </p:nvPr>
-        </p:nvPicPr>
-        <p:blipFill>
-          <a:blip r:embed="rId2"/>
-          <a:stretch>
-            <a:fillRect/>
-          </a:stretch>
-        </p:blipFill>
-        <p:spPr>
-          <a:xfrm>
-            <a:off x="838200" y="1896258"/>
-            <a:ext cx="9626800" cy="3058514"/>
-          </a:xfrm>
-          <a:prstGeom prst="rect">
-            <a:avLst/>
-          </a:prstGeom>
-        </p:spPr>
-      </p:pic>
-      <p:sp>
-        <p:nvSpPr>
-          <p:cNvPr id="3" name="Footer Placeholder 2"/>
-          <p:cNvSpPr>
-            <a:spLocks noGrp="1"/>
-          </p:cNvSpPr>
-          <p:nvPr>
-            <p:ph type="ftr" sz="quarter" idx="11"/>
-          </p:nvPr>
-        </p:nvSpPr>
-        <p:spPr/>
-        <p:txBody>
-          <a:bodyPr/>
-          <a:lstStyle/>
-          <a:p>
-            <a:r>
-              <a:rPr lang="pl-PL" smtClean="0"/>
-              <a:t>Quid novi? ECMAScript 6! / Hubert Zub / hubert.zub@gmail.com</a:t>
-            </a:r>
-            <a:endParaRPr lang="pl-PL"/>
-          </a:p>
-        </p:txBody>
-      </p:sp>
-    </p:spTree>
-    <p:extLst>
-      <p:ext uri="{BB962C8B-B14F-4D97-AF65-F5344CB8AC3E}">
-        <p14:creationId xmlns:p14="http://schemas.microsoft.com/office/powerpoint/2010/main" val="239374173"/>
-      </p:ext>
-    </p:extLst>
-  </p:cSld>
-  <p:clrMapOvr>
-    <a:masterClrMapping/>
-  </p:clrMapOvr>
-  <p:timing>
-    <p:tnLst>
-      <p:par>
-        <p:cTn id="1" dur="indefinite" restart="never" nodeType="tmRoot"/>
-      </p:par>
-    </p:tnLst>
-  </p:timing>
-</p:sld>
-</file>
-
-<file path=ppt/slides/slide28.xml><?xml version="1.0" encoding="utf-8"?>
-<p:sld xmlns:a="http://schemas.openxmlformats.org/drawingml/2006/main" xmlns:r="http://schemas.openxmlformats.org/officeDocument/2006/relationships" xmlns:p="http://schemas.openxmlformats.org/presentationml/2006/main">
-  <p:cSld>
-    <p:spTree>
-      <p:nvGrpSpPr>
-        <p:cNvPr id="1" name=""/>
-        <p:cNvGrpSpPr/>
-        <p:nvPr/>
-      </p:nvGrpSpPr>
-      <p:grpSpPr>
-        <a:xfrm>
-          <a:off x="0" y="0"/>
-          <a:ext cx="0" cy="0"/>
-          <a:chOff x="0" y="0"/>
-          <a:chExt cx="0" cy="0"/>
-        </a:xfrm>
-      </p:grpSpPr>
-      <p:sp>
-        <p:nvSpPr>
-          <p:cNvPr id="2" name="Title 1"/>
-          <p:cNvSpPr>
-            <a:spLocks noGrp="1"/>
-          </p:cNvSpPr>
-          <p:nvPr>
-            <p:ph type="title"/>
-          </p:nvPr>
-        </p:nvSpPr>
-        <p:spPr/>
-        <p:txBody>
-          <a:bodyPr/>
-          <a:lstStyle/>
-          <a:p>
-            <a:r>
-              <a:rPr lang="pl-PL" dirty="0" smtClean="0"/>
-              <a:t>9) Rest &amp; </a:t>
-            </a:r>
-            <a:r>
-              <a:rPr lang="pl-PL" dirty="0" err="1" smtClean="0"/>
-              <a:t>spread</a:t>
-            </a:r>
-            <a:endParaRPr lang="pl-PL" dirty="0"/>
-          </a:p>
-        </p:txBody>
-      </p:sp>
-      <p:pic>
-        <p:nvPicPr>
-          <p:cNvPr id="4" name="Content Placeholder 3"/>
-          <p:cNvPicPr>
-            <a:picLocks noGrp="1" noChangeAspect="1"/>
-          </p:cNvPicPr>
-          <p:nvPr>
-            <p:ph idx="1"/>
-          </p:nvPr>
-        </p:nvPicPr>
-        <p:blipFill>
-          <a:blip r:embed="rId2"/>
-          <a:stretch>
-            <a:fillRect/>
-          </a:stretch>
-        </p:blipFill>
-        <p:spPr>
-          <a:xfrm>
-            <a:off x="838199" y="1690688"/>
-            <a:ext cx="6647121" cy="4087082"/>
-          </a:xfrm>
-          <a:prstGeom prst="rect">
-            <a:avLst/>
-          </a:prstGeom>
-        </p:spPr>
-      </p:pic>
-      <p:sp>
-        <p:nvSpPr>
-          <p:cNvPr id="3" name="Footer Placeholder 2"/>
-          <p:cNvSpPr>
-            <a:spLocks noGrp="1"/>
-          </p:cNvSpPr>
-          <p:nvPr>
-            <p:ph type="ftr" sz="quarter" idx="11"/>
-          </p:nvPr>
-        </p:nvSpPr>
-        <p:spPr/>
-        <p:txBody>
-          <a:bodyPr/>
-          <a:lstStyle/>
-          <a:p>
-            <a:r>
-              <a:rPr lang="pl-PL" smtClean="0"/>
-              <a:t>Quid novi? ECMAScript 6! / Hubert Zub / hubert.zub@gmail.com</a:t>
-            </a:r>
-            <a:endParaRPr lang="pl-PL"/>
-          </a:p>
-        </p:txBody>
-      </p:sp>
-    </p:spTree>
-    <p:extLst>
-      <p:ext uri="{BB962C8B-B14F-4D97-AF65-F5344CB8AC3E}">
-        <p14:creationId xmlns:p14="http://schemas.microsoft.com/office/powerpoint/2010/main" val="348407834"/>
-      </p:ext>
-    </p:extLst>
-  </p:cSld>
-  <p:clrMapOvr>
-    <a:masterClrMapping/>
-  </p:clrMapOvr>
-</p:sld>
-</file>
-
-<file path=ppt/slides/slide29.xml><?xml version="1.0" encoding="utf-8"?>
-<p:sld xmlns:a="http://schemas.openxmlformats.org/drawingml/2006/main" xmlns:r="http://schemas.openxmlformats.org/officeDocument/2006/relationships" xmlns:p="http://schemas.openxmlformats.org/presentationml/2006/main">
-  <p:cSld>
-    <p:spTree>
-      <p:nvGrpSpPr>
-        <p:cNvPr id="1" name=""/>
-        <p:cNvGrpSpPr/>
-        <p:nvPr/>
-      </p:nvGrpSpPr>
-      <p:grpSpPr>
-        <a:xfrm>
-          <a:off x="0" y="0"/>
-          <a:ext cx="0" cy="0"/>
-          <a:chOff x="0" y="0"/>
-          <a:chExt cx="0" cy="0"/>
-        </a:xfrm>
-      </p:grpSpPr>
-      <p:sp>
-        <p:nvSpPr>
-          <p:cNvPr id="2" name="Title 1"/>
-          <p:cNvSpPr>
-            <a:spLocks noGrp="1"/>
-          </p:cNvSpPr>
-          <p:nvPr>
-            <p:ph type="title"/>
-          </p:nvPr>
-        </p:nvSpPr>
-        <p:spPr/>
-        <p:txBody>
-          <a:bodyPr/>
-          <a:lstStyle/>
-          <a:p>
-            <a:r>
-              <a:rPr lang="pl-PL" dirty="0" smtClean="0"/>
-              <a:t>10) Promises / deferred</a:t>
-            </a:r>
-            <a:endParaRPr lang="pl-PL" dirty="0"/>
+            <a:endParaRPr lang="pl-PL">
+              <a:latin typeface="Segoe UI" panose="020B0502040204020203" pitchFamily="34" charset="0"/>
+              <a:ea typeface="Segoe UI" panose="020B0502040204020203" pitchFamily="34" charset="0"/>
+              <a:cs typeface="Segoe UI" panose="020B0502040204020203" pitchFamily="34" charset="0"/>
+            </a:endParaRPr>
           </a:p>
         </p:txBody>
       </p:sp>
@@ -16107,11 +16510,9 @@
         <p:nvPicPr>
           <p:cNvPr id="1026" name="Picture 2"/>
           <p:cNvPicPr>
-            <a:picLocks noGrp="1" noChangeAspect="1" noChangeArrowheads="1"/>
+            <a:picLocks noChangeAspect="1" noChangeArrowheads="1"/>
           </p:cNvPicPr>
-          <p:nvPr>
-            <p:ph idx="1"/>
-          </p:nvPr>
+          <p:nvPr/>
         </p:nvPicPr>
         <p:blipFill>
           <a:blip r:embed="rId2">
@@ -16128,8 +16529,8 @@
         </p:blipFill>
         <p:spPr bwMode="auto">
           <a:xfrm>
-            <a:off x="974378" y="1623605"/>
-            <a:ext cx="5830459" cy="4665951"/>
+            <a:off x="971810" y="1545808"/>
+            <a:ext cx="4440163" cy="2593459"/>
           </a:xfrm>
           <a:prstGeom prst="rect">
             <a:avLst/>
@@ -16169,133 +16570,9 @@
           </a:extLst>
         </p:spPr>
       </p:pic>
-      <p:sp>
-        <p:nvSpPr>
-          <p:cNvPr id="3" name="Footer Placeholder 2"/>
-          <p:cNvSpPr>
-            <a:spLocks noGrp="1"/>
-          </p:cNvSpPr>
-          <p:nvPr>
-            <p:ph type="ftr" sz="quarter" idx="11"/>
-          </p:nvPr>
-        </p:nvSpPr>
-        <p:spPr/>
-        <p:txBody>
-          <a:bodyPr/>
-          <a:lstStyle/>
-          <a:p>
-            <a:r>
-              <a:rPr lang="pl-PL" smtClean="0"/>
-              <a:t>Quid novi? ECMAScript 6! / Hubert Zub / hubert.zub@gmail.com</a:t>
-            </a:r>
-            <a:endParaRPr lang="pl-PL"/>
-          </a:p>
-        </p:txBody>
-      </p:sp>
-    </p:spTree>
-    <p:extLst>
-      <p:ext uri="{BB962C8B-B14F-4D97-AF65-F5344CB8AC3E}">
-        <p14:creationId xmlns:p14="http://schemas.microsoft.com/office/powerpoint/2010/main" val="3983065451"/>
-      </p:ext>
-    </p:extLst>
-  </p:cSld>
-  <p:clrMapOvr>
-    <a:masterClrMapping/>
-  </p:clrMapOvr>
-</p:sld>
-</file>
-
-<file path=ppt/slides/slide3.xml><?xml version="1.0" encoding="utf-8"?>
-<p:sld xmlns:a="http://schemas.openxmlformats.org/drawingml/2006/main" xmlns:r="http://schemas.openxmlformats.org/officeDocument/2006/relationships" xmlns:p="http://schemas.openxmlformats.org/presentationml/2006/main">
-  <p:cSld>
-    <p:spTree>
-      <p:nvGrpSpPr>
-        <p:cNvPr id="1" name=""/>
-        <p:cNvGrpSpPr/>
-        <p:nvPr/>
-      </p:nvGrpSpPr>
-      <p:grpSpPr>
-        <a:xfrm>
-          <a:off x="0" y="0"/>
-          <a:ext cx="0" cy="0"/>
-          <a:chOff x="0" y="0"/>
-          <a:chExt cx="0" cy="0"/>
-        </a:xfrm>
-      </p:grpSpPr>
       <p:pic>
         <p:nvPicPr>
-          <p:cNvPr id="1026" name="Picture 2" descr="http://wallblog.co.uk/files/2010/11/mw_marios_catering1.jpg"/>
-          <p:cNvPicPr>
-            <a:picLocks noChangeAspect="1" noChangeArrowheads="1"/>
-          </p:cNvPicPr>
-          <p:nvPr/>
-        </p:nvPicPr>
-        <p:blipFill>
-          <a:blip r:embed="rId2">
-            <a:extLst>
-              <a:ext uri="{28A0092B-C50C-407E-A947-70E740481C1C}">
-                <a14:useLocalDpi xmlns:a14="http://schemas.microsoft.com/office/drawing/2010/main" val="0"/>
-              </a:ext>
-            </a:extLst>
-          </a:blip>
-          <a:srcRect/>
-          <a:stretch>
-            <a:fillRect/>
-          </a:stretch>
-        </p:blipFill>
-        <p:spPr bwMode="auto">
-          <a:xfrm>
-            <a:off x="489857" y="1853944"/>
-            <a:ext cx="4912632" cy="4567493"/>
-          </a:xfrm>
-          <a:prstGeom prst="rect">
-            <a:avLst/>
-          </a:prstGeom>
-          <a:noFill/>
-          <a:extLst>
-            <a:ext uri="{909E8E84-426E-40DD-AFC4-6F175D3DCCD1}">
-              <a14:hiddenFill xmlns:a14="http://schemas.microsoft.com/office/drawing/2010/main">
-                <a:solidFill>
-                  <a:srgbClr val="FFFFFF"/>
-                </a:solidFill>
-              </a14:hiddenFill>
-            </a:ext>
-          </a:extLst>
-        </p:spPr>
-      </p:pic>
-      <p:sp>
-        <p:nvSpPr>
-          <p:cNvPr id="4" name="TextBox 3"/>
-          <p:cNvSpPr txBox="1"/>
-          <p:nvPr/>
-        </p:nvSpPr>
-        <p:spPr>
-          <a:xfrm>
-            <a:off x="2699658" y="359228"/>
-            <a:ext cx="6663876" cy="1107996"/>
-          </a:xfrm>
-          <a:prstGeom prst="rect">
-            <a:avLst/>
-          </a:prstGeom>
-          <a:noFill/>
-        </p:spPr>
-        <p:txBody>
-          <a:bodyPr wrap="none" rtlCol="0">
-            <a:spAutoFit/>
-          </a:bodyPr>
-          <a:lstStyle/>
-          <a:p>
-            <a:r>
-              <a:rPr lang="pl-PL" sz="6600" dirty="0" smtClean="0"/>
-              <a:t>Historia – lata 90te</a:t>
-            </a:r>
-            <a:endParaRPr lang="pl-PL" sz="6600" dirty="0"/>
-          </a:p>
-        </p:txBody>
-      </p:sp>
-      <p:pic>
-        <p:nvPicPr>
-          <p:cNvPr id="1028" name="Picture 4" descr="http://3.bp.blogspot.com/-KKkvH3NC7ww/TnjvoG4l_uI/AAAAAAAAAEY/VAuEHgQ1Va4/s1600/worst-website-ever.jpg"/>
+          <p:cNvPr id="1027" name="Picture 3"/>
           <p:cNvPicPr>
             <a:picLocks noChangeAspect="1" noChangeArrowheads="1"/>
           </p:cNvPicPr>
@@ -16316,127 +16593,8 @@
         </p:blipFill>
         <p:spPr bwMode="auto">
           <a:xfrm>
-            <a:off x="5667388" y="2166257"/>
-            <a:ext cx="6209972" cy="3421063"/>
-          </a:xfrm>
-          <a:prstGeom prst="rect">
-            <a:avLst/>
-          </a:prstGeom>
-          <a:noFill/>
-          <a:extLst>
-            <a:ext uri="{909E8E84-426E-40DD-AFC4-6F175D3DCCD1}">
-              <a14:hiddenFill xmlns:a14="http://schemas.microsoft.com/office/drawing/2010/main">
-                <a:solidFill>
-                  <a:srgbClr val="FFFFFF"/>
-                </a:solidFill>
-              </a14:hiddenFill>
-            </a:ext>
-          </a:extLst>
-        </p:spPr>
-      </p:pic>
-      <p:sp>
-        <p:nvSpPr>
-          <p:cNvPr id="2" name="Footer Placeholder 1"/>
-          <p:cNvSpPr>
-            <a:spLocks noGrp="1"/>
-          </p:cNvSpPr>
-          <p:nvPr>
-            <p:ph type="ftr" sz="quarter" idx="11"/>
-          </p:nvPr>
-        </p:nvSpPr>
-        <p:spPr/>
-        <p:txBody>
-          <a:bodyPr/>
-          <a:lstStyle/>
-          <a:p>
-            <a:r>
-              <a:rPr lang="pl-PL" smtClean="0"/>
-              <a:t>Quid novi? ECMAScript 6! / Hubert Zub / hubert.zub@gmail.com</a:t>
-            </a:r>
-            <a:endParaRPr lang="pl-PL"/>
-          </a:p>
-        </p:txBody>
-      </p:sp>
-    </p:spTree>
-    <p:extLst>
-      <p:ext uri="{BB962C8B-B14F-4D97-AF65-F5344CB8AC3E}">
-        <p14:creationId xmlns:p14="http://schemas.microsoft.com/office/powerpoint/2010/main" val="1220439425"/>
-      </p:ext>
-    </p:extLst>
-  </p:cSld>
-  <p:clrMapOvr>
-    <a:masterClrMapping/>
-  </p:clrMapOvr>
-</p:sld>
-</file>
-
-<file path=ppt/slides/slide30.xml><?xml version="1.0" encoding="utf-8"?>
-<p:sld xmlns:a="http://schemas.openxmlformats.org/drawingml/2006/main" xmlns:r="http://schemas.openxmlformats.org/officeDocument/2006/relationships" xmlns:p="http://schemas.openxmlformats.org/presentationml/2006/main">
-  <p:cSld>
-    <p:spTree>
-      <p:nvGrpSpPr>
-        <p:cNvPr id="1" name=""/>
-        <p:cNvGrpSpPr/>
-        <p:nvPr/>
-      </p:nvGrpSpPr>
-      <p:grpSpPr>
-        <a:xfrm>
-          <a:off x="0" y="0"/>
-          <a:ext cx="0" cy="0"/>
-          <a:chOff x="0" y="0"/>
-          <a:chExt cx="0" cy="0"/>
-        </a:xfrm>
-      </p:grpSpPr>
-      <p:sp>
-        <p:nvSpPr>
-          <p:cNvPr id="2" name="Title 1"/>
-          <p:cNvSpPr>
-            <a:spLocks noGrp="1"/>
-          </p:cNvSpPr>
-          <p:nvPr>
-            <p:ph type="title"/>
-          </p:nvPr>
-        </p:nvSpPr>
-        <p:spPr/>
-        <p:txBody>
-          <a:bodyPr/>
-          <a:lstStyle/>
-          <a:p>
-            <a:r>
-              <a:rPr lang="pl-PL" dirty="0" smtClean="0"/>
-              <a:t>Promises / deferred c.d.</a:t>
-            </a:r>
-            <a:endParaRPr lang="pl-PL" dirty="0"/>
-          </a:p>
-        </p:txBody>
-      </p:sp>
-      <p:pic>
-        <p:nvPicPr>
-          <p:cNvPr id="2050" name="Picture 2"/>
-          <p:cNvPicPr>
-            <a:picLocks noGrp="1" noChangeAspect="1" noChangeArrowheads="1"/>
-          </p:cNvPicPr>
-          <p:nvPr>
-            <p:ph idx="1"/>
-          </p:nvPr>
-        </p:nvPicPr>
-        <p:blipFill>
-          <a:blip r:embed="rId2">
-            <a:extLst>
-              <a:ext uri="{28A0092B-C50C-407E-A947-70E740481C1C}">
-                <a14:useLocalDpi xmlns:a14="http://schemas.microsoft.com/office/drawing/2010/main" val="0"/>
-              </a:ext>
-            </a:extLst>
-          </a:blip>
-          <a:srcRect/>
-          <a:stretch>
-            <a:fillRect/>
-          </a:stretch>
-        </p:blipFill>
-        <p:spPr bwMode="auto">
-          <a:xfrm>
-            <a:off x="949393" y="1634237"/>
-            <a:ext cx="5079268" cy="4723349"/>
+            <a:off x="6225623" y="1556441"/>
+            <a:ext cx="4762500" cy="2486025"/>
           </a:xfrm>
           <a:prstGeom prst="rect">
             <a:avLst/>
@@ -16478,31 +16636,1408 @@
       </p:pic>
       <p:sp>
         <p:nvSpPr>
-          <p:cNvPr id="3" name="Footer Placeholder 2"/>
-          <p:cNvSpPr>
-            <a:spLocks noGrp="1"/>
-          </p:cNvSpPr>
-          <p:nvPr>
-            <p:ph type="ftr" sz="quarter" idx="11"/>
-          </p:nvPr>
-        </p:nvSpPr>
-        <p:spPr/>
-        <p:txBody>
-          <a:bodyPr/>
-          <a:lstStyle/>
-          <a:p>
-            <a:r>
-              <a:rPr lang="pl-PL" smtClean="0"/>
-              <a:t>Quid novi? ECMAScript 6! / Hubert Zub / hubert.zub@gmail.com</a:t>
-            </a:r>
-            <a:endParaRPr lang="pl-PL"/>
+          <p:cNvPr id="6" name="TextBox 5"/>
+          <p:cNvSpPr txBox="1"/>
+          <p:nvPr/>
+        </p:nvSpPr>
+        <p:spPr>
+          <a:xfrm>
+            <a:off x="5466317" y="2313169"/>
+            <a:ext cx="673582" cy="923330"/>
+          </a:xfrm>
+          <a:prstGeom prst="rect">
+            <a:avLst/>
+          </a:prstGeom>
+          <a:noFill/>
+        </p:spPr>
+        <p:txBody>
+          <a:bodyPr wrap="none" rtlCol="0">
+            <a:spAutoFit/>
+          </a:bodyPr>
+          <a:lstStyle/>
+          <a:p>
+            <a:r>
+              <a:rPr lang="pl-PL" sz="5400" b="1" dirty="0" smtClean="0">
+                <a:latin typeface="Segoe UI" panose="020B0502040204020203" pitchFamily="34" charset="0"/>
+                <a:ea typeface="Segoe UI" panose="020B0502040204020203" pitchFamily="34" charset="0"/>
+                <a:cs typeface="Segoe UI" panose="020B0502040204020203" pitchFamily="34" charset="0"/>
+              </a:rPr>
+              <a:t>=</a:t>
+            </a:r>
+            <a:endParaRPr lang="en-US" sz="5400" b="1" dirty="0">
+              <a:latin typeface="Segoe UI" panose="020B0502040204020203" pitchFamily="34" charset="0"/>
+              <a:ea typeface="Segoe UI" panose="020B0502040204020203" pitchFamily="34" charset="0"/>
+              <a:cs typeface="Segoe UI" panose="020B0502040204020203" pitchFamily="34" charset="0"/>
+            </a:endParaRPr>
           </a:p>
         </p:txBody>
       </p:sp>
     </p:spTree>
     <p:extLst>
       <p:ext uri="{BB962C8B-B14F-4D97-AF65-F5344CB8AC3E}">
-        <p14:creationId xmlns:p14="http://schemas.microsoft.com/office/powerpoint/2010/main" val="1287400899"/>
+        <p14:creationId xmlns:p14="http://schemas.microsoft.com/office/powerpoint/2010/main" val="3817473938"/>
+      </p:ext>
+    </p:extLst>
+  </p:cSld>
+  <p:clrMapOvr>
+    <a:masterClrMapping/>
+  </p:clrMapOvr>
+  <p:timing>
+    <p:tnLst>
+      <p:par>
+        <p:cTn id="1" dur="indefinite" restart="never" nodeType="tmRoot"/>
+      </p:par>
+    </p:tnLst>
+  </p:timing>
+</p:sld>
+</file>
+
+<file path=ppt/slides/slide24.xml><?xml version="1.0" encoding="utf-8"?>
+<p:sld xmlns:a="http://schemas.openxmlformats.org/drawingml/2006/main" xmlns:r="http://schemas.openxmlformats.org/officeDocument/2006/relationships" xmlns:p="http://schemas.openxmlformats.org/presentationml/2006/main">
+  <p:cSld>
+    <p:spTree>
+      <p:nvGrpSpPr>
+        <p:cNvPr id="1" name=""/>
+        <p:cNvGrpSpPr/>
+        <p:nvPr/>
+      </p:nvGrpSpPr>
+      <p:grpSpPr>
+        <a:xfrm>
+          <a:off x="0" y="0"/>
+          <a:ext cx="0" cy="0"/>
+          <a:chOff x="0" y="0"/>
+          <a:chExt cx="0" cy="0"/>
+        </a:xfrm>
+      </p:grpSpPr>
+      <p:sp>
+        <p:nvSpPr>
+          <p:cNvPr id="2" name="Title 1"/>
+          <p:cNvSpPr>
+            <a:spLocks noGrp="1"/>
+          </p:cNvSpPr>
+          <p:nvPr>
+            <p:ph type="title"/>
+          </p:nvPr>
+        </p:nvSpPr>
+        <p:spPr/>
+        <p:txBody>
+          <a:bodyPr/>
+          <a:lstStyle/>
+          <a:p>
+            <a:r>
+              <a:rPr lang="pl-PL" dirty="0" smtClean="0">
+                <a:latin typeface="Segoe UI" panose="020B0502040204020203" pitchFamily="34" charset="0"/>
+                <a:ea typeface="Segoe UI" panose="020B0502040204020203" pitchFamily="34" charset="0"/>
+                <a:cs typeface="Segoe UI" panose="020B0502040204020203" pitchFamily="34" charset="0"/>
+              </a:rPr>
+              <a:t>4) </a:t>
+            </a:r>
+            <a:r>
+              <a:rPr lang="pl-PL" dirty="0" err="1" smtClean="0">
+                <a:latin typeface="Segoe UI" panose="020B0502040204020203" pitchFamily="34" charset="0"/>
+                <a:ea typeface="Segoe UI" panose="020B0502040204020203" pitchFamily="34" charset="0"/>
+                <a:cs typeface="Segoe UI" panose="020B0502040204020203" pitchFamily="34" charset="0"/>
+              </a:rPr>
+              <a:t>Template</a:t>
+            </a:r>
+            <a:r>
+              <a:rPr lang="pl-PL" dirty="0" smtClean="0">
+                <a:latin typeface="Segoe UI" panose="020B0502040204020203" pitchFamily="34" charset="0"/>
+                <a:ea typeface="Segoe UI" panose="020B0502040204020203" pitchFamily="34" charset="0"/>
+                <a:cs typeface="Segoe UI" panose="020B0502040204020203" pitchFamily="34" charset="0"/>
+              </a:rPr>
+              <a:t> </a:t>
+            </a:r>
+            <a:r>
+              <a:rPr lang="pl-PL" dirty="0" err="1" smtClean="0">
+                <a:latin typeface="Segoe UI" panose="020B0502040204020203" pitchFamily="34" charset="0"/>
+                <a:ea typeface="Segoe UI" panose="020B0502040204020203" pitchFamily="34" charset="0"/>
+                <a:cs typeface="Segoe UI" panose="020B0502040204020203" pitchFamily="34" charset="0"/>
+              </a:rPr>
+              <a:t>strings</a:t>
+            </a:r>
+            <a:r>
+              <a:rPr lang="pl-PL" dirty="0" smtClean="0">
+                <a:latin typeface="Segoe UI" panose="020B0502040204020203" pitchFamily="34" charset="0"/>
+                <a:ea typeface="Segoe UI" panose="020B0502040204020203" pitchFamily="34" charset="0"/>
+                <a:cs typeface="Segoe UI" panose="020B0502040204020203" pitchFamily="34" charset="0"/>
+              </a:rPr>
+              <a:t> &amp; </a:t>
+            </a:r>
+            <a:r>
+              <a:rPr lang="pl-PL" dirty="0" err="1" smtClean="0">
+                <a:latin typeface="Segoe UI" panose="020B0502040204020203" pitchFamily="34" charset="0"/>
+                <a:ea typeface="Segoe UI" panose="020B0502040204020203" pitchFamily="34" charset="0"/>
+                <a:cs typeface="Segoe UI" panose="020B0502040204020203" pitchFamily="34" charset="0"/>
+              </a:rPr>
+              <a:t>multiline</a:t>
+            </a:r>
+            <a:r>
+              <a:rPr lang="pl-PL" dirty="0" smtClean="0">
+                <a:latin typeface="Segoe UI" panose="020B0502040204020203" pitchFamily="34" charset="0"/>
+                <a:ea typeface="Segoe UI" panose="020B0502040204020203" pitchFamily="34" charset="0"/>
+                <a:cs typeface="Segoe UI" panose="020B0502040204020203" pitchFamily="34" charset="0"/>
+              </a:rPr>
+              <a:t> </a:t>
+            </a:r>
+            <a:r>
+              <a:rPr lang="pl-PL" dirty="0" err="1" smtClean="0">
+                <a:latin typeface="Segoe UI" panose="020B0502040204020203" pitchFamily="34" charset="0"/>
+                <a:ea typeface="Segoe UI" panose="020B0502040204020203" pitchFamily="34" charset="0"/>
+                <a:cs typeface="Segoe UI" panose="020B0502040204020203" pitchFamily="34" charset="0"/>
+              </a:rPr>
+              <a:t>strings</a:t>
+            </a:r>
+            <a:endParaRPr lang="pl-PL" dirty="0">
+              <a:latin typeface="Segoe UI" panose="020B0502040204020203" pitchFamily="34" charset="0"/>
+              <a:ea typeface="Segoe UI" panose="020B0502040204020203" pitchFamily="34" charset="0"/>
+              <a:cs typeface="Segoe UI" panose="020B0502040204020203" pitchFamily="34" charset="0"/>
+            </a:endParaRPr>
+          </a:p>
+        </p:txBody>
+      </p:sp>
+      <p:pic>
+        <p:nvPicPr>
+          <p:cNvPr id="6" name="Content Placeholder 5"/>
+          <p:cNvPicPr>
+            <a:picLocks noGrp="1" noChangeAspect="1"/>
+          </p:cNvPicPr>
+          <p:nvPr>
+            <p:ph idx="1"/>
+          </p:nvPr>
+        </p:nvPicPr>
+        <p:blipFill>
+          <a:blip r:embed="rId2"/>
+          <a:stretch>
+            <a:fillRect/>
+          </a:stretch>
+        </p:blipFill>
+        <p:spPr>
+          <a:xfrm>
+            <a:off x="987059" y="1609452"/>
+            <a:ext cx="7816265" cy="4004538"/>
+          </a:xfrm>
+          <a:prstGeom prst="rect">
+            <a:avLst/>
+          </a:prstGeom>
+        </p:spPr>
+      </p:pic>
+      <p:sp>
+        <p:nvSpPr>
+          <p:cNvPr id="3" name="Footer Placeholder 2"/>
+          <p:cNvSpPr>
+            <a:spLocks noGrp="1"/>
+          </p:cNvSpPr>
+          <p:nvPr>
+            <p:ph type="ftr" sz="quarter" idx="11"/>
+          </p:nvPr>
+        </p:nvSpPr>
+        <p:spPr/>
+        <p:txBody>
+          <a:bodyPr/>
+          <a:lstStyle/>
+          <a:p>
+            <a:r>
+              <a:rPr lang="pl-PL" smtClean="0">
+                <a:latin typeface="Segoe UI" panose="020B0502040204020203" pitchFamily="34" charset="0"/>
+                <a:ea typeface="Segoe UI" panose="020B0502040204020203" pitchFamily="34" charset="0"/>
+                <a:cs typeface="Segoe UI" panose="020B0502040204020203" pitchFamily="34" charset="0"/>
+              </a:rPr>
+              <a:t>Quid novi? ECMAScript 6! / Hubert Zub / hubert.zub@gmail.com</a:t>
+            </a:r>
+            <a:endParaRPr lang="pl-PL">
+              <a:latin typeface="Segoe UI" panose="020B0502040204020203" pitchFamily="34" charset="0"/>
+              <a:ea typeface="Segoe UI" panose="020B0502040204020203" pitchFamily="34" charset="0"/>
+              <a:cs typeface="Segoe UI" panose="020B0502040204020203" pitchFamily="34" charset="0"/>
+            </a:endParaRPr>
+          </a:p>
+        </p:txBody>
+      </p:sp>
+    </p:spTree>
+    <p:extLst>
+      <p:ext uri="{BB962C8B-B14F-4D97-AF65-F5344CB8AC3E}">
+        <p14:creationId xmlns:p14="http://schemas.microsoft.com/office/powerpoint/2010/main" val="3129431087"/>
+      </p:ext>
+    </p:extLst>
+  </p:cSld>
+  <p:clrMapOvr>
+    <a:masterClrMapping/>
+  </p:clrMapOvr>
+  <p:timing>
+    <p:tnLst>
+      <p:par>
+        <p:cTn id="1" dur="indefinite" restart="never" nodeType="tmRoot"/>
+      </p:par>
+    </p:tnLst>
+  </p:timing>
+</p:sld>
+</file>
+
+<file path=ppt/slides/slide25.xml><?xml version="1.0" encoding="utf-8"?>
+<p:sld xmlns:a="http://schemas.openxmlformats.org/drawingml/2006/main" xmlns:r="http://schemas.openxmlformats.org/officeDocument/2006/relationships" xmlns:p="http://schemas.openxmlformats.org/presentationml/2006/main">
+  <p:cSld>
+    <p:spTree>
+      <p:nvGrpSpPr>
+        <p:cNvPr id="1" name=""/>
+        <p:cNvGrpSpPr/>
+        <p:nvPr/>
+      </p:nvGrpSpPr>
+      <p:grpSpPr>
+        <a:xfrm>
+          <a:off x="0" y="0"/>
+          <a:ext cx="0" cy="0"/>
+          <a:chOff x="0" y="0"/>
+          <a:chExt cx="0" cy="0"/>
+        </a:xfrm>
+      </p:grpSpPr>
+      <p:sp>
+        <p:nvSpPr>
+          <p:cNvPr id="2" name="Title 1"/>
+          <p:cNvSpPr>
+            <a:spLocks noGrp="1"/>
+          </p:cNvSpPr>
+          <p:nvPr>
+            <p:ph type="title"/>
+          </p:nvPr>
+        </p:nvSpPr>
+        <p:spPr/>
+        <p:txBody>
+          <a:bodyPr/>
+          <a:lstStyle/>
+          <a:p>
+            <a:r>
+              <a:rPr lang="pl-PL" dirty="0" smtClean="0">
+                <a:latin typeface="Segoe UI" panose="020B0502040204020203" pitchFamily="34" charset="0"/>
+                <a:ea typeface="Segoe UI" panose="020B0502040204020203" pitchFamily="34" charset="0"/>
+                <a:cs typeface="Segoe UI" panose="020B0502040204020203" pitchFamily="34" charset="0"/>
+              </a:rPr>
+              <a:t>5) </a:t>
+            </a:r>
+            <a:r>
+              <a:rPr lang="pl-PL" dirty="0" err="1" smtClean="0">
+                <a:latin typeface="Segoe UI" panose="020B0502040204020203" pitchFamily="34" charset="0"/>
+                <a:ea typeface="Segoe UI" panose="020B0502040204020203" pitchFamily="34" charset="0"/>
+                <a:cs typeface="Segoe UI" panose="020B0502040204020203" pitchFamily="34" charset="0"/>
+              </a:rPr>
+              <a:t>Let</a:t>
+            </a:r>
+            <a:endParaRPr lang="pl-PL" dirty="0">
+              <a:latin typeface="Segoe UI" panose="020B0502040204020203" pitchFamily="34" charset="0"/>
+              <a:ea typeface="Segoe UI" panose="020B0502040204020203" pitchFamily="34" charset="0"/>
+              <a:cs typeface="Segoe UI" panose="020B0502040204020203" pitchFamily="34" charset="0"/>
+            </a:endParaRPr>
+          </a:p>
+        </p:txBody>
+      </p:sp>
+      <p:sp>
+        <p:nvSpPr>
+          <p:cNvPr id="3" name="Footer Placeholder 2"/>
+          <p:cNvSpPr>
+            <a:spLocks noGrp="1"/>
+          </p:cNvSpPr>
+          <p:nvPr>
+            <p:ph type="ftr" sz="quarter" idx="11"/>
+          </p:nvPr>
+        </p:nvSpPr>
+        <p:spPr/>
+        <p:txBody>
+          <a:bodyPr/>
+          <a:lstStyle/>
+          <a:p>
+            <a:r>
+              <a:rPr lang="pl-PL" smtClean="0">
+                <a:latin typeface="Segoe UI" panose="020B0502040204020203" pitchFamily="34" charset="0"/>
+                <a:ea typeface="Segoe UI" panose="020B0502040204020203" pitchFamily="34" charset="0"/>
+                <a:cs typeface="Segoe UI" panose="020B0502040204020203" pitchFamily="34" charset="0"/>
+              </a:rPr>
+              <a:t>Quid novi? ECMAScript 6! / Hubert Zub / hubert.zub@gmail.com</a:t>
+            </a:r>
+            <a:endParaRPr lang="pl-PL">
+              <a:latin typeface="Segoe UI" panose="020B0502040204020203" pitchFamily="34" charset="0"/>
+              <a:ea typeface="Segoe UI" panose="020B0502040204020203" pitchFamily="34" charset="0"/>
+              <a:cs typeface="Segoe UI" panose="020B0502040204020203" pitchFamily="34" charset="0"/>
+            </a:endParaRPr>
+          </a:p>
+        </p:txBody>
+      </p:sp>
+      <p:pic>
+        <p:nvPicPr>
+          <p:cNvPr id="2050" name="Picture 2"/>
+          <p:cNvPicPr>
+            <a:picLocks noChangeAspect="1" noChangeArrowheads="1"/>
+          </p:cNvPicPr>
+          <p:nvPr/>
+        </p:nvPicPr>
+        <p:blipFill>
+          <a:blip r:embed="rId2">
+            <a:extLst>
+              <a:ext uri="{28A0092B-C50C-407E-A947-70E740481C1C}">
+                <a14:useLocalDpi xmlns:a14="http://schemas.microsoft.com/office/drawing/2010/main" val="0"/>
+              </a:ext>
+            </a:extLst>
+          </a:blip>
+          <a:srcRect/>
+          <a:stretch>
+            <a:fillRect/>
+          </a:stretch>
+        </p:blipFill>
+        <p:spPr bwMode="auto">
+          <a:xfrm>
+            <a:off x="939063" y="2308741"/>
+            <a:ext cx="7250113" cy="2921000"/>
+          </a:xfrm>
+          <a:prstGeom prst="rect">
+            <a:avLst/>
+          </a:prstGeom>
+          <a:noFill/>
+          <a:ln>
+            <a:noFill/>
+          </a:ln>
+          <a:effectLst/>
+          <a:extLst>
+            <a:ext uri="{909E8E84-426E-40DD-AFC4-6F175D3DCCD1}">
+              <a14:hiddenFill xmlns:a14="http://schemas.microsoft.com/office/drawing/2010/main">
+                <a:solidFill>
+                  <a:schemeClr val="accent1"/>
+                </a:solidFill>
+              </a14:hiddenFill>
+            </a:ext>
+            <a:ext uri="{91240B29-F687-4F45-9708-019B960494DF}">
+              <a14:hiddenLine xmlns:a14="http://schemas.microsoft.com/office/drawing/2010/main" w="9525">
+                <a:solidFill>
+                  <a:schemeClr val="tx1"/>
+                </a:solidFill>
+                <a:miter lim="800000"/>
+                <a:headEnd/>
+                <a:tailEnd/>
+              </a14:hiddenLine>
+            </a:ext>
+            <a:ext uri="{AF507438-7753-43E0-B8FC-AC1667EBCBE1}">
+              <a14:hiddenEffects xmlns:a14="http://schemas.microsoft.com/office/drawing/2010/main">
+                <a:effectLst>
+                  <a:outerShdw dist="35921" dir="2700000" algn="ctr" rotWithShape="0">
+                    <a:schemeClr val="bg2"/>
+                  </a:outerShdw>
+                </a:effectLst>
+              </a14:hiddenEffects>
+            </a:ext>
+          </a:extLst>
+        </p:spPr>
+      </p:pic>
+      <p:sp>
+        <p:nvSpPr>
+          <p:cNvPr id="6" name="TextBox 5"/>
+          <p:cNvSpPr txBox="1"/>
+          <p:nvPr/>
+        </p:nvSpPr>
+        <p:spPr>
+          <a:xfrm>
+            <a:off x="939063" y="1705413"/>
+            <a:ext cx="1617751" cy="523220"/>
+          </a:xfrm>
+          <a:prstGeom prst="rect">
+            <a:avLst/>
+          </a:prstGeom>
+          <a:noFill/>
+        </p:spPr>
+        <p:txBody>
+          <a:bodyPr wrap="none" rtlCol="0">
+            <a:spAutoFit/>
+          </a:bodyPr>
+          <a:lstStyle/>
+          <a:p>
+            <a:r>
+              <a:rPr lang="pl-PL" sz="2800" dirty="0" smtClean="0">
+                <a:latin typeface="Segoe UI" panose="020B0502040204020203" pitchFamily="34" charset="0"/>
+                <a:ea typeface="Segoe UI" panose="020B0502040204020203" pitchFamily="34" charset="0"/>
+                <a:cs typeface="Segoe UI" panose="020B0502040204020203" pitchFamily="34" charset="0"/>
+              </a:rPr>
+              <a:t>Zagadka:</a:t>
+            </a:r>
+            <a:endParaRPr lang="en-US" sz="2800" dirty="0">
+              <a:latin typeface="Segoe UI" panose="020B0502040204020203" pitchFamily="34" charset="0"/>
+              <a:ea typeface="Segoe UI" panose="020B0502040204020203" pitchFamily="34" charset="0"/>
+              <a:cs typeface="Segoe UI" panose="020B0502040204020203" pitchFamily="34" charset="0"/>
+            </a:endParaRPr>
+          </a:p>
+        </p:txBody>
+      </p:sp>
+    </p:spTree>
+    <p:extLst>
+      <p:ext uri="{BB962C8B-B14F-4D97-AF65-F5344CB8AC3E}">
+        <p14:creationId xmlns:p14="http://schemas.microsoft.com/office/powerpoint/2010/main" val="343889763"/>
+      </p:ext>
+    </p:extLst>
+  </p:cSld>
+  <p:clrMapOvr>
+    <a:masterClrMapping/>
+  </p:clrMapOvr>
+  <p:timing>
+    <p:tnLst>
+      <p:par>
+        <p:cTn id="1" dur="indefinite" restart="never" nodeType="tmRoot"/>
+      </p:par>
+    </p:tnLst>
+  </p:timing>
+</p:sld>
+</file>
+
+<file path=ppt/slides/slide26.xml><?xml version="1.0" encoding="utf-8"?>
+<p:sld xmlns:a="http://schemas.openxmlformats.org/drawingml/2006/main" xmlns:r="http://schemas.openxmlformats.org/officeDocument/2006/relationships" xmlns:p="http://schemas.openxmlformats.org/presentationml/2006/main">
+  <p:cSld>
+    <p:spTree>
+      <p:nvGrpSpPr>
+        <p:cNvPr id="1" name=""/>
+        <p:cNvGrpSpPr/>
+        <p:nvPr/>
+      </p:nvGrpSpPr>
+      <p:grpSpPr>
+        <a:xfrm>
+          <a:off x="0" y="0"/>
+          <a:ext cx="0" cy="0"/>
+          <a:chOff x="0" y="0"/>
+          <a:chExt cx="0" cy="0"/>
+        </a:xfrm>
+      </p:grpSpPr>
+      <p:sp>
+        <p:nvSpPr>
+          <p:cNvPr id="2" name="Title 1"/>
+          <p:cNvSpPr>
+            <a:spLocks noGrp="1"/>
+          </p:cNvSpPr>
+          <p:nvPr>
+            <p:ph type="title"/>
+          </p:nvPr>
+        </p:nvSpPr>
+        <p:spPr/>
+        <p:txBody>
+          <a:bodyPr/>
+          <a:lstStyle/>
+          <a:p>
+            <a:r>
+              <a:rPr lang="pl-PL" dirty="0" smtClean="0">
+                <a:latin typeface="Segoe UI" panose="020B0502040204020203" pitchFamily="34" charset="0"/>
+                <a:ea typeface="Segoe UI" panose="020B0502040204020203" pitchFamily="34" charset="0"/>
+                <a:cs typeface="Segoe UI" panose="020B0502040204020203" pitchFamily="34" charset="0"/>
+              </a:rPr>
+              <a:t>Let c.d.</a:t>
+            </a:r>
+            <a:endParaRPr lang="pl-PL" dirty="0">
+              <a:latin typeface="Segoe UI" panose="020B0502040204020203" pitchFamily="34" charset="0"/>
+              <a:ea typeface="Segoe UI" panose="020B0502040204020203" pitchFamily="34" charset="0"/>
+              <a:cs typeface="Segoe UI" panose="020B0502040204020203" pitchFamily="34" charset="0"/>
+            </a:endParaRPr>
+          </a:p>
+        </p:txBody>
+      </p:sp>
+      <p:pic>
+        <p:nvPicPr>
+          <p:cNvPr id="4" name="Content Placeholder 3"/>
+          <p:cNvPicPr>
+            <a:picLocks noGrp="1" noChangeAspect="1"/>
+          </p:cNvPicPr>
+          <p:nvPr>
+            <p:ph idx="1"/>
+          </p:nvPr>
+        </p:nvPicPr>
+        <p:blipFill>
+          <a:blip r:embed="rId2"/>
+          <a:stretch>
+            <a:fillRect/>
+          </a:stretch>
+        </p:blipFill>
+        <p:spPr>
+          <a:xfrm>
+            <a:off x="944523" y="1616119"/>
+            <a:ext cx="7667847" cy="4555932"/>
+          </a:xfrm>
+          <a:prstGeom prst="rect">
+            <a:avLst/>
+          </a:prstGeom>
+        </p:spPr>
+      </p:pic>
+      <p:sp>
+        <p:nvSpPr>
+          <p:cNvPr id="3" name="Footer Placeholder 2"/>
+          <p:cNvSpPr>
+            <a:spLocks noGrp="1"/>
+          </p:cNvSpPr>
+          <p:nvPr>
+            <p:ph type="ftr" sz="quarter" idx="11"/>
+          </p:nvPr>
+        </p:nvSpPr>
+        <p:spPr/>
+        <p:txBody>
+          <a:bodyPr/>
+          <a:lstStyle/>
+          <a:p>
+            <a:r>
+              <a:rPr lang="pl-PL" smtClean="0">
+                <a:latin typeface="Segoe UI" panose="020B0502040204020203" pitchFamily="34" charset="0"/>
+                <a:ea typeface="Segoe UI" panose="020B0502040204020203" pitchFamily="34" charset="0"/>
+                <a:cs typeface="Segoe UI" panose="020B0502040204020203" pitchFamily="34" charset="0"/>
+              </a:rPr>
+              <a:t>Quid novi? ECMAScript 6! / Hubert Zub / hubert.zub@gmail.com</a:t>
+            </a:r>
+            <a:endParaRPr lang="pl-PL">
+              <a:latin typeface="Segoe UI" panose="020B0502040204020203" pitchFamily="34" charset="0"/>
+              <a:ea typeface="Segoe UI" panose="020B0502040204020203" pitchFamily="34" charset="0"/>
+              <a:cs typeface="Segoe UI" panose="020B0502040204020203" pitchFamily="34" charset="0"/>
+            </a:endParaRPr>
+          </a:p>
+        </p:txBody>
+      </p:sp>
+    </p:spTree>
+    <p:extLst>
+      <p:ext uri="{BB962C8B-B14F-4D97-AF65-F5344CB8AC3E}">
+        <p14:creationId xmlns:p14="http://schemas.microsoft.com/office/powerpoint/2010/main" val="831148697"/>
+      </p:ext>
+    </p:extLst>
+  </p:cSld>
+  <p:clrMapOvr>
+    <a:masterClrMapping/>
+  </p:clrMapOvr>
+  <p:timing>
+    <p:tnLst>
+      <p:par>
+        <p:cTn id="1" dur="indefinite" restart="never" nodeType="tmRoot"/>
+      </p:par>
+    </p:tnLst>
+  </p:timing>
+</p:sld>
+</file>
+
+<file path=ppt/slides/slide27.xml><?xml version="1.0" encoding="utf-8"?>
+<p:sld xmlns:a="http://schemas.openxmlformats.org/drawingml/2006/main" xmlns:r="http://schemas.openxmlformats.org/officeDocument/2006/relationships" xmlns:p="http://schemas.openxmlformats.org/presentationml/2006/main">
+  <p:cSld>
+    <p:spTree>
+      <p:nvGrpSpPr>
+        <p:cNvPr id="1" name=""/>
+        <p:cNvGrpSpPr/>
+        <p:nvPr/>
+      </p:nvGrpSpPr>
+      <p:grpSpPr>
+        <a:xfrm>
+          <a:off x="0" y="0"/>
+          <a:ext cx="0" cy="0"/>
+          <a:chOff x="0" y="0"/>
+          <a:chExt cx="0" cy="0"/>
+        </a:xfrm>
+      </p:grpSpPr>
+      <p:sp>
+        <p:nvSpPr>
+          <p:cNvPr id="2" name="Title 1"/>
+          <p:cNvSpPr>
+            <a:spLocks noGrp="1"/>
+          </p:cNvSpPr>
+          <p:nvPr>
+            <p:ph type="title"/>
+          </p:nvPr>
+        </p:nvSpPr>
+        <p:spPr/>
+        <p:txBody>
+          <a:bodyPr/>
+          <a:lstStyle/>
+          <a:p>
+            <a:r>
+              <a:rPr lang="pl-PL" dirty="0" smtClean="0">
+                <a:latin typeface="Segoe UI" panose="020B0502040204020203" pitchFamily="34" charset="0"/>
+                <a:ea typeface="Segoe UI" panose="020B0502040204020203" pitchFamily="34" charset="0"/>
+                <a:cs typeface="Segoe UI" panose="020B0502040204020203" pitchFamily="34" charset="0"/>
+              </a:rPr>
+              <a:t>6) </a:t>
+            </a:r>
+            <a:r>
+              <a:rPr lang="pl-PL" dirty="0" err="1" smtClean="0">
+                <a:latin typeface="Segoe UI" panose="020B0502040204020203" pitchFamily="34" charset="0"/>
+                <a:ea typeface="Segoe UI" panose="020B0502040204020203" pitchFamily="34" charset="0"/>
+                <a:cs typeface="Segoe UI" panose="020B0502040204020203" pitchFamily="34" charset="0"/>
+              </a:rPr>
+              <a:t>Const</a:t>
+            </a:r>
+            <a:endParaRPr lang="pl-PL" dirty="0">
+              <a:latin typeface="Segoe UI" panose="020B0502040204020203" pitchFamily="34" charset="0"/>
+              <a:ea typeface="Segoe UI" panose="020B0502040204020203" pitchFamily="34" charset="0"/>
+              <a:cs typeface="Segoe UI" panose="020B0502040204020203" pitchFamily="34" charset="0"/>
+            </a:endParaRPr>
+          </a:p>
+        </p:txBody>
+      </p:sp>
+      <p:sp>
+        <p:nvSpPr>
+          <p:cNvPr id="3" name="Footer Placeholder 2"/>
+          <p:cNvSpPr>
+            <a:spLocks noGrp="1"/>
+          </p:cNvSpPr>
+          <p:nvPr>
+            <p:ph type="ftr" sz="quarter" idx="11"/>
+          </p:nvPr>
+        </p:nvSpPr>
+        <p:spPr/>
+        <p:txBody>
+          <a:bodyPr/>
+          <a:lstStyle/>
+          <a:p>
+            <a:r>
+              <a:rPr lang="pl-PL" smtClean="0">
+                <a:latin typeface="Segoe UI" panose="020B0502040204020203" pitchFamily="34" charset="0"/>
+                <a:ea typeface="Segoe UI" panose="020B0502040204020203" pitchFamily="34" charset="0"/>
+                <a:cs typeface="Segoe UI" panose="020B0502040204020203" pitchFamily="34" charset="0"/>
+              </a:rPr>
+              <a:t>Quid novi? ECMAScript 6! / Hubert Zub / hubert.zub@gmail.com</a:t>
+            </a:r>
+            <a:endParaRPr lang="pl-PL">
+              <a:latin typeface="Segoe UI" panose="020B0502040204020203" pitchFamily="34" charset="0"/>
+              <a:ea typeface="Segoe UI" panose="020B0502040204020203" pitchFamily="34" charset="0"/>
+              <a:cs typeface="Segoe UI" panose="020B0502040204020203" pitchFamily="34" charset="0"/>
+            </a:endParaRPr>
+          </a:p>
+        </p:txBody>
+      </p:sp>
+      <p:pic>
+        <p:nvPicPr>
+          <p:cNvPr id="3074" name="Picture 2"/>
+          <p:cNvPicPr>
+            <a:picLocks noChangeAspect="1" noChangeArrowheads="1"/>
+          </p:cNvPicPr>
+          <p:nvPr/>
+        </p:nvPicPr>
+        <p:blipFill>
+          <a:blip r:embed="rId2">
+            <a:extLst>
+              <a:ext uri="{28A0092B-C50C-407E-A947-70E740481C1C}">
+                <a14:useLocalDpi xmlns:a14="http://schemas.microsoft.com/office/drawing/2010/main" val="0"/>
+              </a:ext>
+            </a:extLst>
+          </a:blip>
+          <a:srcRect/>
+          <a:stretch>
+            <a:fillRect/>
+          </a:stretch>
+        </p:blipFill>
+        <p:spPr bwMode="auto">
+          <a:xfrm>
+            <a:off x="847061" y="1669312"/>
+            <a:ext cx="9523946" cy="1648045"/>
+          </a:xfrm>
+          <a:prstGeom prst="rect">
+            <a:avLst/>
+          </a:prstGeom>
+          <a:noFill/>
+          <a:ln>
+            <a:noFill/>
+          </a:ln>
+          <a:effectLst/>
+          <a:extLst>
+            <a:ext uri="{909E8E84-426E-40DD-AFC4-6F175D3DCCD1}">
+              <a14:hiddenFill xmlns:a14="http://schemas.microsoft.com/office/drawing/2010/main">
+                <a:solidFill>
+                  <a:schemeClr val="accent1"/>
+                </a:solidFill>
+              </a14:hiddenFill>
+            </a:ext>
+            <a:ext uri="{91240B29-F687-4F45-9708-019B960494DF}">
+              <a14:hiddenLine xmlns:a14="http://schemas.microsoft.com/office/drawing/2010/main" w="9525">
+                <a:solidFill>
+                  <a:schemeClr val="tx1"/>
+                </a:solidFill>
+                <a:miter lim="800000"/>
+                <a:headEnd/>
+                <a:tailEnd/>
+              </a14:hiddenLine>
+            </a:ext>
+            <a:ext uri="{AF507438-7753-43E0-B8FC-AC1667EBCBE1}">
+              <a14:hiddenEffects xmlns:a14="http://schemas.microsoft.com/office/drawing/2010/main">
+                <a:effectLst>
+                  <a:outerShdw dist="35921" dir="2700000" algn="ctr" rotWithShape="0">
+                    <a:schemeClr val="bg2"/>
+                  </a:outerShdw>
+                </a:effectLst>
+              </a14:hiddenEffects>
+            </a:ext>
+          </a:extLst>
+        </p:spPr>
+      </p:pic>
+    </p:spTree>
+    <p:extLst>
+      <p:ext uri="{BB962C8B-B14F-4D97-AF65-F5344CB8AC3E}">
+        <p14:creationId xmlns:p14="http://schemas.microsoft.com/office/powerpoint/2010/main" val="3041940068"/>
+      </p:ext>
+    </p:extLst>
+  </p:cSld>
+  <p:clrMapOvr>
+    <a:masterClrMapping/>
+  </p:clrMapOvr>
+  <p:timing>
+    <p:tnLst>
+      <p:par>
+        <p:cTn id="1" dur="indefinite" restart="never" nodeType="tmRoot"/>
+      </p:par>
+    </p:tnLst>
+  </p:timing>
+</p:sld>
+</file>
+
+<file path=ppt/slides/slide28.xml><?xml version="1.0" encoding="utf-8"?>
+<p:sld xmlns:a="http://schemas.openxmlformats.org/drawingml/2006/main" xmlns:r="http://schemas.openxmlformats.org/officeDocument/2006/relationships" xmlns:p="http://schemas.openxmlformats.org/presentationml/2006/main">
+  <p:cSld>
+    <p:spTree>
+      <p:nvGrpSpPr>
+        <p:cNvPr id="1" name=""/>
+        <p:cNvGrpSpPr/>
+        <p:nvPr/>
+      </p:nvGrpSpPr>
+      <p:grpSpPr>
+        <a:xfrm>
+          <a:off x="0" y="0"/>
+          <a:ext cx="0" cy="0"/>
+          <a:chOff x="0" y="0"/>
+          <a:chExt cx="0" cy="0"/>
+        </a:xfrm>
+      </p:grpSpPr>
+      <p:sp>
+        <p:nvSpPr>
+          <p:cNvPr id="2" name="Title 1"/>
+          <p:cNvSpPr>
+            <a:spLocks noGrp="1"/>
+          </p:cNvSpPr>
+          <p:nvPr>
+            <p:ph type="title"/>
+          </p:nvPr>
+        </p:nvSpPr>
+        <p:spPr/>
+        <p:txBody>
+          <a:bodyPr/>
+          <a:lstStyle/>
+          <a:p>
+            <a:r>
+              <a:rPr lang="pl-PL" dirty="0" smtClean="0">
+                <a:latin typeface="Segoe UI" panose="020B0502040204020203" pitchFamily="34" charset="0"/>
+                <a:ea typeface="Segoe UI" panose="020B0502040204020203" pitchFamily="34" charset="0"/>
+                <a:cs typeface="Segoe UI" panose="020B0502040204020203" pitchFamily="34" charset="0"/>
+              </a:rPr>
+              <a:t>7) </a:t>
+            </a:r>
+            <a:r>
+              <a:rPr lang="pl-PL" dirty="0" err="1" smtClean="0">
+                <a:latin typeface="Segoe UI" panose="020B0502040204020203" pitchFamily="34" charset="0"/>
+                <a:ea typeface="Segoe UI" panose="020B0502040204020203" pitchFamily="34" charset="0"/>
+                <a:cs typeface="Segoe UI" panose="020B0502040204020203" pitchFamily="34" charset="0"/>
+              </a:rPr>
+              <a:t>Iteratory</a:t>
+            </a:r>
+            <a:endParaRPr lang="pl-PL" dirty="0">
+              <a:latin typeface="Segoe UI" panose="020B0502040204020203" pitchFamily="34" charset="0"/>
+              <a:ea typeface="Segoe UI" panose="020B0502040204020203" pitchFamily="34" charset="0"/>
+              <a:cs typeface="Segoe UI" panose="020B0502040204020203" pitchFamily="34" charset="0"/>
+            </a:endParaRPr>
+          </a:p>
+        </p:txBody>
+      </p:sp>
+      <p:pic>
+        <p:nvPicPr>
+          <p:cNvPr id="7" name="Content Placeholder 6"/>
+          <p:cNvPicPr>
+            <a:picLocks noGrp="1" noChangeAspect="1"/>
+          </p:cNvPicPr>
+          <p:nvPr>
+            <p:ph idx="1"/>
+          </p:nvPr>
+        </p:nvPicPr>
+        <p:blipFill>
+          <a:blip r:embed="rId2"/>
+          <a:stretch>
+            <a:fillRect/>
+          </a:stretch>
+        </p:blipFill>
+        <p:spPr>
+          <a:xfrm>
+            <a:off x="838200" y="1977766"/>
+            <a:ext cx="10423699" cy="3008903"/>
+          </a:xfrm>
+          <a:prstGeom prst="rect">
+            <a:avLst/>
+          </a:prstGeom>
+        </p:spPr>
+      </p:pic>
+      <p:sp>
+        <p:nvSpPr>
+          <p:cNvPr id="3" name="Footer Placeholder 2"/>
+          <p:cNvSpPr>
+            <a:spLocks noGrp="1"/>
+          </p:cNvSpPr>
+          <p:nvPr>
+            <p:ph type="ftr" sz="quarter" idx="11"/>
+          </p:nvPr>
+        </p:nvSpPr>
+        <p:spPr/>
+        <p:txBody>
+          <a:bodyPr/>
+          <a:lstStyle/>
+          <a:p>
+            <a:r>
+              <a:rPr lang="pl-PL" smtClean="0">
+                <a:latin typeface="Segoe UI" panose="020B0502040204020203" pitchFamily="34" charset="0"/>
+                <a:ea typeface="Segoe UI" panose="020B0502040204020203" pitchFamily="34" charset="0"/>
+                <a:cs typeface="Segoe UI" panose="020B0502040204020203" pitchFamily="34" charset="0"/>
+              </a:rPr>
+              <a:t>Quid novi? ECMAScript 6! / Hubert Zub / hubert.zub@gmail.com</a:t>
+            </a:r>
+            <a:endParaRPr lang="pl-PL">
+              <a:latin typeface="Segoe UI" panose="020B0502040204020203" pitchFamily="34" charset="0"/>
+              <a:ea typeface="Segoe UI" panose="020B0502040204020203" pitchFamily="34" charset="0"/>
+              <a:cs typeface="Segoe UI" panose="020B0502040204020203" pitchFamily="34" charset="0"/>
+            </a:endParaRPr>
+          </a:p>
+        </p:txBody>
+      </p:sp>
+    </p:spTree>
+    <p:extLst>
+      <p:ext uri="{BB962C8B-B14F-4D97-AF65-F5344CB8AC3E}">
+        <p14:creationId xmlns:p14="http://schemas.microsoft.com/office/powerpoint/2010/main" val="2543268949"/>
+      </p:ext>
+    </p:extLst>
+  </p:cSld>
+  <p:clrMapOvr>
+    <a:masterClrMapping/>
+  </p:clrMapOvr>
+  <p:timing>
+    <p:tnLst>
+      <p:par>
+        <p:cTn id="1" dur="indefinite" restart="never" nodeType="tmRoot"/>
+      </p:par>
+    </p:tnLst>
+  </p:timing>
+</p:sld>
+</file>
+
+<file path=ppt/slides/slide29.xml><?xml version="1.0" encoding="utf-8"?>
+<p:sld xmlns:a="http://schemas.openxmlformats.org/drawingml/2006/main" xmlns:r="http://schemas.openxmlformats.org/officeDocument/2006/relationships" xmlns:p="http://schemas.openxmlformats.org/presentationml/2006/main">
+  <p:cSld>
+    <p:spTree>
+      <p:nvGrpSpPr>
+        <p:cNvPr id="1" name=""/>
+        <p:cNvGrpSpPr/>
+        <p:nvPr/>
+      </p:nvGrpSpPr>
+      <p:grpSpPr>
+        <a:xfrm>
+          <a:off x="0" y="0"/>
+          <a:ext cx="0" cy="0"/>
+          <a:chOff x="0" y="0"/>
+          <a:chExt cx="0" cy="0"/>
+        </a:xfrm>
+      </p:grpSpPr>
+      <p:sp>
+        <p:nvSpPr>
+          <p:cNvPr id="2" name="Title 1"/>
+          <p:cNvSpPr>
+            <a:spLocks noGrp="1"/>
+          </p:cNvSpPr>
+          <p:nvPr>
+            <p:ph type="title"/>
+          </p:nvPr>
+        </p:nvSpPr>
+        <p:spPr/>
+        <p:txBody>
+          <a:bodyPr/>
+          <a:lstStyle/>
+          <a:p>
+            <a:r>
+              <a:rPr lang="pl-PL" dirty="0" err="1" smtClean="0">
+                <a:latin typeface="Segoe UI" panose="020B0502040204020203" pitchFamily="34" charset="0"/>
+                <a:ea typeface="Segoe UI" panose="020B0502040204020203" pitchFamily="34" charset="0"/>
+                <a:cs typeface="Segoe UI" panose="020B0502040204020203" pitchFamily="34" charset="0"/>
+              </a:rPr>
+              <a:t>Iteratory</a:t>
+            </a:r>
+            <a:r>
+              <a:rPr lang="pl-PL" dirty="0" smtClean="0">
+                <a:latin typeface="Segoe UI" panose="020B0502040204020203" pitchFamily="34" charset="0"/>
+                <a:ea typeface="Segoe UI" panose="020B0502040204020203" pitchFamily="34" charset="0"/>
+                <a:cs typeface="Segoe UI" panose="020B0502040204020203" pitchFamily="34" charset="0"/>
+              </a:rPr>
+              <a:t> c.d. (</a:t>
+            </a:r>
+            <a:r>
+              <a:rPr lang="pl-PL" dirty="0" err="1" smtClean="0">
+                <a:latin typeface="Segoe UI" panose="020B0502040204020203" pitchFamily="34" charset="0"/>
+                <a:ea typeface="Segoe UI" panose="020B0502040204020203" pitchFamily="34" charset="0"/>
+                <a:cs typeface="Segoe UI" panose="020B0502040204020203" pitchFamily="34" charset="0"/>
+              </a:rPr>
+              <a:t>iterable</a:t>
+            </a:r>
+            <a:r>
+              <a:rPr lang="pl-PL" dirty="0" smtClean="0">
+                <a:latin typeface="Segoe UI" panose="020B0502040204020203" pitchFamily="34" charset="0"/>
+                <a:ea typeface="Segoe UI" panose="020B0502040204020203" pitchFamily="34" charset="0"/>
+                <a:cs typeface="Segoe UI" panose="020B0502040204020203" pitchFamily="34" charset="0"/>
+              </a:rPr>
+              <a:t>)</a:t>
+            </a:r>
+            <a:endParaRPr lang="pl-PL" dirty="0">
+              <a:latin typeface="Segoe UI" panose="020B0502040204020203" pitchFamily="34" charset="0"/>
+              <a:ea typeface="Segoe UI" panose="020B0502040204020203" pitchFamily="34" charset="0"/>
+              <a:cs typeface="Segoe UI" panose="020B0502040204020203" pitchFamily="34" charset="0"/>
+            </a:endParaRPr>
+          </a:p>
+        </p:txBody>
+      </p:sp>
+      <p:sp>
+        <p:nvSpPr>
+          <p:cNvPr id="3" name="Footer Placeholder 2"/>
+          <p:cNvSpPr>
+            <a:spLocks noGrp="1"/>
+          </p:cNvSpPr>
+          <p:nvPr>
+            <p:ph type="ftr" sz="quarter" idx="11"/>
+          </p:nvPr>
+        </p:nvSpPr>
+        <p:spPr/>
+        <p:txBody>
+          <a:bodyPr/>
+          <a:lstStyle/>
+          <a:p>
+            <a:r>
+              <a:rPr lang="pl-PL" smtClean="0">
+                <a:latin typeface="Segoe UI" panose="020B0502040204020203" pitchFamily="34" charset="0"/>
+                <a:ea typeface="Segoe UI" panose="020B0502040204020203" pitchFamily="34" charset="0"/>
+                <a:cs typeface="Segoe UI" panose="020B0502040204020203" pitchFamily="34" charset="0"/>
+              </a:rPr>
+              <a:t>Quid novi? ECMAScript 6! / Hubert Zub / hubert.zub@gmail.com</a:t>
+            </a:r>
+            <a:endParaRPr lang="pl-PL">
+              <a:latin typeface="Segoe UI" panose="020B0502040204020203" pitchFamily="34" charset="0"/>
+              <a:ea typeface="Segoe UI" panose="020B0502040204020203" pitchFamily="34" charset="0"/>
+              <a:cs typeface="Segoe UI" panose="020B0502040204020203" pitchFamily="34" charset="0"/>
+            </a:endParaRPr>
+          </a:p>
+        </p:txBody>
+      </p:sp>
+      <p:pic>
+        <p:nvPicPr>
+          <p:cNvPr id="4098" name="Picture 2"/>
+          <p:cNvPicPr>
+            <a:picLocks noChangeAspect="1" noChangeArrowheads="1"/>
+          </p:cNvPicPr>
+          <p:nvPr/>
+        </p:nvPicPr>
+        <p:blipFill>
+          <a:blip r:embed="rId2">
+            <a:extLst>
+              <a:ext uri="{28A0092B-C50C-407E-A947-70E740481C1C}">
+                <a14:useLocalDpi xmlns:a14="http://schemas.microsoft.com/office/drawing/2010/main" val="0"/>
+              </a:ext>
+            </a:extLst>
+          </a:blip>
+          <a:srcRect/>
+          <a:stretch>
+            <a:fillRect/>
+          </a:stretch>
+        </p:blipFill>
+        <p:spPr bwMode="auto">
+          <a:xfrm>
+            <a:off x="872903" y="1465077"/>
+            <a:ext cx="5102595" cy="4783113"/>
+          </a:xfrm>
+          <a:prstGeom prst="rect">
+            <a:avLst/>
+          </a:prstGeom>
+          <a:noFill/>
+          <a:ln>
+            <a:noFill/>
+          </a:ln>
+          <a:effectLst/>
+          <a:extLst>
+            <a:ext uri="{909E8E84-426E-40DD-AFC4-6F175D3DCCD1}">
+              <a14:hiddenFill xmlns:a14="http://schemas.microsoft.com/office/drawing/2010/main">
+                <a:solidFill>
+                  <a:schemeClr val="accent1"/>
+                </a:solidFill>
+              </a14:hiddenFill>
+            </a:ext>
+            <a:ext uri="{91240B29-F687-4F45-9708-019B960494DF}">
+              <a14:hiddenLine xmlns:a14="http://schemas.microsoft.com/office/drawing/2010/main" w="9525">
+                <a:solidFill>
+                  <a:schemeClr val="tx1"/>
+                </a:solidFill>
+                <a:miter lim="800000"/>
+                <a:headEnd/>
+                <a:tailEnd/>
+              </a14:hiddenLine>
+            </a:ext>
+            <a:ext uri="{AF507438-7753-43E0-B8FC-AC1667EBCBE1}">
+              <a14:hiddenEffects xmlns:a14="http://schemas.microsoft.com/office/drawing/2010/main">
+                <a:effectLst>
+                  <a:outerShdw dist="35921" dir="2700000" algn="ctr" rotWithShape="0">
+                    <a:schemeClr val="bg2"/>
+                  </a:outerShdw>
+                </a:effectLst>
+              </a14:hiddenEffects>
+            </a:ext>
+          </a:extLst>
+        </p:spPr>
+      </p:pic>
+    </p:spTree>
+    <p:extLst>
+      <p:ext uri="{BB962C8B-B14F-4D97-AF65-F5344CB8AC3E}">
+        <p14:creationId xmlns:p14="http://schemas.microsoft.com/office/powerpoint/2010/main" val="1819487161"/>
+      </p:ext>
+    </p:extLst>
+  </p:cSld>
+  <p:clrMapOvr>
+    <a:masterClrMapping/>
+  </p:clrMapOvr>
+  <p:timing>
+    <p:tnLst>
+      <p:par>
+        <p:cTn id="1" dur="indefinite" restart="never" nodeType="tmRoot"/>
+      </p:par>
+    </p:tnLst>
+  </p:timing>
+</p:sld>
+</file>
+
+<file path=ppt/slides/slide3.xml><?xml version="1.0" encoding="utf-8"?>
+<p:sld xmlns:a="http://schemas.openxmlformats.org/drawingml/2006/main" xmlns:r="http://schemas.openxmlformats.org/officeDocument/2006/relationships" xmlns:p="http://schemas.openxmlformats.org/presentationml/2006/main">
+  <p:cSld>
+    <p:spTree>
+      <p:nvGrpSpPr>
+        <p:cNvPr id="1" name=""/>
+        <p:cNvGrpSpPr/>
+        <p:nvPr/>
+      </p:nvGrpSpPr>
+      <p:grpSpPr>
+        <a:xfrm>
+          <a:off x="0" y="0"/>
+          <a:ext cx="0" cy="0"/>
+          <a:chOff x="0" y="0"/>
+          <a:chExt cx="0" cy="0"/>
+        </a:xfrm>
+      </p:grpSpPr>
+      <p:sp>
+        <p:nvSpPr>
+          <p:cNvPr id="2" name="Title 1"/>
+          <p:cNvSpPr>
+            <a:spLocks noGrp="1"/>
+          </p:cNvSpPr>
+          <p:nvPr>
+            <p:ph type="title"/>
+          </p:nvPr>
+        </p:nvSpPr>
+        <p:spPr/>
+        <p:txBody>
+          <a:bodyPr/>
+          <a:lstStyle/>
+          <a:p>
+            <a:r>
+              <a:rPr lang="pl-PL" dirty="0" smtClean="0">
+                <a:latin typeface="Segoe UI" panose="020B0502040204020203" pitchFamily="34" charset="0"/>
+                <a:ea typeface="Segoe UI" panose="020B0502040204020203" pitchFamily="34" charset="0"/>
+                <a:cs typeface="Segoe UI" panose="020B0502040204020203" pitchFamily="34" charset="0"/>
+              </a:rPr>
+              <a:t>Historia od samego początku</a:t>
+            </a:r>
+            <a:endParaRPr lang="pl-PL" dirty="0">
+              <a:latin typeface="Segoe UI" panose="020B0502040204020203" pitchFamily="34" charset="0"/>
+              <a:ea typeface="Segoe UI" panose="020B0502040204020203" pitchFamily="34" charset="0"/>
+              <a:cs typeface="Segoe UI" panose="020B0502040204020203" pitchFamily="34" charset="0"/>
+            </a:endParaRPr>
+          </a:p>
+        </p:txBody>
+      </p:sp>
+      <p:sp>
+        <p:nvSpPr>
+          <p:cNvPr id="3" name="Content Placeholder 2"/>
+          <p:cNvSpPr>
+            <a:spLocks noGrp="1"/>
+          </p:cNvSpPr>
+          <p:nvPr>
+            <p:ph idx="1"/>
+          </p:nvPr>
+        </p:nvSpPr>
+        <p:spPr/>
+        <p:txBody>
+          <a:bodyPr>
+            <a:normAutofit/>
+          </a:bodyPr>
+          <a:lstStyle/>
+          <a:p>
+            <a:r>
+              <a:rPr lang="pl-PL" sz="2400" dirty="0">
+                <a:latin typeface="Segoe UI" panose="020B0502040204020203" pitchFamily="34" charset="0"/>
+                <a:ea typeface="Segoe UI" panose="020B0502040204020203" pitchFamily="34" charset="0"/>
+                <a:cs typeface="Segoe UI" panose="020B0502040204020203" pitchFamily="34" charset="0"/>
+              </a:rPr>
+              <a:t>Pierwszy JavaScript (</a:t>
+            </a:r>
+            <a:r>
+              <a:rPr lang="en-US" sz="2400" dirty="0">
+                <a:latin typeface="Segoe UI" panose="020B0502040204020203" pitchFamily="34" charset="0"/>
+                <a:ea typeface="Segoe UI" panose="020B0502040204020203" pitchFamily="34" charset="0"/>
+                <a:cs typeface="Segoe UI" panose="020B0502040204020203" pitchFamily="34" charset="0"/>
+              </a:rPr>
+              <a:t>1995</a:t>
+            </a:r>
+            <a:r>
+              <a:rPr lang="pl-PL" sz="2400" dirty="0">
+                <a:latin typeface="Segoe UI" panose="020B0502040204020203" pitchFamily="34" charset="0"/>
+                <a:ea typeface="Segoe UI" panose="020B0502040204020203" pitchFamily="34" charset="0"/>
+                <a:cs typeface="Segoe UI" panose="020B0502040204020203" pitchFamily="34" charset="0"/>
+              </a:rPr>
+              <a:t>) – pierwsza implementacja w Netscape Browser</a:t>
+            </a:r>
+          </a:p>
+          <a:p>
+            <a:r>
+              <a:rPr lang="pl-PL" sz="2400" dirty="0">
+                <a:latin typeface="Segoe UI" panose="020B0502040204020203" pitchFamily="34" charset="0"/>
+                <a:ea typeface="Segoe UI" panose="020B0502040204020203" pitchFamily="34" charset="0"/>
+                <a:cs typeface="Segoe UI" panose="020B0502040204020203" pitchFamily="34" charset="0"/>
+              </a:rPr>
+              <a:t>ECMAScript 1-2 (1997 – 1998) – właściwy rozwój i powstanie języka</a:t>
+            </a:r>
+          </a:p>
+          <a:p>
+            <a:r>
+              <a:rPr lang="pl-PL" sz="2400" dirty="0">
+                <a:latin typeface="Segoe UI" panose="020B0502040204020203" pitchFamily="34" charset="0"/>
+                <a:ea typeface="Segoe UI" panose="020B0502040204020203" pitchFamily="34" charset="0"/>
+                <a:cs typeface="Segoe UI" panose="020B0502040204020203" pitchFamily="34" charset="0"/>
+              </a:rPr>
+              <a:t>ECMAScript 3 (1999) – wyrażenia regularne, obsługa wyjątków</a:t>
+            </a:r>
+          </a:p>
+          <a:p>
+            <a:r>
+              <a:rPr lang="pl-PL" sz="2400" dirty="0">
+                <a:solidFill>
+                  <a:schemeClr val="tx1">
+                    <a:alpha val="20000"/>
+                  </a:schemeClr>
+                </a:solidFill>
+                <a:latin typeface="Segoe UI" panose="020B0502040204020203" pitchFamily="34" charset="0"/>
+                <a:ea typeface="Segoe UI" panose="020B0502040204020203" pitchFamily="34" charset="0"/>
+                <a:cs typeface="Segoe UI" panose="020B0502040204020203" pitchFamily="34" charset="0"/>
+              </a:rPr>
+              <a:t>ECMAScript 4 – R.I.P.</a:t>
+            </a:r>
+          </a:p>
+          <a:p>
+            <a:r>
+              <a:rPr lang="pl-PL" sz="2400" dirty="0">
+                <a:solidFill>
+                  <a:schemeClr val="tx1">
+                    <a:alpha val="20000"/>
+                  </a:schemeClr>
+                </a:solidFill>
+                <a:latin typeface="Segoe UI" panose="020B0502040204020203" pitchFamily="34" charset="0"/>
+                <a:ea typeface="Segoe UI" panose="020B0502040204020203" pitchFamily="34" charset="0"/>
+                <a:cs typeface="Segoe UI" panose="020B0502040204020203" pitchFamily="34" charset="0"/>
+              </a:rPr>
+              <a:t>ECMAScript 5 (2009) – „strict mode”, JSON, obiektowość na swój sposób</a:t>
+            </a:r>
+          </a:p>
+          <a:p>
+            <a:r>
+              <a:rPr lang="pl-PL" sz="2400" dirty="0">
+                <a:solidFill>
+                  <a:schemeClr val="tx1">
+                    <a:alpha val="20000"/>
+                  </a:schemeClr>
+                </a:solidFill>
+                <a:latin typeface="Segoe UI" panose="020B0502040204020203" pitchFamily="34" charset="0"/>
+                <a:ea typeface="Segoe UI" panose="020B0502040204020203" pitchFamily="34" charset="0"/>
+                <a:cs typeface="Segoe UI" panose="020B0502040204020203" pitchFamily="34" charset="0"/>
+              </a:rPr>
+              <a:t>ECMAScript 5.1 (2011) – zmiany edycyjne, </a:t>
+            </a:r>
+            <a:r>
+              <a:rPr lang="pl-PL" sz="2400" b="1" dirty="0">
+                <a:solidFill>
+                  <a:schemeClr val="tx1">
+                    <a:alpha val="20000"/>
+                  </a:schemeClr>
+                </a:solidFill>
+                <a:latin typeface="Segoe UI" panose="020B0502040204020203" pitchFamily="34" charset="0"/>
+                <a:ea typeface="Segoe UI" panose="020B0502040204020203" pitchFamily="34" charset="0"/>
+                <a:cs typeface="Segoe UI" panose="020B0502040204020203" pitchFamily="34" charset="0"/>
+              </a:rPr>
+              <a:t>obecna implementacja</a:t>
+            </a:r>
+          </a:p>
+          <a:p>
+            <a:pPr marL="0" indent="0">
+              <a:buNone/>
+            </a:pPr>
+            <a:endParaRPr lang="pl-PL" sz="2400" dirty="0">
+              <a:latin typeface="Segoe UI" panose="020B0502040204020203" pitchFamily="34" charset="0"/>
+              <a:ea typeface="Segoe UI" panose="020B0502040204020203" pitchFamily="34" charset="0"/>
+              <a:cs typeface="Segoe UI" panose="020B0502040204020203" pitchFamily="34" charset="0"/>
+            </a:endParaRPr>
+          </a:p>
+        </p:txBody>
+      </p:sp>
+      <p:sp>
+        <p:nvSpPr>
+          <p:cNvPr id="4" name="Footer Placeholder 3"/>
+          <p:cNvSpPr>
+            <a:spLocks noGrp="1"/>
+          </p:cNvSpPr>
+          <p:nvPr>
+            <p:ph type="ftr" sz="quarter" idx="11"/>
+          </p:nvPr>
+        </p:nvSpPr>
+        <p:spPr/>
+        <p:txBody>
+          <a:bodyPr/>
+          <a:lstStyle/>
+          <a:p>
+            <a:r>
+              <a:rPr lang="pl-PL" smtClean="0">
+                <a:latin typeface="Segoe UI" panose="020B0502040204020203" pitchFamily="34" charset="0"/>
+                <a:ea typeface="Segoe UI" panose="020B0502040204020203" pitchFamily="34" charset="0"/>
+                <a:cs typeface="Segoe UI" panose="020B0502040204020203" pitchFamily="34" charset="0"/>
+              </a:rPr>
+              <a:t>Quid novi? ECMAScript 6! / Hubert Zub / hubert.zub@gmail.com</a:t>
+            </a:r>
+            <a:endParaRPr lang="pl-PL">
+              <a:latin typeface="Segoe UI" panose="020B0502040204020203" pitchFamily="34" charset="0"/>
+              <a:ea typeface="Segoe UI" panose="020B0502040204020203" pitchFamily="34" charset="0"/>
+              <a:cs typeface="Segoe UI" panose="020B0502040204020203" pitchFamily="34" charset="0"/>
+            </a:endParaRPr>
+          </a:p>
+        </p:txBody>
+      </p:sp>
+    </p:spTree>
+    <p:extLst>
+      <p:ext uri="{BB962C8B-B14F-4D97-AF65-F5344CB8AC3E}">
+        <p14:creationId xmlns:p14="http://schemas.microsoft.com/office/powerpoint/2010/main" val="2473160323"/>
+      </p:ext>
+    </p:extLst>
+  </p:cSld>
+  <p:clrMapOvr>
+    <a:masterClrMapping/>
+  </p:clrMapOvr>
+  <p:timing>
+    <p:tnLst>
+      <p:par>
+        <p:cTn id="1" dur="indefinite" restart="never" nodeType="tmRoot"/>
+      </p:par>
+    </p:tnLst>
+  </p:timing>
+</p:sld>
+</file>
+
+<file path=ppt/slides/slide30.xml><?xml version="1.0" encoding="utf-8"?>
+<p:sld xmlns:a="http://schemas.openxmlformats.org/drawingml/2006/main" xmlns:r="http://schemas.openxmlformats.org/officeDocument/2006/relationships" xmlns:p="http://schemas.openxmlformats.org/presentationml/2006/main">
+  <p:cSld>
+    <p:spTree>
+      <p:nvGrpSpPr>
+        <p:cNvPr id="1" name=""/>
+        <p:cNvGrpSpPr/>
+        <p:nvPr/>
+      </p:nvGrpSpPr>
+      <p:grpSpPr>
+        <a:xfrm>
+          <a:off x="0" y="0"/>
+          <a:ext cx="0" cy="0"/>
+          <a:chOff x="0" y="0"/>
+          <a:chExt cx="0" cy="0"/>
+        </a:xfrm>
+      </p:grpSpPr>
+      <p:sp>
+        <p:nvSpPr>
+          <p:cNvPr id="2" name="Title 1"/>
+          <p:cNvSpPr>
+            <a:spLocks noGrp="1"/>
+          </p:cNvSpPr>
+          <p:nvPr>
+            <p:ph type="title"/>
+          </p:nvPr>
+        </p:nvSpPr>
+        <p:spPr/>
+        <p:txBody>
+          <a:bodyPr/>
+          <a:lstStyle/>
+          <a:p>
+            <a:r>
+              <a:rPr lang="pl-PL" dirty="0" smtClean="0">
+                <a:latin typeface="Segoe UI" panose="020B0502040204020203" pitchFamily="34" charset="0"/>
+                <a:ea typeface="Segoe UI" panose="020B0502040204020203" pitchFamily="34" charset="0"/>
+                <a:cs typeface="Segoe UI" panose="020B0502040204020203" pitchFamily="34" charset="0"/>
+              </a:rPr>
+              <a:t>8) Domyślne parametry</a:t>
+            </a:r>
+            <a:endParaRPr lang="pl-PL" dirty="0">
+              <a:latin typeface="Segoe UI" panose="020B0502040204020203" pitchFamily="34" charset="0"/>
+              <a:ea typeface="Segoe UI" panose="020B0502040204020203" pitchFamily="34" charset="0"/>
+              <a:cs typeface="Segoe UI" panose="020B0502040204020203" pitchFamily="34" charset="0"/>
+            </a:endParaRPr>
+          </a:p>
+        </p:txBody>
+      </p:sp>
+      <p:pic>
+        <p:nvPicPr>
+          <p:cNvPr id="4" name="Content Placeholder 3"/>
+          <p:cNvPicPr>
+            <a:picLocks noGrp="1" noChangeAspect="1"/>
+          </p:cNvPicPr>
+          <p:nvPr>
+            <p:ph idx="1"/>
+          </p:nvPr>
+        </p:nvPicPr>
+        <p:blipFill>
+          <a:blip r:embed="rId2"/>
+          <a:stretch>
+            <a:fillRect/>
+          </a:stretch>
+        </p:blipFill>
+        <p:spPr>
+          <a:xfrm>
+            <a:off x="880732" y="1651707"/>
+            <a:ext cx="9626800" cy="3058514"/>
+          </a:xfrm>
+          <a:prstGeom prst="rect">
+            <a:avLst/>
+          </a:prstGeom>
+        </p:spPr>
+      </p:pic>
+      <p:sp>
+        <p:nvSpPr>
+          <p:cNvPr id="3" name="Footer Placeholder 2"/>
+          <p:cNvSpPr>
+            <a:spLocks noGrp="1"/>
+          </p:cNvSpPr>
+          <p:nvPr>
+            <p:ph type="ftr" sz="quarter" idx="11"/>
+          </p:nvPr>
+        </p:nvSpPr>
+        <p:spPr/>
+        <p:txBody>
+          <a:bodyPr/>
+          <a:lstStyle/>
+          <a:p>
+            <a:r>
+              <a:rPr lang="pl-PL" smtClean="0">
+                <a:latin typeface="Segoe UI" panose="020B0502040204020203" pitchFamily="34" charset="0"/>
+                <a:ea typeface="Segoe UI" panose="020B0502040204020203" pitchFamily="34" charset="0"/>
+                <a:cs typeface="Segoe UI" panose="020B0502040204020203" pitchFamily="34" charset="0"/>
+              </a:rPr>
+              <a:t>Quid novi? ECMAScript 6! / Hubert Zub / hubert.zub@gmail.com</a:t>
+            </a:r>
+            <a:endParaRPr lang="pl-PL">
+              <a:latin typeface="Segoe UI" panose="020B0502040204020203" pitchFamily="34" charset="0"/>
+              <a:ea typeface="Segoe UI" panose="020B0502040204020203" pitchFamily="34" charset="0"/>
+              <a:cs typeface="Segoe UI" panose="020B0502040204020203" pitchFamily="34" charset="0"/>
+            </a:endParaRPr>
+          </a:p>
+        </p:txBody>
+      </p:sp>
+    </p:spTree>
+    <p:extLst>
+      <p:ext uri="{BB962C8B-B14F-4D97-AF65-F5344CB8AC3E}">
+        <p14:creationId xmlns:p14="http://schemas.microsoft.com/office/powerpoint/2010/main" val="239374173"/>
       </p:ext>
     </p:extLst>
   </p:cSld>
@@ -16552,10 +18087,316 @@
           <a:lstStyle/>
           <a:p>
             <a:r>
-              <a:rPr lang="pl-PL" dirty="0" smtClean="0"/>
+              <a:rPr lang="pl-PL" dirty="0" smtClean="0">
+                <a:latin typeface="Segoe UI" panose="020B0502040204020203" pitchFamily="34" charset="0"/>
+                <a:ea typeface="Segoe UI" panose="020B0502040204020203" pitchFamily="34" charset="0"/>
+                <a:cs typeface="Segoe UI" panose="020B0502040204020203" pitchFamily="34" charset="0"/>
+              </a:rPr>
+              <a:t>9) Rest &amp; </a:t>
+            </a:r>
+            <a:r>
+              <a:rPr lang="pl-PL" dirty="0" err="1" smtClean="0">
+                <a:latin typeface="Segoe UI" panose="020B0502040204020203" pitchFamily="34" charset="0"/>
+                <a:ea typeface="Segoe UI" panose="020B0502040204020203" pitchFamily="34" charset="0"/>
+                <a:cs typeface="Segoe UI" panose="020B0502040204020203" pitchFamily="34" charset="0"/>
+              </a:rPr>
+              <a:t>spread</a:t>
+            </a:r>
+            <a:endParaRPr lang="pl-PL" dirty="0">
+              <a:latin typeface="Segoe UI" panose="020B0502040204020203" pitchFamily="34" charset="0"/>
+              <a:ea typeface="Segoe UI" panose="020B0502040204020203" pitchFamily="34" charset="0"/>
+              <a:cs typeface="Segoe UI" panose="020B0502040204020203" pitchFamily="34" charset="0"/>
+            </a:endParaRPr>
+          </a:p>
+        </p:txBody>
+      </p:sp>
+      <p:pic>
+        <p:nvPicPr>
+          <p:cNvPr id="4" name="Content Placeholder 3"/>
+          <p:cNvPicPr>
+            <a:picLocks noGrp="1" noChangeAspect="1"/>
+          </p:cNvPicPr>
+          <p:nvPr>
+            <p:ph idx="1"/>
+          </p:nvPr>
+        </p:nvPicPr>
+        <p:blipFill>
+          <a:blip r:embed="rId2"/>
+          <a:stretch>
+            <a:fillRect/>
+          </a:stretch>
+        </p:blipFill>
+        <p:spPr>
+          <a:xfrm>
+            <a:off x="838199" y="1690688"/>
+            <a:ext cx="6647121" cy="4087082"/>
+          </a:xfrm>
+          <a:prstGeom prst="rect">
+            <a:avLst/>
+          </a:prstGeom>
+        </p:spPr>
+      </p:pic>
+      <p:sp>
+        <p:nvSpPr>
+          <p:cNvPr id="3" name="Footer Placeholder 2"/>
+          <p:cNvSpPr>
+            <a:spLocks noGrp="1"/>
+          </p:cNvSpPr>
+          <p:nvPr>
+            <p:ph type="ftr" sz="quarter" idx="11"/>
+          </p:nvPr>
+        </p:nvSpPr>
+        <p:spPr/>
+        <p:txBody>
+          <a:bodyPr/>
+          <a:lstStyle/>
+          <a:p>
+            <a:r>
+              <a:rPr lang="pl-PL" smtClean="0">
+                <a:latin typeface="Segoe UI" panose="020B0502040204020203" pitchFamily="34" charset="0"/>
+                <a:ea typeface="Segoe UI" panose="020B0502040204020203" pitchFamily="34" charset="0"/>
+                <a:cs typeface="Segoe UI" panose="020B0502040204020203" pitchFamily="34" charset="0"/>
+              </a:rPr>
+              <a:t>Quid novi? ECMAScript 6! / Hubert Zub / hubert.zub@gmail.com</a:t>
+            </a:r>
+            <a:endParaRPr lang="pl-PL">
+              <a:latin typeface="Segoe UI" panose="020B0502040204020203" pitchFamily="34" charset="0"/>
+              <a:ea typeface="Segoe UI" panose="020B0502040204020203" pitchFamily="34" charset="0"/>
+              <a:cs typeface="Segoe UI" panose="020B0502040204020203" pitchFamily="34" charset="0"/>
+            </a:endParaRPr>
+          </a:p>
+        </p:txBody>
+      </p:sp>
+    </p:spTree>
+    <p:extLst>
+      <p:ext uri="{BB962C8B-B14F-4D97-AF65-F5344CB8AC3E}">
+        <p14:creationId xmlns:p14="http://schemas.microsoft.com/office/powerpoint/2010/main" val="348407834"/>
+      </p:ext>
+    </p:extLst>
+  </p:cSld>
+  <p:clrMapOvr>
+    <a:masterClrMapping/>
+  </p:clrMapOvr>
+  <p:timing>
+    <p:tnLst>
+      <p:par>
+        <p:cTn id="1" dur="indefinite" restart="never" nodeType="tmRoot"/>
+      </p:par>
+    </p:tnLst>
+  </p:timing>
+</p:sld>
+</file>
+
+<file path=ppt/slides/slide32.xml><?xml version="1.0" encoding="utf-8"?>
+<p:sld xmlns:a="http://schemas.openxmlformats.org/drawingml/2006/main" xmlns:r="http://schemas.openxmlformats.org/officeDocument/2006/relationships" xmlns:p="http://schemas.openxmlformats.org/presentationml/2006/main">
+  <p:cSld>
+    <p:spTree>
+      <p:nvGrpSpPr>
+        <p:cNvPr id="1" name=""/>
+        <p:cNvGrpSpPr/>
+        <p:nvPr/>
+      </p:nvGrpSpPr>
+      <p:grpSpPr>
+        <a:xfrm>
+          <a:off x="0" y="0"/>
+          <a:ext cx="0" cy="0"/>
+          <a:chOff x="0" y="0"/>
+          <a:chExt cx="0" cy="0"/>
+        </a:xfrm>
+      </p:grpSpPr>
+      <p:sp>
+        <p:nvSpPr>
+          <p:cNvPr id="2" name="Title 1"/>
+          <p:cNvSpPr>
+            <a:spLocks noGrp="1"/>
+          </p:cNvSpPr>
+          <p:nvPr>
+            <p:ph type="title"/>
+          </p:nvPr>
+        </p:nvSpPr>
+        <p:spPr/>
+        <p:txBody>
+          <a:bodyPr/>
+          <a:lstStyle/>
+          <a:p>
+            <a:r>
+              <a:rPr lang="pl-PL" dirty="0" smtClean="0">
+                <a:latin typeface="Segoe UI" panose="020B0502040204020203" pitchFamily="34" charset="0"/>
+                <a:ea typeface="Segoe UI" panose="020B0502040204020203" pitchFamily="34" charset="0"/>
+                <a:cs typeface="Segoe UI" panose="020B0502040204020203" pitchFamily="34" charset="0"/>
+              </a:rPr>
+              <a:t>10) Promises / deferred</a:t>
+            </a:r>
+            <a:endParaRPr lang="pl-PL" dirty="0">
+              <a:latin typeface="Segoe UI" panose="020B0502040204020203" pitchFamily="34" charset="0"/>
+              <a:ea typeface="Segoe UI" panose="020B0502040204020203" pitchFamily="34" charset="0"/>
+              <a:cs typeface="Segoe UI" panose="020B0502040204020203" pitchFamily="34" charset="0"/>
+            </a:endParaRPr>
+          </a:p>
+        </p:txBody>
+      </p:sp>
+      <p:sp>
+        <p:nvSpPr>
+          <p:cNvPr id="3" name="Footer Placeholder 2"/>
+          <p:cNvSpPr>
+            <a:spLocks noGrp="1"/>
+          </p:cNvSpPr>
+          <p:nvPr>
+            <p:ph type="ftr" sz="quarter" idx="11"/>
+          </p:nvPr>
+        </p:nvSpPr>
+        <p:spPr/>
+        <p:txBody>
+          <a:bodyPr/>
+          <a:lstStyle/>
+          <a:p>
+            <a:r>
+              <a:rPr lang="pl-PL" smtClean="0">
+                <a:latin typeface="Segoe UI" panose="020B0502040204020203" pitchFamily="34" charset="0"/>
+                <a:ea typeface="Segoe UI" panose="020B0502040204020203" pitchFamily="34" charset="0"/>
+                <a:cs typeface="Segoe UI" panose="020B0502040204020203" pitchFamily="34" charset="0"/>
+              </a:rPr>
+              <a:t>Quid novi? ECMAScript 6! / Hubert Zub / hubert.zub@gmail.com</a:t>
+            </a:r>
+            <a:endParaRPr lang="pl-PL">
+              <a:latin typeface="Segoe UI" panose="020B0502040204020203" pitchFamily="34" charset="0"/>
+              <a:ea typeface="Segoe UI" panose="020B0502040204020203" pitchFamily="34" charset="0"/>
+              <a:cs typeface="Segoe UI" panose="020B0502040204020203" pitchFamily="34" charset="0"/>
+            </a:endParaRPr>
+          </a:p>
+        </p:txBody>
+      </p:sp>
+      <p:pic>
+        <p:nvPicPr>
+          <p:cNvPr id="7" name="Picture 2"/>
+          <p:cNvPicPr>
+            <a:picLocks noGrp="1" noChangeAspect="1" noChangeArrowheads="1"/>
+          </p:cNvPicPr>
+          <p:nvPr>
+            <p:ph idx="1"/>
+          </p:nvPr>
+        </p:nvPicPr>
+        <p:blipFill>
+          <a:blip r:embed="rId2">
+            <a:extLst>
+              <a:ext uri="{28A0092B-C50C-407E-A947-70E740481C1C}">
+                <a14:useLocalDpi xmlns:a14="http://schemas.microsoft.com/office/drawing/2010/main" val="0"/>
+              </a:ext>
+            </a:extLst>
+          </a:blip>
+          <a:srcRect/>
+          <a:stretch>
+            <a:fillRect/>
+          </a:stretch>
+        </p:blipFill>
+        <p:spPr bwMode="auto">
+          <a:xfrm>
+            <a:off x="955068" y="1513614"/>
+            <a:ext cx="4593079" cy="4351338"/>
+          </a:xfrm>
+          <a:prstGeom prst="rect">
+            <a:avLst/>
+          </a:prstGeom>
+          <a:noFill/>
+          <a:ln>
+            <a:noFill/>
+          </a:ln>
+          <a:effectLst/>
+          <a:extLst>
+            <a:ext uri="{909E8E84-426E-40DD-AFC4-6F175D3DCCD1}">
+              <a14:hiddenFill xmlns:a14="http://schemas.microsoft.com/office/drawing/2010/main">
+                <a:solidFill>
+                  <a:schemeClr val="accent1"/>
+                </a:solidFill>
+              </a14:hiddenFill>
+            </a:ext>
+            <a:ext uri="{91240B29-F687-4F45-9708-019B960494DF}">
+              <a14:hiddenLine xmlns:a14="http://schemas.microsoft.com/office/drawing/2010/main" w="9525">
+                <a:solidFill>
+                  <a:schemeClr val="tx1"/>
+                </a:solidFill>
+                <a:miter lim="800000"/>
+                <a:headEnd/>
+                <a:tailEnd/>
+              </a14:hiddenLine>
+            </a:ext>
+            <a:ext uri="{AF507438-7753-43E0-B8FC-AC1667EBCBE1}">
+              <a14:hiddenEffects xmlns:a14="http://schemas.microsoft.com/office/drawing/2010/main">
+                <a:effectLst>
+                  <a:outerShdw dist="35921" dir="2700000" algn="ctr" rotWithShape="0">
+                    <a:schemeClr val="bg2"/>
+                  </a:outerShdw>
+                </a:effectLst>
+              </a14:hiddenEffects>
+            </a:ext>
+          </a:extLst>
+        </p:spPr>
+      </p:pic>
+    </p:spTree>
+    <p:extLst>
+      <p:ext uri="{BB962C8B-B14F-4D97-AF65-F5344CB8AC3E}">
+        <p14:creationId xmlns:p14="http://schemas.microsoft.com/office/powerpoint/2010/main" val="3983065451"/>
+      </p:ext>
+    </p:extLst>
+  </p:cSld>
+  <p:clrMapOvr>
+    <a:masterClrMapping/>
+  </p:clrMapOvr>
+  <p:timing>
+    <p:tnLst>
+      <p:par>
+        <p:cTn id="1" dur="indefinite" restart="never" nodeType="tmRoot"/>
+      </p:par>
+    </p:tnLst>
+  </p:timing>
+</p:sld>
+</file>
+
+<file path=ppt/slides/slide33.xml><?xml version="1.0" encoding="utf-8"?>
+<p:sld xmlns:a="http://schemas.openxmlformats.org/drawingml/2006/main" xmlns:r="http://schemas.openxmlformats.org/officeDocument/2006/relationships" xmlns:p="http://schemas.openxmlformats.org/presentationml/2006/main">
+  <p:cSld>
+    <p:spTree>
+      <p:nvGrpSpPr>
+        <p:cNvPr id="1" name=""/>
+        <p:cNvGrpSpPr/>
+        <p:nvPr/>
+      </p:nvGrpSpPr>
+      <p:grpSpPr>
+        <a:xfrm>
+          <a:off x="0" y="0"/>
+          <a:ext cx="0" cy="0"/>
+          <a:chOff x="0" y="0"/>
+          <a:chExt cx="0" cy="0"/>
+        </a:xfrm>
+      </p:grpSpPr>
+      <p:sp>
+        <p:nvSpPr>
+          <p:cNvPr id="2" name="Title 1"/>
+          <p:cNvSpPr>
+            <a:spLocks noGrp="1"/>
+          </p:cNvSpPr>
+          <p:nvPr>
+            <p:ph type="title"/>
+          </p:nvPr>
+        </p:nvSpPr>
+        <p:spPr/>
+        <p:txBody>
+          <a:bodyPr/>
+          <a:lstStyle/>
+          <a:p>
+            <a:r>
+              <a:rPr lang="pl-PL" dirty="0" smtClean="0">
+                <a:latin typeface="Segoe UI" panose="020B0502040204020203" pitchFamily="34" charset="0"/>
+                <a:ea typeface="Segoe UI" panose="020B0502040204020203" pitchFamily="34" charset="0"/>
+                <a:cs typeface="Segoe UI" panose="020B0502040204020203" pitchFamily="34" charset="0"/>
+              </a:rPr>
               <a:t>11) Modules</a:t>
             </a:r>
-            <a:endParaRPr lang="pl-PL" dirty="0"/>
+            <a:endParaRPr lang="pl-PL" dirty="0">
+              <a:latin typeface="Segoe UI" panose="020B0502040204020203" pitchFamily="34" charset="0"/>
+              <a:ea typeface="Segoe UI" panose="020B0502040204020203" pitchFamily="34" charset="0"/>
+              <a:cs typeface="Segoe UI" panose="020B0502040204020203" pitchFamily="34" charset="0"/>
+            </a:endParaRPr>
           </a:p>
         </p:txBody>
       </p:sp>
@@ -16625,9 +18466,116 @@
           </a:extLst>
         </p:spPr>
       </p:pic>
+      <p:sp>
+        <p:nvSpPr>
+          <p:cNvPr id="4" name="TextBox 3"/>
+          <p:cNvSpPr txBox="1"/>
+          <p:nvPr/>
+        </p:nvSpPr>
+        <p:spPr>
+          <a:xfrm>
+            <a:off x="767771" y="5188941"/>
+            <a:ext cx="1189749" cy="707886"/>
+          </a:xfrm>
+          <a:prstGeom prst="rect">
+            <a:avLst/>
+          </a:prstGeom>
+          <a:noFill/>
+        </p:spPr>
+        <p:txBody>
+          <a:bodyPr wrap="none" rtlCol="0">
+            <a:spAutoFit/>
+          </a:bodyPr>
+          <a:lstStyle/>
+          <a:p>
+            <a:r>
+              <a:rPr lang="pl-PL" sz="4000" dirty="0" smtClean="0">
+                <a:latin typeface="Segoe UI" panose="020B0502040204020203" pitchFamily="34" charset="0"/>
+                <a:ea typeface="Segoe UI" panose="020B0502040204020203" pitchFamily="34" charset="0"/>
+                <a:cs typeface="Segoe UI" panose="020B0502040204020203" pitchFamily="34" charset="0"/>
+              </a:rPr>
+              <a:t>lib.js</a:t>
+            </a:r>
+            <a:endParaRPr lang="en-US" sz="4000" dirty="0">
+              <a:latin typeface="Segoe UI" panose="020B0502040204020203" pitchFamily="34" charset="0"/>
+              <a:ea typeface="Segoe UI" panose="020B0502040204020203" pitchFamily="34" charset="0"/>
+              <a:cs typeface="Segoe UI" panose="020B0502040204020203" pitchFamily="34" charset="0"/>
+            </a:endParaRPr>
+          </a:p>
+        </p:txBody>
+      </p:sp>
+      <p:sp>
+        <p:nvSpPr>
+          <p:cNvPr id="8" name="TextBox 7"/>
+          <p:cNvSpPr txBox="1"/>
+          <p:nvPr/>
+        </p:nvSpPr>
+        <p:spPr>
+          <a:xfrm>
+            <a:off x="5688123" y="5188941"/>
+            <a:ext cx="1502334" cy="707886"/>
+          </a:xfrm>
+          <a:prstGeom prst="rect">
+            <a:avLst/>
+          </a:prstGeom>
+          <a:noFill/>
+        </p:spPr>
+        <p:txBody>
+          <a:bodyPr wrap="none" rtlCol="0">
+            <a:spAutoFit/>
+          </a:bodyPr>
+          <a:lstStyle/>
+          <a:p>
+            <a:r>
+              <a:rPr lang="pl-PL" sz="4000" dirty="0" smtClean="0">
+                <a:latin typeface="Segoe UI" panose="020B0502040204020203" pitchFamily="34" charset="0"/>
+                <a:ea typeface="Segoe UI" panose="020B0502040204020203" pitchFamily="34" charset="0"/>
+                <a:cs typeface="Segoe UI" panose="020B0502040204020203" pitchFamily="34" charset="0"/>
+              </a:rPr>
+              <a:t>app.js</a:t>
+            </a:r>
+            <a:endParaRPr lang="en-US" sz="4000" dirty="0">
+              <a:latin typeface="Segoe UI" panose="020B0502040204020203" pitchFamily="34" charset="0"/>
+              <a:ea typeface="Segoe UI" panose="020B0502040204020203" pitchFamily="34" charset="0"/>
+              <a:cs typeface="Segoe UI" panose="020B0502040204020203" pitchFamily="34" charset="0"/>
+            </a:endParaRPr>
+          </a:p>
+        </p:txBody>
+      </p:sp>
+      <p:sp>
+        <p:nvSpPr>
+          <p:cNvPr id="3" name="Footer Placeholder 2"/>
+          <p:cNvSpPr>
+            <a:spLocks noGrp="1"/>
+          </p:cNvSpPr>
+          <p:nvPr>
+            <p:ph type="ftr" sz="quarter" idx="11"/>
+          </p:nvPr>
+        </p:nvSpPr>
+        <p:spPr/>
+        <p:txBody>
+          <a:bodyPr/>
+          <a:lstStyle/>
+          <a:p>
+            <a:r>
+              <a:rPr lang="pl-PL" smtClean="0">
+                <a:latin typeface="Segoe UI" panose="020B0502040204020203" pitchFamily="34" charset="0"/>
+                <a:ea typeface="Segoe UI" panose="020B0502040204020203" pitchFamily="34" charset="0"/>
+                <a:cs typeface="Segoe UI" panose="020B0502040204020203" pitchFamily="34" charset="0"/>
+              </a:rPr>
+              <a:t>Quid novi? ECMAScript 6! / Hubert Zub / hubert.zub@gmail.com</a:t>
+            </a:r>
+            <a:endParaRPr lang="pl-PL">
+              <a:latin typeface="Segoe UI" panose="020B0502040204020203" pitchFamily="34" charset="0"/>
+              <a:ea typeface="Segoe UI" panose="020B0502040204020203" pitchFamily="34" charset="0"/>
+              <a:cs typeface="Segoe UI" panose="020B0502040204020203" pitchFamily="34" charset="0"/>
+            </a:endParaRPr>
+          </a:p>
+        </p:txBody>
+      </p:sp>
       <p:pic>
         <p:nvPicPr>
-          <p:cNvPr id="3076" name="Picture 4"/>
+          <p:cNvPr id="7170" name="Picture 2"/>
           <p:cNvPicPr>
             <a:picLocks noChangeAspect="1" noChangeArrowheads="1"/>
           </p:cNvPicPr>
@@ -16648,8 +18596,8 @@
         </p:blipFill>
         <p:spPr bwMode="auto">
           <a:xfrm>
-            <a:off x="5688123" y="3147792"/>
-            <a:ext cx="5667375" cy="1838325"/>
+            <a:off x="5688123" y="3359287"/>
+            <a:ext cx="5773775" cy="1655958"/>
           </a:xfrm>
           <a:prstGeom prst="rect">
             <a:avLst/>
@@ -16689,89 +18637,6 @@
           </a:extLst>
         </p:spPr>
       </p:pic>
-      <p:sp>
-        <p:nvSpPr>
-          <p:cNvPr id="4" name="TextBox 3"/>
-          <p:cNvSpPr txBox="1"/>
-          <p:nvPr/>
-        </p:nvSpPr>
-        <p:spPr>
-          <a:xfrm>
-            <a:off x="767771" y="5188941"/>
-            <a:ext cx="1141659" cy="707886"/>
-          </a:xfrm>
-          <a:prstGeom prst="rect">
-            <a:avLst/>
-          </a:prstGeom>
-          <a:noFill/>
-        </p:spPr>
-        <p:txBody>
-          <a:bodyPr wrap="none" rtlCol="0">
-            <a:spAutoFit/>
-          </a:bodyPr>
-          <a:lstStyle/>
-          <a:p>
-            <a:r>
-              <a:rPr lang="pl-PL" sz="4000" dirty="0" smtClean="0"/>
-              <a:t>lib.js</a:t>
-            </a:r>
-            <a:endParaRPr lang="en-US" sz="4000" dirty="0"/>
-          </a:p>
-        </p:txBody>
-      </p:sp>
-      <p:sp>
-        <p:nvSpPr>
-          <p:cNvPr id="8" name="TextBox 7"/>
-          <p:cNvSpPr txBox="1"/>
-          <p:nvPr/>
-        </p:nvSpPr>
-        <p:spPr>
-          <a:xfrm>
-            <a:off x="5688123" y="5188941"/>
-            <a:ext cx="1422184" cy="707886"/>
-          </a:xfrm>
-          <a:prstGeom prst="rect">
-            <a:avLst/>
-          </a:prstGeom>
-          <a:noFill/>
-        </p:spPr>
-        <p:txBody>
-          <a:bodyPr wrap="none" rtlCol="0">
-            <a:spAutoFit/>
-          </a:bodyPr>
-          <a:lstStyle/>
-          <a:p>
-            <a:r>
-              <a:rPr lang="pl-PL" sz="4000" dirty="0" smtClean="0"/>
-              <a:t>app.js</a:t>
-            </a:r>
-            <a:endParaRPr lang="en-US" sz="4000" dirty="0"/>
-          </a:p>
-        </p:txBody>
-      </p:sp>
-      <p:sp>
-        <p:nvSpPr>
-          <p:cNvPr id="3" name="Footer Placeholder 2"/>
-          <p:cNvSpPr>
-            <a:spLocks noGrp="1"/>
-          </p:cNvSpPr>
-          <p:nvPr>
-            <p:ph type="ftr" sz="quarter" idx="11"/>
-          </p:nvPr>
-        </p:nvSpPr>
-        <p:spPr/>
-        <p:txBody>
-          <a:bodyPr/>
-          <a:lstStyle/>
-          <a:p>
-            <a:r>
-              <a:rPr lang="pl-PL" smtClean="0"/>
-              <a:t>Quid novi? ECMAScript 6! / Hubert Zub / hubert.zub@gmail.com</a:t>
-            </a:r>
-            <a:endParaRPr lang="pl-PL"/>
-          </a:p>
-        </p:txBody>
-      </p:sp>
     </p:spTree>
     <p:extLst>
       <p:ext uri="{BB962C8B-B14F-4D97-AF65-F5344CB8AC3E}">
@@ -16792,7 +18657,7 @@
 </p:sld>
 </file>
 
-<file path=ppt/slides/slide32.xml><?xml version="1.0" encoding="utf-8"?>
+<file path=ppt/slides/slide34.xml><?xml version="1.0" encoding="utf-8"?>
 <p:sld xmlns:a="http://schemas.openxmlformats.org/drawingml/2006/main" xmlns:r="http://schemas.openxmlformats.org/officeDocument/2006/relationships" xmlns:p="http://schemas.openxmlformats.org/presentationml/2006/main">
   <p:cSld>
     <p:spTree>
@@ -16825,79 +18690,21 @@
           <a:lstStyle/>
           <a:p>
             <a:r>
-              <a:rPr lang="pl-PL" dirty="0" smtClean="0"/>
+              <a:rPr lang="pl-PL" dirty="0" smtClean="0">
+                <a:latin typeface="Segoe UI" panose="020B0502040204020203" pitchFamily="34" charset="0"/>
+                <a:ea typeface="Segoe UI" panose="020B0502040204020203" pitchFamily="34" charset="0"/>
+                <a:cs typeface="Segoe UI" panose="020B0502040204020203" pitchFamily="34" charset="0"/>
+              </a:rPr>
               <a:t>Modules c.d.</a:t>
             </a:r>
-            <a:endParaRPr lang="pl-PL" dirty="0"/>
-          </a:p>
-        </p:txBody>
-      </p:sp>
-      <p:pic>
-        <p:nvPicPr>
-          <p:cNvPr id="4098" name="Picture 2"/>
-          <p:cNvPicPr>
-            <a:picLocks noGrp="1" noChangeAspect="1" noChangeArrowheads="1"/>
-          </p:cNvPicPr>
-          <p:nvPr>
-            <p:ph idx="1"/>
-          </p:nvPr>
-        </p:nvPicPr>
-        <p:blipFill>
-          <a:blip r:embed="rId2">
-            <a:extLst>
-              <a:ext uri="{28A0092B-C50C-407E-A947-70E740481C1C}">
-                <a14:useLocalDpi xmlns:a14="http://schemas.microsoft.com/office/drawing/2010/main" val="0"/>
-              </a:ext>
-            </a:extLst>
-          </a:blip>
-          <a:srcRect/>
-          <a:stretch>
-            <a:fillRect/>
-          </a:stretch>
-        </p:blipFill>
-        <p:spPr bwMode="auto">
-          <a:xfrm>
-            <a:off x="952383" y="1679977"/>
-            <a:ext cx="4091995" cy="3731995"/>
-          </a:xfrm>
-          <a:prstGeom prst="rect">
-            <a:avLst/>
-          </a:prstGeom>
-          <a:noFill/>
-          <a:ln>
-            <a:noFill/>
-          </a:ln>
-          <a:effectLst/>
-          <a:extLst>
-            <a:ext uri="{909E8E84-426E-40DD-AFC4-6F175D3DCCD1}">
-              <a14:hiddenFill xmlns:a14="http://schemas.microsoft.com/office/drawing/2010/main">
-                <a:solidFill>
-                  <a:schemeClr val="accent1"/>
-                </a:solidFill>
-              </a14:hiddenFill>
-            </a:ext>
-            <a:ext uri="{91240B29-F687-4F45-9708-019B960494DF}">
-              <a14:hiddenLine xmlns:a14="http://schemas.microsoft.com/office/drawing/2010/main" w="9525">
-                <a:solidFill>
-                  <a:schemeClr val="tx1"/>
-                </a:solidFill>
-                <a:miter lim="800000"/>
-                <a:headEnd/>
-                <a:tailEnd/>
-              </a14:hiddenLine>
-            </a:ext>
-            <a:ext uri="{AF507438-7753-43E0-B8FC-AC1667EBCBE1}">
-              <a14:hiddenEffects xmlns:a14="http://schemas.microsoft.com/office/drawing/2010/main">
-                <a:effectLst>
-                  <a:outerShdw dist="35921" dir="2700000" algn="ctr" rotWithShape="0">
-                    <a:schemeClr val="bg2"/>
-                  </a:outerShdw>
-                </a:effectLst>
-              </a14:hiddenEffects>
-            </a:ext>
-          </a:extLst>
-        </p:spPr>
-      </p:pic>
+            <a:endParaRPr lang="pl-PL" dirty="0">
+              <a:latin typeface="Segoe UI" panose="020B0502040204020203" pitchFamily="34" charset="0"/>
+              <a:ea typeface="Segoe UI" panose="020B0502040204020203" pitchFamily="34" charset="0"/>
+              <a:cs typeface="Segoe UI" panose="020B0502040204020203" pitchFamily="34" charset="0"/>
+            </a:endParaRPr>
+          </a:p>
+        </p:txBody>
+      </p:sp>
       <p:pic>
         <p:nvPicPr>
           <p:cNvPr id="4099" name="Picture 3"/>
@@ -16907,7 +18714,7 @@
           <p:nvPr/>
         </p:nvPicPr>
         <p:blipFill>
-          <a:blip r:embed="rId3">
+          <a:blip r:embed="rId2">
             <a:extLst>
               <a:ext uri="{28A0092B-C50C-407E-A947-70E740481C1C}">
                 <a14:useLocalDpi xmlns:a14="http://schemas.microsoft.com/office/drawing/2010/main" val="0"/>
@@ -16971,7 +18778,7 @@
         <p:spPr>
           <a:xfrm>
             <a:off x="969790" y="5542884"/>
-            <a:ext cx="1141659" cy="707886"/>
+            <a:ext cx="1189749" cy="707886"/>
           </a:xfrm>
           <a:prstGeom prst="rect">
             <a:avLst/>
@@ -16985,10 +18792,18 @@
           <a:lstStyle/>
           <a:p>
             <a:r>
-              <a:rPr lang="pl-PL" sz="4000" dirty="0" smtClean="0"/>
+              <a:rPr lang="pl-PL" sz="4000" dirty="0" smtClean="0">
+                <a:latin typeface="Segoe UI" panose="020B0502040204020203" pitchFamily="34" charset="0"/>
+                <a:ea typeface="Segoe UI" panose="020B0502040204020203" pitchFamily="34" charset="0"/>
+                <a:cs typeface="Segoe UI" panose="020B0502040204020203" pitchFamily="34" charset="0"/>
+              </a:rPr>
               <a:t>lib.js</a:t>
             </a:r>
-            <a:endParaRPr lang="en-US" sz="4000" dirty="0"/>
+            <a:endParaRPr lang="en-US" sz="4000" dirty="0">
+              <a:latin typeface="Segoe UI" panose="020B0502040204020203" pitchFamily="34" charset="0"/>
+              <a:ea typeface="Segoe UI" panose="020B0502040204020203" pitchFamily="34" charset="0"/>
+              <a:cs typeface="Segoe UI" panose="020B0502040204020203" pitchFamily="34" charset="0"/>
+            </a:endParaRPr>
           </a:p>
         </p:txBody>
       </p:sp>
@@ -17001,7 +18816,7 @@
         <p:spPr>
           <a:xfrm>
             <a:off x="5369147" y="5532251"/>
-            <a:ext cx="1422184" cy="707886"/>
+            <a:ext cx="1502334" cy="707886"/>
           </a:xfrm>
           <a:prstGeom prst="rect">
             <a:avLst/>
@@ -17015,10 +18830,18 @@
           <a:lstStyle/>
           <a:p>
             <a:r>
-              <a:rPr lang="pl-PL" sz="4000" dirty="0" smtClean="0"/>
+              <a:rPr lang="pl-PL" sz="4000" dirty="0" smtClean="0">
+                <a:latin typeface="Segoe UI" panose="020B0502040204020203" pitchFamily="34" charset="0"/>
+                <a:ea typeface="Segoe UI" panose="020B0502040204020203" pitchFamily="34" charset="0"/>
+                <a:cs typeface="Segoe UI" panose="020B0502040204020203" pitchFamily="34" charset="0"/>
+              </a:rPr>
               <a:t>app.js</a:t>
             </a:r>
-            <a:endParaRPr lang="en-US" sz="4000" dirty="0"/>
+            <a:endParaRPr lang="en-US" sz="4000" dirty="0">
+              <a:latin typeface="Segoe UI" panose="020B0502040204020203" pitchFamily="34" charset="0"/>
+              <a:ea typeface="Segoe UI" panose="020B0502040204020203" pitchFamily="34" charset="0"/>
+              <a:cs typeface="Segoe UI" panose="020B0502040204020203" pitchFamily="34" charset="0"/>
+            </a:endParaRPr>
           </a:p>
         </p:txBody>
       </p:sp>
@@ -17038,69 +18861,24 @@
           <a:lstStyle/>
           <a:p>
             <a:r>
-              <a:rPr lang="pl-PL" smtClean="0"/>
+              <a:rPr lang="pl-PL" smtClean="0">
+                <a:latin typeface="Segoe UI" panose="020B0502040204020203" pitchFamily="34" charset="0"/>
+                <a:ea typeface="Segoe UI" panose="020B0502040204020203" pitchFamily="34" charset="0"/>
+                <a:cs typeface="Segoe UI" panose="020B0502040204020203" pitchFamily="34" charset="0"/>
+              </a:rPr>
               <a:t>Quid novi? ECMAScript 6! / Hubert Zub / hubert.zub@gmail.com</a:t>
             </a:r>
-            <a:endParaRPr lang="pl-PL"/>
-          </a:p>
-        </p:txBody>
-      </p:sp>
-    </p:spTree>
-    <p:extLst>
-      <p:ext uri="{BB962C8B-B14F-4D97-AF65-F5344CB8AC3E}">
-        <p14:creationId xmlns:p14="http://schemas.microsoft.com/office/powerpoint/2010/main" val="3028141706"/>
-      </p:ext>
-    </p:extLst>
-  </p:cSld>
-  <p:clrMapOvr>
-    <a:masterClrMapping/>
-  </p:clrMapOvr>
-</p:sld>
-</file>
-
-<file path=ppt/slides/slide33.xml><?xml version="1.0" encoding="utf-8"?>
-<p:sld xmlns:a="http://schemas.openxmlformats.org/drawingml/2006/main" xmlns:r="http://schemas.openxmlformats.org/officeDocument/2006/relationships" xmlns:p="http://schemas.openxmlformats.org/presentationml/2006/main">
-  <p:cSld>
-    <p:spTree>
-      <p:nvGrpSpPr>
-        <p:cNvPr id="1" name=""/>
-        <p:cNvGrpSpPr/>
-        <p:nvPr/>
-      </p:nvGrpSpPr>
-      <p:grpSpPr>
-        <a:xfrm>
-          <a:off x="0" y="0"/>
-          <a:ext cx="0" cy="0"/>
-          <a:chOff x="0" y="0"/>
-          <a:chExt cx="0" cy="0"/>
-        </a:xfrm>
-      </p:grpSpPr>
-      <p:sp>
-        <p:nvSpPr>
-          <p:cNvPr id="2" name="Title 1"/>
-          <p:cNvSpPr>
-            <a:spLocks noGrp="1"/>
-          </p:cNvSpPr>
-          <p:nvPr>
-            <p:ph type="title"/>
-          </p:nvPr>
-        </p:nvSpPr>
-        <p:spPr/>
-        <p:txBody>
-          <a:bodyPr/>
-          <a:lstStyle/>
-          <a:p>
-            <a:r>
-              <a:rPr lang="pl-PL" dirty="0" smtClean="0"/>
-              <a:t>Modules c.d.</a:t>
-            </a:r>
-            <a:endParaRPr lang="pl-PL" dirty="0"/>
+            <a:endParaRPr lang="pl-PL">
+              <a:latin typeface="Segoe UI" panose="020B0502040204020203" pitchFamily="34" charset="0"/>
+              <a:ea typeface="Segoe UI" panose="020B0502040204020203" pitchFamily="34" charset="0"/>
+              <a:cs typeface="Segoe UI" panose="020B0502040204020203" pitchFamily="34" charset="0"/>
+            </a:endParaRPr>
           </a:p>
         </p:txBody>
       </p:sp>
       <p:pic>
         <p:nvPicPr>
-          <p:cNvPr id="4098" name="Picture 2"/>
+          <p:cNvPr id="9" name="Picture 2"/>
           <p:cNvPicPr>
             <a:picLocks noGrp="1" noChangeAspect="1" noChangeArrowheads="1"/>
           </p:cNvPicPr>
@@ -17109,7 +18887,7 @@
           </p:nvPr>
         </p:nvPicPr>
         <p:blipFill>
-          <a:blip r:embed="rId2">
+          <a:blip r:embed="rId3">
             <a:extLst>
               <a:ext uri="{28A0092B-C50C-407E-A947-70E740481C1C}">
                 <a14:useLocalDpi xmlns:a14="http://schemas.microsoft.com/office/drawing/2010/main" val="0"/>
@@ -17123,8 +18901,8 @@
         </p:blipFill>
         <p:spPr bwMode="auto">
           <a:xfrm>
-            <a:off x="952383" y="1679977"/>
-            <a:ext cx="4091995" cy="3731995"/>
+            <a:off x="887912" y="2254102"/>
+            <a:ext cx="4232573" cy="3147902"/>
           </a:xfrm>
           <a:prstGeom prst="rect">
             <a:avLst/>
@@ -17164,6 +18942,74 @@
           </a:extLst>
         </p:spPr>
       </p:pic>
+    </p:spTree>
+    <p:extLst>
+      <p:ext uri="{BB962C8B-B14F-4D97-AF65-F5344CB8AC3E}">
+        <p14:creationId xmlns:p14="http://schemas.microsoft.com/office/powerpoint/2010/main" val="3028141706"/>
+      </p:ext>
+    </p:extLst>
+  </p:cSld>
+  <p:clrMapOvr>
+    <a:masterClrMapping/>
+  </p:clrMapOvr>
+  <p:timing>
+    <p:tnLst>
+      <p:par>
+        <p:cTn id="1" dur="indefinite" restart="never" nodeType="tmRoot"/>
+      </p:par>
+    </p:tnLst>
+  </p:timing>
+</p:sld>
+</file>
+
+<file path=ppt/slides/slide35.xml><?xml version="1.0" encoding="utf-8"?>
+<p:sld xmlns:a="http://schemas.openxmlformats.org/drawingml/2006/main" xmlns:r="http://schemas.openxmlformats.org/officeDocument/2006/relationships" xmlns:p="http://schemas.openxmlformats.org/presentationml/2006/main">
+  <p:cSld>
+    <p:spTree>
+      <p:nvGrpSpPr>
+        <p:cNvPr id="1" name=""/>
+        <p:cNvGrpSpPr/>
+        <p:nvPr/>
+      </p:nvGrpSpPr>
+      <p:grpSpPr>
+        <a:xfrm>
+          <a:off x="0" y="0"/>
+          <a:ext cx="0" cy="0"/>
+          <a:chOff x="0" y="0"/>
+          <a:chExt cx="0" cy="0"/>
+        </a:xfrm>
+      </p:grpSpPr>
+      <p:sp>
+        <p:nvSpPr>
+          <p:cNvPr id="2" name="Title 1"/>
+          <p:cNvSpPr>
+            <a:spLocks noGrp="1"/>
+          </p:cNvSpPr>
+          <p:nvPr>
+            <p:ph type="title"/>
+          </p:nvPr>
+        </p:nvSpPr>
+        <p:spPr/>
+        <p:txBody>
+          <a:bodyPr/>
+          <a:lstStyle/>
+          <a:p>
+            <a:r>
+              <a:rPr lang="pl-PL" dirty="0" smtClean="0">
+                <a:latin typeface="Segoe UI" panose="020B0502040204020203" pitchFamily="34" charset="0"/>
+                <a:ea typeface="Segoe UI" panose="020B0502040204020203" pitchFamily="34" charset="0"/>
+                <a:cs typeface="Segoe UI" panose="020B0502040204020203" pitchFamily="34" charset="0"/>
+              </a:rPr>
+              <a:t>Modules c.d.</a:t>
+            </a:r>
+            <a:endParaRPr lang="pl-PL" dirty="0">
+              <a:latin typeface="Segoe UI" panose="020B0502040204020203" pitchFamily="34" charset="0"/>
+              <a:ea typeface="Segoe UI" panose="020B0502040204020203" pitchFamily="34" charset="0"/>
+              <a:cs typeface="Segoe UI" panose="020B0502040204020203" pitchFamily="34" charset="0"/>
+            </a:endParaRPr>
+          </a:p>
+        </p:txBody>
+      </p:sp>
       <p:sp>
         <p:nvSpPr>
           <p:cNvPr id="6" name="TextBox 5"/>
@@ -17173,7 +19019,7 @@
         <p:spPr>
           <a:xfrm>
             <a:off x="969790" y="5542884"/>
-            <a:ext cx="1141659" cy="707886"/>
+            <a:ext cx="1189749" cy="707886"/>
           </a:xfrm>
           <a:prstGeom prst="rect">
             <a:avLst/>
@@ -17191,6 +19037,9 @@
                 <a:solidFill>
                   <a:prstClr val="black"/>
                 </a:solidFill>
+                <a:latin typeface="Segoe UI" panose="020B0502040204020203" pitchFamily="34" charset="0"/>
+                <a:ea typeface="Segoe UI" panose="020B0502040204020203" pitchFamily="34" charset="0"/>
+                <a:cs typeface="Segoe UI" panose="020B0502040204020203" pitchFamily="34" charset="0"/>
               </a:rPr>
               <a:t>lib.js</a:t>
             </a:r>
@@ -17198,6 +19047,9 @@
               <a:solidFill>
                 <a:prstClr val="black"/>
               </a:solidFill>
+              <a:latin typeface="Segoe UI" panose="020B0502040204020203" pitchFamily="34" charset="0"/>
+              <a:ea typeface="Segoe UI" panose="020B0502040204020203" pitchFamily="34" charset="0"/>
+              <a:cs typeface="Segoe UI" panose="020B0502040204020203" pitchFamily="34" charset="0"/>
             </a:endParaRPr>
           </a:p>
         </p:txBody>
@@ -17211,7 +19063,7 @@
         <p:spPr>
           <a:xfrm>
             <a:off x="5369147" y="5532251"/>
-            <a:ext cx="1422184" cy="707886"/>
+            <a:ext cx="1502334" cy="707886"/>
           </a:xfrm>
           <a:prstGeom prst="rect">
             <a:avLst/>
@@ -17229,6 +19081,9 @@
                 <a:solidFill>
                   <a:prstClr val="black"/>
                 </a:solidFill>
+                <a:latin typeface="Segoe UI" panose="020B0502040204020203" pitchFamily="34" charset="0"/>
+                <a:ea typeface="Segoe UI" panose="020B0502040204020203" pitchFamily="34" charset="0"/>
+                <a:cs typeface="Segoe UI" panose="020B0502040204020203" pitchFamily="34" charset="0"/>
               </a:rPr>
               <a:t>app.js</a:t>
             </a:r>
@@ -17236,6 +19091,9 @@
               <a:solidFill>
                 <a:prstClr val="black"/>
               </a:solidFill>
+              <a:latin typeface="Segoe UI" panose="020B0502040204020203" pitchFamily="34" charset="0"/>
+              <a:ea typeface="Segoe UI" panose="020B0502040204020203" pitchFamily="34" charset="0"/>
+              <a:cs typeface="Segoe UI" panose="020B0502040204020203" pitchFamily="34" charset="0"/>
             </a:endParaRPr>
           </a:p>
         </p:txBody>
@@ -17249,7 +19107,7 @@
           <p:nvPr/>
         </p:nvPicPr>
         <p:blipFill>
-          <a:blip r:embed="rId3">
+          <a:blip r:embed="rId2">
             <a:extLst>
               <a:ext uri="{28A0092B-C50C-407E-A947-70E740481C1C}">
                 <a14:useLocalDpi xmlns:a14="http://schemas.microsoft.com/office/drawing/2010/main" val="0"/>
@@ -17326,6 +19184,9 @@
                     <a:tint val="75000"/>
                   </a:prstClr>
                 </a:solidFill>
+                <a:latin typeface="Segoe UI" panose="020B0502040204020203" pitchFamily="34" charset="0"/>
+                <a:ea typeface="Segoe UI" panose="020B0502040204020203" pitchFamily="34" charset="0"/>
+                <a:cs typeface="Segoe UI" panose="020B0502040204020203" pitchFamily="34" charset="0"/>
               </a:rPr>
               <a:t>Quid novi? ECMAScript 6! / Hubert Zub / hubert.zub@gmail.com</a:t>
             </a:r>
@@ -17335,267 +19196,81 @@
                   <a:tint val="75000"/>
                 </a:prstClr>
               </a:solidFill>
+              <a:latin typeface="Segoe UI" panose="020B0502040204020203" pitchFamily="34" charset="0"/>
+              <a:ea typeface="Segoe UI" panose="020B0502040204020203" pitchFamily="34" charset="0"/>
+              <a:cs typeface="Segoe UI" panose="020B0502040204020203" pitchFamily="34" charset="0"/>
             </a:endParaRPr>
           </a:p>
         </p:txBody>
       </p:sp>
+      <p:pic>
+        <p:nvPicPr>
+          <p:cNvPr id="8194" name="Picture 2"/>
+          <p:cNvPicPr>
+            <a:picLocks noChangeAspect="1" noChangeArrowheads="1"/>
+          </p:cNvPicPr>
+          <p:nvPr/>
+        </p:nvPicPr>
+        <p:blipFill>
+          <a:blip r:embed="rId3">
+            <a:extLst>
+              <a:ext uri="{28A0092B-C50C-407E-A947-70E740481C1C}">
+                <a14:useLocalDpi xmlns:a14="http://schemas.microsoft.com/office/drawing/2010/main" val="0"/>
+              </a:ext>
+            </a:extLst>
+          </a:blip>
+          <a:srcRect/>
+          <a:stretch>
+            <a:fillRect/>
+          </a:stretch>
+        </p:blipFill>
+        <p:spPr bwMode="auto">
+          <a:xfrm>
+            <a:off x="889742" y="2251501"/>
+            <a:ext cx="4233017" cy="3148233"/>
+          </a:xfrm>
+          <a:prstGeom prst="rect">
+            <a:avLst/>
+          </a:prstGeom>
+          <a:noFill/>
+          <a:ln>
+            <a:noFill/>
+          </a:ln>
+          <a:effectLst/>
+          <a:extLst>
+            <a:ext uri="{909E8E84-426E-40DD-AFC4-6F175D3DCCD1}">
+              <a14:hiddenFill xmlns:a14="http://schemas.microsoft.com/office/drawing/2010/main">
+                <a:solidFill>
+                  <a:schemeClr val="accent1"/>
+                </a:solidFill>
+              </a14:hiddenFill>
+            </a:ext>
+            <a:ext uri="{91240B29-F687-4F45-9708-019B960494DF}">
+              <a14:hiddenLine xmlns:a14="http://schemas.microsoft.com/office/drawing/2010/main" w="9525">
+                <a:solidFill>
+                  <a:schemeClr val="tx1"/>
+                </a:solidFill>
+                <a:miter lim="800000"/>
+                <a:headEnd/>
+                <a:tailEnd/>
+              </a14:hiddenLine>
+            </a:ext>
+            <a:ext uri="{AF507438-7753-43E0-B8FC-AC1667EBCBE1}">
+              <a14:hiddenEffects xmlns:a14="http://schemas.microsoft.com/office/drawing/2010/main">
+                <a:effectLst>
+                  <a:outerShdw dist="35921" dir="2700000" algn="ctr" rotWithShape="0">
+                    <a:schemeClr val="bg2"/>
+                  </a:outerShdw>
+                </a:effectLst>
+              </a14:hiddenEffects>
+            </a:ext>
+          </a:extLst>
+        </p:spPr>
+      </p:pic>
     </p:spTree>
     <p:extLst>
       <p:ext uri="{BB962C8B-B14F-4D97-AF65-F5344CB8AC3E}">
         <p14:creationId xmlns:p14="http://schemas.microsoft.com/office/powerpoint/2010/main" val="728032788"/>
-      </p:ext>
-    </p:extLst>
-  </p:cSld>
-  <p:clrMapOvr>
-    <a:masterClrMapping/>
-  </p:clrMapOvr>
-</p:sld>
-</file>
-
-<file path=ppt/slides/slide34.xml><?xml version="1.0" encoding="utf-8"?>
-<p:sld xmlns:a="http://schemas.openxmlformats.org/drawingml/2006/main" xmlns:r="http://schemas.openxmlformats.org/officeDocument/2006/relationships" xmlns:p="http://schemas.openxmlformats.org/presentationml/2006/main">
-  <p:cSld>
-    <p:spTree>
-      <p:nvGrpSpPr>
-        <p:cNvPr id="1" name=""/>
-        <p:cNvGrpSpPr/>
-        <p:nvPr/>
-      </p:nvGrpSpPr>
-      <p:grpSpPr>
-        <a:xfrm>
-          <a:off x="0" y="0"/>
-          <a:ext cx="0" cy="0"/>
-          <a:chOff x="0" y="0"/>
-          <a:chExt cx="0" cy="0"/>
-        </a:xfrm>
-      </p:grpSpPr>
-      <p:sp>
-        <p:nvSpPr>
-          <p:cNvPr id="2" name="Title 1"/>
-          <p:cNvSpPr>
-            <a:spLocks noGrp="1"/>
-          </p:cNvSpPr>
-          <p:nvPr>
-            <p:ph type="title"/>
-          </p:nvPr>
-        </p:nvSpPr>
-        <p:spPr/>
-        <p:txBody>
-          <a:bodyPr/>
-          <a:lstStyle/>
-          <a:p>
-            <a:r>
-              <a:rPr lang="pl-PL" dirty="0" smtClean="0"/>
-              <a:t>Co więcej?</a:t>
-            </a:r>
-            <a:endParaRPr lang="pl-PL" dirty="0"/>
-          </a:p>
-        </p:txBody>
-      </p:sp>
-      <p:sp>
-        <p:nvSpPr>
-          <p:cNvPr id="3" name="Content Placeholder 2"/>
-          <p:cNvSpPr>
-            <a:spLocks noGrp="1"/>
-          </p:cNvSpPr>
-          <p:nvPr>
-            <p:ph idx="1"/>
-          </p:nvPr>
-        </p:nvSpPr>
-        <p:spPr/>
-        <p:txBody>
-          <a:bodyPr/>
-          <a:lstStyle/>
-          <a:p>
-            <a:r>
-              <a:rPr lang="pl-PL" dirty="0" smtClean="0"/>
-              <a:t>Destructuring</a:t>
-            </a:r>
-          </a:p>
-          <a:p>
-            <a:r>
-              <a:rPr lang="pl-PL" dirty="0" smtClean="0"/>
-              <a:t>Generatory</a:t>
-            </a:r>
-          </a:p>
-          <a:p>
-            <a:r>
-              <a:rPr lang="pl-PL" dirty="0" smtClean="0"/>
-              <a:t>Map, set</a:t>
-            </a:r>
-          </a:p>
-          <a:p>
-            <a:r>
-              <a:rPr lang="pl-PL" dirty="0" smtClean="0"/>
-              <a:t>Proxies</a:t>
-            </a:r>
-          </a:p>
-          <a:p>
-            <a:r>
-              <a:rPr lang="pl-PL" dirty="0" smtClean="0"/>
-              <a:t>Symbols</a:t>
-            </a:r>
-            <a:endParaRPr lang="pl-PL" dirty="0"/>
-          </a:p>
-        </p:txBody>
-      </p:sp>
-      <p:sp>
-        <p:nvSpPr>
-          <p:cNvPr id="4" name="Footer Placeholder 3"/>
-          <p:cNvSpPr>
-            <a:spLocks noGrp="1"/>
-          </p:cNvSpPr>
-          <p:nvPr>
-            <p:ph type="ftr" sz="quarter" idx="11"/>
-          </p:nvPr>
-        </p:nvSpPr>
-        <p:spPr/>
-        <p:txBody>
-          <a:bodyPr/>
-          <a:lstStyle/>
-          <a:p>
-            <a:r>
-              <a:rPr lang="pl-PL" smtClean="0"/>
-              <a:t>Quid novi? ECMAScript 6! / Hubert Zub / hubert.zub@gmail.com</a:t>
-            </a:r>
-            <a:endParaRPr lang="pl-PL"/>
-          </a:p>
-        </p:txBody>
-      </p:sp>
-    </p:spTree>
-    <p:extLst>
-      <p:ext uri="{BB962C8B-B14F-4D97-AF65-F5344CB8AC3E}">
-        <p14:creationId xmlns:p14="http://schemas.microsoft.com/office/powerpoint/2010/main" val="676027748"/>
-      </p:ext>
-    </p:extLst>
-  </p:cSld>
-  <p:clrMapOvr>
-    <a:masterClrMapping/>
-  </p:clrMapOvr>
-</p:sld>
-</file>
-
-<file path=ppt/slides/slide35.xml><?xml version="1.0" encoding="utf-8"?>
-<p:sld xmlns:a="http://schemas.openxmlformats.org/drawingml/2006/main" xmlns:r="http://schemas.openxmlformats.org/officeDocument/2006/relationships" xmlns:p="http://schemas.openxmlformats.org/presentationml/2006/main">
-  <p:cSld>
-    <p:spTree>
-      <p:nvGrpSpPr>
-        <p:cNvPr id="1" name=""/>
-        <p:cNvGrpSpPr/>
-        <p:nvPr/>
-      </p:nvGrpSpPr>
-      <p:grpSpPr>
-        <a:xfrm>
-          <a:off x="0" y="0"/>
-          <a:ext cx="0" cy="0"/>
-          <a:chOff x="0" y="0"/>
-          <a:chExt cx="0" cy="0"/>
-        </a:xfrm>
-      </p:grpSpPr>
-      <p:sp>
-        <p:nvSpPr>
-          <p:cNvPr id="2" name="Title 1"/>
-          <p:cNvSpPr>
-            <a:spLocks noGrp="1"/>
-          </p:cNvSpPr>
-          <p:nvPr>
-            <p:ph type="title"/>
-          </p:nvPr>
-        </p:nvSpPr>
-        <p:spPr/>
-        <p:txBody>
-          <a:bodyPr/>
-          <a:lstStyle/>
-          <a:p>
-            <a:r>
-              <a:rPr lang="pl-PL" dirty="0" smtClean="0"/>
-              <a:t>Co </a:t>
-            </a:r>
-            <a:r>
-              <a:rPr lang="pl-PL" dirty="0" smtClean="0"/>
-              <a:t>dalej </a:t>
-            </a:r>
-            <a:r>
-              <a:rPr lang="pl-PL" dirty="0" smtClean="0"/>
-              <a:t>– ECMAScript 7</a:t>
-            </a:r>
-            <a:endParaRPr lang="pl-PL" dirty="0"/>
-          </a:p>
-        </p:txBody>
-      </p:sp>
-      <p:sp>
-        <p:nvSpPr>
-          <p:cNvPr id="3" name="Content Placeholder 2"/>
-          <p:cNvSpPr>
-            <a:spLocks noGrp="1"/>
-          </p:cNvSpPr>
-          <p:nvPr>
-            <p:ph idx="1"/>
-          </p:nvPr>
-        </p:nvSpPr>
-        <p:spPr/>
-        <p:txBody>
-          <a:bodyPr/>
-          <a:lstStyle/>
-          <a:p>
-            <a:r>
-              <a:rPr lang="pl-PL" dirty="0" smtClean="0"/>
-              <a:t>Object.observe()</a:t>
-            </a:r>
-          </a:p>
-          <a:p>
-            <a:r>
-              <a:rPr lang="pl-PL" dirty="0" smtClean="0"/>
-              <a:t>Funkcje async</a:t>
-            </a:r>
-          </a:p>
-          <a:p>
-            <a:r>
-              <a:rPr lang="pl-PL" dirty="0" smtClean="0"/>
-              <a:t>Dekoratory klas</a:t>
-            </a:r>
-          </a:p>
-          <a:p>
-            <a:r>
-              <a:rPr lang="pl-PL" dirty="0" smtClean="0"/>
-              <a:t>Obsługa SIMD (Single instruction, multiple data) – MMX, SSE</a:t>
-            </a:r>
-          </a:p>
-          <a:p>
-            <a:pPr marL="0" indent="0">
-              <a:buNone/>
-            </a:pPr>
-            <a:endParaRPr lang="pl-PL" dirty="0"/>
-          </a:p>
-        </p:txBody>
-      </p:sp>
-      <p:sp>
-        <p:nvSpPr>
-          <p:cNvPr id="4" name="Footer Placeholder 3"/>
-          <p:cNvSpPr>
-            <a:spLocks noGrp="1"/>
-          </p:cNvSpPr>
-          <p:nvPr>
-            <p:ph type="ftr" sz="quarter" idx="11"/>
-          </p:nvPr>
-        </p:nvSpPr>
-        <p:spPr/>
-        <p:txBody>
-          <a:bodyPr/>
-          <a:lstStyle/>
-          <a:p>
-            <a:r>
-              <a:rPr lang="pl-PL" smtClean="0"/>
-              <a:t>Quid novi? ECMAScript 6! / Hubert Zub / hubert.zub@gmail.com</a:t>
-            </a:r>
-            <a:endParaRPr lang="pl-PL"/>
-          </a:p>
-        </p:txBody>
-      </p:sp>
-    </p:spTree>
-    <p:extLst>
-      <p:ext uri="{BB962C8B-B14F-4D97-AF65-F5344CB8AC3E}">
-        <p14:creationId xmlns:p14="http://schemas.microsoft.com/office/powerpoint/2010/main" val="91786924"/>
       </p:ext>
     </p:extLst>
   </p:cSld>
@@ -17645,10 +19320,383 @@
           <a:lstStyle/>
           <a:p>
             <a:r>
-              <a:rPr lang="pl-PL" dirty="0" smtClean="0"/>
+              <a:rPr lang="pl-PL" dirty="0" smtClean="0">
+                <a:latin typeface="Segoe UI" panose="020B0502040204020203" pitchFamily="34" charset="0"/>
+                <a:ea typeface="Segoe UI" panose="020B0502040204020203" pitchFamily="34" charset="0"/>
+                <a:cs typeface="Segoe UI" panose="020B0502040204020203" pitchFamily="34" charset="0"/>
+              </a:rPr>
+              <a:t>Co więcej?</a:t>
+            </a:r>
+            <a:endParaRPr lang="pl-PL" dirty="0">
+              <a:latin typeface="Segoe UI" panose="020B0502040204020203" pitchFamily="34" charset="0"/>
+              <a:ea typeface="Segoe UI" panose="020B0502040204020203" pitchFamily="34" charset="0"/>
+              <a:cs typeface="Segoe UI" panose="020B0502040204020203" pitchFamily="34" charset="0"/>
+            </a:endParaRPr>
+          </a:p>
+        </p:txBody>
+      </p:sp>
+      <p:sp>
+        <p:nvSpPr>
+          <p:cNvPr id="3" name="Content Placeholder 2"/>
+          <p:cNvSpPr>
+            <a:spLocks noGrp="1"/>
+          </p:cNvSpPr>
+          <p:nvPr>
+            <p:ph idx="1"/>
+          </p:nvPr>
+        </p:nvSpPr>
+        <p:spPr/>
+        <p:txBody>
+          <a:bodyPr/>
+          <a:lstStyle/>
+          <a:p>
+            <a:r>
+              <a:rPr lang="pl-PL" dirty="0" smtClean="0">
+                <a:latin typeface="Segoe UI" panose="020B0502040204020203" pitchFamily="34" charset="0"/>
+                <a:ea typeface="Segoe UI" panose="020B0502040204020203" pitchFamily="34" charset="0"/>
+                <a:cs typeface="Segoe UI" panose="020B0502040204020203" pitchFamily="34" charset="0"/>
+              </a:rPr>
+              <a:t>Destructuring</a:t>
+            </a:r>
+          </a:p>
+          <a:p>
+            <a:r>
+              <a:rPr lang="pl-PL" dirty="0" smtClean="0">
+                <a:latin typeface="Segoe UI" panose="020B0502040204020203" pitchFamily="34" charset="0"/>
+                <a:ea typeface="Segoe UI" panose="020B0502040204020203" pitchFamily="34" charset="0"/>
+                <a:cs typeface="Segoe UI" panose="020B0502040204020203" pitchFamily="34" charset="0"/>
+              </a:rPr>
+              <a:t>Generatory</a:t>
+            </a:r>
+          </a:p>
+          <a:p>
+            <a:r>
+              <a:rPr lang="pl-PL" dirty="0" smtClean="0">
+                <a:latin typeface="Segoe UI" panose="020B0502040204020203" pitchFamily="34" charset="0"/>
+                <a:ea typeface="Segoe UI" panose="020B0502040204020203" pitchFamily="34" charset="0"/>
+                <a:cs typeface="Segoe UI" panose="020B0502040204020203" pitchFamily="34" charset="0"/>
+              </a:rPr>
+              <a:t>Map, </a:t>
+            </a:r>
+            <a:r>
+              <a:rPr lang="pl-PL" dirty="0" smtClean="0">
+                <a:latin typeface="Segoe UI" panose="020B0502040204020203" pitchFamily="34" charset="0"/>
+                <a:ea typeface="Segoe UI" panose="020B0502040204020203" pitchFamily="34" charset="0"/>
+                <a:cs typeface="Segoe UI" panose="020B0502040204020203" pitchFamily="34" charset="0"/>
+              </a:rPr>
+              <a:t>set, weakmap, weakset</a:t>
+            </a:r>
+            <a:endParaRPr lang="pl-PL" dirty="0" smtClean="0">
+              <a:latin typeface="Segoe UI" panose="020B0502040204020203" pitchFamily="34" charset="0"/>
+              <a:ea typeface="Segoe UI" panose="020B0502040204020203" pitchFamily="34" charset="0"/>
+              <a:cs typeface="Segoe UI" panose="020B0502040204020203" pitchFamily="34" charset="0"/>
+            </a:endParaRPr>
+          </a:p>
+          <a:p>
+            <a:r>
+              <a:rPr lang="pl-PL" dirty="0" smtClean="0">
+                <a:latin typeface="Segoe UI" panose="020B0502040204020203" pitchFamily="34" charset="0"/>
+                <a:ea typeface="Segoe UI" panose="020B0502040204020203" pitchFamily="34" charset="0"/>
+                <a:cs typeface="Segoe UI" panose="020B0502040204020203" pitchFamily="34" charset="0"/>
+              </a:rPr>
+              <a:t>Proxies</a:t>
+            </a:r>
+          </a:p>
+          <a:p>
+            <a:r>
+              <a:rPr lang="pl-PL" dirty="0" smtClean="0">
+                <a:latin typeface="Segoe UI" panose="020B0502040204020203" pitchFamily="34" charset="0"/>
+                <a:ea typeface="Segoe UI" panose="020B0502040204020203" pitchFamily="34" charset="0"/>
+                <a:cs typeface="Segoe UI" panose="020B0502040204020203" pitchFamily="34" charset="0"/>
+              </a:rPr>
+              <a:t>Symbole</a:t>
+            </a:r>
+            <a:endParaRPr lang="pl-PL" dirty="0">
+              <a:latin typeface="Segoe UI" panose="020B0502040204020203" pitchFamily="34" charset="0"/>
+              <a:ea typeface="Segoe UI" panose="020B0502040204020203" pitchFamily="34" charset="0"/>
+              <a:cs typeface="Segoe UI" panose="020B0502040204020203" pitchFamily="34" charset="0"/>
+            </a:endParaRPr>
+          </a:p>
+        </p:txBody>
+      </p:sp>
+      <p:sp>
+        <p:nvSpPr>
+          <p:cNvPr id="4" name="Footer Placeholder 3"/>
+          <p:cNvSpPr>
+            <a:spLocks noGrp="1"/>
+          </p:cNvSpPr>
+          <p:nvPr>
+            <p:ph type="ftr" sz="quarter" idx="11"/>
+          </p:nvPr>
+        </p:nvSpPr>
+        <p:spPr/>
+        <p:txBody>
+          <a:bodyPr/>
+          <a:lstStyle/>
+          <a:p>
+            <a:r>
+              <a:rPr lang="pl-PL" smtClean="0">
+                <a:latin typeface="Segoe UI" panose="020B0502040204020203" pitchFamily="34" charset="0"/>
+                <a:ea typeface="Segoe UI" panose="020B0502040204020203" pitchFamily="34" charset="0"/>
+                <a:cs typeface="Segoe UI" panose="020B0502040204020203" pitchFamily="34" charset="0"/>
+              </a:rPr>
+              <a:t>Quid novi? ECMAScript 6! / Hubert Zub / hubert.zub@gmail.com</a:t>
+            </a:r>
+            <a:endParaRPr lang="pl-PL">
+              <a:latin typeface="Segoe UI" panose="020B0502040204020203" pitchFamily="34" charset="0"/>
+              <a:ea typeface="Segoe UI" panose="020B0502040204020203" pitchFamily="34" charset="0"/>
+              <a:cs typeface="Segoe UI" panose="020B0502040204020203" pitchFamily="34" charset="0"/>
+            </a:endParaRPr>
+          </a:p>
+        </p:txBody>
+      </p:sp>
+    </p:spTree>
+    <p:extLst>
+      <p:ext uri="{BB962C8B-B14F-4D97-AF65-F5344CB8AC3E}">
+        <p14:creationId xmlns:p14="http://schemas.microsoft.com/office/powerpoint/2010/main" val="676027748"/>
+      </p:ext>
+    </p:extLst>
+  </p:cSld>
+  <p:clrMapOvr>
+    <a:masterClrMapping/>
+  </p:clrMapOvr>
+</p:sld>
+</file>
+
+<file path=ppt/slides/slide37.xml><?xml version="1.0" encoding="utf-8"?>
+<p:sld xmlns:a="http://schemas.openxmlformats.org/drawingml/2006/main" xmlns:r="http://schemas.openxmlformats.org/officeDocument/2006/relationships" xmlns:p="http://schemas.openxmlformats.org/presentationml/2006/main">
+  <p:cSld>
+    <p:spTree>
+      <p:nvGrpSpPr>
+        <p:cNvPr id="1" name=""/>
+        <p:cNvGrpSpPr/>
+        <p:nvPr/>
+      </p:nvGrpSpPr>
+      <p:grpSpPr>
+        <a:xfrm>
+          <a:off x="0" y="0"/>
+          <a:ext cx="0" cy="0"/>
+          <a:chOff x="0" y="0"/>
+          <a:chExt cx="0" cy="0"/>
+        </a:xfrm>
+      </p:grpSpPr>
+      <p:sp>
+        <p:nvSpPr>
+          <p:cNvPr id="2" name="Title 1"/>
+          <p:cNvSpPr>
+            <a:spLocks noGrp="1"/>
+          </p:cNvSpPr>
+          <p:nvPr>
+            <p:ph type="title"/>
+          </p:nvPr>
+        </p:nvSpPr>
+        <p:spPr/>
+        <p:txBody>
+          <a:bodyPr/>
+          <a:lstStyle/>
+          <a:p>
+            <a:r>
+              <a:rPr lang="pl-PL" dirty="0" smtClean="0">
+                <a:latin typeface="Segoe UI" panose="020B0502040204020203" pitchFamily="34" charset="0"/>
+                <a:ea typeface="Segoe UI" panose="020B0502040204020203" pitchFamily="34" charset="0"/>
+                <a:cs typeface="Segoe UI" panose="020B0502040204020203" pitchFamily="34" charset="0"/>
+              </a:rPr>
+              <a:t>Co </a:t>
+            </a:r>
+            <a:r>
+              <a:rPr lang="pl-PL" dirty="0" smtClean="0">
+                <a:latin typeface="Segoe UI" panose="020B0502040204020203" pitchFamily="34" charset="0"/>
+                <a:ea typeface="Segoe UI" panose="020B0502040204020203" pitchFamily="34" charset="0"/>
+                <a:cs typeface="Segoe UI" panose="020B0502040204020203" pitchFamily="34" charset="0"/>
+              </a:rPr>
+              <a:t>dalej? ECMAScript 7!</a:t>
+            </a:r>
+            <a:endParaRPr lang="pl-PL" dirty="0">
+              <a:latin typeface="Segoe UI" panose="020B0502040204020203" pitchFamily="34" charset="0"/>
+              <a:ea typeface="Segoe UI" panose="020B0502040204020203" pitchFamily="34" charset="0"/>
+              <a:cs typeface="Segoe UI" panose="020B0502040204020203" pitchFamily="34" charset="0"/>
+            </a:endParaRPr>
+          </a:p>
+        </p:txBody>
+      </p:sp>
+      <p:sp>
+        <p:nvSpPr>
+          <p:cNvPr id="3" name="Content Placeholder 2"/>
+          <p:cNvSpPr>
+            <a:spLocks noGrp="1"/>
+          </p:cNvSpPr>
+          <p:nvPr>
+            <p:ph idx="1"/>
+          </p:nvPr>
+        </p:nvSpPr>
+        <p:spPr/>
+        <p:txBody>
+          <a:bodyPr/>
+          <a:lstStyle/>
+          <a:p>
+            <a:r>
+              <a:rPr lang="pl-PL" dirty="0" smtClean="0">
+                <a:latin typeface="Segoe UI" panose="020B0502040204020203" pitchFamily="34" charset="0"/>
+                <a:ea typeface="Segoe UI" panose="020B0502040204020203" pitchFamily="34" charset="0"/>
+                <a:cs typeface="Segoe UI" panose="020B0502040204020203" pitchFamily="34" charset="0"/>
+              </a:rPr>
+              <a:t>Object.observe()</a:t>
+            </a:r>
+          </a:p>
+          <a:p>
+            <a:r>
+              <a:rPr lang="pl-PL" dirty="0" smtClean="0">
+                <a:latin typeface="Segoe UI" panose="020B0502040204020203" pitchFamily="34" charset="0"/>
+                <a:ea typeface="Segoe UI" panose="020B0502040204020203" pitchFamily="34" charset="0"/>
+                <a:cs typeface="Segoe UI" panose="020B0502040204020203" pitchFamily="34" charset="0"/>
+              </a:rPr>
+              <a:t>Funkcje async</a:t>
+            </a:r>
+          </a:p>
+          <a:p>
+            <a:r>
+              <a:rPr lang="pl-PL" dirty="0" smtClean="0">
+                <a:latin typeface="Segoe UI" panose="020B0502040204020203" pitchFamily="34" charset="0"/>
+                <a:ea typeface="Segoe UI" panose="020B0502040204020203" pitchFamily="34" charset="0"/>
+                <a:cs typeface="Segoe UI" panose="020B0502040204020203" pitchFamily="34" charset="0"/>
+              </a:rPr>
+              <a:t>Dekoratory klas</a:t>
+            </a:r>
+          </a:p>
+          <a:p>
+            <a:r>
+              <a:rPr lang="pl-PL" dirty="0" smtClean="0">
+                <a:latin typeface="Segoe UI" panose="020B0502040204020203" pitchFamily="34" charset="0"/>
+                <a:ea typeface="Segoe UI" panose="020B0502040204020203" pitchFamily="34" charset="0"/>
+                <a:cs typeface="Segoe UI" panose="020B0502040204020203" pitchFamily="34" charset="0"/>
+              </a:rPr>
+              <a:t>Obsługa SIMD </a:t>
+            </a:r>
+            <a:r>
+              <a:rPr lang="pl-PL" dirty="0" smtClean="0">
+                <a:latin typeface="Segoe UI" panose="020B0502040204020203" pitchFamily="34" charset="0"/>
+                <a:ea typeface="Segoe UI" panose="020B0502040204020203" pitchFamily="34" charset="0"/>
+                <a:cs typeface="Segoe UI" panose="020B0502040204020203" pitchFamily="34" charset="0"/>
+              </a:rPr>
+              <a:t>(single </a:t>
+            </a:r>
+            <a:r>
+              <a:rPr lang="pl-PL" dirty="0" smtClean="0">
+                <a:latin typeface="Segoe UI" panose="020B0502040204020203" pitchFamily="34" charset="0"/>
+                <a:ea typeface="Segoe UI" panose="020B0502040204020203" pitchFamily="34" charset="0"/>
+                <a:cs typeface="Segoe UI" panose="020B0502040204020203" pitchFamily="34" charset="0"/>
+              </a:rPr>
+              <a:t>instruction, multiple data) – MMX, SSE</a:t>
+            </a:r>
+          </a:p>
+          <a:p>
+            <a:pPr marL="0" indent="0">
+              <a:buNone/>
+            </a:pPr>
+            <a:endParaRPr lang="pl-PL" dirty="0">
+              <a:latin typeface="Segoe UI" panose="020B0502040204020203" pitchFamily="34" charset="0"/>
+              <a:ea typeface="Segoe UI" panose="020B0502040204020203" pitchFamily="34" charset="0"/>
+              <a:cs typeface="Segoe UI" panose="020B0502040204020203" pitchFamily="34" charset="0"/>
+            </a:endParaRPr>
+          </a:p>
+        </p:txBody>
+      </p:sp>
+      <p:sp>
+        <p:nvSpPr>
+          <p:cNvPr id="4" name="Footer Placeholder 3"/>
+          <p:cNvSpPr>
+            <a:spLocks noGrp="1"/>
+          </p:cNvSpPr>
+          <p:nvPr>
+            <p:ph type="ftr" sz="quarter" idx="11"/>
+          </p:nvPr>
+        </p:nvSpPr>
+        <p:spPr/>
+        <p:txBody>
+          <a:bodyPr/>
+          <a:lstStyle/>
+          <a:p>
+            <a:r>
+              <a:rPr lang="pl-PL" smtClean="0">
+                <a:latin typeface="Segoe UI" panose="020B0502040204020203" pitchFamily="34" charset="0"/>
+                <a:ea typeface="Segoe UI" panose="020B0502040204020203" pitchFamily="34" charset="0"/>
+                <a:cs typeface="Segoe UI" panose="020B0502040204020203" pitchFamily="34" charset="0"/>
+              </a:rPr>
+              <a:t>Quid novi? ECMAScript 6! / Hubert Zub / hubert.zub@gmail.com</a:t>
+            </a:r>
+            <a:endParaRPr lang="pl-PL">
+              <a:latin typeface="Segoe UI" panose="020B0502040204020203" pitchFamily="34" charset="0"/>
+              <a:ea typeface="Segoe UI" panose="020B0502040204020203" pitchFamily="34" charset="0"/>
+              <a:cs typeface="Segoe UI" panose="020B0502040204020203" pitchFamily="34" charset="0"/>
+            </a:endParaRPr>
+          </a:p>
+        </p:txBody>
+      </p:sp>
+    </p:spTree>
+    <p:extLst>
+      <p:ext uri="{BB962C8B-B14F-4D97-AF65-F5344CB8AC3E}">
+        <p14:creationId xmlns:p14="http://schemas.microsoft.com/office/powerpoint/2010/main" val="91786924"/>
+      </p:ext>
+    </p:extLst>
+  </p:cSld>
+  <p:clrMapOvr>
+    <a:masterClrMapping/>
+  </p:clrMapOvr>
+  <p:timing>
+    <p:tnLst>
+      <p:par>
+        <p:cTn id="1" dur="indefinite" restart="never" nodeType="tmRoot"/>
+      </p:par>
+    </p:tnLst>
+  </p:timing>
+</p:sld>
+</file>
+
+<file path=ppt/slides/slide38.xml><?xml version="1.0" encoding="utf-8"?>
+<p:sld xmlns:a="http://schemas.openxmlformats.org/drawingml/2006/main" xmlns:r="http://schemas.openxmlformats.org/officeDocument/2006/relationships" xmlns:p="http://schemas.openxmlformats.org/presentationml/2006/main">
+  <p:cSld>
+    <p:spTree>
+      <p:nvGrpSpPr>
+        <p:cNvPr id="1" name=""/>
+        <p:cNvGrpSpPr/>
+        <p:nvPr/>
+      </p:nvGrpSpPr>
+      <p:grpSpPr>
+        <a:xfrm>
+          <a:off x="0" y="0"/>
+          <a:ext cx="0" cy="0"/>
+          <a:chOff x="0" y="0"/>
+          <a:chExt cx="0" cy="0"/>
+        </a:xfrm>
+      </p:grpSpPr>
+      <p:sp>
+        <p:nvSpPr>
+          <p:cNvPr id="2" name="Title 1"/>
+          <p:cNvSpPr>
+            <a:spLocks noGrp="1"/>
+          </p:cNvSpPr>
+          <p:nvPr>
+            <p:ph type="title"/>
+          </p:nvPr>
+        </p:nvSpPr>
+        <p:spPr/>
+        <p:txBody>
+          <a:bodyPr/>
+          <a:lstStyle/>
+          <a:p>
+            <a:r>
+              <a:rPr lang="pl-PL" dirty="0" smtClean="0">
+                <a:latin typeface="Segoe UI" panose="020B0502040204020203" pitchFamily="34" charset="0"/>
+                <a:ea typeface="Segoe UI" panose="020B0502040204020203" pitchFamily="34" charset="0"/>
+                <a:cs typeface="Segoe UI" panose="020B0502040204020203" pitchFamily="34" charset="0"/>
+              </a:rPr>
               <a:t>Praktyka na dziś</a:t>
             </a:r>
-            <a:endParaRPr lang="pl-PL" dirty="0"/>
+            <a:endParaRPr lang="pl-PL" dirty="0">
+              <a:latin typeface="Segoe UI" panose="020B0502040204020203" pitchFamily="34" charset="0"/>
+              <a:ea typeface="Segoe UI" panose="020B0502040204020203" pitchFamily="34" charset="0"/>
+              <a:cs typeface="Segoe UI" panose="020B0502040204020203" pitchFamily="34" charset="0"/>
+            </a:endParaRPr>
           </a:p>
         </p:txBody>
       </p:sp>
@@ -17668,7 +19716,11 @@
           <a:lstStyle/>
           <a:p>
             <a:r>
-              <a:rPr lang="pl-PL" dirty="0" smtClean="0"/>
+              <a:rPr lang="pl-PL" dirty="0" smtClean="0">
+                <a:latin typeface="Segoe UI" panose="020B0502040204020203" pitchFamily="34" charset="0"/>
+                <a:ea typeface="Segoe UI" panose="020B0502040204020203" pitchFamily="34" charset="0"/>
+                <a:cs typeface="Segoe UI" panose="020B0502040204020203" pitchFamily="34" charset="0"/>
+              </a:rPr>
               <a:t>Babel</a:t>
             </a:r>
           </a:p>
@@ -17676,36 +19728,57 @@
             <a:pPr lvl="1"/>
             <a:r>
               <a:rPr lang="pl-PL" dirty="0">
+                <a:latin typeface="Segoe UI" panose="020B0502040204020203" pitchFamily="34" charset="0"/>
+                <a:ea typeface="Segoe UI" panose="020B0502040204020203" pitchFamily="34" charset="0"/>
+                <a:cs typeface="Segoe UI" panose="020B0502040204020203" pitchFamily="34" charset="0"/>
                 <a:hlinkClick r:id="rId2"/>
               </a:rPr>
               <a:t>https://babeljs.io</a:t>
             </a:r>
             <a:r>
               <a:rPr lang="pl-PL" dirty="0" smtClean="0">
+                <a:latin typeface="Segoe UI" panose="020B0502040204020203" pitchFamily="34" charset="0"/>
+                <a:ea typeface="Segoe UI" panose="020B0502040204020203" pitchFamily="34" charset="0"/>
+                <a:cs typeface="Segoe UI" panose="020B0502040204020203" pitchFamily="34" charset="0"/>
                 <a:hlinkClick r:id="rId2"/>
               </a:rPr>
               <a:t>/</a:t>
             </a:r>
-            <a:endParaRPr lang="pl-PL" dirty="0" smtClean="0"/>
+            <a:endParaRPr lang="pl-PL" dirty="0" smtClean="0">
+              <a:latin typeface="Segoe UI" panose="020B0502040204020203" pitchFamily="34" charset="0"/>
+              <a:ea typeface="Segoe UI" panose="020B0502040204020203" pitchFamily="34" charset="0"/>
+              <a:cs typeface="Segoe UI" panose="020B0502040204020203" pitchFamily="34" charset="0"/>
+            </a:endParaRPr>
           </a:p>
           <a:p>
             <a:pPr lvl="1"/>
             <a:r>
-              <a:rPr lang="pl-PL" dirty="0" smtClean="0"/>
+              <a:rPr lang="pl-PL" dirty="0" smtClean="0">
+                <a:latin typeface="Segoe UI" panose="020B0502040204020203" pitchFamily="34" charset="0"/>
+                <a:ea typeface="Segoe UI" panose="020B0502040204020203" pitchFamily="34" charset="0"/>
+                <a:cs typeface="Segoe UI" panose="020B0502040204020203" pitchFamily="34" charset="0"/>
+              </a:rPr>
               <a:t>Poprzednio „6to5”</a:t>
             </a:r>
           </a:p>
           <a:p>
             <a:pPr lvl="1"/>
             <a:r>
-              <a:rPr lang="pl-PL" dirty="0" smtClean="0"/>
+              <a:rPr lang="pl-PL" dirty="0" smtClean="0">
+                <a:latin typeface="Segoe UI" panose="020B0502040204020203" pitchFamily="34" charset="0"/>
+                <a:ea typeface="Segoe UI" panose="020B0502040204020203" pitchFamily="34" charset="0"/>
+                <a:cs typeface="Segoe UI" panose="020B0502040204020203" pitchFamily="34" charset="0"/>
+              </a:rPr>
               <a:t>Bardziej popularny</a:t>
             </a:r>
-            <a:endParaRPr lang="pl-PL" dirty="0" smtClean="0"/>
-          </a:p>
-          <a:p>
-            <a:r>
-              <a:rPr lang="pl-PL" dirty="0" smtClean="0"/>
+          </a:p>
+          <a:p>
+            <a:r>
+              <a:rPr lang="pl-PL" dirty="0" smtClean="0">
+                <a:latin typeface="Segoe UI" panose="020B0502040204020203" pitchFamily="34" charset="0"/>
+                <a:ea typeface="Segoe UI" panose="020B0502040204020203" pitchFamily="34" charset="0"/>
+                <a:cs typeface="Segoe UI" panose="020B0502040204020203" pitchFamily="34" charset="0"/>
+              </a:rPr>
               <a:t>Traceur</a:t>
             </a:r>
           </a:p>
@@ -17713,32 +19786,54 @@
             <a:pPr lvl="1"/>
             <a:r>
               <a:rPr lang="pl-PL" dirty="0">
+                <a:latin typeface="Segoe UI" panose="020B0502040204020203" pitchFamily="34" charset="0"/>
+                <a:ea typeface="Segoe UI" panose="020B0502040204020203" pitchFamily="34" charset="0"/>
+                <a:cs typeface="Segoe UI" panose="020B0502040204020203" pitchFamily="34" charset="0"/>
                 <a:hlinkClick r:id="rId3"/>
               </a:rPr>
               <a:t>https://</a:t>
             </a:r>
             <a:r>
               <a:rPr lang="pl-PL" dirty="0" smtClean="0">
+                <a:latin typeface="Segoe UI" panose="020B0502040204020203" pitchFamily="34" charset="0"/>
+                <a:ea typeface="Segoe UI" panose="020B0502040204020203" pitchFamily="34" charset="0"/>
+                <a:cs typeface="Segoe UI" panose="020B0502040204020203" pitchFamily="34" charset="0"/>
                 <a:hlinkClick r:id="rId3"/>
               </a:rPr>
               <a:t>github.com/google/traceur-compiler</a:t>
             </a:r>
-            <a:endParaRPr lang="pl-PL" dirty="0" smtClean="0"/>
+            <a:endParaRPr lang="pl-PL" dirty="0" smtClean="0">
+              <a:latin typeface="Segoe UI" panose="020B0502040204020203" pitchFamily="34" charset="0"/>
+              <a:ea typeface="Segoe UI" panose="020B0502040204020203" pitchFamily="34" charset="0"/>
+              <a:cs typeface="Segoe UI" panose="020B0502040204020203" pitchFamily="34" charset="0"/>
+            </a:endParaRPr>
           </a:p>
           <a:p>
             <a:pPr lvl="1"/>
             <a:r>
-              <a:rPr lang="pl-PL" dirty="0" smtClean="0"/>
+              <a:rPr lang="pl-PL" dirty="0" smtClean="0">
+                <a:latin typeface="Segoe UI" panose="020B0502040204020203" pitchFamily="34" charset="0"/>
+                <a:ea typeface="Segoe UI" panose="020B0502040204020203" pitchFamily="34" charset="0"/>
+                <a:cs typeface="Segoe UI" panose="020B0502040204020203" pitchFamily="34" charset="0"/>
+              </a:rPr>
               <a:t>Rozwijany przez Google</a:t>
             </a:r>
           </a:p>
           <a:p>
             <a:pPr lvl="1"/>
             <a:r>
-              <a:rPr lang="pl-PL" dirty="0" smtClean="0"/>
+              <a:rPr lang="pl-PL" dirty="0" smtClean="0">
+                <a:latin typeface="Segoe UI" panose="020B0502040204020203" pitchFamily="34" charset="0"/>
+                <a:ea typeface="Segoe UI" panose="020B0502040204020203" pitchFamily="34" charset="0"/>
+                <a:cs typeface="Segoe UI" panose="020B0502040204020203" pitchFamily="34" charset="0"/>
+              </a:rPr>
               <a:t>Mniej popularny</a:t>
             </a:r>
-            <a:endParaRPr lang="pl-PL" dirty="0"/>
+            <a:endParaRPr lang="pl-PL" dirty="0">
+              <a:latin typeface="Segoe UI" panose="020B0502040204020203" pitchFamily="34" charset="0"/>
+              <a:ea typeface="Segoe UI" panose="020B0502040204020203" pitchFamily="34" charset="0"/>
+              <a:cs typeface="Segoe UI" panose="020B0502040204020203" pitchFamily="34" charset="0"/>
+            </a:endParaRPr>
           </a:p>
         </p:txBody>
       </p:sp>
@@ -17758,10 +19853,18 @@
           <a:lstStyle/>
           <a:p>
             <a:r>
-              <a:rPr lang="pl-PL" smtClean="0"/>
+              <a:rPr lang="pl-PL" smtClean="0">
+                <a:latin typeface="Segoe UI" panose="020B0502040204020203" pitchFamily="34" charset="0"/>
+                <a:ea typeface="Segoe UI" panose="020B0502040204020203" pitchFamily="34" charset="0"/>
+                <a:cs typeface="Segoe UI" panose="020B0502040204020203" pitchFamily="34" charset="0"/>
+              </a:rPr>
               <a:t>Quid novi? ECMAScript 6! / Hubert Zub / hubert.zub@gmail.com</a:t>
             </a:r>
-            <a:endParaRPr lang="pl-PL"/>
+            <a:endParaRPr lang="pl-PL">
+              <a:latin typeface="Segoe UI" panose="020B0502040204020203" pitchFamily="34" charset="0"/>
+              <a:ea typeface="Segoe UI" panose="020B0502040204020203" pitchFamily="34" charset="0"/>
+              <a:cs typeface="Segoe UI" panose="020B0502040204020203" pitchFamily="34" charset="0"/>
+            </a:endParaRPr>
           </a:p>
         </p:txBody>
       </p:sp>
@@ -17785,7 +19888,7 @@
 </p:sld>
 </file>
 
-<file path=ppt/slides/slide37.xml><?xml version="1.0" encoding="utf-8"?>
+<file path=ppt/slides/slide39.xml><?xml version="1.0" encoding="utf-8"?>
 <p:sld xmlns:a="http://schemas.openxmlformats.org/drawingml/2006/main" xmlns:r="http://schemas.openxmlformats.org/officeDocument/2006/relationships" xmlns:p="http://schemas.openxmlformats.org/presentationml/2006/main">
   <p:cSld>
     <p:spTree>
@@ -17818,10 +19921,18 @@
           <a:lstStyle/>
           <a:p>
             <a:r>
-              <a:rPr lang="pl-PL" dirty="0" smtClean="0"/>
+              <a:rPr lang="pl-PL" dirty="0" smtClean="0">
+                <a:latin typeface="Segoe UI" panose="020B0502040204020203" pitchFamily="34" charset="0"/>
+                <a:ea typeface="Segoe UI" panose="020B0502040204020203" pitchFamily="34" charset="0"/>
+                <a:cs typeface="Segoe UI" panose="020B0502040204020203" pitchFamily="34" charset="0"/>
+              </a:rPr>
               <a:t>Babel - transpilacja</a:t>
             </a:r>
-            <a:endParaRPr lang="pl-PL" dirty="0"/>
+            <a:endParaRPr lang="pl-PL" dirty="0">
+              <a:latin typeface="Segoe UI" panose="020B0502040204020203" pitchFamily="34" charset="0"/>
+              <a:ea typeface="Segoe UI" panose="020B0502040204020203" pitchFamily="34" charset="0"/>
+              <a:cs typeface="Segoe UI" panose="020B0502040204020203" pitchFamily="34" charset="0"/>
+            </a:endParaRPr>
           </a:p>
         </p:txBody>
       </p:sp>
@@ -18055,7 +20166,11 @@
           <a:lstStyle/>
           <a:p>
             <a:pPr algn="ctr"/>
-            <a:endParaRPr lang="en-US"/>
+            <a:endParaRPr lang="en-US">
+              <a:latin typeface="Segoe UI" panose="020B0502040204020203" pitchFamily="34" charset="0"/>
+              <a:ea typeface="Segoe UI" panose="020B0502040204020203" pitchFamily="34" charset="0"/>
+              <a:cs typeface="Segoe UI" panose="020B0502040204020203" pitchFamily="34" charset="0"/>
+            </a:endParaRPr>
           </a:p>
         </p:txBody>
       </p:sp>
@@ -18081,6 +20196,9 @@
                     <a:tint val="75000"/>
                   </a:prstClr>
                 </a:solidFill>
+                <a:latin typeface="Segoe UI" panose="020B0502040204020203" pitchFamily="34" charset="0"/>
+                <a:ea typeface="Segoe UI" panose="020B0502040204020203" pitchFamily="34" charset="0"/>
+                <a:cs typeface="Segoe UI" panose="020B0502040204020203" pitchFamily="34" charset="0"/>
               </a:rPr>
               <a:t>Quid novi? ECMAScript 6! / Hubert Zub / hubert.zub@gmail.com</a:t>
             </a:r>
@@ -18090,6 +20208,9 @@
                   <a:tint val="75000"/>
                 </a:prstClr>
               </a:solidFill>
+              <a:latin typeface="Segoe UI" panose="020B0502040204020203" pitchFamily="34" charset="0"/>
+              <a:ea typeface="Segoe UI" panose="020B0502040204020203" pitchFamily="34" charset="0"/>
+              <a:cs typeface="Segoe UI" panose="020B0502040204020203" pitchFamily="34" charset="0"/>
             </a:endParaRPr>
           </a:p>
         </p:txBody>
@@ -18114,7 +20235,7 @@
 </p:sld>
 </file>
 
-<file path=ppt/slides/slide38.xml><?xml version="1.0" encoding="utf-8"?>
+<file path=ppt/slides/slide4.xml><?xml version="1.0" encoding="utf-8"?>
 <p:sld xmlns:a="http://schemas.openxmlformats.org/drawingml/2006/main" xmlns:r="http://schemas.openxmlformats.org/officeDocument/2006/relationships" xmlns:p="http://schemas.openxmlformats.org/presentationml/2006/main">
   <p:cSld>
     <p:spTree>
@@ -18131,6 +20252,202 @@
           <a:chExt cx="0" cy="0"/>
         </a:xfrm>
       </p:grpSpPr>
+      <p:pic>
+        <p:nvPicPr>
+          <p:cNvPr id="1026" name="Picture 2" descr="http://wallblog.co.uk/files/2010/11/mw_marios_catering1.jpg"/>
+          <p:cNvPicPr>
+            <a:picLocks noChangeAspect="1" noChangeArrowheads="1"/>
+          </p:cNvPicPr>
+          <p:nvPr/>
+        </p:nvPicPr>
+        <p:blipFill>
+          <a:blip r:embed="rId2">
+            <a:extLst>
+              <a:ext uri="{28A0092B-C50C-407E-A947-70E740481C1C}">
+                <a14:useLocalDpi xmlns:a14="http://schemas.microsoft.com/office/drawing/2010/main" val="0"/>
+              </a:ext>
+            </a:extLst>
+          </a:blip>
+          <a:srcRect/>
+          <a:stretch>
+            <a:fillRect/>
+          </a:stretch>
+        </p:blipFill>
+        <p:spPr bwMode="auto">
+          <a:xfrm>
+            <a:off x="489857" y="1853944"/>
+            <a:ext cx="4912632" cy="4567493"/>
+          </a:xfrm>
+          <a:prstGeom prst="rect">
+            <a:avLst/>
+          </a:prstGeom>
+          <a:noFill/>
+          <a:extLst>
+            <a:ext uri="{909E8E84-426E-40DD-AFC4-6F175D3DCCD1}">
+              <a14:hiddenFill xmlns:a14="http://schemas.microsoft.com/office/drawing/2010/main">
+                <a:solidFill>
+                  <a:srgbClr val="FFFFFF"/>
+                </a:solidFill>
+              </a14:hiddenFill>
+            </a:ext>
+          </a:extLst>
+        </p:spPr>
+      </p:pic>
+      <p:sp>
+        <p:nvSpPr>
+          <p:cNvPr id="4" name="TextBox 3"/>
+          <p:cNvSpPr txBox="1"/>
+          <p:nvPr/>
+        </p:nvSpPr>
+        <p:spPr>
+          <a:xfrm>
+            <a:off x="2699658" y="359228"/>
+            <a:ext cx="6382260" cy="1107996"/>
+          </a:xfrm>
+          <a:prstGeom prst="rect">
+            <a:avLst/>
+          </a:prstGeom>
+          <a:noFill/>
+        </p:spPr>
+        <p:txBody>
+          <a:bodyPr wrap="none" rtlCol="0">
+            <a:spAutoFit/>
+          </a:bodyPr>
+          <a:lstStyle/>
+          <a:p>
+            <a:r>
+              <a:rPr lang="pl-PL" sz="6600" dirty="0" smtClean="0">
+                <a:latin typeface="Segoe UI" panose="020B0502040204020203" pitchFamily="34" charset="0"/>
+                <a:ea typeface="Segoe UI" panose="020B0502040204020203" pitchFamily="34" charset="0"/>
+                <a:cs typeface="Segoe UI" panose="020B0502040204020203" pitchFamily="34" charset="0"/>
+              </a:rPr>
+              <a:t>Wesołe </a:t>
+            </a:r>
+            <a:r>
+              <a:rPr lang="pl-PL" sz="6600" dirty="0" smtClean="0">
+                <a:latin typeface="Segoe UI" panose="020B0502040204020203" pitchFamily="34" charset="0"/>
+                <a:ea typeface="Segoe UI" panose="020B0502040204020203" pitchFamily="34" charset="0"/>
+                <a:cs typeface="Segoe UI" panose="020B0502040204020203" pitchFamily="34" charset="0"/>
+              </a:rPr>
+              <a:t>lata </a:t>
+            </a:r>
+            <a:r>
+              <a:rPr lang="pl-PL" sz="6600" dirty="0" smtClean="0">
+                <a:latin typeface="Segoe UI" panose="020B0502040204020203" pitchFamily="34" charset="0"/>
+                <a:ea typeface="Segoe UI" panose="020B0502040204020203" pitchFamily="34" charset="0"/>
+                <a:cs typeface="Segoe UI" panose="020B0502040204020203" pitchFamily="34" charset="0"/>
+              </a:rPr>
+              <a:t>90te</a:t>
+            </a:r>
+            <a:endParaRPr lang="pl-PL" sz="6600" dirty="0">
+              <a:latin typeface="Segoe UI" panose="020B0502040204020203" pitchFamily="34" charset="0"/>
+              <a:ea typeface="Segoe UI" panose="020B0502040204020203" pitchFamily="34" charset="0"/>
+              <a:cs typeface="Segoe UI" panose="020B0502040204020203" pitchFamily="34" charset="0"/>
+            </a:endParaRPr>
+          </a:p>
+        </p:txBody>
+      </p:sp>
+      <p:pic>
+        <p:nvPicPr>
+          <p:cNvPr id="1028" name="Picture 4" descr="http://3.bp.blogspot.com/-KKkvH3NC7ww/TnjvoG4l_uI/AAAAAAAAAEY/VAuEHgQ1Va4/s1600/worst-website-ever.jpg"/>
+          <p:cNvPicPr>
+            <a:picLocks noChangeAspect="1" noChangeArrowheads="1"/>
+          </p:cNvPicPr>
+          <p:nvPr/>
+        </p:nvPicPr>
+        <p:blipFill>
+          <a:blip r:embed="rId3">
+            <a:extLst>
+              <a:ext uri="{28A0092B-C50C-407E-A947-70E740481C1C}">
+                <a14:useLocalDpi xmlns:a14="http://schemas.microsoft.com/office/drawing/2010/main" val="0"/>
+              </a:ext>
+            </a:extLst>
+          </a:blip>
+          <a:srcRect/>
+          <a:stretch>
+            <a:fillRect/>
+          </a:stretch>
+        </p:blipFill>
+        <p:spPr bwMode="auto">
+          <a:xfrm>
+            <a:off x="5667388" y="2166257"/>
+            <a:ext cx="6209972" cy="3421063"/>
+          </a:xfrm>
+          <a:prstGeom prst="rect">
+            <a:avLst/>
+          </a:prstGeom>
+          <a:noFill/>
+          <a:extLst>
+            <a:ext uri="{909E8E84-426E-40DD-AFC4-6F175D3DCCD1}">
+              <a14:hiddenFill xmlns:a14="http://schemas.microsoft.com/office/drawing/2010/main">
+                <a:solidFill>
+                  <a:srgbClr val="FFFFFF"/>
+                </a:solidFill>
+              </a14:hiddenFill>
+            </a:ext>
+          </a:extLst>
+        </p:spPr>
+      </p:pic>
+      <p:sp>
+        <p:nvSpPr>
+          <p:cNvPr id="2" name="Footer Placeholder 1"/>
+          <p:cNvSpPr>
+            <a:spLocks noGrp="1"/>
+          </p:cNvSpPr>
+          <p:nvPr>
+            <p:ph type="ftr" sz="quarter" idx="11"/>
+          </p:nvPr>
+        </p:nvSpPr>
+        <p:spPr/>
+        <p:txBody>
+          <a:bodyPr/>
+          <a:lstStyle/>
+          <a:p>
+            <a:r>
+              <a:rPr lang="pl-PL" smtClean="0"/>
+              <a:t>Quid novi? ECMAScript 6! / Hubert Zub / hubert.zub@gmail.com</a:t>
+            </a:r>
+            <a:endParaRPr lang="pl-PL"/>
+          </a:p>
+        </p:txBody>
+      </p:sp>
+    </p:spTree>
+    <p:extLst>
+      <p:ext uri="{BB962C8B-B14F-4D97-AF65-F5344CB8AC3E}">
+        <p14:creationId xmlns:p14="http://schemas.microsoft.com/office/powerpoint/2010/main" val="1220439425"/>
+      </p:ext>
+    </p:extLst>
+  </p:cSld>
+  <p:clrMapOvr>
+    <a:masterClrMapping/>
+  </p:clrMapOvr>
+  <p:timing>
+    <p:tnLst>
+      <p:par>
+        <p:cTn id="1" dur="indefinite" restart="never" nodeType="tmRoot"/>
+      </p:par>
+    </p:tnLst>
+  </p:timing>
+</p:sld>
+</file>
+
+<file path=ppt/slides/slide40.xml><?xml version="1.0" encoding="utf-8"?>
+<p:sld xmlns:a="http://schemas.openxmlformats.org/drawingml/2006/main" xmlns:r="http://schemas.openxmlformats.org/officeDocument/2006/relationships" xmlns:p="http://schemas.openxmlformats.org/presentationml/2006/main">
+  <p:cSld>
+    <p:spTree>
+      <p:nvGrpSpPr>
+        <p:cNvPr id="1" name=""/>
+        <p:cNvGrpSpPr/>
+        <p:nvPr/>
+      </p:nvGrpSpPr>
+      <p:grpSpPr>
+        <a:xfrm>
+          <a:off x="0" y="0"/>
+          <a:ext cx="0" cy="0"/>
+          <a:chOff x="0" y="0"/>
+          <a:chExt cx="0" cy="0"/>
+        </a:xfrm>
+      </p:grpSpPr>
       <p:sp>
         <p:nvSpPr>
           <p:cNvPr id="2" name="Title 1"/>
@@ -18152,10 +20469,18 @@
           <a:lstStyle/>
           <a:p>
             <a:r>
-              <a:rPr lang="pl-PL" dirty="0" smtClean="0"/>
+              <a:rPr lang="pl-PL" dirty="0" smtClean="0">
+                <a:latin typeface="Segoe UI" panose="020B0502040204020203" pitchFamily="34" charset="0"/>
+                <a:ea typeface="Segoe UI" panose="020B0502040204020203" pitchFamily="34" charset="0"/>
+                <a:cs typeface="Segoe UI" panose="020B0502040204020203" pitchFamily="34" charset="0"/>
+              </a:rPr>
               <a:t>Wsparcie przeglądarek</a:t>
             </a:r>
-            <a:endParaRPr lang="en-US" dirty="0"/>
+            <a:endParaRPr lang="en-US" dirty="0">
+              <a:latin typeface="Segoe UI" panose="020B0502040204020203" pitchFamily="34" charset="0"/>
+              <a:ea typeface="Segoe UI" panose="020B0502040204020203" pitchFamily="34" charset="0"/>
+              <a:cs typeface="Segoe UI" panose="020B0502040204020203" pitchFamily="34" charset="0"/>
+            </a:endParaRPr>
           </a:p>
         </p:txBody>
       </p:sp>
@@ -18181,6 +20506,9 @@
                     <a:tint val="75000"/>
                   </a:prstClr>
                 </a:solidFill>
+                <a:latin typeface="Segoe UI" panose="020B0502040204020203" pitchFamily="34" charset="0"/>
+                <a:ea typeface="Segoe UI" panose="020B0502040204020203" pitchFamily="34" charset="0"/>
+                <a:cs typeface="Segoe UI" panose="020B0502040204020203" pitchFamily="34" charset="0"/>
               </a:rPr>
               <a:t>Quid novi? ECMAScript 6! / Hubert Zub / hubert.zub@gmail.com</a:t>
             </a:r>
@@ -18190,6 +20518,9 @@
                   <a:tint val="75000"/>
                 </a:prstClr>
               </a:solidFill>
+              <a:latin typeface="Segoe UI" panose="020B0502040204020203" pitchFamily="34" charset="0"/>
+              <a:ea typeface="Segoe UI" panose="020B0502040204020203" pitchFamily="34" charset="0"/>
+              <a:cs typeface="Segoe UI" panose="020B0502040204020203" pitchFamily="34" charset="0"/>
             </a:endParaRPr>
           </a:p>
         </p:txBody>
@@ -18280,7 +20611,7 @@
 </p:sld>
 </file>
 
-<file path=ppt/slides/slide39.xml><?xml version="1.0" encoding="utf-8"?>
+<file path=ppt/slides/slide41.xml><?xml version="1.0" encoding="utf-8"?>
 <p:sld xmlns:a="http://schemas.openxmlformats.org/drawingml/2006/main" xmlns:r="http://schemas.openxmlformats.org/officeDocument/2006/relationships" xmlns:p="http://schemas.openxmlformats.org/presentationml/2006/main">
   <p:cSld>
     <p:spTree>
@@ -18309,21 +20640,27 @@
         </p:nvSpPr>
         <p:spPr>
           <a:xfrm>
-            <a:off x="3996070" y="2683022"/>
-            <a:ext cx="4999074" cy="1325563"/>
+            <a:off x="785037" y="141842"/>
+            <a:ext cx="10515600" cy="1325563"/>
           </a:xfrm>
         </p:spPr>
         <p:txBody>
-          <a:bodyPr>
-            <a:noAutofit/>
-          </a:bodyPr>
-          <a:lstStyle/>
-          <a:p>
-            <a:r>
-              <a:rPr lang="pl-PL" sz="8800" dirty="0" smtClean="0"/>
-              <a:t>Pytania?</a:t>
-            </a:r>
-            <a:endParaRPr lang="en-US" sz="8800" dirty="0"/>
+          <a:bodyPr/>
+          <a:lstStyle/>
+          <a:p>
+            <a:r>
+              <a:rPr lang="pl-PL" dirty="0" smtClean="0">
+                <a:latin typeface="Segoe UI" panose="020B0502040204020203" pitchFamily="34" charset="0"/>
+                <a:ea typeface="Segoe UI" panose="020B0502040204020203" pitchFamily="34" charset="0"/>
+                <a:cs typeface="Segoe UI" panose="020B0502040204020203" pitchFamily="34" charset="0"/>
+              </a:rPr>
+              <a:t>Wsparcie przeglądarek</a:t>
+            </a:r>
+            <a:endParaRPr lang="en-US" dirty="0">
+              <a:latin typeface="Segoe UI" panose="020B0502040204020203" pitchFamily="34" charset="0"/>
+              <a:ea typeface="Segoe UI" panose="020B0502040204020203" pitchFamily="34" charset="0"/>
+              <a:cs typeface="Segoe UI" panose="020B0502040204020203" pitchFamily="34" charset="0"/>
+            </a:endParaRPr>
           </a:p>
         </p:txBody>
       </p:sp>
@@ -18349,6 +20686,9 @@
                     <a:tint val="75000"/>
                   </a:prstClr>
                 </a:solidFill>
+                <a:latin typeface="Segoe UI" panose="020B0502040204020203" pitchFamily="34" charset="0"/>
+                <a:ea typeface="Segoe UI" panose="020B0502040204020203" pitchFamily="34" charset="0"/>
+                <a:cs typeface="Segoe UI" panose="020B0502040204020203" pitchFamily="34" charset="0"/>
               </a:rPr>
               <a:t>Quid novi? ECMAScript 6! / Hubert Zub / hubert.zub@gmail.com</a:t>
             </a:r>
@@ -18358,6 +20698,191 @@
                   <a:tint val="75000"/>
                 </a:prstClr>
               </a:solidFill>
+              <a:latin typeface="Segoe UI" panose="020B0502040204020203" pitchFamily="34" charset="0"/>
+              <a:ea typeface="Segoe UI" panose="020B0502040204020203" pitchFamily="34" charset="0"/>
+              <a:cs typeface="Segoe UI" panose="020B0502040204020203" pitchFamily="34" charset="0"/>
+            </a:endParaRPr>
+          </a:p>
+        </p:txBody>
+      </p:sp>
+      <p:pic>
+        <p:nvPicPr>
+          <p:cNvPr id="9218" name="Picture 2"/>
+          <p:cNvPicPr>
+            <a:picLocks noGrp="1" noChangeAspect="1" noChangeArrowheads="1"/>
+          </p:cNvPicPr>
+          <p:nvPr>
+            <p:ph idx="1"/>
+          </p:nvPr>
+        </p:nvPicPr>
+        <p:blipFill>
+          <a:blip r:embed="rId2">
+            <a:extLst>
+              <a:ext uri="{28A0092B-C50C-407E-A947-70E740481C1C}">
+                <a14:useLocalDpi xmlns:a14="http://schemas.microsoft.com/office/drawing/2010/main" val="0"/>
+              </a:ext>
+            </a:extLst>
+          </a:blip>
+          <a:srcRect/>
+          <a:stretch>
+            <a:fillRect/>
+          </a:stretch>
+        </p:blipFill>
+        <p:spPr bwMode="auto">
+          <a:xfrm>
+            <a:off x="2939044" y="1655118"/>
+            <a:ext cx="5311820" cy="3993023"/>
+          </a:xfrm>
+          <a:prstGeom prst="rect">
+            <a:avLst/>
+          </a:prstGeom>
+          <a:noFill/>
+          <a:ln>
+            <a:noFill/>
+          </a:ln>
+          <a:effectLst/>
+          <a:extLst>
+            <a:ext uri="{909E8E84-426E-40DD-AFC4-6F175D3DCCD1}">
+              <a14:hiddenFill xmlns:a14="http://schemas.microsoft.com/office/drawing/2010/main">
+                <a:solidFill>
+                  <a:schemeClr val="accent1"/>
+                </a:solidFill>
+              </a14:hiddenFill>
+            </a:ext>
+            <a:ext uri="{91240B29-F687-4F45-9708-019B960494DF}">
+              <a14:hiddenLine xmlns:a14="http://schemas.microsoft.com/office/drawing/2010/main" w="9525">
+                <a:solidFill>
+                  <a:schemeClr val="tx1"/>
+                </a:solidFill>
+                <a:miter lim="800000"/>
+                <a:headEnd/>
+                <a:tailEnd/>
+              </a14:hiddenLine>
+            </a:ext>
+            <a:ext uri="{AF507438-7753-43E0-B8FC-AC1667EBCBE1}">
+              <a14:hiddenEffects xmlns:a14="http://schemas.microsoft.com/office/drawing/2010/main">
+                <a:effectLst>
+                  <a:outerShdw dist="35921" dir="2700000" algn="ctr" rotWithShape="0">
+                    <a:schemeClr val="bg2"/>
+                  </a:outerShdw>
+                </a:effectLst>
+              </a14:hiddenEffects>
+            </a:ext>
+          </a:extLst>
+        </p:spPr>
+      </p:pic>
+    </p:spTree>
+    <p:extLst>
+      <p:ext uri="{BB962C8B-B14F-4D97-AF65-F5344CB8AC3E}">
+        <p14:creationId xmlns:p14="http://schemas.microsoft.com/office/powerpoint/2010/main" val="3822110508"/>
+      </p:ext>
+    </p:extLst>
+  </p:cSld>
+  <p:clrMapOvr>
+    <a:masterClrMapping/>
+  </p:clrMapOvr>
+  <p:timing>
+    <p:tnLst>
+      <p:par>
+        <p:cTn id="1" dur="indefinite" restart="never" nodeType="tmRoot"/>
+      </p:par>
+    </p:tnLst>
+  </p:timing>
+</p:sld>
+</file>
+
+<file path=ppt/slides/slide42.xml><?xml version="1.0" encoding="utf-8"?>
+<p:sld xmlns:a="http://schemas.openxmlformats.org/drawingml/2006/main" xmlns:r="http://schemas.openxmlformats.org/officeDocument/2006/relationships" xmlns:p="http://schemas.openxmlformats.org/presentationml/2006/main">
+  <p:cSld>
+    <p:spTree>
+      <p:nvGrpSpPr>
+        <p:cNvPr id="1" name=""/>
+        <p:cNvGrpSpPr/>
+        <p:nvPr/>
+      </p:nvGrpSpPr>
+      <p:grpSpPr>
+        <a:xfrm>
+          <a:off x="0" y="0"/>
+          <a:ext cx="0" cy="0"/>
+          <a:chOff x="0" y="0"/>
+          <a:chExt cx="0" cy="0"/>
+        </a:xfrm>
+      </p:grpSpPr>
+      <p:sp>
+        <p:nvSpPr>
+          <p:cNvPr id="2" name="Title 1"/>
+          <p:cNvSpPr>
+            <a:spLocks noGrp="1"/>
+          </p:cNvSpPr>
+          <p:nvPr>
+            <p:ph type="title"/>
+          </p:nvPr>
+        </p:nvSpPr>
+        <p:spPr>
+          <a:xfrm>
+            <a:off x="3996070" y="2683022"/>
+            <a:ext cx="4999074" cy="1325563"/>
+          </a:xfrm>
+        </p:spPr>
+        <p:txBody>
+          <a:bodyPr>
+            <a:noAutofit/>
+          </a:bodyPr>
+          <a:lstStyle/>
+          <a:p>
+            <a:r>
+              <a:rPr lang="pl-PL" sz="8800" dirty="0" smtClean="0">
+                <a:latin typeface="Segoe UI" panose="020B0502040204020203" pitchFamily="34" charset="0"/>
+                <a:ea typeface="Segoe UI" panose="020B0502040204020203" pitchFamily="34" charset="0"/>
+                <a:cs typeface="Segoe UI" panose="020B0502040204020203" pitchFamily="34" charset="0"/>
+              </a:rPr>
+              <a:t>Pytania?</a:t>
+            </a:r>
+            <a:endParaRPr lang="en-US" sz="8800" dirty="0">
+              <a:latin typeface="Segoe UI" panose="020B0502040204020203" pitchFamily="34" charset="0"/>
+              <a:ea typeface="Segoe UI" panose="020B0502040204020203" pitchFamily="34" charset="0"/>
+              <a:cs typeface="Segoe UI" panose="020B0502040204020203" pitchFamily="34" charset="0"/>
+            </a:endParaRPr>
+          </a:p>
+        </p:txBody>
+      </p:sp>
+      <p:sp>
+        <p:nvSpPr>
+          <p:cNvPr id="4" name="Footer Placeholder 3"/>
+          <p:cNvSpPr>
+            <a:spLocks noGrp="1"/>
+          </p:cNvSpPr>
+          <p:nvPr>
+            <p:ph type="ftr" sz="quarter" idx="11"/>
+          </p:nvPr>
+        </p:nvSpPr>
+        <p:spPr/>
+        <p:txBody>
+          <a:bodyPr/>
+          <a:lstStyle/>
+          <a:p>
+            <a:r>
+              <a:rPr lang="pl-PL" smtClean="0">
+                <a:solidFill>
+                  <a:prstClr val="black">
+                    <a:tint val="75000"/>
+                  </a:prstClr>
+                </a:solidFill>
+                <a:latin typeface="Segoe UI" panose="020B0502040204020203" pitchFamily="34" charset="0"/>
+                <a:ea typeface="Segoe UI" panose="020B0502040204020203" pitchFamily="34" charset="0"/>
+                <a:cs typeface="Segoe UI" panose="020B0502040204020203" pitchFamily="34" charset="0"/>
+              </a:rPr>
+              <a:t>Quid novi? ECMAScript 6! / Hubert Zub / hubert.zub@gmail.com</a:t>
+            </a:r>
+            <a:endParaRPr lang="pl-PL">
+              <a:solidFill>
+                <a:prstClr val="black">
+                  <a:tint val="75000"/>
+                </a:prstClr>
+              </a:solidFill>
+              <a:latin typeface="Segoe UI" panose="020B0502040204020203" pitchFamily="34" charset="0"/>
+              <a:ea typeface="Segoe UI" panose="020B0502040204020203" pitchFamily="34" charset="0"/>
+              <a:cs typeface="Segoe UI" panose="020B0502040204020203" pitchFamily="34" charset="0"/>
             </a:endParaRPr>
           </a:p>
         </p:txBody>
@@ -18382,7 +20907,133 @@
 </p:sld>
 </file>
 
-<file path=ppt/slides/slide4.xml><?xml version="1.0" encoding="utf-8"?>
+<file path=ppt/slides/slide43.xml><?xml version="1.0" encoding="utf-8"?>
+<p:sld xmlns:a="http://schemas.openxmlformats.org/drawingml/2006/main" xmlns:r="http://schemas.openxmlformats.org/officeDocument/2006/relationships" xmlns:p="http://schemas.openxmlformats.org/presentationml/2006/main">
+  <p:cSld>
+    <p:spTree>
+      <p:nvGrpSpPr>
+        <p:cNvPr id="1" name=""/>
+        <p:cNvGrpSpPr/>
+        <p:nvPr/>
+      </p:nvGrpSpPr>
+      <p:grpSpPr>
+        <a:xfrm>
+          <a:off x="0" y="0"/>
+          <a:ext cx="0" cy="0"/>
+          <a:chOff x="0" y="0"/>
+          <a:chExt cx="0" cy="0"/>
+        </a:xfrm>
+      </p:grpSpPr>
+      <p:sp>
+        <p:nvSpPr>
+          <p:cNvPr id="2" name="Title 1"/>
+          <p:cNvSpPr>
+            <a:spLocks noGrp="1"/>
+          </p:cNvSpPr>
+          <p:nvPr>
+            <p:ph type="title"/>
+          </p:nvPr>
+        </p:nvSpPr>
+        <p:spPr>
+          <a:xfrm>
+            <a:off x="457200" y="2683022"/>
+            <a:ext cx="11004698" cy="1325563"/>
+          </a:xfrm>
+        </p:spPr>
+        <p:txBody>
+          <a:bodyPr>
+            <a:noAutofit/>
+          </a:bodyPr>
+          <a:lstStyle/>
+          <a:p>
+            <a:pPr algn="ctr"/>
+            <a:r>
+              <a:rPr lang="pl-PL" sz="8000" dirty="0" smtClean="0">
+                <a:latin typeface="Segoe UI" panose="020B0502040204020203" pitchFamily="34" charset="0"/>
+                <a:ea typeface="Segoe UI" panose="020B0502040204020203" pitchFamily="34" charset="0"/>
+                <a:cs typeface="Segoe UI" panose="020B0502040204020203" pitchFamily="34" charset="0"/>
+              </a:rPr>
+              <a:t>Dziękuję za uwagę </a:t>
+            </a:r>
+            <a:r>
+              <a:rPr lang="pl-PL" sz="8000" dirty="0" smtClean="0">
+                <a:latin typeface="Segoe UI" panose="020B0502040204020203" pitchFamily="34" charset="0"/>
+                <a:ea typeface="Segoe UI" panose="020B0502040204020203" pitchFamily="34" charset="0"/>
+                <a:cs typeface="Segoe UI" panose="020B0502040204020203" pitchFamily="34" charset="0"/>
+                <a:sym typeface="Wingdings" panose="05000000000000000000" pitchFamily="2" charset="2"/>
+              </a:rPr>
+              <a:t>:)</a:t>
+            </a:r>
+            <a:endParaRPr lang="en-US" sz="8000" dirty="0">
+              <a:latin typeface="Segoe UI" panose="020B0502040204020203" pitchFamily="34" charset="0"/>
+              <a:ea typeface="Segoe UI" panose="020B0502040204020203" pitchFamily="34" charset="0"/>
+              <a:cs typeface="Segoe UI" panose="020B0502040204020203" pitchFamily="34" charset="0"/>
+            </a:endParaRPr>
+          </a:p>
+        </p:txBody>
+      </p:sp>
+      <p:sp>
+        <p:nvSpPr>
+          <p:cNvPr id="4" name="Footer Placeholder 3"/>
+          <p:cNvSpPr>
+            <a:spLocks noGrp="1"/>
+          </p:cNvSpPr>
+          <p:nvPr>
+            <p:ph type="ftr" sz="quarter" idx="11"/>
+          </p:nvPr>
+        </p:nvSpPr>
+        <p:spPr/>
+        <p:txBody>
+          <a:bodyPr/>
+          <a:lstStyle/>
+          <a:p>
+            <a:r>
+              <a:rPr lang="pl-PL" smtClean="0">
+                <a:solidFill>
+                  <a:prstClr val="black">
+                    <a:tint val="75000"/>
+                  </a:prstClr>
+                </a:solidFill>
+                <a:latin typeface="Segoe UI" panose="020B0502040204020203" pitchFamily="34" charset="0"/>
+                <a:ea typeface="Segoe UI" panose="020B0502040204020203" pitchFamily="34" charset="0"/>
+                <a:cs typeface="Segoe UI" panose="020B0502040204020203" pitchFamily="34" charset="0"/>
+              </a:rPr>
+              <a:t>Quid novi? ECMAScript 6! / Hubert Zub / hubert.zub@gmail.com</a:t>
+            </a:r>
+            <a:endParaRPr lang="pl-PL">
+              <a:solidFill>
+                <a:prstClr val="black">
+                  <a:tint val="75000"/>
+                </a:prstClr>
+              </a:solidFill>
+              <a:latin typeface="Segoe UI" panose="020B0502040204020203" pitchFamily="34" charset="0"/>
+              <a:ea typeface="Segoe UI" panose="020B0502040204020203" pitchFamily="34" charset="0"/>
+              <a:cs typeface="Segoe UI" panose="020B0502040204020203" pitchFamily="34" charset="0"/>
+            </a:endParaRPr>
+          </a:p>
+        </p:txBody>
+      </p:sp>
+    </p:spTree>
+    <p:extLst>
+      <p:ext uri="{BB962C8B-B14F-4D97-AF65-F5344CB8AC3E}">
+        <p14:creationId xmlns:p14="http://schemas.microsoft.com/office/powerpoint/2010/main" val="3005482045"/>
+      </p:ext>
+    </p:extLst>
+  </p:cSld>
+  <p:clrMapOvr>
+    <a:masterClrMapping/>
+  </p:clrMapOvr>
+  <p:timing>
+    <p:tnLst>
+      <p:par>
+        <p:cTn id="1" dur="indefinite" restart="never" nodeType="tmRoot"/>
+      </p:par>
+    </p:tnLst>
+  </p:timing>
+</p:sld>
+</file>
+
+<file path=ppt/slides/slide5.xml><?xml version="1.0" encoding="utf-8"?>
 <p:sld xmlns:a="http://schemas.openxmlformats.org/drawingml/2006/main" xmlns:r="http://schemas.openxmlformats.org/officeDocument/2006/relationships" xmlns:p="http://schemas.openxmlformats.org/presentationml/2006/main">
   <p:cSld>
     <p:spTree>
@@ -18483,116 +21134,7 @@
 </p:sld>
 </file>
 
-<file path=ppt/slides/slide40.xml><?xml version="1.0" encoding="utf-8"?>
-<p:sld xmlns:a="http://schemas.openxmlformats.org/drawingml/2006/main" xmlns:r="http://schemas.openxmlformats.org/officeDocument/2006/relationships" xmlns:p="http://schemas.openxmlformats.org/presentationml/2006/main">
-  <p:cSld>
-    <p:spTree>
-      <p:nvGrpSpPr>
-        <p:cNvPr id="1" name=""/>
-        <p:cNvGrpSpPr/>
-        <p:nvPr/>
-      </p:nvGrpSpPr>
-      <p:grpSpPr>
-        <a:xfrm>
-          <a:off x="0" y="0"/>
-          <a:ext cx="0" cy="0"/>
-          <a:chOff x="0" y="0"/>
-          <a:chExt cx="0" cy="0"/>
-        </a:xfrm>
-      </p:grpSpPr>
-      <p:sp>
-        <p:nvSpPr>
-          <p:cNvPr id="2" name="Title 1"/>
-          <p:cNvSpPr>
-            <a:spLocks noGrp="1"/>
-          </p:cNvSpPr>
-          <p:nvPr>
-            <p:ph type="title"/>
-          </p:nvPr>
-        </p:nvSpPr>
-        <p:spPr>
-          <a:xfrm>
-            <a:off x="457200" y="2683022"/>
-            <a:ext cx="11004698" cy="1325563"/>
-          </a:xfrm>
-        </p:spPr>
-        <p:txBody>
-          <a:bodyPr>
-            <a:noAutofit/>
-          </a:bodyPr>
-          <a:lstStyle/>
-          <a:p>
-            <a:pPr algn="ctr"/>
-            <a:r>
-              <a:rPr lang="pl-PL" sz="8000" dirty="0" smtClean="0"/>
-              <a:t>Dziękuję za uwagę </a:t>
-            </a:r>
-            <a:r>
-              <a:rPr lang="pl-PL" sz="8000" dirty="0" smtClean="0">
-                <a:sym typeface="Wingdings" panose="05000000000000000000" pitchFamily="2" charset="2"/>
-              </a:rPr>
-              <a:t>:)</a:t>
-            </a:r>
-            <a:endParaRPr lang="en-US" sz="8000" dirty="0"/>
-          </a:p>
-        </p:txBody>
-      </p:sp>
-      <p:sp>
-        <p:nvSpPr>
-          <p:cNvPr id="4" name="Footer Placeholder 3"/>
-          <p:cNvSpPr>
-            <a:spLocks noGrp="1"/>
-          </p:cNvSpPr>
-          <p:nvPr>
-            <p:ph type="ftr" sz="quarter" idx="11"/>
-          </p:nvPr>
-        </p:nvSpPr>
-        <p:spPr/>
-        <p:txBody>
-          <a:bodyPr/>
-          <a:lstStyle/>
-          <a:p>
-            <a:r>
-              <a:rPr lang="pl-PL" smtClean="0">
-                <a:solidFill>
-                  <a:prstClr val="black">
-                    <a:tint val="75000"/>
-                  </a:prstClr>
-                </a:solidFill>
-              </a:rPr>
-              <a:t>Quid novi? ECMAScript 6! / Hubert Zub / hubert.zub@gmail.com</a:t>
-            </a:r>
-            <a:endParaRPr lang="pl-PL">
-              <a:solidFill>
-                <a:prstClr val="black">
-                  <a:tint val="75000"/>
-                </a:prstClr>
-              </a:solidFill>
-            </a:endParaRPr>
-          </a:p>
-        </p:txBody>
-      </p:sp>
-    </p:spTree>
-    <p:extLst>
-      <p:ext uri="{BB962C8B-B14F-4D97-AF65-F5344CB8AC3E}">
-        <p14:creationId xmlns:p14="http://schemas.microsoft.com/office/powerpoint/2010/main" val="3005482045"/>
-      </p:ext>
-    </p:extLst>
-  </p:cSld>
-  <p:clrMapOvr>
-    <a:masterClrMapping/>
-  </p:clrMapOvr>
-  <p:timing>
-    <p:tnLst>
-      <p:par>
-        <p:cTn id="1" dur="indefinite" restart="never" nodeType="tmRoot"/>
-      </p:par>
-    </p:tnLst>
-  </p:timing>
-</p:sld>
-</file>
-
-<file path=ppt/slides/slide5.xml><?xml version="1.0" encoding="utf-8"?>
+<file path=ppt/slides/slide6.xml><?xml version="1.0" encoding="utf-8"?>
 <p:sld xmlns:a="http://schemas.openxmlformats.org/drawingml/2006/main" xmlns:r="http://schemas.openxmlformats.org/officeDocument/2006/relationships" xmlns:p="http://schemas.openxmlformats.org/presentationml/2006/main">
   <p:cSld>
     <p:spTree>
@@ -18676,7 +21218,7 @@
 </p:sld>
 </file>
 
-<file path=ppt/slides/slide6.xml><?xml version="1.0" encoding="utf-8"?>
+<file path=ppt/slides/slide7.xml><?xml version="1.0" encoding="utf-8"?>
 <p:sld xmlns:a="http://schemas.openxmlformats.org/drawingml/2006/main" xmlns:r="http://schemas.openxmlformats.org/officeDocument/2006/relationships" xmlns:p="http://schemas.openxmlformats.org/presentationml/2006/main">
   <p:cSld>
     <p:spTree>
@@ -18709,10 +21251,26 @@
           <a:lstStyle/>
           <a:p>
             <a:r>
-              <a:rPr lang="pl-PL" dirty="0" smtClean="0"/>
-              <a:t>Netscape – serwerowy JS</a:t>
-            </a:r>
-            <a:endParaRPr lang="pl-PL" dirty="0"/>
+              <a:rPr lang="pl-PL" dirty="0" smtClean="0">
+                <a:latin typeface="Segoe UI" panose="020B0502040204020203" pitchFamily="34" charset="0"/>
+                <a:ea typeface="Segoe UI" panose="020B0502040204020203" pitchFamily="34" charset="0"/>
+                <a:cs typeface="Segoe UI" panose="020B0502040204020203" pitchFamily="34" charset="0"/>
+              </a:rPr>
+              <a:t>Ciekawostka</a:t>
+            </a:r>
+            <a:r>
+              <a:rPr lang="pl-PL" dirty="0">
+                <a:latin typeface="Segoe UI" panose="020B0502040204020203" pitchFamily="34" charset="0"/>
+                <a:ea typeface="Segoe UI" panose="020B0502040204020203" pitchFamily="34" charset="0"/>
+                <a:cs typeface="Segoe UI" panose="020B0502040204020203" pitchFamily="34" charset="0"/>
+              </a:rPr>
+              <a:t>: Netscape i serwerowy JS</a:t>
+            </a:r>
+            <a:endParaRPr lang="pl-PL" dirty="0">
+              <a:latin typeface="Segoe UI" panose="020B0502040204020203" pitchFamily="34" charset="0"/>
+              <a:ea typeface="Segoe UI" panose="020B0502040204020203" pitchFamily="34" charset="0"/>
+              <a:cs typeface="Segoe UI" panose="020B0502040204020203" pitchFamily="34" charset="0"/>
+            </a:endParaRPr>
           </a:p>
         </p:txBody>
       </p:sp>
@@ -18841,7 +21399,7 @@
 </p:sld>
 </file>
 
-<file path=ppt/slides/slide7.xml><?xml version="1.0" encoding="utf-8"?>
+<file path=ppt/slides/slide8.xml><?xml version="1.0" encoding="utf-8"?>
 <p:sld xmlns:a="http://schemas.openxmlformats.org/drawingml/2006/main" xmlns:r="http://schemas.openxmlformats.org/officeDocument/2006/relationships" xmlns:p="http://schemas.openxmlformats.org/presentationml/2006/main">
   <p:cSld>
     <p:spTree>
@@ -18874,10 +21432,18 @@
           <a:lstStyle/>
           <a:p>
             <a:r>
-              <a:rPr lang="pl-PL" dirty="0" smtClean="0"/>
-              <a:t>Co mieliśmy jeszcze nie tak dawno temu?</a:t>
-            </a:r>
-            <a:endParaRPr lang="pl-PL" dirty="0"/>
+              <a:rPr lang="pl-PL" dirty="0" smtClean="0">
+                <a:latin typeface="Segoe UI" panose="020B0502040204020203" pitchFamily="34" charset="0"/>
+                <a:ea typeface="Segoe UI" panose="020B0502040204020203" pitchFamily="34" charset="0"/>
+                <a:cs typeface="Segoe UI" panose="020B0502040204020203" pitchFamily="34" charset="0"/>
+              </a:rPr>
+              <a:t>Historii c.d. – co było jeszcze nie tak dawno temu?</a:t>
+            </a:r>
+            <a:endParaRPr lang="pl-PL" dirty="0">
+              <a:latin typeface="Segoe UI" panose="020B0502040204020203" pitchFamily="34" charset="0"/>
+              <a:ea typeface="Segoe UI" panose="020B0502040204020203" pitchFamily="34" charset="0"/>
+              <a:cs typeface="Segoe UI" panose="020B0502040204020203" pitchFamily="34" charset="0"/>
+            </a:endParaRPr>
           </a:p>
         </p:txBody>
       </p:sp>
@@ -18893,80 +21459,178 @@
         </p:nvSpPr>
         <p:spPr/>
         <p:txBody>
-          <a:bodyPr/>
-          <a:lstStyle/>
-          <a:p>
-            <a:r>
-              <a:rPr lang="pl-PL" dirty="0" err="1" smtClean="0"/>
+          <a:bodyPr>
+            <a:normAutofit/>
+          </a:bodyPr>
+          <a:lstStyle/>
+          <a:p>
+            <a:r>
+              <a:rPr lang="pl-PL" sz="2400" dirty="0" smtClean="0">
+                <a:solidFill>
+                  <a:schemeClr val="tx1">
+                    <a:alpha val="20000"/>
+                  </a:schemeClr>
+                </a:solidFill>
+                <a:latin typeface="Segoe UI" panose="020B0502040204020203" pitchFamily="34" charset="0"/>
+                <a:ea typeface="Segoe UI" panose="020B0502040204020203" pitchFamily="34" charset="0"/>
+                <a:cs typeface="Segoe UI" panose="020B0502040204020203" pitchFamily="34" charset="0"/>
+              </a:rPr>
+              <a:t>Pierwszy JavaScript (</a:t>
+            </a:r>
+            <a:r>
+              <a:rPr lang="en-US" sz="2400" dirty="0" smtClean="0">
+                <a:solidFill>
+                  <a:schemeClr val="tx1">
+                    <a:alpha val="20000"/>
+                  </a:schemeClr>
+                </a:solidFill>
+                <a:latin typeface="Segoe UI" panose="020B0502040204020203" pitchFamily="34" charset="0"/>
+                <a:ea typeface="Segoe UI" panose="020B0502040204020203" pitchFamily="34" charset="0"/>
+                <a:cs typeface="Segoe UI" panose="020B0502040204020203" pitchFamily="34" charset="0"/>
+              </a:rPr>
+              <a:t>1995</a:t>
+            </a:r>
+            <a:r>
+              <a:rPr lang="pl-PL" sz="2400" dirty="0" smtClean="0">
+                <a:solidFill>
+                  <a:schemeClr val="tx1">
+                    <a:alpha val="20000"/>
+                  </a:schemeClr>
+                </a:solidFill>
+                <a:latin typeface="Segoe UI" panose="020B0502040204020203" pitchFamily="34" charset="0"/>
+                <a:ea typeface="Segoe UI" panose="020B0502040204020203" pitchFamily="34" charset="0"/>
+                <a:cs typeface="Segoe UI" panose="020B0502040204020203" pitchFamily="34" charset="0"/>
+              </a:rPr>
+              <a:t>) – pierwsza implementacja w Netscape Browser</a:t>
+            </a:r>
+            <a:endParaRPr lang="pl-PL" sz="2400" dirty="0" smtClean="0">
+              <a:solidFill>
+                <a:schemeClr val="tx1">
+                  <a:alpha val="20000"/>
+                </a:schemeClr>
+              </a:solidFill>
+              <a:latin typeface="Segoe UI" panose="020B0502040204020203" pitchFamily="34" charset="0"/>
+              <a:ea typeface="Segoe UI" panose="020B0502040204020203" pitchFamily="34" charset="0"/>
+              <a:cs typeface="Segoe UI" panose="020B0502040204020203" pitchFamily="34" charset="0"/>
+            </a:endParaRPr>
+          </a:p>
+          <a:p>
+            <a:r>
+              <a:rPr lang="pl-PL" sz="2400" dirty="0" smtClean="0">
+                <a:solidFill>
+                  <a:schemeClr val="tx1">
+                    <a:alpha val="20000"/>
+                  </a:schemeClr>
+                </a:solidFill>
+                <a:latin typeface="Segoe UI" panose="020B0502040204020203" pitchFamily="34" charset="0"/>
+                <a:ea typeface="Segoe UI" panose="020B0502040204020203" pitchFamily="34" charset="0"/>
+                <a:cs typeface="Segoe UI" panose="020B0502040204020203" pitchFamily="34" charset="0"/>
+              </a:rPr>
+              <a:t>ECMAScript </a:t>
+            </a:r>
+            <a:r>
+              <a:rPr lang="pl-PL" sz="2400" dirty="0" smtClean="0">
+                <a:solidFill>
+                  <a:schemeClr val="tx1">
+                    <a:alpha val="20000"/>
+                  </a:schemeClr>
+                </a:solidFill>
+                <a:latin typeface="Segoe UI" panose="020B0502040204020203" pitchFamily="34" charset="0"/>
+                <a:ea typeface="Segoe UI" panose="020B0502040204020203" pitchFamily="34" charset="0"/>
+                <a:cs typeface="Segoe UI" panose="020B0502040204020203" pitchFamily="34" charset="0"/>
+              </a:rPr>
+              <a:t>1-2 (1997 – 1998) – właściwy rozwój i powstanie języka</a:t>
+            </a:r>
+          </a:p>
+          <a:p>
+            <a:r>
+              <a:rPr lang="pl-PL" sz="2400" dirty="0" err="1" smtClean="0">
+                <a:solidFill>
+                  <a:schemeClr val="tx1">
+                    <a:alpha val="20000"/>
+                  </a:schemeClr>
+                </a:solidFill>
+                <a:latin typeface="Segoe UI" panose="020B0502040204020203" pitchFamily="34" charset="0"/>
+                <a:ea typeface="Segoe UI" panose="020B0502040204020203" pitchFamily="34" charset="0"/>
+                <a:cs typeface="Segoe UI" panose="020B0502040204020203" pitchFamily="34" charset="0"/>
+              </a:rPr>
               <a:t>ECMAScript</a:t>
             </a:r>
             <a:r>
-              <a:rPr lang="pl-PL" dirty="0" smtClean="0"/>
-              <a:t> 1-2 (1997 – 1998) – właściwy rozwój i powstanie języka</a:t>
-            </a:r>
-          </a:p>
-          <a:p>
-            <a:r>
-              <a:rPr lang="pl-PL" dirty="0" err="1" smtClean="0"/>
+              <a:rPr lang="pl-PL" sz="2400" dirty="0" smtClean="0">
+                <a:solidFill>
+                  <a:schemeClr val="tx1">
+                    <a:alpha val="20000"/>
+                  </a:schemeClr>
+                </a:solidFill>
+                <a:latin typeface="Segoe UI" panose="020B0502040204020203" pitchFamily="34" charset="0"/>
+                <a:ea typeface="Segoe UI" panose="020B0502040204020203" pitchFamily="34" charset="0"/>
+                <a:cs typeface="Segoe UI" panose="020B0502040204020203" pitchFamily="34" charset="0"/>
+              </a:rPr>
+              <a:t> 3 (1999) – wyrażenia regularne, obsługa wyjątków</a:t>
+            </a:r>
+          </a:p>
+          <a:p>
+            <a:r>
+              <a:rPr lang="pl-PL" sz="2400" dirty="0" err="1" smtClean="0">
+                <a:latin typeface="Segoe UI" panose="020B0502040204020203" pitchFamily="34" charset="0"/>
+                <a:ea typeface="Segoe UI" panose="020B0502040204020203" pitchFamily="34" charset="0"/>
+                <a:cs typeface="Segoe UI" panose="020B0502040204020203" pitchFamily="34" charset="0"/>
+              </a:rPr>
               <a:t>ECMAScript</a:t>
             </a:r>
             <a:r>
-              <a:rPr lang="pl-PL" dirty="0" smtClean="0"/>
-              <a:t> 3 (1999) – wyrażenia regularne, obsługa wyjątków</a:t>
-            </a:r>
-          </a:p>
-          <a:p>
-            <a:r>
-              <a:rPr lang="pl-PL" dirty="0" err="1" smtClean="0">
-                <a:solidFill>
-                  <a:schemeClr val="bg1"/>
-                </a:solidFill>
-              </a:rPr>
-              <a:t>ECMAScript</a:t>
-            </a:r>
-            <a:r>
-              <a:rPr lang="pl-PL" dirty="0" smtClean="0">
-                <a:solidFill>
-                  <a:schemeClr val="bg1"/>
-                </a:solidFill>
+              <a:rPr lang="pl-PL" sz="2400" dirty="0" smtClean="0">
+                <a:latin typeface="Segoe UI" panose="020B0502040204020203" pitchFamily="34" charset="0"/>
+                <a:ea typeface="Segoe UI" panose="020B0502040204020203" pitchFamily="34" charset="0"/>
+                <a:cs typeface="Segoe UI" panose="020B0502040204020203" pitchFamily="34" charset="0"/>
               </a:rPr>
               <a:t> 4 – R.I.P.</a:t>
             </a:r>
-            <a:endParaRPr lang="pl-PL" dirty="0">
-              <a:solidFill>
-                <a:schemeClr val="bg1"/>
-              </a:solidFill>
+            <a:endParaRPr lang="pl-PL" sz="2400" dirty="0">
+              <a:latin typeface="Segoe UI" panose="020B0502040204020203" pitchFamily="34" charset="0"/>
+              <a:ea typeface="Segoe UI" panose="020B0502040204020203" pitchFamily="34" charset="0"/>
+              <a:cs typeface="Segoe UI" panose="020B0502040204020203" pitchFamily="34" charset="0"/>
             </a:endParaRPr>
           </a:p>
           <a:p>
             <a:r>
-              <a:rPr lang="pl-PL" dirty="0" smtClean="0"/>
-              <a:t>ECMAScript 5 </a:t>
-            </a:r>
-            <a:r>
-              <a:rPr lang="pl-PL" dirty="0" smtClean="0"/>
-              <a:t>(2009) – </a:t>
-            </a:r>
-            <a:r>
-              <a:rPr lang="pl-PL" dirty="0" smtClean="0"/>
-              <a:t>„strict mode”, JSON, obiektowość na swój sposób</a:t>
-            </a:r>
-          </a:p>
-          <a:p>
-            <a:r>
-              <a:rPr lang="pl-PL" dirty="0" smtClean="0"/>
-              <a:t>ECMAScript 5.1 </a:t>
-            </a:r>
-            <a:r>
-              <a:rPr lang="pl-PL" dirty="0" smtClean="0"/>
-              <a:t>(2011) – </a:t>
-            </a:r>
-            <a:r>
-              <a:rPr lang="pl-PL" dirty="0" smtClean="0"/>
-              <a:t>zmiany edycyjne, </a:t>
-            </a:r>
-            <a:r>
-              <a:rPr lang="pl-PL" b="1" dirty="0" smtClean="0"/>
+              <a:rPr lang="pl-PL" sz="2400" dirty="0" smtClean="0">
+                <a:latin typeface="Segoe UI" panose="020B0502040204020203" pitchFamily="34" charset="0"/>
+                <a:ea typeface="Segoe UI" panose="020B0502040204020203" pitchFamily="34" charset="0"/>
+                <a:cs typeface="Segoe UI" panose="020B0502040204020203" pitchFamily="34" charset="0"/>
+              </a:rPr>
+              <a:t>ECMAScript 5 (2009) – „strict mode”, JSON, </a:t>
+            </a:r>
+            <a:r>
+              <a:rPr lang="pl-PL" sz="2400" dirty="0" smtClean="0">
+                <a:latin typeface="Segoe UI" panose="020B0502040204020203" pitchFamily="34" charset="0"/>
+                <a:ea typeface="Segoe UI" panose="020B0502040204020203" pitchFamily="34" charset="0"/>
+                <a:cs typeface="Segoe UI" panose="020B0502040204020203" pitchFamily="34" charset="0"/>
+              </a:rPr>
+              <a:t>kolejne elementy obiektowości (get/set)</a:t>
+            </a:r>
+            <a:endParaRPr lang="pl-PL" sz="2400" dirty="0" smtClean="0">
+              <a:latin typeface="Segoe UI" panose="020B0502040204020203" pitchFamily="34" charset="0"/>
+              <a:ea typeface="Segoe UI" panose="020B0502040204020203" pitchFamily="34" charset="0"/>
+              <a:cs typeface="Segoe UI" panose="020B0502040204020203" pitchFamily="34" charset="0"/>
+            </a:endParaRPr>
+          </a:p>
+          <a:p>
+            <a:r>
+              <a:rPr lang="pl-PL" sz="2400" dirty="0" smtClean="0">
+                <a:latin typeface="Segoe UI" panose="020B0502040204020203" pitchFamily="34" charset="0"/>
+                <a:ea typeface="Segoe UI" panose="020B0502040204020203" pitchFamily="34" charset="0"/>
+                <a:cs typeface="Segoe UI" panose="020B0502040204020203" pitchFamily="34" charset="0"/>
+              </a:rPr>
+              <a:t>ECMAScript 5.1 (2011) – zmiany edycyjne, </a:t>
+            </a:r>
+            <a:r>
+              <a:rPr lang="pl-PL" sz="2400" b="1" dirty="0" smtClean="0">
+                <a:latin typeface="Segoe UI" panose="020B0502040204020203" pitchFamily="34" charset="0"/>
+                <a:ea typeface="Segoe UI" panose="020B0502040204020203" pitchFamily="34" charset="0"/>
+                <a:cs typeface="Segoe UI" panose="020B0502040204020203" pitchFamily="34" charset="0"/>
+              </a:rPr>
               <a:t>obecna implementacja</a:t>
             </a:r>
           </a:p>
@@ -18974,7 +21638,11 @@
             <a:pPr marL="0" indent="0">
               <a:buNone/>
             </a:pPr>
-            <a:endParaRPr lang="pl-PL" dirty="0"/>
+            <a:endParaRPr lang="pl-PL" sz="2400" dirty="0">
+              <a:latin typeface="Segoe UI" panose="020B0502040204020203" pitchFamily="34" charset="0"/>
+              <a:ea typeface="Segoe UI" panose="020B0502040204020203" pitchFamily="34" charset="0"/>
+              <a:cs typeface="Segoe UI" panose="020B0502040204020203" pitchFamily="34" charset="0"/>
+            </a:endParaRPr>
           </a:p>
         </p:txBody>
       </p:sp>
@@ -18994,10 +21662,18 @@
           <a:lstStyle/>
           <a:p>
             <a:r>
-              <a:rPr lang="pl-PL" smtClean="0"/>
+              <a:rPr lang="pl-PL" smtClean="0">
+                <a:latin typeface="Segoe UI" panose="020B0502040204020203" pitchFamily="34" charset="0"/>
+                <a:ea typeface="Segoe UI" panose="020B0502040204020203" pitchFamily="34" charset="0"/>
+                <a:cs typeface="Segoe UI" panose="020B0502040204020203" pitchFamily="34" charset="0"/>
+              </a:rPr>
               <a:t>Quid novi? ECMAScript 6! / Hubert Zub / hubert.zub@gmail.com</a:t>
             </a:r>
-            <a:endParaRPr lang="pl-PL"/>
+            <a:endParaRPr lang="pl-PL">
+              <a:latin typeface="Segoe UI" panose="020B0502040204020203" pitchFamily="34" charset="0"/>
+              <a:ea typeface="Segoe UI" panose="020B0502040204020203" pitchFamily="34" charset="0"/>
+              <a:cs typeface="Segoe UI" panose="020B0502040204020203" pitchFamily="34" charset="0"/>
+            </a:endParaRPr>
           </a:p>
         </p:txBody>
       </p:sp>
@@ -19021,142 +21697,6 @@
 </p:sld>
 </file>
 
-<file path=ppt/slides/slide8.xml><?xml version="1.0" encoding="utf-8"?>
-<p:sld xmlns:a="http://schemas.openxmlformats.org/drawingml/2006/main" xmlns:r="http://schemas.openxmlformats.org/officeDocument/2006/relationships" xmlns:p="http://schemas.openxmlformats.org/presentationml/2006/main">
-  <p:cSld>
-    <p:spTree>
-      <p:nvGrpSpPr>
-        <p:cNvPr id="1" name=""/>
-        <p:cNvGrpSpPr/>
-        <p:nvPr/>
-      </p:nvGrpSpPr>
-      <p:grpSpPr>
-        <a:xfrm>
-          <a:off x="0" y="0"/>
-          <a:ext cx="0" cy="0"/>
-          <a:chOff x="0" y="0"/>
-          <a:chExt cx="0" cy="0"/>
-        </a:xfrm>
-      </p:grpSpPr>
-      <p:sp>
-        <p:nvSpPr>
-          <p:cNvPr id="2" name="Title 1"/>
-          <p:cNvSpPr>
-            <a:spLocks noGrp="1"/>
-          </p:cNvSpPr>
-          <p:nvPr>
-            <p:ph type="title"/>
-          </p:nvPr>
-        </p:nvSpPr>
-        <p:spPr/>
-        <p:txBody>
-          <a:bodyPr/>
-          <a:lstStyle/>
-          <a:p>
-            <a:r>
-              <a:rPr lang="pl-PL" dirty="0" smtClean="0"/>
-              <a:t>Czy jest nam potrzebne coś więcej?</a:t>
-            </a:r>
-            <a:endParaRPr lang="pl-PL" dirty="0"/>
-          </a:p>
-        </p:txBody>
-      </p:sp>
-      <p:sp>
-        <p:nvSpPr>
-          <p:cNvPr id="3" name="Content Placeholder 2"/>
-          <p:cNvSpPr>
-            <a:spLocks noGrp="1"/>
-          </p:cNvSpPr>
-          <p:nvPr>
-            <p:ph idx="1"/>
-          </p:nvPr>
-        </p:nvSpPr>
-        <p:spPr/>
-        <p:txBody>
-          <a:bodyPr/>
-          <a:lstStyle/>
-          <a:p>
-            <a:r>
-              <a:rPr lang="pl-PL" dirty="0" smtClean="0"/>
-              <a:t>„Przecież już mamy taki fajny język, nie trzeba zmian”</a:t>
-            </a:r>
-          </a:p>
-          <a:p>
-            <a:r>
-              <a:rPr lang="pl-PL" dirty="0" smtClean="0"/>
-              <a:t>Inne języki ewoluują – C#, Java, powstają kolejne języki i </a:t>
-            </a:r>
-            <a:r>
-              <a:rPr lang="pl-PL" dirty="0" err="1" smtClean="0"/>
-              <a:t>frameworki</a:t>
-            </a:r>
-            <a:r>
-              <a:rPr lang="pl-PL" dirty="0" smtClean="0"/>
-              <a:t> </a:t>
-            </a:r>
-            <a:r>
-              <a:rPr lang="pl-PL" dirty="0" err="1" smtClean="0"/>
-              <a:t>frontendowe</a:t>
-            </a:r>
-            <a:endParaRPr lang="pl-PL" dirty="0" smtClean="0"/>
-          </a:p>
-          <a:p>
-            <a:r>
-              <a:rPr lang="pl-PL" dirty="0" smtClean="0"/>
-              <a:t>Coraz więcej projektów, coraz mniej czasu</a:t>
-            </a:r>
-          </a:p>
-          <a:p>
-            <a:r>
-              <a:rPr lang="pl-PL" dirty="0" smtClean="0"/>
-              <a:t>Uporządkowanie dotychczasowych funkcjonalności (np. klasy)</a:t>
-            </a:r>
-          </a:p>
-          <a:p>
-            <a:r>
-              <a:rPr lang="pl-PL" dirty="0" smtClean="0"/>
-              <a:t>Są przeciwnicy niektórych lub wszystkich zmian</a:t>
-            </a:r>
-            <a:endParaRPr lang="pl-PL" dirty="0"/>
-          </a:p>
-        </p:txBody>
-      </p:sp>
-      <p:sp>
-        <p:nvSpPr>
-          <p:cNvPr id="4" name="Footer Placeholder 3"/>
-          <p:cNvSpPr>
-            <a:spLocks noGrp="1"/>
-          </p:cNvSpPr>
-          <p:nvPr>
-            <p:ph type="ftr" sz="quarter" idx="11"/>
-          </p:nvPr>
-        </p:nvSpPr>
-        <p:spPr/>
-        <p:txBody>
-          <a:bodyPr/>
-          <a:lstStyle/>
-          <a:p>
-            <a:r>
-              <a:rPr lang="pl-PL" smtClean="0"/>
-              <a:t>Quid novi? ECMAScript 6! / Hubert Zub / hubert.zub@gmail.com</a:t>
-            </a:r>
-            <a:endParaRPr lang="pl-PL"/>
-          </a:p>
-        </p:txBody>
-      </p:sp>
-    </p:spTree>
-    <p:extLst>
-      <p:ext uri="{BB962C8B-B14F-4D97-AF65-F5344CB8AC3E}">
-        <p14:creationId xmlns:p14="http://schemas.microsoft.com/office/powerpoint/2010/main" val="1811524586"/>
-      </p:ext>
-    </p:extLst>
-  </p:cSld>
-  <p:clrMapOvr>
-    <a:masterClrMapping/>
-  </p:clrMapOvr>
-</p:sld>
-</file>
-
 <file path=ppt/slides/slide9.xml><?xml version="1.0" encoding="utf-8"?>
 <p:sld xmlns:a="http://schemas.openxmlformats.org/drawingml/2006/main" xmlns:r="http://schemas.openxmlformats.org/officeDocument/2006/relationships" xmlns:p="http://schemas.openxmlformats.org/presentationml/2006/main">
   <p:cSld>
@@ -19190,16 +21730,55 @@
           <a:lstStyle/>
           <a:p>
             <a:r>
-              <a:rPr lang="pl-PL" dirty="0" smtClean="0"/>
-              <a:t>Rozwiązania tymczasowe/pośrednie</a:t>
-            </a:r>
-            <a:endParaRPr lang="pl-PL" dirty="0"/>
-          </a:p>
-        </p:txBody>
-      </p:sp>
-      <p:sp>
-        <p:nvSpPr>
-          <p:cNvPr id="3" name="Content Placeholder 2"/>
+              <a:rPr lang="pl-PL" dirty="0" smtClean="0">
+                <a:latin typeface="Segoe UI" panose="020B0502040204020203" pitchFamily="34" charset="0"/>
+                <a:ea typeface="Segoe UI" panose="020B0502040204020203" pitchFamily="34" charset="0"/>
+                <a:cs typeface="Segoe UI" panose="020B0502040204020203" pitchFamily="34" charset="0"/>
+              </a:rPr>
+              <a:t>Czy jest nam potrzebne coś więcej?</a:t>
+            </a:r>
+            <a:endParaRPr lang="pl-PL" dirty="0">
+              <a:latin typeface="Segoe UI" panose="020B0502040204020203" pitchFamily="34" charset="0"/>
+              <a:ea typeface="Segoe UI" panose="020B0502040204020203" pitchFamily="34" charset="0"/>
+              <a:cs typeface="Segoe UI" panose="020B0502040204020203" pitchFamily="34" charset="0"/>
+            </a:endParaRPr>
+          </a:p>
+        </p:txBody>
+      </p:sp>
+      <p:sp>
+        <p:nvSpPr>
+          <p:cNvPr id="4" name="Footer Placeholder 3"/>
+          <p:cNvSpPr>
+            <a:spLocks noGrp="1"/>
+          </p:cNvSpPr>
+          <p:nvPr>
+            <p:ph type="ftr" sz="quarter" idx="11"/>
+          </p:nvPr>
+        </p:nvSpPr>
+        <p:spPr/>
+        <p:txBody>
+          <a:bodyPr/>
+          <a:lstStyle/>
+          <a:p>
+            <a:r>
+              <a:rPr lang="pl-PL" smtClean="0">
+                <a:latin typeface="Segoe UI" panose="020B0502040204020203" pitchFamily="34" charset="0"/>
+                <a:ea typeface="Segoe UI" panose="020B0502040204020203" pitchFamily="34" charset="0"/>
+                <a:cs typeface="Segoe UI" panose="020B0502040204020203" pitchFamily="34" charset="0"/>
+              </a:rPr>
+              <a:t>Quid novi? ECMAScript 6! / Hubert Zub / hubert.zub@gmail.com</a:t>
+            </a:r>
+            <a:endParaRPr lang="pl-PL">
+              <a:latin typeface="Segoe UI" panose="020B0502040204020203" pitchFamily="34" charset="0"/>
+              <a:ea typeface="Segoe UI" panose="020B0502040204020203" pitchFamily="34" charset="0"/>
+              <a:cs typeface="Segoe UI" panose="020B0502040204020203" pitchFamily="34" charset="0"/>
+            </a:endParaRPr>
+          </a:p>
+        </p:txBody>
+      </p:sp>
+      <p:sp>
+        <p:nvSpPr>
+          <p:cNvPr id="5" name="Content Placeholder 4"/>
           <p:cNvSpPr>
             <a:spLocks noGrp="1"/>
           </p:cNvSpPr>
@@ -19212,134 +21791,27 @@
           <a:bodyPr/>
           <a:lstStyle/>
           <a:p>
-            <a:r>
-              <a:rPr lang="pl-PL" dirty="0" err="1" smtClean="0"/>
-              <a:t>CoffeeScript</a:t>
-            </a:r>
-            <a:endParaRPr lang="pl-PL" dirty="0"/>
-          </a:p>
-          <a:p>
-            <a:pPr lvl="1"/>
-            <a:r>
-              <a:rPr lang="pl-PL" dirty="0" smtClean="0"/>
-              <a:t>Język </a:t>
-            </a:r>
-            <a:r>
-              <a:rPr lang="pl-PL" dirty="0" err="1" smtClean="0"/>
-              <a:t>transpilowany</a:t>
-            </a:r>
-            <a:r>
-              <a:rPr lang="pl-PL" dirty="0" smtClean="0"/>
-              <a:t> do </a:t>
-            </a:r>
-            <a:r>
-              <a:rPr lang="pl-PL" dirty="0" err="1" smtClean="0"/>
-              <a:t>JavaScriptu</a:t>
-            </a:r>
-            <a:endParaRPr lang="pl-PL" dirty="0" smtClean="0"/>
-          </a:p>
-          <a:p>
-            <a:pPr lvl="1"/>
-            <a:r>
-              <a:rPr lang="pl-PL" dirty="0" smtClean="0"/>
-              <a:t>Zmiana składni</a:t>
-            </a:r>
-          </a:p>
-          <a:p>
-            <a:pPr lvl="1"/>
-            <a:r>
-              <a:rPr lang="pl-PL" b="1" dirty="0" smtClean="0"/>
-              <a:t>Brak kompatybilności</a:t>
-            </a:r>
-          </a:p>
-          <a:p>
-            <a:r>
-              <a:rPr lang="pl-PL" dirty="0" err="1" smtClean="0"/>
-              <a:t>TypeScript</a:t>
-            </a:r>
-            <a:r>
-              <a:rPr lang="pl-PL" dirty="0" smtClean="0"/>
-              <a:t> (wcześniej również </a:t>
-            </a:r>
-            <a:r>
-              <a:rPr lang="pl-PL" dirty="0" err="1" smtClean="0"/>
-              <a:t>AtScript</a:t>
-            </a:r>
-            <a:r>
-              <a:rPr lang="pl-PL" dirty="0" smtClean="0"/>
-              <a:t>)</a:t>
-            </a:r>
-          </a:p>
-          <a:p>
-            <a:pPr lvl="1"/>
-            <a:r>
-              <a:rPr lang="pl-PL" dirty="0" smtClean="0"/>
-              <a:t>Język </a:t>
-            </a:r>
-            <a:r>
-              <a:rPr lang="pl-PL" dirty="0" err="1" smtClean="0"/>
-              <a:t>transpilowany</a:t>
-            </a:r>
-            <a:r>
-              <a:rPr lang="pl-PL" dirty="0" smtClean="0"/>
-              <a:t> do </a:t>
-            </a:r>
-            <a:r>
-              <a:rPr lang="pl-PL" dirty="0" err="1" smtClean="0"/>
-              <a:t>JavaScriptu</a:t>
-            </a:r>
-            <a:endParaRPr lang="pl-PL" dirty="0" smtClean="0"/>
-          </a:p>
-          <a:p>
-            <a:pPr lvl="1"/>
-            <a:r>
-              <a:rPr lang="pl-PL" dirty="0" smtClean="0"/>
-              <a:t>Kompatybilność – kod JS jest kodem w TS</a:t>
-            </a:r>
-          </a:p>
-          <a:p>
-            <a:pPr lvl="1"/>
-            <a:r>
-              <a:rPr lang="pl-PL" b="1" dirty="0" smtClean="0"/>
-              <a:t>Brak planowanego wsparcia przeglądarek</a:t>
-            </a:r>
-            <a:endParaRPr lang="pl-PL" b="1" dirty="0"/>
-          </a:p>
-        </p:txBody>
-      </p:sp>
-      <p:sp>
-        <p:nvSpPr>
-          <p:cNvPr id="4" name="Footer Placeholder 3"/>
-          <p:cNvSpPr>
-            <a:spLocks noGrp="1"/>
-          </p:cNvSpPr>
-          <p:nvPr>
-            <p:ph type="ftr" sz="quarter" idx="11"/>
-          </p:nvPr>
-        </p:nvSpPr>
-        <p:spPr/>
-        <p:txBody>
-          <a:bodyPr/>
-          <a:lstStyle/>
-          <a:p>
-            <a:r>
-              <a:rPr lang="pl-PL" smtClean="0"/>
-              <a:t>Quid novi? ECMAScript 6! / Hubert Zub / hubert.zub@gmail.com</a:t>
-            </a:r>
-            <a:endParaRPr lang="pl-PL"/>
+            <a:endParaRPr lang="en-US"/>
           </a:p>
         </p:txBody>
       </p:sp>
     </p:spTree>
     <p:extLst>
       <p:ext uri="{BB962C8B-B14F-4D97-AF65-F5344CB8AC3E}">
-        <p14:creationId xmlns:p14="http://schemas.microsoft.com/office/powerpoint/2010/main" val="745906270"/>
+        <p14:creationId xmlns:p14="http://schemas.microsoft.com/office/powerpoint/2010/main" val="210307639"/>
       </p:ext>
     </p:extLst>
   </p:cSld>
   <p:clrMapOvr>
     <a:masterClrMapping/>
   </p:clrMapOvr>
+  <p:timing>
+    <p:tnLst>
+      <p:par>
+        <p:cTn id="1" dur="indefinite" restart="never" nodeType="tmRoot"/>
+      </p:par>
+    </p:tnLst>
+  </p:timing>
 </p:sld>
 </file>
 
@@ -19350,7 +21822,7 @@
   <p:tag name="VARPPTLANG" val="RXPEnglish"/>
   <p:tag name="VARPPTSLIDEFORMAT" val="RXP"/>
   <p:tag name="VARPPTCOMPATIBLE4" val="RXP"/>
-  <p:tag name="VARSAVEMESSAGETIMESTAMP" val="RXP2015-04-23"/>
+  <p:tag name="VARSAVEMESSAGETIMESTAMP" val="RXP2015-04-28"/>
 </p:tagLst>
 </file>
 
@@ -19609,7 +22081,7 @@
   <a:extraClrSchemeLst/>
   <a:extLst>
     <a:ext uri="{05A4C25C-085E-4340-85A3-A5531E510DB2}">
-      <thm15:themeFamily xmlns="" xmlns:thm15="http://schemas.microsoft.com/office/thememl/2012/main" name="Office Theme" id="{62F939B6-93AF-4DB8-9C6B-D6C7DFDC589F}" vid="{4A3C46E8-61CC-4603-A589-7422A47A8E4A}"/>
+      <thm15:themeFamily xmlns:thm15="http://schemas.microsoft.com/office/thememl/2012/main" xmlns="" name="Office Theme" id="{62F939B6-93AF-4DB8-9C6B-D6C7DFDC589F}" vid="{4A3C46E8-61CC-4603-A589-7422A47A8E4A}"/>
     </a:ext>
   </a:extLst>
 </a:theme>
@@ -19870,7 +22342,7 @@
   <a:extraClrSchemeLst/>
   <a:extLst>
     <a:ext uri="{05A4C25C-085E-4340-85A3-A5531E510DB2}">
-      <thm15:themeFamily xmlns="" xmlns:thm15="http://schemas.microsoft.com/office/thememl/2012/main" name="Office Theme" id="{62F939B6-93AF-4DB8-9C6B-D6C7DFDC589F}" vid="{4A3C46E8-61CC-4603-A589-7422A47A8E4A}"/>
+      <thm15:themeFamily xmlns:thm15="http://schemas.microsoft.com/office/thememl/2012/main" xmlns="" name="Office Theme" id="{62F939B6-93AF-4DB8-9C6B-D6C7DFDC589F}" vid="{4A3C46E8-61CC-4603-A589-7422A47A8E4A}"/>
     </a:ext>
   </a:extLst>
 </a:theme>
@@ -20131,7 +22603,7 @@
   <a:extraClrSchemeLst/>
   <a:extLst>
     <a:ext uri="{05A4C25C-085E-4340-85A3-A5531E510DB2}">
-      <thm15:themeFamily xmlns="" xmlns:thm15="http://schemas.microsoft.com/office/thememl/2012/main" name="Office Theme" id="{62F939B6-93AF-4DB8-9C6B-D6C7DFDC589F}" vid="{4A3C46E8-61CC-4603-A589-7422A47A8E4A}"/>
+      <thm15:themeFamily xmlns:thm15="http://schemas.microsoft.com/office/thememl/2012/main" xmlns="" name="Office Theme" id="{62F939B6-93AF-4DB8-9C6B-D6C7DFDC589F}" vid="{4A3C46E8-61CC-4603-A589-7422A47A8E4A}"/>
     </a:ext>
   </a:extLst>
 </a:theme>
@@ -20392,7 +22864,7 @@
   <a:extraClrSchemeLst/>
   <a:extLst>
     <a:ext uri="{05A4C25C-085E-4340-85A3-A5531E510DB2}">
-      <thm15:themeFamily xmlns="" xmlns:thm15="http://schemas.microsoft.com/office/thememl/2012/main" name="Office Theme" id="{62F939B6-93AF-4DB8-9C6B-D6C7DFDC589F}" vid="{4A3C46E8-61CC-4603-A589-7422A47A8E4A}"/>
+      <thm15:themeFamily xmlns:thm15="http://schemas.microsoft.com/office/thememl/2012/main" xmlns="" name="Office Theme" id="{62F939B6-93AF-4DB8-9C6B-D6C7DFDC589F}" vid="{4A3C46E8-61CC-4603-A589-7422A47A8E4A}"/>
     </a:ext>
   </a:extLst>
 </a:theme>
